--- a/Presentation.pptx
+++ b/Presentation.pptx
@@ -109,6 +109,11 @@
       </a:defRPr>
     </a:lvl9pPr>
   </p:defaultTextStyle>
+  <p:extLst>
+    <p:ext uri="{EFAFB233-063F-42B5-8137-9DF3F51BA10A}">
+      <p15:sldGuideLst xmlns:p15="http://schemas.microsoft.com/office/powerpoint/2012/main"/>
+    </p:ext>
+  </p:extLst>
 </p:presentation>
 </file>
 
@@ -2664,11 +2669,11 @@
   <dgm:cxnLst>
     <dgm:cxn modelId="{600B2017-CEC5-4080-A1E9-1C105AC23986}" type="presOf" srcId="{B1669BFF-F9EB-450E-B7A0-1FC2031F6E66}" destId="{AA92F248-552E-4807-B757-8152E31C9DBE}" srcOrd="0" destOrd="0" presId="urn:microsoft.com/office/officeart/2016/7/layout/LinearBlockProcessNumbered"/>
     <dgm:cxn modelId="{B74C5E26-AECA-493A-8C41-90AC504094E8}" type="presOf" srcId="{97710601-3675-4AAF-802A-525A87F21D5B}" destId="{AB823D1B-C8FE-4645-B53A-71BBAC9C4172}" srcOrd="0" destOrd="0" presId="urn:microsoft.com/office/officeart/2016/7/layout/LinearBlockProcessNumbered"/>
+    <dgm:cxn modelId="{A0AD9E51-EC42-4FEA-8A4D-33BDD1E90548}" srcId="{A56AC842-FCF8-4AAD-AFBD-0864B5F5BD03}" destId="{0925071E-9D8A-41E0-9E73-3D9D76985B33}" srcOrd="2" destOrd="0" parTransId="{FC277175-ABC6-483B-9F11-B9BD1C056DC1}" sibTransId="{5443F6D4-29FC-45B0-9E4D-21A933266124}"/>
+    <dgm:cxn modelId="{63F10258-4888-4553-B1F4-30DA234D142D}" type="presOf" srcId="{0925071E-9D8A-41E0-9E73-3D9D76985B33}" destId="{151B9AD0-E9BB-4111-A446-42E4D23F7890}" srcOrd="1" destOrd="0" presId="urn:microsoft.com/office/officeart/2016/7/layout/LinearBlockProcessNumbered"/>
     <dgm:cxn modelId="{1BA8135D-4BC6-4A71-831E-03F906B99180}" type="presOf" srcId="{B9264F9C-D18D-472D-BCE9-B5E544012C82}" destId="{0B502D18-F143-44A8-A56B-6D09E68EB019}" srcOrd="0" destOrd="0" presId="urn:microsoft.com/office/officeart/2016/7/layout/LinearBlockProcessNumbered"/>
     <dgm:cxn modelId="{C50B9364-DF78-4381-8462-C3C7C73D6365}" type="presOf" srcId="{EEF430E7-D8B6-41B9-A5FD-223A08391C0F}" destId="{A25B8F25-3E76-47EE-B28B-34BCEC81E445}" srcOrd="1" destOrd="0" presId="urn:microsoft.com/office/officeart/2016/7/layout/LinearBlockProcessNumbered"/>
-    <dgm:cxn modelId="{A0AD9E51-EC42-4FEA-8A4D-33BDD1E90548}" srcId="{A56AC842-FCF8-4AAD-AFBD-0864B5F5BD03}" destId="{0925071E-9D8A-41E0-9E73-3D9D76985B33}" srcOrd="2" destOrd="0" parTransId="{FC277175-ABC6-483B-9F11-B9BD1C056DC1}" sibTransId="{5443F6D4-29FC-45B0-9E4D-21A933266124}"/>
     <dgm:cxn modelId="{9F26A777-FF18-41E5-A931-009F0D6860FD}" type="presOf" srcId="{08D30E40-1961-40F7-A89E-9AB8F8A8E51F}" destId="{736FC8D0-F787-4ADD-BE56-A284428764C5}" srcOrd="0" destOrd="0" presId="urn:microsoft.com/office/officeart/2016/7/layout/LinearBlockProcessNumbered"/>
-    <dgm:cxn modelId="{63F10258-4888-4553-B1F4-30DA234D142D}" type="presOf" srcId="{0925071E-9D8A-41E0-9E73-3D9D76985B33}" destId="{151B9AD0-E9BB-4111-A446-42E4D23F7890}" srcOrd="1" destOrd="0" presId="urn:microsoft.com/office/officeart/2016/7/layout/LinearBlockProcessNumbered"/>
     <dgm:cxn modelId="{B6FD337E-6991-4BEC-BA2A-41A0E2EFEE27}" type="presOf" srcId="{0925071E-9D8A-41E0-9E73-3D9D76985B33}" destId="{50122972-40B8-49CE-9992-A9C55E14F608}" srcOrd="0" destOrd="0" presId="urn:microsoft.com/office/officeart/2016/7/layout/LinearBlockProcessNumbered"/>
     <dgm:cxn modelId="{D2AFFB86-5407-4B8B-B5A7-A1EC0F5A7900}" srcId="{A56AC842-FCF8-4AAD-AFBD-0864B5F5BD03}" destId="{EEF430E7-D8B6-41B9-A5FD-223A08391C0F}" srcOrd="3" destOrd="0" parTransId="{03C84A5A-BB59-4AB2-9588-E2FD0432C4D2}" sibTransId="{B9264F9C-D18D-472D-BCE9-B5E544012C82}"/>
     <dgm:cxn modelId="{B0A9C3AA-401B-4D15-9D8A-D1128B906444}" type="presOf" srcId="{A56AC842-FCF8-4AAD-AFBD-0864B5F5BD03}" destId="{8B0DF416-0D4C-4F24-88D7-A6FD9536E081}" srcOrd="0" destOrd="0" presId="urn:microsoft.com/office/officeart/2016/7/layout/LinearBlockProcessNumbered"/>
@@ -2981,8 +2986,8 @@
     <dgm:cxn modelId="{6E7A1632-C20C-48EE-9991-36906984C52D}" srcId="{DFDCE516-0D67-46FB-9FC9-1B0B98577A16}" destId="{11046346-6B08-4F1F-BA62-5A8428841CB5}" srcOrd="4" destOrd="0" parTransId="{D7850430-2D56-4F6F-9C65-BAF816C2CADD}" sibTransId="{9ACCA623-C9E8-442B-94C9-B8959C6FC608}"/>
     <dgm:cxn modelId="{56BF3237-4698-49EB-83B2-B916917DFF2E}" type="presOf" srcId="{11046346-6B08-4F1F-BA62-5A8428841CB5}" destId="{3643DC03-1888-4136-B8E8-9FF5B551E7D5}" srcOrd="0" destOrd="0" presId="urn:microsoft.com/office/officeart/2005/8/layout/vList2"/>
     <dgm:cxn modelId="{F1DAEF3B-4C38-430D-B72A-DE87030BD165}" type="presOf" srcId="{F2FE7298-9498-4478-9B5F-2ADD65462249}" destId="{589CBBAF-BA02-45B6-8840-4A60A41FB7F3}" srcOrd="0" destOrd="0" presId="urn:microsoft.com/office/officeart/2005/8/layout/vList2"/>
+    <dgm:cxn modelId="{5C940549-CCC9-4F28-AFB9-FD546959EFCC}" type="presOf" srcId="{86B771E7-BD2B-4019-B713-98D4174E3FE1}" destId="{7AF75A0C-B364-42C1-855F-DF867D2F788A}" srcOrd="0" destOrd="0" presId="urn:microsoft.com/office/officeart/2005/8/layout/vList2"/>
     <dgm:cxn modelId="{62620B5E-0692-4F40-9943-DE1C3D841EA5}" type="presOf" srcId="{DFDCE516-0D67-46FB-9FC9-1B0B98577A16}" destId="{7C481EFA-9E78-4ED4-ACE6-F788D0BED9DD}" srcOrd="0" destOrd="0" presId="urn:microsoft.com/office/officeart/2005/8/layout/vList2"/>
-    <dgm:cxn modelId="{5C940549-CCC9-4F28-AFB9-FD546959EFCC}" type="presOf" srcId="{86B771E7-BD2B-4019-B713-98D4174E3FE1}" destId="{7AF75A0C-B364-42C1-855F-DF867D2F788A}" srcOrd="0" destOrd="0" presId="urn:microsoft.com/office/officeart/2005/8/layout/vList2"/>
     <dgm:cxn modelId="{ABDE546E-07D1-42C9-94CD-EA8DA0FC386D}" type="presOf" srcId="{D874529F-E315-4EBF-A083-1F0DDD1E89FB}" destId="{7F076CA7-74B8-49A1-9FAF-E8493F38A891}" srcOrd="0" destOrd="0" presId="urn:microsoft.com/office/officeart/2005/8/layout/vList2"/>
     <dgm:cxn modelId="{2B51C7A1-C383-4BF0-B9E0-07E8D5834C54}" srcId="{DFDCE516-0D67-46FB-9FC9-1B0B98577A16}" destId="{F2FE7298-9498-4478-9B5F-2ADD65462249}" srcOrd="2" destOrd="0" parTransId="{F12BFA39-B3D5-40F5-A673-900652AA422A}" sibTransId="{1A20F32E-4DE2-4BA6-B9E0-74365A218EAC}"/>
     <dgm:cxn modelId="{3742C5EF-71EE-46E1-B75D-7F63F7AA5C0A}" srcId="{DFDCE516-0D67-46FB-9FC9-1B0B98577A16}" destId="{D874529F-E315-4EBF-A083-1F0DDD1E89FB}" srcOrd="1" destOrd="0" parTransId="{5CE3B5B8-E49A-4DCA-8E78-03936168A4D7}" sibTransId="{7E5AB090-7B8C-425E-B501-5C9BE6A16561}"/>
@@ -3324,11 +3329,11 @@
     <dgm:cxn modelId="{6CD58C01-0C76-4F74-9BE8-D0E1221455AA}" srcId="{DFDCE516-0D67-46FB-9FC9-1B0B98577A16}" destId="{86B771E7-BD2B-4019-B713-98D4174E3FE1}" srcOrd="0" destOrd="0" parTransId="{9E30E029-823A-40B3-937C-F0389C34FD39}" sibTransId="{1AA4C1B2-4D56-4219-8E35-CD6DAD937CBE}"/>
     <dgm:cxn modelId="{A0274505-7AD0-4FBA-8B36-F26A0269F4CF}" type="presOf" srcId="{5E1CCF4A-0DFA-4391-9EDF-9622B23230C4}" destId="{21D968B3-3413-4124-821D-F0D8A3C8CFF5}" srcOrd="0" destOrd="0" presId="urn:microsoft.com/office/officeart/2005/8/layout/vList2"/>
     <dgm:cxn modelId="{E459D32B-BDD6-4A39-B98B-3FBA6A6D8A2E}" srcId="{DFDCE516-0D67-46FB-9FC9-1B0B98577A16}" destId="{FEBAB7B0-7B28-4A7D-AB77-FBA38D29C31A}" srcOrd="1" destOrd="0" parTransId="{217534B1-DAE9-43C1-8564-4531E20725E6}" sibTransId="{27216AAD-BBB7-4E83-89FD-7A4C44DF7390}"/>
-    <dgm:cxn modelId="{62620B5E-0692-4F40-9943-DE1C3D841EA5}" type="presOf" srcId="{DFDCE516-0D67-46FB-9FC9-1B0B98577A16}" destId="{7C481EFA-9E78-4ED4-ACE6-F788D0BED9DD}" srcOrd="0" destOrd="0" presId="urn:microsoft.com/office/officeart/2005/8/layout/vList2"/>
     <dgm:cxn modelId="{70387542-75CF-454C-ADBF-A1DD578AC5EA}" type="presOf" srcId="{6B00E1B2-18E2-4A41-9118-F1673FFCE6AB}" destId="{3B97045A-172A-4057-8CCB-76895BA1FDE6}" srcOrd="0" destOrd="0" presId="urn:microsoft.com/office/officeart/2005/8/layout/vList2"/>
     <dgm:cxn modelId="{5C940549-CCC9-4F28-AFB9-FD546959EFCC}" type="presOf" srcId="{86B771E7-BD2B-4019-B713-98D4174E3FE1}" destId="{7AF75A0C-B364-42C1-855F-DF867D2F788A}" srcOrd="0" destOrd="0" presId="urn:microsoft.com/office/officeart/2005/8/layout/vList2"/>
     <dgm:cxn modelId="{3F9F934E-65CD-4EA6-8577-28FFBD23D829}" srcId="{DFDCE516-0D67-46FB-9FC9-1B0B98577A16}" destId="{8A07B19B-4B37-4817-A93F-7937C1CE11D7}" srcOrd="5" destOrd="0" parTransId="{5E649016-799E-45B0-9717-5FF3949A52DA}" sibTransId="{59C2F639-6861-47F4-903A-CFA9DFFA9D6A}"/>
     <dgm:cxn modelId="{2BECB053-61DD-4A10-8654-D9AA9295D451}" type="presOf" srcId="{C1B1A2C0-68AE-4534-843D-4A5D57B43204}" destId="{A9FED693-A99D-4A6A-A0F0-13DB2854A162}" srcOrd="0" destOrd="0" presId="urn:microsoft.com/office/officeart/2005/8/layout/vList2"/>
+    <dgm:cxn modelId="{62620B5E-0692-4F40-9943-DE1C3D841EA5}" type="presOf" srcId="{DFDCE516-0D67-46FB-9FC9-1B0B98577A16}" destId="{7C481EFA-9E78-4ED4-ACE6-F788D0BED9DD}" srcOrd="0" destOrd="0" presId="urn:microsoft.com/office/officeart/2005/8/layout/vList2"/>
     <dgm:cxn modelId="{4757707B-D3A3-4E83-B51E-DCAFA0EA1E73}" srcId="{DFDCE516-0D67-46FB-9FC9-1B0B98577A16}" destId="{6B00E1B2-18E2-4A41-9118-F1673FFCE6AB}" srcOrd="2" destOrd="0" parTransId="{050E9854-FB6E-4E17-A9A0-AD5E96A4EA2D}" sibTransId="{6074E7B1-F1C3-4390-81E3-0BA8673DE715}"/>
     <dgm:cxn modelId="{9ACE13A2-BAD0-4E51-869B-BB7DF253CCB8}" srcId="{DFDCE516-0D67-46FB-9FC9-1B0B98577A16}" destId="{5E1CCF4A-0DFA-4391-9EDF-9622B23230C4}" srcOrd="3" destOrd="0" parTransId="{31332738-1E87-4F13-9830-9B10803E2AC5}" sibTransId="{3C6AFF42-E4FD-407B-8383-8B2E282F51B0}"/>
     <dgm:cxn modelId="{A0C1C6D9-A324-4B66-98C1-A14803DD6E7A}" type="presOf" srcId="{8A07B19B-4B37-4817-A93F-7937C1CE11D7}" destId="{02D43881-500F-4308-B993-48DDC6B63F90}" srcOrd="0" destOrd="0" presId="urn:microsoft.com/office/officeart/2005/8/layout/vList2"/>
@@ -8693,7 +8698,7 @@
           <a:p>
             <a:fld id="{CCB3CE20-769C-48A4-A90E-395B11202C2B}" type="datetimeFigureOut">
               <a:rPr lang="en-US" smtClean="0"/>
-              <a:t>2/7/2023</a:t>
+              <a:t>2/8/23</a:t>
             </a:fld>
             <a:endParaRPr lang="en-US"/>
           </a:p>
@@ -9031,7 +9036,7 @@
           <a:p>
             <a:fld id="{CCB3CE20-769C-48A4-A90E-395B11202C2B}" type="datetimeFigureOut">
               <a:rPr lang="en-US" smtClean="0"/>
-              <a:t>2/7/2023</a:t>
+              <a:t>2/8/23</a:t>
             </a:fld>
             <a:endParaRPr lang="en-US"/>
           </a:p>
@@ -9432,7 +9437,7 @@
           <a:p>
             <a:fld id="{CCB3CE20-769C-48A4-A90E-395B11202C2B}" type="datetimeFigureOut">
               <a:rPr lang="en-US" smtClean="0"/>
-              <a:t>2/7/2023</a:t>
+              <a:t>2/8/23</a:t>
             </a:fld>
             <a:endParaRPr lang="en-US"/>
           </a:p>
@@ -9768,7 +9773,7 @@
           <a:p>
             <a:fld id="{CCB3CE20-769C-48A4-A90E-395B11202C2B}" type="datetimeFigureOut">
               <a:rPr lang="en-US" smtClean="0"/>
-              <a:t>2/7/2023</a:t>
+              <a:t>2/8/23</a:t>
             </a:fld>
             <a:endParaRPr lang="en-US"/>
           </a:p>
@@ -10088,7 +10093,7 @@
           <a:p>
             <a:fld id="{CCB3CE20-769C-48A4-A90E-395B11202C2B}" type="datetimeFigureOut">
               <a:rPr lang="en-US" smtClean="0"/>
-              <a:t>2/7/2023</a:t>
+              <a:t>2/8/23</a:t>
             </a:fld>
             <a:endParaRPr lang="en-US"/>
           </a:p>
@@ -10484,7 +10489,7 @@
           <a:p>
             <a:fld id="{CCB3CE20-769C-48A4-A90E-395B11202C2B}" type="datetimeFigureOut">
               <a:rPr lang="en-US" smtClean="0"/>
-              <a:t>2/7/2023</a:t>
+              <a:t>2/8/23</a:t>
             </a:fld>
             <a:endParaRPr lang="en-US"/>
           </a:p>
@@ -10741,7 +10746,7 @@
           <a:p>
             <a:fld id="{CCB3CE20-769C-48A4-A90E-395B11202C2B}" type="datetimeFigureOut">
               <a:rPr lang="en-US" smtClean="0"/>
-              <a:t>2/7/2023</a:t>
+              <a:t>2/8/23</a:t>
             </a:fld>
             <a:endParaRPr lang="en-US"/>
           </a:p>
@@ -11003,7 +11008,7 @@
           <a:p>
             <a:fld id="{CCB3CE20-769C-48A4-A90E-395B11202C2B}" type="datetimeFigureOut">
               <a:rPr lang="en-US" smtClean="0"/>
-              <a:t>2/7/2023</a:t>
+              <a:t>2/8/23</a:t>
             </a:fld>
             <a:endParaRPr lang="en-US"/>
           </a:p>
@@ -11265,7 +11270,7 @@
           <a:p>
             <a:fld id="{CCB3CE20-769C-48A4-A90E-395B11202C2B}" type="datetimeFigureOut">
               <a:rPr lang="en-US" smtClean="0"/>
-              <a:t>2/7/2023</a:t>
+              <a:t>2/8/23</a:t>
             </a:fld>
             <a:endParaRPr lang="en-US"/>
           </a:p>
@@ -11594,7 +11599,7 @@
           <a:p>
             <a:fld id="{CCB3CE20-769C-48A4-A90E-395B11202C2B}" type="datetimeFigureOut">
               <a:rPr lang="en-US" smtClean="0"/>
-              <a:t>2/7/2023</a:t>
+              <a:t>2/8/23</a:t>
             </a:fld>
             <a:endParaRPr lang="en-US"/>
           </a:p>
@@ -11917,7 +11922,7 @@
           <a:p>
             <a:fld id="{CCB3CE20-769C-48A4-A90E-395B11202C2B}" type="datetimeFigureOut">
               <a:rPr lang="en-US" smtClean="0"/>
-              <a:t>2/7/2023</a:t>
+              <a:t>2/8/23</a:t>
             </a:fld>
             <a:endParaRPr lang="en-US"/>
           </a:p>
@@ -12374,7 +12379,7 @@
           <a:p>
             <a:fld id="{CCB3CE20-769C-48A4-A90E-395B11202C2B}" type="datetimeFigureOut">
               <a:rPr lang="en-US" smtClean="0"/>
-              <a:t>2/7/2023</a:t>
+              <a:t>2/8/23</a:t>
             </a:fld>
             <a:endParaRPr lang="en-US"/>
           </a:p>
@@ -12579,7 +12584,7 @@
           <a:p>
             <a:fld id="{CCB3CE20-769C-48A4-A90E-395B11202C2B}" type="datetimeFigureOut">
               <a:rPr lang="en-US" smtClean="0"/>
-              <a:t>2/7/2023</a:t>
+              <a:t>2/8/23</a:t>
             </a:fld>
             <a:endParaRPr lang="en-US"/>
           </a:p>
@@ -12756,7 +12761,7 @@
           <a:p>
             <a:fld id="{CCB3CE20-769C-48A4-A90E-395B11202C2B}" type="datetimeFigureOut">
               <a:rPr lang="en-US" smtClean="0"/>
-              <a:t>2/7/2023</a:t>
+              <a:t>2/8/23</a:t>
             </a:fld>
             <a:endParaRPr lang="en-US"/>
           </a:p>
@@ -13089,7 +13094,7 @@
           <a:p>
             <a:fld id="{CCB3CE20-769C-48A4-A90E-395B11202C2B}" type="datetimeFigureOut">
               <a:rPr lang="en-US" smtClean="0"/>
-              <a:t>2/7/2023</a:t>
+              <a:t>2/8/23</a:t>
             </a:fld>
             <a:endParaRPr lang="en-US"/>
           </a:p>
@@ -13434,7 +13439,7 @@
           <a:p>
             <a:fld id="{CCB3CE20-769C-48A4-A90E-395B11202C2B}" type="datetimeFigureOut">
               <a:rPr lang="en-US" smtClean="0"/>
-              <a:t>2/7/2023</a:t>
+              <a:t>2/8/23</a:t>
             </a:fld>
             <a:endParaRPr lang="en-US"/>
           </a:p>
@@ -15551,7 +15556,7 @@
           <a:p>
             <a:fld id="{CCB3CE20-769C-48A4-A90E-395B11202C2B}" type="datetimeFigureOut">
               <a:rPr lang="en-US" smtClean="0"/>
-              <a:t>2/7/2023</a:t>
+              <a:t>2/8/23</a:t>
             </a:fld>
             <a:endParaRPr lang="en-US"/>
           </a:p>
@@ -20826,7 +20831,22 @@
           <a:bodyPr/>
           <a:lstStyle/>
           <a:p>
+            <a:r>
+              <a:rPr lang="en-US" dirty="0"/>
+              <a:t>Houstonians will be able to use our interactive website to upload pictures of birds they have taken around the City of Houston. Our machine will be able to identify the bird they have uploaded to our website, by returning them with the bird’s name along with a short bio about the bird. </a:t>
+            </a:r>
+          </a:p>
+          <a:p>
+            <a:pPr marL="0" indent="0">
+              <a:buNone/>
+            </a:pPr>
             <a:endParaRPr lang="en-US" dirty="0"/>
+          </a:p>
+          <a:p>
+            <a:r>
+              <a:rPr lang="en-US" dirty="0"/>
+              <a:t>We will be using HTML, JavaScript, VSC and Flask on building our interactive website. </a:t>
+            </a:r>
           </a:p>
         </p:txBody>
       </p:sp>

--- a/Presentation.pptx
+++ b/Presentation.pptx
@@ -2669,11 +2669,11 @@
   <dgm:cxnLst>
     <dgm:cxn modelId="{600B2017-CEC5-4080-A1E9-1C105AC23986}" type="presOf" srcId="{B1669BFF-F9EB-450E-B7A0-1FC2031F6E66}" destId="{AA92F248-552E-4807-B757-8152E31C9DBE}" srcOrd="0" destOrd="0" presId="urn:microsoft.com/office/officeart/2016/7/layout/LinearBlockProcessNumbered"/>
     <dgm:cxn modelId="{B74C5E26-AECA-493A-8C41-90AC504094E8}" type="presOf" srcId="{97710601-3675-4AAF-802A-525A87F21D5B}" destId="{AB823D1B-C8FE-4645-B53A-71BBAC9C4172}" srcOrd="0" destOrd="0" presId="urn:microsoft.com/office/officeart/2016/7/layout/LinearBlockProcessNumbered"/>
-    <dgm:cxn modelId="{A0AD9E51-EC42-4FEA-8A4D-33BDD1E90548}" srcId="{A56AC842-FCF8-4AAD-AFBD-0864B5F5BD03}" destId="{0925071E-9D8A-41E0-9E73-3D9D76985B33}" srcOrd="2" destOrd="0" parTransId="{FC277175-ABC6-483B-9F11-B9BD1C056DC1}" sibTransId="{5443F6D4-29FC-45B0-9E4D-21A933266124}"/>
-    <dgm:cxn modelId="{63F10258-4888-4553-B1F4-30DA234D142D}" type="presOf" srcId="{0925071E-9D8A-41E0-9E73-3D9D76985B33}" destId="{151B9AD0-E9BB-4111-A446-42E4D23F7890}" srcOrd="1" destOrd="0" presId="urn:microsoft.com/office/officeart/2016/7/layout/LinearBlockProcessNumbered"/>
     <dgm:cxn modelId="{1BA8135D-4BC6-4A71-831E-03F906B99180}" type="presOf" srcId="{B9264F9C-D18D-472D-BCE9-B5E544012C82}" destId="{0B502D18-F143-44A8-A56B-6D09E68EB019}" srcOrd="0" destOrd="0" presId="urn:microsoft.com/office/officeart/2016/7/layout/LinearBlockProcessNumbered"/>
     <dgm:cxn modelId="{C50B9364-DF78-4381-8462-C3C7C73D6365}" type="presOf" srcId="{EEF430E7-D8B6-41B9-A5FD-223A08391C0F}" destId="{A25B8F25-3E76-47EE-B28B-34BCEC81E445}" srcOrd="1" destOrd="0" presId="urn:microsoft.com/office/officeart/2016/7/layout/LinearBlockProcessNumbered"/>
+    <dgm:cxn modelId="{A0AD9E51-EC42-4FEA-8A4D-33BDD1E90548}" srcId="{A56AC842-FCF8-4AAD-AFBD-0864B5F5BD03}" destId="{0925071E-9D8A-41E0-9E73-3D9D76985B33}" srcOrd="2" destOrd="0" parTransId="{FC277175-ABC6-483B-9F11-B9BD1C056DC1}" sibTransId="{5443F6D4-29FC-45B0-9E4D-21A933266124}"/>
     <dgm:cxn modelId="{9F26A777-FF18-41E5-A931-009F0D6860FD}" type="presOf" srcId="{08D30E40-1961-40F7-A89E-9AB8F8A8E51F}" destId="{736FC8D0-F787-4ADD-BE56-A284428764C5}" srcOrd="0" destOrd="0" presId="urn:microsoft.com/office/officeart/2016/7/layout/LinearBlockProcessNumbered"/>
+    <dgm:cxn modelId="{63F10258-4888-4553-B1F4-30DA234D142D}" type="presOf" srcId="{0925071E-9D8A-41E0-9E73-3D9D76985B33}" destId="{151B9AD0-E9BB-4111-A446-42E4D23F7890}" srcOrd="1" destOrd="0" presId="urn:microsoft.com/office/officeart/2016/7/layout/LinearBlockProcessNumbered"/>
     <dgm:cxn modelId="{B6FD337E-6991-4BEC-BA2A-41A0E2EFEE27}" type="presOf" srcId="{0925071E-9D8A-41E0-9E73-3D9D76985B33}" destId="{50122972-40B8-49CE-9992-A9C55E14F608}" srcOrd="0" destOrd="0" presId="urn:microsoft.com/office/officeart/2016/7/layout/LinearBlockProcessNumbered"/>
     <dgm:cxn modelId="{D2AFFB86-5407-4B8B-B5A7-A1EC0F5A7900}" srcId="{A56AC842-FCF8-4AAD-AFBD-0864B5F5BD03}" destId="{EEF430E7-D8B6-41B9-A5FD-223A08391C0F}" srcOrd="3" destOrd="0" parTransId="{03C84A5A-BB59-4AB2-9588-E2FD0432C4D2}" sibTransId="{B9264F9C-D18D-472D-BCE9-B5E544012C82}"/>
     <dgm:cxn modelId="{B0A9C3AA-401B-4D15-9D8A-D1128B906444}" type="presOf" srcId="{A56AC842-FCF8-4AAD-AFBD-0864B5F5BD03}" destId="{8B0DF416-0D4C-4F24-88D7-A6FD9536E081}" srcOrd="0" destOrd="0" presId="urn:microsoft.com/office/officeart/2016/7/layout/LinearBlockProcessNumbered"/>
@@ -2718,7 +2718,7 @@
 <dgm:dataModel xmlns:dgm="http://schemas.openxmlformats.org/drawingml/2006/diagram" xmlns:a="http://schemas.openxmlformats.org/drawingml/2006/main">
   <dgm:ptLst>
     <dgm:pt modelId="{DFDCE516-0D67-46FB-9FC9-1B0B98577A16}" type="doc">
-      <dgm:prSet loTypeId="urn:microsoft.com/office/officeart/2005/8/layout/vList2" loCatId="list" qsTypeId="urn:microsoft.com/office/officeart/2005/8/quickstyle/simple1" qsCatId="simple" csTypeId="urn:microsoft.com/office/officeart/2005/8/colors/accent1_2" csCatId="accent1"/>
+      <dgm:prSet loTypeId="urn:microsoft.com/office/officeart/2005/8/layout/vList2" loCatId="list" qsTypeId="urn:microsoft.com/office/officeart/2005/8/quickstyle/simple1" qsCatId="simple" csTypeId="urn:microsoft.com/office/officeart/2005/8/colors/accent1_2" csCatId="accent1" phldr="1"/>
       <dgm:spPr/>
       <dgm:t>
         <a:bodyPr/>
@@ -2736,7 +2736,7 @@
         <a:lstStyle/>
         <a:p>
           <a:r>
-            <a:rPr lang="en-US"/>
+            <a:rPr lang="en-US" dirty="0"/>
             <a:t>Use the Flickr API to create dataset of birds</a:t>
           </a:r>
         </a:p>
@@ -2808,7 +2808,7 @@
         <a:lstStyle/>
         <a:p>
           <a:r>
-            <a:rPr lang="en-US"/>
+            <a:rPr lang="en-US" dirty="0"/>
             <a:t>Define Size and Location for Photos to Download to </a:t>
           </a:r>
         </a:p>
@@ -2844,8 +2844,8 @@
         <a:lstStyle/>
         <a:p>
           <a:r>
-            <a:rPr lang="en-US"/>
-            <a:t>Clean dataset to remove nonrelevant photos and photos were birds are too small to be easily identified </a:t>
+            <a:rPr lang="en-US" dirty="0"/>
+            <a:t>Clean dataset to remove nonrelevant photos and photos where birds are too small to be easily identified </a:t>
           </a:r>
         </a:p>
       </dgm:t>
@@ -2986,8 +2986,8 @@
     <dgm:cxn modelId="{6E7A1632-C20C-48EE-9991-36906984C52D}" srcId="{DFDCE516-0D67-46FB-9FC9-1B0B98577A16}" destId="{11046346-6B08-4F1F-BA62-5A8428841CB5}" srcOrd="4" destOrd="0" parTransId="{D7850430-2D56-4F6F-9C65-BAF816C2CADD}" sibTransId="{9ACCA623-C9E8-442B-94C9-B8959C6FC608}"/>
     <dgm:cxn modelId="{56BF3237-4698-49EB-83B2-B916917DFF2E}" type="presOf" srcId="{11046346-6B08-4F1F-BA62-5A8428841CB5}" destId="{3643DC03-1888-4136-B8E8-9FF5B551E7D5}" srcOrd="0" destOrd="0" presId="urn:microsoft.com/office/officeart/2005/8/layout/vList2"/>
     <dgm:cxn modelId="{F1DAEF3B-4C38-430D-B72A-DE87030BD165}" type="presOf" srcId="{F2FE7298-9498-4478-9B5F-2ADD65462249}" destId="{589CBBAF-BA02-45B6-8840-4A60A41FB7F3}" srcOrd="0" destOrd="0" presId="urn:microsoft.com/office/officeart/2005/8/layout/vList2"/>
+    <dgm:cxn modelId="{62620B5E-0692-4F40-9943-DE1C3D841EA5}" type="presOf" srcId="{DFDCE516-0D67-46FB-9FC9-1B0B98577A16}" destId="{7C481EFA-9E78-4ED4-ACE6-F788D0BED9DD}" srcOrd="0" destOrd="0" presId="urn:microsoft.com/office/officeart/2005/8/layout/vList2"/>
     <dgm:cxn modelId="{5C940549-CCC9-4F28-AFB9-FD546959EFCC}" type="presOf" srcId="{86B771E7-BD2B-4019-B713-98D4174E3FE1}" destId="{7AF75A0C-B364-42C1-855F-DF867D2F788A}" srcOrd="0" destOrd="0" presId="urn:microsoft.com/office/officeart/2005/8/layout/vList2"/>
-    <dgm:cxn modelId="{62620B5E-0692-4F40-9943-DE1C3D841EA5}" type="presOf" srcId="{DFDCE516-0D67-46FB-9FC9-1B0B98577A16}" destId="{7C481EFA-9E78-4ED4-ACE6-F788D0BED9DD}" srcOrd="0" destOrd="0" presId="urn:microsoft.com/office/officeart/2005/8/layout/vList2"/>
     <dgm:cxn modelId="{ABDE546E-07D1-42C9-94CD-EA8DA0FC386D}" type="presOf" srcId="{D874529F-E315-4EBF-A083-1F0DDD1E89FB}" destId="{7F076CA7-74B8-49A1-9FAF-E8493F38A891}" srcOrd="0" destOrd="0" presId="urn:microsoft.com/office/officeart/2005/8/layout/vList2"/>
     <dgm:cxn modelId="{2B51C7A1-C383-4BF0-B9E0-07E8D5834C54}" srcId="{DFDCE516-0D67-46FB-9FC9-1B0B98577A16}" destId="{F2FE7298-9498-4478-9B5F-2ADD65462249}" srcOrd="2" destOrd="0" parTransId="{F12BFA39-B3D5-40F5-A673-900652AA422A}" sibTransId="{1A20F32E-4DE2-4BA6-B9E0-74365A218EAC}"/>
     <dgm:cxn modelId="{3742C5EF-71EE-46E1-B75D-7F63F7AA5C0A}" srcId="{DFDCE516-0D67-46FB-9FC9-1B0B98577A16}" destId="{D874529F-E315-4EBF-A083-1F0DDD1E89FB}" srcOrd="1" destOrd="0" parTransId="{5CE3B5B8-E49A-4DCA-8E78-03936168A4D7}" sibTransId="{7E5AB090-7B8C-425E-B501-5C9BE6A16561}"/>
@@ -3026,15 +3026,23 @@
       </dgm:t>
     </dgm:pt>
     <dgm:pt modelId="{86B771E7-BD2B-4019-B713-98D4174E3FE1}">
-      <dgm:prSet/>
+      <dgm:prSet custT="1"/>
       <dgm:spPr/>
       <dgm:t>
         <a:bodyPr/>
         <a:lstStyle/>
         <a:p>
           <a:r>
-            <a:rPr lang="en-US" dirty="0"/>
-            <a:t>Mounted Google Drive to Google Collab for Model </a:t>
+            <a:rPr lang="en-US" sz="1700" dirty="0"/>
+            <a:t>Mounted Google Drive to Google </a:t>
+          </a:r>
+          <a:r>
+            <a:rPr lang="en-US" sz="1700" dirty="0" err="1"/>
+            <a:t>Colab</a:t>
+          </a:r>
+          <a:r>
+            <a:rPr lang="en-US" sz="1700" dirty="0"/>
+            <a:t> for Model </a:t>
           </a:r>
         </a:p>
       </dgm:t>
@@ -3046,7 +3054,7 @@
         <a:bodyPr/>
         <a:lstStyle/>
         <a:p>
-          <a:endParaRPr lang="en-US"/>
+          <a:endParaRPr lang="en-US" sz="1700"/>
         </a:p>
       </dgm:t>
     </dgm:pt>
@@ -3057,20 +3065,20 @@
         <a:bodyPr/>
         <a:lstStyle/>
         <a:p>
-          <a:endParaRPr lang="en-US"/>
+          <a:endParaRPr lang="en-US" sz="1700"/>
         </a:p>
       </dgm:t>
     </dgm:pt>
     <dgm:pt modelId="{FEBAB7B0-7B28-4A7D-AB77-FBA38D29C31A}">
-      <dgm:prSet/>
+      <dgm:prSet custT="1"/>
       <dgm:spPr/>
       <dgm:t>
         <a:bodyPr/>
         <a:lstStyle/>
         <a:p>
           <a:r>
-            <a:rPr lang="en-US" dirty="0"/>
-            <a:t>X1 </a:t>
+            <a:rPr lang="en-US" sz="1700" dirty="0"/>
+            <a:t>Created Sequential Model with 10 Layers </a:t>
           </a:r>
         </a:p>
       </dgm:t>
@@ -3082,7 +3090,7 @@
         <a:bodyPr/>
         <a:lstStyle/>
         <a:p>
-          <a:endParaRPr lang="en-US"/>
+          <a:endParaRPr lang="en-US" sz="1700"/>
         </a:p>
       </dgm:t>
     </dgm:pt>
@@ -3093,20 +3101,20 @@
         <a:bodyPr/>
         <a:lstStyle/>
         <a:p>
-          <a:endParaRPr lang="en-US"/>
+          <a:endParaRPr lang="en-US" sz="1700"/>
         </a:p>
       </dgm:t>
     </dgm:pt>
     <dgm:pt modelId="{6B00E1B2-18E2-4A41-9118-F1673FFCE6AB}">
-      <dgm:prSet/>
+      <dgm:prSet custT="1"/>
       <dgm:spPr/>
       <dgm:t>
         <a:bodyPr/>
         <a:lstStyle/>
         <a:p>
           <a:r>
-            <a:rPr lang="en-US" dirty="0"/>
-            <a:t>X2</a:t>
+            <a:rPr lang="en-US" sz="1700" dirty="0"/>
+            <a:t>Used Rescaling Layer to Standardize RGB Channel Values</a:t>
           </a:r>
         </a:p>
       </dgm:t>
@@ -3118,7 +3126,7 @@
         <a:bodyPr/>
         <a:lstStyle/>
         <a:p>
-          <a:endParaRPr lang="en-US"/>
+          <a:endParaRPr lang="en-US" sz="1700"/>
         </a:p>
       </dgm:t>
     </dgm:pt>
@@ -3129,20 +3137,28 @@
         <a:bodyPr/>
         <a:lstStyle/>
         <a:p>
-          <a:endParaRPr lang="en-US"/>
+          <a:endParaRPr lang="en-US" sz="1700"/>
         </a:p>
       </dgm:t>
     </dgm:pt>
     <dgm:pt modelId="{5E1CCF4A-0DFA-4391-9EDF-9622B23230C4}">
-      <dgm:prSet/>
+      <dgm:prSet custT="1"/>
       <dgm:spPr/>
       <dgm:t>
         <a:bodyPr/>
         <a:lstStyle/>
         <a:p>
           <a:r>
-            <a:rPr lang="en-US" dirty="0"/>
-            <a:t>X3</a:t>
+            <a:rPr lang="en-US" sz="1700" dirty="0"/>
+            <a:t>Performed Feature Analysis with Conv2D and </a:t>
+          </a:r>
+          <a:r>
+            <a:rPr lang="en-US" sz="1700" dirty="0" err="1"/>
+            <a:t>MaxPooling</a:t>
+          </a:r>
+          <a:r>
+            <a:rPr lang="en-US" sz="1700" dirty="0"/>
+            <a:t> Layers</a:t>
           </a:r>
         </a:p>
       </dgm:t>
@@ -3154,7 +3170,7 @@
         <a:bodyPr/>
         <a:lstStyle/>
         <a:p>
-          <a:endParaRPr lang="en-US"/>
+          <a:endParaRPr lang="en-US" sz="1700"/>
         </a:p>
       </dgm:t>
     </dgm:pt>
@@ -3165,20 +3181,20 @@
         <a:bodyPr/>
         <a:lstStyle/>
         <a:p>
-          <a:endParaRPr lang="en-US"/>
+          <a:endParaRPr lang="en-US" sz="1700"/>
         </a:p>
       </dgm:t>
     </dgm:pt>
     <dgm:pt modelId="{C1B1A2C0-68AE-4534-843D-4A5D57B43204}">
-      <dgm:prSet/>
+      <dgm:prSet custT="1"/>
       <dgm:spPr/>
       <dgm:t>
         <a:bodyPr/>
         <a:lstStyle/>
         <a:p>
           <a:r>
-            <a:rPr lang="en-US" dirty="0"/>
-            <a:t>X4</a:t>
+            <a:rPr lang="en-US" sz="1700" dirty="0"/>
+            <a:t>Flattened into 1D and Ran Through Dense Layer</a:t>
           </a:r>
         </a:p>
       </dgm:t>
@@ -3190,7 +3206,7 @@
         <a:bodyPr/>
         <a:lstStyle/>
         <a:p>
-          <a:endParaRPr lang="en-US"/>
+          <a:endParaRPr lang="en-US" sz="1700"/>
         </a:p>
       </dgm:t>
     </dgm:pt>
@@ -3201,20 +3217,20 @@
         <a:bodyPr/>
         <a:lstStyle/>
         <a:p>
-          <a:endParaRPr lang="en-US"/>
+          <a:endParaRPr lang="en-US" sz="1700"/>
         </a:p>
       </dgm:t>
     </dgm:pt>
     <dgm:pt modelId="{8A07B19B-4B37-4817-A93F-7937C1CE11D7}">
-      <dgm:prSet/>
+      <dgm:prSet custT="1"/>
       <dgm:spPr/>
       <dgm:t>
         <a:bodyPr/>
         <a:lstStyle/>
         <a:p>
           <a:r>
-            <a:rPr lang="en-US" dirty="0"/>
-            <a:t>X5</a:t>
+            <a:rPr lang="en-US" sz="1700" dirty="0"/>
+            <a:t>Created Output with Bird Probabilities</a:t>
           </a:r>
         </a:p>
       </dgm:t>
@@ -3226,7 +3242,7 @@
         <a:bodyPr/>
         <a:lstStyle/>
         <a:p>
-          <a:endParaRPr lang="en-US"/>
+          <a:endParaRPr lang="en-US" sz="1700"/>
         </a:p>
       </dgm:t>
     </dgm:pt>
@@ -3237,7 +3253,7 @@
         <a:bodyPr/>
         <a:lstStyle/>
         <a:p>
-          <a:endParaRPr lang="en-US"/>
+          <a:endParaRPr lang="en-US" sz="1700"/>
         </a:p>
       </dgm:t>
     </dgm:pt>
@@ -3277,7 +3293,7 @@
       <dgm:spPr/>
     </dgm:pt>
     <dgm:pt modelId="{3B97045A-172A-4057-8CCB-76895BA1FDE6}" type="pres">
-      <dgm:prSet presAssocID="{6B00E1B2-18E2-4A41-9118-F1673FFCE6AB}" presName="parentText" presStyleLbl="node1" presStyleIdx="2" presStyleCnt="6">
+      <dgm:prSet presAssocID="{6B00E1B2-18E2-4A41-9118-F1673FFCE6AB}" presName="parentText" presStyleLbl="node1" presStyleIdx="2" presStyleCnt="6" custLinFactNeighborX="-282">
         <dgm:presLayoutVars>
           <dgm:chMax val="0"/>
           <dgm:bulletEnabled val="1"/>
@@ -3329,11 +3345,11 @@
     <dgm:cxn modelId="{6CD58C01-0C76-4F74-9BE8-D0E1221455AA}" srcId="{DFDCE516-0D67-46FB-9FC9-1B0B98577A16}" destId="{86B771E7-BD2B-4019-B713-98D4174E3FE1}" srcOrd="0" destOrd="0" parTransId="{9E30E029-823A-40B3-937C-F0389C34FD39}" sibTransId="{1AA4C1B2-4D56-4219-8E35-CD6DAD937CBE}"/>
     <dgm:cxn modelId="{A0274505-7AD0-4FBA-8B36-F26A0269F4CF}" type="presOf" srcId="{5E1CCF4A-0DFA-4391-9EDF-9622B23230C4}" destId="{21D968B3-3413-4124-821D-F0D8A3C8CFF5}" srcOrd="0" destOrd="0" presId="urn:microsoft.com/office/officeart/2005/8/layout/vList2"/>
     <dgm:cxn modelId="{E459D32B-BDD6-4A39-B98B-3FBA6A6D8A2E}" srcId="{DFDCE516-0D67-46FB-9FC9-1B0B98577A16}" destId="{FEBAB7B0-7B28-4A7D-AB77-FBA38D29C31A}" srcOrd="1" destOrd="0" parTransId="{217534B1-DAE9-43C1-8564-4531E20725E6}" sibTransId="{27216AAD-BBB7-4E83-89FD-7A4C44DF7390}"/>
+    <dgm:cxn modelId="{62620B5E-0692-4F40-9943-DE1C3D841EA5}" type="presOf" srcId="{DFDCE516-0D67-46FB-9FC9-1B0B98577A16}" destId="{7C481EFA-9E78-4ED4-ACE6-F788D0BED9DD}" srcOrd="0" destOrd="0" presId="urn:microsoft.com/office/officeart/2005/8/layout/vList2"/>
     <dgm:cxn modelId="{70387542-75CF-454C-ADBF-A1DD578AC5EA}" type="presOf" srcId="{6B00E1B2-18E2-4A41-9118-F1673FFCE6AB}" destId="{3B97045A-172A-4057-8CCB-76895BA1FDE6}" srcOrd="0" destOrd="0" presId="urn:microsoft.com/office/officeart/2005/8/layout/vList2"/>
     <dgm:cxn modelId="{5C940549-CCC9-4F28-AFB9-FD546959EFCC}" type="presOf" srcId="{86B771E7-BD2B-4019-B713-98D4174E3FE1}" destId="{7AF75A0C-B364-42C1-855F-DF867D2F788A}" srcOrd="0" destOrd="0" presId="urn:microsoft.com/office/officeart/2005/8/layout/vList2"/>
     <dgm:cxn modelId="{3F9F934E-65CD-4EA6-8577-28FFBD23D829}" srcId="{DFDCE516-0D67-46FB-9FC9-1B0B98577A16}" destId="{8A07B19B-4B37-4817-A93F-7937C1CE11D7}" srcOrd="5" destOrd="0" parTransId="{5E649016-799E-45B0-9717-5FF3949A52DA}" sibTransId="{59C2F639-6861-47F4-903A-CFA9DFFA9D6A}"/>
     <dgm:cxn modelId="{2BECB053-61DD-4A10-8654-D9AA9295D451}" type="presOf" srcId="{C1B1A2C0-68AE-4534-843D-4A5D57B43204}" destId="{A9FED693-A99D-4A6A-A0F0-13DB2854A162}" srcOrd="0" destOrd="0" presId="urn:microsoft.com/office/officeart/2005/8/layout/vList2"/>
-    <dgm:cxn modelId="{62620B5E-0692-4F40-9943-DE1C3D841EA5}" type="presOf" srcId="{DFDCE516-0D67-46FB-9FC9-1B0B98577A16}" destId="{7C481EFA-9E78-4ED4-ACE6-F788D0BED9DD}" srcOrd="0" destOrd="0" presId="urn:microsoft.com/office/officeart/2005/8/layout/vList2"/>
     <dgm:cxn modelId="{4757707B-D3A3-4E83-B51E-DCAFA0EA1E73}" srcId="{DFDCE516-0D67-46FB-9FC9-1B0B98577A16}" destId="{6B00E1B2-18E2-4A41-9118-F1673FFCE6AB}" srcOrd="2" destOrd="0" parTransId="{050E9854-FB6E-4E17-A9A0-AD5E96A4EA2D}" sibTransId="{6074E7B1-F1C3-4390-81E3-0BA8673DE715}"/>
     <dgm:cxn modelId="{9ACE13A2-BAD0-4E51-869B-BB7DF253CCB8}" srcId="{DFDCE516-0D67-46FB-9FC9-1B0B98577A16}" destId="{5E1CCF4A-0DFA-4391-9EDF-9622B23230C4}" srcOrd="3" destOrd="0" parTransId="{31332738-1E87-4F13-9830-9B10803E2AC5}" sibTransId="{3C6AFF42-E4FD-407B-8383-8B2E282F51B0}"/>
     <dgm:cxn modelId="{A0C1C6D9-A324-4B66-98C1-A14803DD6E7A}" type="presOf" srcId="{8A07B19B-4B37-4817-A93F-7937C1CE11D7}" destId="{02D43881-500F-4308-B993-48DDC6B63F90}" srcOrd="0" destOrd="0" presId="urn:microsoft.com/office/officeart/2005/8/layout/vList2"/>
@@ -4012,7 +4028,7 @@
             <a:buNone/>
           </a:pPr>
           <a:r>
-            <a:rPr lang="en-US" sz="1700" kern="1200"/>
+            <a:rPr lang="en-US" sz="1700" kern="1200" dirty="0"/>
             <a:t>Use the Flickr API to create dataset of birds</a:t>
           </a:r>
         </a:p>
@@ -4166,7 +4182,7 @@
             <a:buNone/>
           </a:pPr>
           <a:r>
-            <a:rPr lang="en-US" sz="1700" kern="1200"/>
+            <a:rPr lang="en-US" sz="1700" kern="1200" dirty="0"/>
             <a:t>Define Size and Location for Photos to Download to </a:t>
           </a:r>
         </a:p>
@@ -4243,8 +4259,8 @@
             <a:buNone/>
           </a:pPr>
           <a:r>
-            <a:rPr lang="en-US" sz="1700" kern="1200"/>
-            <a:t>Clean dataset to remove nonrelevant photos and photos were birds are too small to be easily identified </a:t>
+            <a:rPr lang="en-US" sz="1700" kern="1200" dirty="0"/>
+            <a:t>Clean dataset to remove nonrelevant photos and photos where birds are too small to be easily identified </a:t>
           </a:r>
         </a:p>
       </dsp:txBody>
@@ -4349,8 +4365,8 @@
       </dsp:nvSpPr>
       <dsp:spPr>
         <a:xfrm>
-          <a:off x="0" y="68245"/>
-          <a:ext cx="8915400" cy="551655"/>
+          <a:off x="0" y="51371"/>
+          <a:ext cx="8915400" cy="542880"/>
         </a:xfrm>
         <a:prstGeom prst="roundRect">
           <a:avLst/>
@@ -4391,12 +4407,12 @@
         </a:fontRef>
       </dsp:style>
       <dsp:txBody>
-        <a:bodyPr spcFirstLastPara="0" vert="horz" wrap="square" lIns="87630" tIns="87630" rIns="87630" bIns="87630" numCol="1" spcCol="1270" anchor="ctr" anchorCtr="0">
+        <a:bodyPr spcFirstLastPara="0" vert="horz" wrap="square" lIns="64770" tIns="64770" rIns="64770" bIns="64770" numCol="1" spcCol="1270" anchor="ctr" anchorCtr="0">
           <a:noAutofit/>
         </a:bodyPr>
         <a:lstStyle/>
         <a:p>
-          <a:pPr marL="0" lvl="0" indent="0" algn="l" defTabSz="1022350">
+          <a:pPr marL="0" lvl="0" indent="0" algn="l" defTabSz="755650">
             <a:lnSpc>
               <a:spcPct val="90000"/>
             </a:lnSpc>
@@ -4409,14 +4425,22 @@
             <a:buNone/>
           </a:pPr>
           <a:r>
-            <a:rPr lang="en-US" sz="2300" kern="1200" dirty="0"/>
-            <a:t>Mounted Google Drive to Google Collab for Model </a:t>
+            <a:rPr lang="en-US" sz="1700" kern="1200" dirty="0"/>
+            <a:t>Mounted Google Drive to Google </a:t>
+          </a:r>
+          <a:r>
+            <a:rPr lang="en-US" sz="1700" kern="1200" dirty="0" err="1"/>
+            <a:t>Colab</a:t>
+          </a:r>
+          <a:r>
+            <a:rPr lang="en-US" sz="1700" kern="1200" dirty="0"/>
+            <a:t> for Model </a:t>
           </a:r>
         </a:p>
       </dsp:txBody>
       <dsp:txXfrm>
-        <a:off x="26930" y="95175"/>
-        <a:ext cx="8861540" cy="497795"/>
+        <a:off x="26501" y="77872"/>
+        <a:ext cx="8862398" cy="489878"/>
       </dsp:txXfrm>
     </dsp:sp>
     <dsp:sp modelId="{2C3033D6-366E-408B-A9EC-05437C6AAABC}">
@@ -4426,8 +4450,8 @@
       </dsp:nvSpPr>
       <dsp:spPr>
         <a:xfrm>
-          <a:off x="0" y="686140"/>
-          <a:ext cx="8915400" cy="551655"/>
+          <a:off x="0" y="677771"/>
+          <a:ext cx="8915400" cy="542880"/>
         </a:xfrm>
         <a:prstGeom prst="roundRect">
           <a:avLst/>
@@ -4468,12 +4492,12 @@
         </a:fontRef>
       </dsp:style>
       <dsp:txBody>
-        <a:bodyPr spcFirstLastPara="0" vert="horz" wrap="square" lIns="87630" tIns="87630" rIns="87630" bIns="87630" numCol="1" spcCol="1270" anchor="ctr" anchorCtr="0">
+        <a:bodyPr spcFirstLastPara="0" vert="horz" wrap="square" lIns="64770" tIns="64770" rIns="64770" bIns="64770" numCol="1" spcCol="1270" anchor="ctr" anchorCtr="0">
           <a:noAutofit/>
         </a:bodyPr>
         <a:lstStyle/>
         <a:p>
-          <a:pPr marL="0" lvl="0" indent="0" algn="l" defTabSz="1022350">
+          <a:pPr marL="0" lvl="0" indent="0" algn="l" defTabSz="755650">
             <a:lnSpc>
               <a:spcPct val="90000"/>
             </a:lnSpc>
@@ -4486,14 +4510,14 @@
             <a:buNone/>
           </a:pPr>
           <a:r>
-            <a:rPr lang="en-US" sz="2300" kern="1200" dirty="0"/>
-            <a:t>X1 </a:t>
+            <a:rPr lang="en-US" sz="1700" kern="1200" dirty="0"/>
+            <a:t>Created Sequential Model with 10 Layers </a:t>
           </a:r>
         </a:p>
       </dsp:txBody>
       <dsp:txXfrm>
-        <a:off x="26930" y="713070"/>
-        <a:ext cx="8861540" cy="497795"/>
+        <a:off x="26501" y="704272"/>
+        <a:ext cx="8862398" cy="489878"/>
       </dsp:txXfrm>
     </dsp:sp>
     <dsp:sp modelId="{3B97045A-172A-4057-8CCB-76895BA1FDE6}">
@@ -4503,8 +4527,8 @@
       </dsp:nvSpPr>
       <dsp:spPr>
         <a:xfrm>
-          <a:off x="0" y="1304035"/>
-          <a:ext cx="8915400" cy="551655"/>
+          <a:off x="0" y="1304171"/>
+          <a:ext cx="8915400" cy="542880"/>
         </a:xfrm>
         <a:prstGeom prst="roundRect">
           <a:avLst/>
@@ -4545,12 +4569,12 @@
         </a:fontRef>
       </dsp:style>
       <dsp:txBody>
-        <a:bodyPr spcFirstLastPara="0" vert="horz" wrap="square" lIns="87630" tIns="87630" rIns="87630" bIns="87630" numCol="1" spcCol="1270" anchor="ctr" anchorCtr="0">
+        <a:bodyPr spcFirstLastPara="0" vert="horz" wrap="square" lIns="64770" tIns="64770" rIns="64770" bIns="64770" numCol="1" spcCol="1270" anchor="ctr" anchorCtr="0">
           <a:noAutofit/>
         </a:bodyPr>
         <a:lstStyle/>
         <a:p>
-          <a:pPr marL="0" lvl="0" indent="0" algn="l" defTabSz="1022350">
+          <a:pPr marL="0" lvl="0" indent="0" algn="l" defTabSz="755650">
             <a:lnSpc>
               <a:spcPct val="90000"/>
             </a:lnSpc>
@@ -4563,14 +4587,14 @@
             <a:buNone/>
           </a:pPr>
           <a:r>
-            <a:rPr lang="en-US" sz="2300" kern="1200" dirty="0"/>
-            <a:t>X2</a:t>
+            <a:rPr lang="en-US" sz="1700" kern="1200" dirty="0"/>
+            <a:t>Used Rescaling Layer to Standardize RGB Channel Values</a:t>
           </a:r>
         </a:p>
       </dsp:txBody>
       <dsp:txXfrm>
-        <a:off x="26930" y="1330965"/>
-        <a:ext cx="8861540" cy="497795"/>
+        <a:off x="26501" y="1330672"/>
+        <a:ext cx="8862398" cy="489878"/>
       </dsp:txXfrm>
     </dsp:sp>
     <dsp:sp modelId="{21D968B3-3413-4124-821D-F0D8A3C8CFF5}">
@@ -4580,8 +4604,8 @@
       </dsp:nvSpPr>
       <dsp:spPr>
         <a:xfrm>
-          <a:off x="0" y="1921931"/>
-          <a:ext cx="8915400" cy="551655"/>
+          <a:off x="0" y="1930571"/>
+          <a:ext cx="8915400" cy="542880"/>
         </a:xfrm>
         <a:prstGeom prst="roundRect">
           <a:avLst/>
@@ -4622,12 +4646,12 @@
         </a:fontRef>
       </dsp:style>
       <dsp:txBody>
-        <a:bodyPr spcFirstLastPara="0" vert="horz" wrap="square" lIns="87630" tIns="87630" rIns="87630" bIns="87630" numCol="1" spcCol="1270" anchor="ctr" anchorCtr="0">
+        <a:bodyPr spcFirstLastPara="0" vert="horz" wrap="square" lIns="64770" tIns="64770" rIns="64770" bIns="64770" numCol="1" spcCol="1270" anchor="ctr" anchorCtr="0">
           <a:noAutofit/>
         </a:bodyPr>
         <a:lstStyle/>
         <a:p>
-          <a:pPr marL="0" lvl="0" indent="0" algn="l" defTabSz="1022350">
+          <a:pPr marL="0" lvl="0" indent="0" algn="l" defTabSz="755650">
             <a:lnSpc>
               <a:spcPct val="90000"/>
             </a:lnSpc>
@@ -4640,14 +4664,22 @@
             <a:buNone/>
           </a:pPr>
           <a:r>
-            <a:rPr lang="en-US" sz="2300" kern="1200" dirty="0"/>
-            <a:t>X3</a:t>
+            <a:rPr lang="en-US" sz="1700" kern="1200" dirty="0"/>
+            <a:t>Performed Feature Analysis with Conv2D and </a:t>
+          </a:r>
+          <a:r>
+            <a:rPr lang="en-US" sz="1700" kern="1200" dirty="0" err="1"/>
+            <a:t>MaxPooling</a:t>
+          </a:r>
+          <a:r>
+            <a:rPr lang="en-US" sz="1700" kern="1200" dirty="0"/>
+            <a:t> Layers</a:t>
           </a:r>
         </a:p>
       </dsp:txBody>
       <dsp:txXfrm>
-        <a:off x="26930" y="1948861"/>
-        <a:ext cx="8861540" cy="497795"/>
+        <a:off x="26501" y="1957072"/>
+        <a:ext cx="8862398" cy="489878"/>
       </dsp:txXfrm>
     </dsp:sp>
     <dsp:sp modelId="{A9FED693-A99D-4A6A-A0F0-13DB2854A162}">
@@ -4657,8 +4689,8 @@
       </dsp:nvSpPr>
       <dsp:spPr>
         <a:xfrm>
-          <a:off x="0" y="2539826"/>
-          <a:ext cx="8915400" cy="551655"/>
+          <a:off x="0" y="2556970"/>
+          <a:ext cx="8915400" cy="542880"/>
         </a:xfrm>
         <a:prstGeom prst="roundRect">
           <a:avLst/>
@@ -4699,12 +4731,12 @@
         </a:fontRef>
       </dsp:style>
       <dsp:txBody>
-        <a:bodyPr spcFirstLastPara="0" vert="horz" wrap="square" lIns="87630" tIns="87630" rIns="87630" bIns="87630" numCol="1" spcCol="1270" anchor="ctr" anchorCtr="0">
+        <a:bodyPr spcFirstLastPara="0" vert="horz" wrap="square" lIns="64770" tIns="64770" rIns="64770" bIns="64770" numCol="1" spcCol="1270" anchor="ctr" anchorCtr="0">
           <a:noAutofit/>
         </a:bodyPr>
         <a:lstStyle/>
         <a:p>
-          <a:pPr marL="0" lvl="0" indent="0" algn="l" defTabSz="1022350">
+          <a:pPr marL="0" lvl="0" indent="0" algn="l" defTabSz="755650">
             <a:lnSpc>
               <a:spcPct val="90000"/>
             </a:lnSpc>
@@ -4717,14 +4749,14 @@
             <a:buNone/>
           </a:pPr>
           <a:r>
-            <a:rPr lang="en-US" sz="2300" kern="1200" dirty="0"/>
-            <a:t>X4</a:t>
+            <a:rPr lang="en-US" sz="1700" kern="1200" dirty="0"/>
+            <a:t>Flattened into 1D and Ran Through Dense Layer</a:t>
           </a:r>
         </a:p>
       </dsp:txBody>
       <dsp:txXfrm>
-        <a:off x="26930" y="2566756"/>
-        <a:ext cx="8861540" cy="497795"/>
+        <a:off x="26501" y="2583471"/>
+        <a:ext cx="8862398" cy="489878"/>
       </dsp:txXfrm>
     </dsp:sp>
     <dsp:sp modelId="{02D43881-500F-4308-B993-48DDC6B63F90}">
@@ -4734,8 +4766,8 @@
       </dsp:nvSpPr>
       <dsp:spPr>
         <a:xfrm>
-          <a:off x="0" y="3157721"/>
-          <a:ext cx="8915400" cy="551655"/>
+          <a:off x="0" y="3183371"/>
+          <a:ext cx="8915400" cy="542880"/>
         </a:xfrm>
         <a:prstGeom prst="roundRect">
           <a:avLst/>
@@ -4776,12 +4808,12 @@
         </a:fontRef>
       </dsp:style>
       <dsp:txBody>
-        <a:bodyPr spcFirstLastPara="0" vert="horz" wrap="square" lIns="87630" tIns="87630" rIns="87630" bIns="87630" numCol="1" spcCol="1270" anchor="ctr" anchorCtr="0">
+        <a:bodyPr spcFirstLastPara="0" vert="horz" wrap="square" lIns="64770" tIns="64770" rIns="64770" bIns="64770" numCol="1" spcCol="1270" anchor="ctr" anchorCtr="0">
           <a:noAutofit/>
         </a:bodyPr>
         <a:lstStyle/>
         <a:p>
-          <a:pPr marL="0" lvl="0" indent="0" algn="l" defTabSz="1022350">
+          <a:pPr marL="0" lvl="0" indent="0" algn="l" defTabSz="755650">
             <a:lnSpc>
               <a:spcPct val="90000"/>
             </a:lnSpc>
@@ -4794,14 +4826,14 @@
             <a:buNone/>
           </a:pPr>
           <a:r>
-            <a:rPr lang="en-US" sz="2300" kern="1200" dirty="0"/>
-            <a:t>X5</a:t>
+            <a:rPr lang="en-US" sz="1700" kern="1200" dirty="0"/>
+            <a:t>Created Output with Bird Probabilities</a:t>
           </a:r>
         </a:p>
       </dsp:txBody>
       <dsp:txXfrm>
-        <a:off x="26930" y="3184651"/>
-        <a:ext cx="8861540" cy="497795"/>
+        <a:off x="26501" y="3209872"/>
+        <a:ext cx="8862398" cy="489878"/>
       </dsp:txXfrm>
     </dsp:sp>
   </dsp:spTree>
@@ -8698,7 +8730,7 @@
           <a:p>
             <a:fld id="{CCB3CE20-769C-48A4-A90E-395B11202C2B}" type="datetimeFigureOut">
               <a:rPr lang="en-US" smtClean="0"/>
-              <a:t>2/8/23</a:t>
+              <a:t>2/8/2023</a:t>
             </a:fld>
             <a:endParaRPr lang="en-US"/>
           </a:p>
@@ -9036,7 +9068,7 @@
           <a:p>
             <a:fld id="{CCB3CE20-769C-48A4-A90E-395B11202C2B}" type="datetimeFigureOut">
               <a:rPr lang="en-US" smtClean="0"/>
-              <a:t>2/8/23</a:t>
+              <a:t>2/8/2023</a:t>
             </a:fld>
             <a:endParaRPr lang="en-US"/>
           </a:p>
@@ -9437,7 +9469,7 @@
           <a:p>
             <a:fld id="{CCB3CE20-769C-48A4-A90E-395B11202C2B}" type="datetimeFigureOut">
               <a:rPr lang="en-US" smtClean="0"/>
-              <a:t>2/8/23</a:t>
+              <a:t>2/8/2023</a:t>
             </a:fld>
             <a:endParaRPr lang="en-US"/>
           </a:p>
@@ -9773,7 +9805,7 @@
           <a:p>
             <a:fld id="{CCB3CE20-769C-48A4-A90E-395B11202C2B}" type="datetimeFigureOut">
               <a:rPr lang="en-US" smtClean="0"/>
-              <a:t>2/8/23</a:t>
+              <a:t>2/8/2023</a:t>
             </a:fld>
             <a:endParaRPr lang="en-US"/>
           </a:p>
@@ -10093,7 +10125,7 @@
           <a:p>
             <a:fld id="{CCB3CE20-769C-48A4-A90E-395B11202C2B}" type="datetimeFigureOut">
               <a:rPr lang="en-US" smtClean="0"/>
-              <a:t>2/8/23</a:t>
+              <a:t>2/8/2023</a:t>
             </a:fld>
             <a:endParaRPr lang="en-US"/>
           </a:p>
@@ -10489,7 +10521,7 @@
           <a:p>
             <a:fld id="{CCB3CE20-769C-48A4-A90E-395B11202C2B}" type="datetimeFigureOut">
               <a:rPr lang="en-US" smtClean="0"/>
-              <a:t>2/8/23</a:t>
+              <a:t>2/8/2023</a:t>
             </a:fld>
             <a:endParaRPr lang="en-US"/>
           </a:p>
@@ -10746,7 +10778,7 @@
           <a:p>
             <a:fld id="{CCB3CE20-769C-48A4-A90E-395B11202C2B}" type="datetimeFigureOut">
               <a:rPr lang="en-US" smtClean="0"/>
-              <a:t>2/8/23</a:t>
+              <a:t>2/8/2023</a:t>
             </a:fld>
             <a:endParaRPr lang="en-US"/>
           </a:p>
@@ -11008,7 +11040,7 @@
           <a:p>
             <a:fld id="{CCB3CE20-769C-48A4-A90E-395B11202C2B}" type="datetimeFigureOut">
               <a:rPr lang="en-US" smtClean="0"/>
-              <a:t>2/8/23</a:t>
+              <a:t>2/8/2023</a:t>
             </a:fld>
             <a:endParaRPr lang="en-US"/>
           </a:p>
@@ -11270,7 +11302,7 @@
           <a:p>
             <a:fld id="{CCB3CE20-769C-48A4-A90E-395B11202C2B}" type="datetimeFigureOut">
               <a:rPr lang="en-US" smtClean="0"/>
-              <a:t>2/8/23</a:t>
+              <a:t>2/8/2023</a:t>
             </a:fld>
             <a:endParaRPr lang="en-US"/>
           </a:p>
@@ -11599,7 +11631,7 @@
           <a:p>
             <a:fld id="{CCB3CE20-769C-48A4-A90E-395B11202C2B}" type="datetimeFigureOut">
               <a:rPr lang="en-US" smtClean="0"/>
-              <a:t>2/8/23</a:t>
+              <a:t>2/8/2023</a:t>
             </a:fld>
             <a:endParaRPr lang="en-US"/>
           </a:p>
@@ -11922,7 +11954,7 @@
           <a:p>
             <a:fld id="{CCB3CE20-769C-48A4-A90E-395B11202C2B}" type="datetimeFigureOut">
               <a:rPr lang="en-US" smtClean="0"/>
-              <a:t>2/8/23</a:t>
+              <a:t>2/8/2023</a:t>
             </a:fld>
             <a:endParaRPr lang="en-US"/>
           </a:p>
@@ -12379,7 +12411,7 @@
           <a:p>
             <a:fld id="{CCB3CE20-769C-48A4-A90E-395B11202C2B}" type="datetimeFigureOut">
               <a:rPr lang="en-US" smtClean="0"/>
-              <a:t>2/8/23</a:t>
+              <a:t>2/8/2023</a:t>
             </a:fld>
             <a:endParaRPr lang="en-US"/>
           </a:p>
@@ -12584,7 +12616,7 @@
           <a:p>
             <a:fld id="{CCB3CE20-769C-48A4-A90E-395B11202C2B}" type="datetimeFigureOut">
               <a:rPr lang="en-US" smtClean="0"/>
-              <a:t>2/8/23</a:t>
+              <a:t>2/8/2023</a:t>
             </a:fld>
             <a:endParaRPr lang="en-US"/>
           </a:p>
@@ -12761,7 +12793,7 @@
           <a:p>
             <a:fld id="{CCB3CE20-769C-48A4-A90E-395B11202C2B}" type="datetimeFigureOut">
               <a:rPr lang="en-US" smtClean="0"/>
-              <a:t>2/8/23</a:t>
+              <a:t>2/8/2023</a:t>
             </a:fld>
             <a:endParaRPr lang="en-US"/>
           </a:p>
@@ -13094,7 +13126,7 @@
           <a:p>
             <a:fld id="{CCB3CE20-769C-48A4-A90E-395B11202C2B}" type="datetimeFigureOut">
               <a:rPr lang="en-US" smtClean="0"/>
-              <a:t>2/8/23</a:t>
+              <a:t>2/8/2023</a:t>
             </a:fld>
             <a:endParaRPr lang="en-US"/>
           </a:p>
@@ -13439,7 +13471,7 @@
           <a:p>
             <a:fld id="{CCB3CE20-769C-48A4-A90E-395B11202C2B}" type="datetimeFigureOut">
               <a:rPr lang="en-US" smtClean="0"/>
-              <a:t>2/8/23</a:t>
+              <a:t>2/8/2023</a:t>
             </a:fld>
             <a:endParaRPr lang="en-US"/>
           </a:p>
@@ -15556,7 +15588,7 @@
           <a:p>
             <a:fld id="{CCB3CE20-769C-48A4-A90E-395B11202C2B}" type="datetimeFigureOut">
               <a:rPr lang="en-US" smtClean="0"/>
-              <a:t>2/8/23</a:t>
+              <a:t>2/8/2023</a:t>
             </a:fld>
             <a:endParaRPr lang="en-US"/>
           </a:p>
@@ -20457,6 +20489,11 @@
           </p:cNvGraphicFramePr>
           <p:nvPr>
             <p:ph idx="1"/>
+            <p:extLst>
+              <p:ext uri="{D42A27DB-BD31-4B8C-83A1-F6EECF244321}">
+                <p14:modId xmlns:p14="http://schemas.microsoft.com/office/powerpoint/2010/main" val="2714442217"/>
+              </p:ext>
+            </p:extLst>
           </p:nvPr>
         </p:nvGraphicFramePr>
         <p:xfrm>
@@ -20654,7 +20691,7 @@
             <p:ph idx="1"/>
             <p:extLst>
               <p:ext uri="{D42A27DB-BD31-4B8C-83A1-F6EECF244321}">
-                <p14:modId xmlns:p14="http://schemas.microsoft.com/office/powerpoint/2010/main" val="3387845188"/>
+                <p14:modId xmlns:p14="http://schemas.microsoft.com/office/powerpoint/2010/main" val="2550353423"/>
               </p:ext>
             </p:extLst>
           </p:nvPr>
@@ -20748,7 +20785,21 @@
           <a:bodyPr/>
           <a:lstStyle/>
           <a:p>
+            <a:r>
+              <a:rPr lang="en-US" dirty="0"/>
+              <a:t>Google </a:t>
+            </a:r>
+            <a:r>
+              <a:rPr lang="en-US" dirty="0" err="1"/>
+              <a:t>Colab</a:t>
+            </a:r>
             <a:endParaRPr lang="en-US" dirty="0"/>
+          </a:p>
+          <a:p>
+            <a:r>
+              <a:rPr lang="en-US" dirty="0"/>
+              <a:t>Google Drive</a:t>
+            </a:r>
           </a:p>
         </p:txBody>
       </p:sp>

--- a/Presentation.pptx
+++ b/Presentation.pptx
@@ -3150,15 +3150,7 @@
         <a:p>
           <a:r>
             <a:rPr lang="en-US" sz="1700" dirty="0"/>
-            <a:t>Performed Feature Analysis with Conv2D and </a:t>
-          </a:r>
-          <a:r>
-            <a:rPr lang="en-US" sz="1700" dirty="0" err="1"/>
-            <a:t>MaxPooling</a:t>
-          </a:r>
-          <a:r>
-            <a:rPr lang="en-US" sz="1700" dirty="0"/>
-            <a:t> Layers</a:t>
+            <a:t>Performed Feature Analysis with Conv2D and MaxPooling2D Layers</a:t>
           </a:r>
         </a:p>
       </dgm:t>
@@ -4665,15 +4657,7 @@
           </a:pPr>
           <a:r>
             <a:rPr lang="en-US" sz="1700" kern="1200" dirty="0"/>
-            <a:t>Performed Feature Analysis with Conv2D and </a:t>
-          </a:r>
-          <a:r>
-            <a:rPr lang="en-US" sz="1700" kern="1200" dirty="0" err="1"/>
-            <a:t>MaxPooling</a:t>
-          </a:r>
-          <a:r>
-            <a:rPr lang="en-US" sz="1700" kern="1200" dirty="0"/>
-            <a:t> Layers</a:t>
+            <a:t>Performed Feature Analysis with Conv2D and MaxPooling2D Layers</a:t>
           </a:r>
         </a:p>
       </dsp:txBody>
@@ -20691,7 +20675,7 @@
             <p:ph idx="1"/>
             <p:extLst>
               <p:ext uri="{D42A27DB-BD31-4B8C-83A1-F6EECF244321}">
-                <p14:modId xmlns:p14="http://schemas.microsoft.com/office/powerpoint/2010/main" val="2550353423"/>
+                <p14:modId xmlns:p14="http://schemas.microsoft.com/office/powerpoint/2010/main" val="3230463525"/>
               </p:ext>
             </p:extLst>
           </p:nvPr>

--- a/Presentation.pptx
+++ b/Presentation.pptx
@@ -9,8 +9,10 @@
     <p:sldId id="258" r:id="rId3"/>
     <p:sldId id="263" r:id="rId4"/>
     <p:sldId id="264" r:id="rId5"/>
-    <p:sldId id="260" r:id="rId6"/>
+    <p:sldId id="267" r:id="rId6"/>
     <p:sldId id="261" r:id="rId7"/>
+    <p:sldId id="266" r:id="rId8"/>
+    <p:sldId id="265" r:id="rId9"/>
   </p:sldIdLst>
   <p:sldSz cx="12192000" cy="6858000"/>
   <p:notesSz cx="6858000" cy="9144000"/>
@@ -8714,7 +8716,7 @@
           <a:p>
             <a:fld id="{CCB3CE20-769C-48A4-A90E-395B11202C2B}" type="datetimeFigureOut">
               <a:rPr lang="en-US" smtClean="0"/>
-              <a:t>2/8/2023</a:t>
+              <a:t>2/16/2023</a:t>
             </a:fld>
             <a:endParaRPr lang="en-US"/>
           </a:p>
@@ -9052,7 +9054,7 @@
           <a:p>
             <a:fld id="{CCB3CE20-769C-48A4-A90E-395B11202C2B}" type="datetimeFigureOut">
               <a:rPr lang="en-US" smtClean="0"/>
-              <a:t>2/8/2023</a:t>
+              <a:t>2/16/2023</a:t>
             </a:fld>
             <a:endParaRPr lang="en-US"/>
           </a:p>
@@ -9453,7 +9455,7 @@
           <a:p>
             <a:fld id="{CCB3CE20-769C-48A4-A90E-395B11202C2B}" type="datetimeFigureOut">
               <a:rPr lang="en-US" smtClean="0"/>
-              <a:t>2/8/2023</a:t>
+              <a:t>2/16/2023</a:t>
             </a:fld>
             <a:endParaRPr lang="en-US"/>
           </a:p>
@@ -9789,7 +9791,7 @@
           <a:p>
             <a:fld id="{CCB3CE20-769C-48A4-A90E-395B11202C2B}" type="datetimeFigureOut">
               <a:rPr lang="en-US" smtClean="0"/>
-              <a:t>2/8/2023</a:t>
+              <a:t>2/16/2023</a:t>
             </a:fld>
             <a:endParaRPr lang="en-US"/>
           </a:p>
@@ -10109,7 +10111,7 @@
           <a:p>
             <a:fld id="{CCB3CE20-769C-48A4-A90E-395B11202C2B}" type="datetimeFigureOut">
               <a:rPr lang="en-US" smtClean="0"/>
-              <a:t>2/8/2023</a:t>
+              <a:t>2/16/2023</a:t>
             </a:fld>
             <a:endParaRPr lang="en-US"/>
           </a:p>
@@ -10505,7 +10507,7 @@
           <a:p>
             <a:fld id="{CCB3CE20-769C-48A4-A90E-395B11202C2B}" type="datetimeFigureOut">
               <a:rPr lang="en-US" smtClean="0"/>
-              <a:t>2/8/2023</a:t>
+              <a:t>2/16/2023</a:t>
             </a:fld>
             <a:endParaRPr lang="en-US"/>
           </a:p>
@@ -10762,7 +10764,7 @@
           <a:p>
             <a:fld id="{CCB3CE20-769C-48A4-A90E-395B11202C2B}" type="datetimeFigureOut">
               <a:rPr lang="en-US" smtClean="0"/>
-              <a:t>2/8/2023</a:t>
+              <a:t>2/16/2023</a:t>
             </a:fld>
             <a:endParaRPr lang="en-US"/>
           </a:p>
@@ -11024,7 +11026,7 @@
           <a:p>
             <a:fld id="{CCB3CE20-769C-48A4-A90E-395B11202C2B}" type="datetimeFigureOut">
               <a:rPr lang="en-US" smtClean="0"/>
-              <a:t>2/8/2023</a:t>
+              <a:t>2/16/2023</a:t>
             </a:fld>
             <a:endParaRPr lang="en-US"/>
           </a:p>
@@ -11286,7 +11288,7 @@
           <a:p>
             <a:fld id="{CCB3CE20-769C-48A4-A90E-395B11202C2B}" type="datetimeFigureOut">
               <a:rPr lang="en-US" smtClean="0"/>
-              <a:t>2/8/2023</a:t>
+              <a:t>2/16/2023</a:t>
             </a:fld>
             <a:endParaRPr lang="en-US"/>
           </a:p>
@@ -11615,7 +11617,7 @@
           <a:p>
             <a:fld id="{CCB3CE20-769C-48A4-A90E-395B11202C2B}" type="datetimeFigureOut">
               <a:rPr lang="en-US" smtClean="0"/>
-              <a:t>2/8/2023</a:t>
+              <a:t>2/16/2023</a:t>
             </a:fld>
             <a:endParaRPr lang="en-US"/>
           </a:p>
@@ -11938,7 +11940,7 @@
           <a:p>
             <a:fld id="{CCB3CE20-769C-48A4-A90E-395B11202C2B}" type="datetimeFigureOut">
               <a:rPr lang="en-US" smtClean="0"/>
-              <a:t>2/8/2023</a:t>
+              <a:t>2/16/2023</a:t>
             </a:fld>
             <a:endParaRPr lang="en-US"/>
           </a:p>
@@ -12395,7 +12397,7 @@
           <a:p>
             <a:fld id="{CCB3CE20-769C-48A4-A90E-395B11202C2B}" type="datetimeFigureOut">
               <a:rPr lang="en-US" smtClean="0"/>
-              <a:t>2/8/2023</a:t>
+              <a:t>2/16/2023</a:t>
             </a:fld>
             <a:endParaRPr lang="en-US"/>
           </a:p>
@@ -12600,7 +12602,7 @@
           <a:p>
             <a:fld id="{CCB3CE20-769C-48A4-A90E-395B11202C2B}" type="datetimeFigureOut">
               <a:rPr lang="en-US" smtClean="0"/>
-              <a:t>2/8/2023</a:t>
+              <a:t>2/16/2023</a:t>
             </a:fld>
             <a:endParaRPr lang="en-US"/>
           </a:p>
@@ -12777,7 +12779,7 @@
           <a:p>
             <a:fld id="{CCB3CE20-769C-48A4-A90E-395B11202C2B}" type="datetimeFigureOut">
               <a:rPr lang="en-US" smtClean="0"/>
-              <a:t>2/8/2023</a:t>
+              <a:t>2/16/2023</a:t>
             </a:fld>
             <a:endParaRPr lang="en-US"/>
           </a:p>
@@ -13110,7 +13112,7 @@
           <a:p>
             <a:fld id="{CCB3CE20-769C-48A4-A90E-395B11202C2B}" type="datetimeFigureOut">
               <a:rPr lang="en-US" smtClean="0"/>
-              <a:t>2/8/2023</a:t>
+              <a:t>2/16/2023</a:t>
             </a:fld>
             <a:endParaRPr lang="en-US"/>
           </a:p>
@@ -13455,7 +13457,7 @@
           <a:p>
             <a:fld id="{CCB3CE20-769C-48A4-A90E-395B11202C2B}" type="datetimeFigureOut">
               <a:rPr lang="en-US" smtClean="0"/>
-              <a:t>2/8/2023</a:t>
+              <a:t>2/16/2023</a:t>
             </a:fld>
             <a:endParaRPr lang="en-US"/>
           </a:p>
@@ -15572,7 +15574,7 @@
           <a:p>
             <a:fld id="{CCB3CE20-769C-48A4-A90E-395B11202C2B}" type="datetimeFigureOut">
               <a:rPr lang="en-US" smtClean="0"/>
-              <a:t>2/8/2023</a:t>
+              <a:t>2/16/2023</a:t>
             </a:fld>
             <a:endParaRPr lang="en-US"/>
           </a:p>
@@ -20475,13 +20477,13 @@
             <p:ph idx="1"/>
             <p:extLst>
               <p:ext uri="{D42A27DB-BD31-4B8C-83A1-F6EECF244321}">
-                <p14:modId xmlns:p14="http://schemas.microsoft.com/office/powerpoint/2010/main" val="2714442217"/>
+                <p14:modId xmlns:p14="http://schemas.microsoft.com/office/powerpoint/2010/main" val="1423650579"/>
               </p:ext>
             </p:extLst>
           </p:nvPr>
         </p:nvGraphicFramePr>
         <p:xfrm>
-          <a:off x="2863532" y="2596896"/>
+          <a:off x="2863532" y="1757997"/>
           <a:ext cx="8915400" cy="3777622"/>
         </p:xfrm>
         <a:graphic>
@@ -20725,7 +20727,7 @@
           <p:cNvPr id="2" name="Title 1">
             <a:extLst>
               <a:ext uri="{FF2B5EF4-FFF2-40B4-BE49-F238E27FC236}">
-                <a16:creationId xmlns:a16="http://schemas.microsoft.com/office/drawing/2014/main" id="{8BAD1732-EC8E-23CA-0BF6-03CF6A0E3EB5}"/>
+                <a16:creationId xmlns:a16="http://schemas.microsoft.com/office/drawing/2014/main" id="{FEA52EE9-C4E7-2D7E-DF07-D7D10D5D7AE1}"/>
               </a:ext>
             </a:extLst>
           </p:cNvPr>
@@ -20743,54 +20745,44 @@
           <a:p>
             <a:r>
               <a:rPr lang="en-US" dirty="0"/>
-              <a:t>Tools</a:t>
+              <a:t>Model Accuracy</a:t>
             </a:r>
           </a:p>
         </p:txBody>
       </p:sp>
-      <p:sp>
-        <p:nvSpPr>
-          <p:cNvPr id="3" name="Content Placeholder 2">
+      <p:pic>
+        <p:nvPicPr>
+          <p:cNvPr id="5" name="Content Placeholder 4">
             <a:extLst>
               <a:ext uri="{FF2B5EF4-FFF2-40B4-BE49-F238E27FC236}">
-                <a16:creationId xmlns:a16="http://schemas.microsoft.com/office/drawing/2014/main" id="{901C66AA-10BD-56D5-29E9-2C93EFD90908}"/>
+                <a16:creationId xmlns:a16="http://schemas.microsoft.com/office/drawing/2014/main" id="{53215EEF-0255-7916-9425-3A496873D95A}"/>
               </a:ext>
             </a:extLst>
           </p:cNvPr>
-          <p:cNvSpPr>
-            <a:spLocks noGrp="1"/>
-          </p:cNvSpPr>
+          <p:cNvPicPr>
+            <a:picLocks noGrp="1" noChangeAspect="1"/>
+          </p:cNvPicPr>
           <p:nvPr>
             <p:ph idx="1"/>
           </p:nvPr>
-        </p:nvSpPr>
-        <p:spPr/>
-        <p:txBody>
-          <a:bodyPr/>
-          <a:lstStyle/>
-          <a:p>
-            <a:r>
-              <a:rPr lang="en-US" dirty="0"/>
-              <a:t>Google </a:t>
-            </a:r>
-            <a:r>
-              <a:rPr lang="en-US" dirty="0" err="1"/>
-              <a:t>Colab</a:t>
-            </a:r>
-            <a:endParaRPr lang="en-US" dirty="0"/>
-          </a:p>
-          <a:p>
-            <a:r>
-              <a:rPr lang="en-US" dirty="0"/>
-              <a:t>Google Drive</a:t>
-            </a:r>
-          </a:p>
-        </p:txBody>
-      </p:sp>
+        </p:nvPicPr>
+        <p:blipFill>
+          <a:blip r:embed="rId2"/>
+          <a:stretch>
+            <a:fillRect/>
+          </a:stretch>
+        </p:blipFill>
+        <p:spPr>
+          <a:xfrm>
+            <a:off x="2731738" y="2186934"/>
+            <a:ext cx="7727878" cy="4345388"/>
+          </a:xfrm>
+        </p:spPr>
+      </p:pic>
     </p:spTree>
     <p:extLst>
       <p:ext uri="{BB962C8B-B14F-4D97-AF65-F5344CB8AC3E}">
-        <p14:creationId xmlns:p14="http://schemas.microsoft.com/office/powerpoint/2010/main" val="1355901103"/>
+        <p14:creationId xmlns:p14="http://schemas.microsoft.com/office/powerpoint/2010/main" val="4125028116"/>
       </p:ext>
     </p:extLst>
   </p:cSld>
@@ -20840,7 +20832,65 @@
           <a:p>
             <a:r>
               <a:rPr lang="en-US" dirty="0"/>
-              <a:t>Website &amp; Visualization</a:t>
+              <a:t>Website Demo </a:t>
+            </a:r>
+          </a:p>
+        </p:txBody>
+      </p:sp>
+    </p:spTree>
+    <p:extLst>
+      <p:ext uri="{BB962C8B-B14F-4D97-AF65-F5344CB8AC3E}">
+        <p14:creationId xmlns:p14="http://schemas.microsoft.com/office/powerpoint/2010/main" val="3593577087"/>
+      </p:ext>
+    </p:extLst>
+  </p:cSld>
+  <p:clrMapOvr>
+    <a:masterClrMapping/>
+  </p:clrMapOvr>
+</p:sld>
+</file>
+
+<file path=ppt/slides/slide7.xml><?xml version="1.0" encoding="utf-8"?>
+<p:sld xmlns:a="http://schemas.openxmlformats.org/drawingml/2006/main" xmlns:r="http://schemas.openxmlformats.org/officeDocument/2006/relationships" xmlns:p="http://schemas.openxmlformats.org/presentationml/2006/main">
+  <p:cSld>
+    <p:spTree>
+      <p:nvGrpSpPr>
+        <p:cNvPr id="1" name=""/>
+        <p:cNvGrpSpPr/>
+        <p:nvPr/>
+      </p:nvGrpSpPr>
+      <p:grpSpPr>
+        <a:xfrm>
+          <a:off x="0" y="0"/>
+          <a:ext cx="0" cy="0"/>
+          <a:chOff x="0" y="0"/>
+          <a:chExt cx="0" cy="0"/>
+        </a:xfrm>
+      </p:grpSpPr>
+      <p:sp>
+        <p:nvSpPr>
+          <p:cNvPr id="2" name="Title 1">
+            <a:extLst>
+              <a:ext uri="{FF2B5EF4-FFF2-40B4-BE49-F238E27FC236}">
+                <a16:creationId xmlns:a16="http://schemas.microsoft.com/office/drawing/2014/main" id="{E08C84F6-255B-D242-CA1D-C865252D0FD4}"/>
+              </a:ext>
+            </a:extLst>
+          </p:cNvPr>
+          <p:cNvSpPr>
+            <a:spLocks noGrp="1"/>
+          </p:cNvSpPr>
+          <p:nvPr>
+            <p:ph type="title"/>
+          </p:nvPr>
+        </p:nvSpPr>
+        <p:spPr/>
+        <p:txBody>
+          <a:bodyPr/>
+          <a:lstStyle/>
+          <a:p>
+            <a:r>
+              <a:rPr lang="en-US" dirty="0"/>
+              <a:t>Way Forward / Next Steps </a:t>
             </a:r>
           </a:p>
         </p:txBody>
@@ -20850,7 +20900,7 @@
           <p:cNvPr id="3" name="Content Placeholder 2">
             <a:extLst>
               <a:ext uri="{FF2B5EF4-FFF2-40B4-BE49-F238E27FC236}">
-                <a16:creationId xmlns:a16="http://schemas.microsoft.com/office/drawing/2014/main" id="{3E421180-2EB8-702C-286D-9EAC66DA0D73}"/>
+                <a16:creationId xmlns:a16="http://schemas.microsoft.com/office/drawing/2014/main" id="{15A6A58C-EDD2-19E2-73C2-1C19A6AE6DB6}"/>
               </a:ext>
             </a:extLst>
           </p:cNvPr>
@@ -20866,29 +20916,165 @@
           <a:bodyPr/>
           <a:lstStyle/>
           <a:p>
-            <a:r>
-              <a:rPr lang="en-US" dirty="0"/>
-              <a:t>Houstonians will be able to use our interactive website to upload pictures of birds they have taken around the City of Houston. Our machine will be able to identify the bird they have uploaded to our website, by returning them with the bird’s name along with a short bio about the bird. </a:t>
-            </a:r>
-          </a:p>
-          <a:p>
-            <a:pPr marL="0" indent="0">
-              <a:buNone/>
-            </a:pPr>
-            <a:endParaRPr lang="en-US" dirty="0"/>
-          </a:p>
-          <a:p>
-            <a:r>
-              <a:rPr lang="en-US" dirty="0"/>
-              <a:t>We will be using HTML, JavaScript, VSC and Flask on building our interactive website. </a:t>
-            </a:r>
+            <a:endParaRPr lang="en-US"/>
           </a:p>
         </p:txBody>
       </p:sp>
     </p:spTree>
     <p:extLst>
       <p:ext uri="{BB962C8B-B14F-4D97-AF65-F5344CB8AC3E}">
-        <p14:creationId xmlns:p14="http://schemas.microsoft.com/office/powerpoint/2010/main" val="3593577087"/>
+        <p14:creationId xmlns:p14="http://schemas.microsoft.com/office/powerpoint/2010/main" val="119490441"/>
+      </p:ext>
+    </p:extLst>
+  </p:cSld>
+  <p:clrMapOvr>
+    <a:masterClrMapping/>
+  </p:clrMapOvr>
+</p:sld>
+</file>
+
+<file path=ppt/slides/slide8.xml><?xml version="1.0" encoding="utf-8"?>
+<p:sld xmlns:a="http://schemas.openxmlformats.org/drawingml/2006/main" xmlns:r="http://schemas.openxmlformats.org/officeDocument/2006/relationships" xmlns:p="http://schemas.openxmlformats.org/presentationml/2006/main">
+  <p:cSld>
+    <p:spTree>
+      <p:nvGrpSpPr>
+        <p:cNvPr id="1" name=""/>
+        <p:cNvGrpSpPr/>
+        <p:nvPr/>
+      </p:nvGrpSpPr>
+      <p:grpSpPr>
+        <a:xfrm>
+          <a:off x="0" y="0"/>
+          <a:ext cx="0" cy="0"/>
+          <a:chOff x="0" y="0"/>
+          <a:chExt cx="0" cy="0"/>
+        </a:xfrm>
+      </p:grpSpPr>
+      <p:sp>
+        <p:nvSpPr>
+          <p:cNvPr id="7" name="AutoShape 2">
+            <a:extLst>
+              <a:ext uri="{FF2B5EF4-FFF2-40B4-BE49-F238E27FC236}">
+                <a16:creationId xmlns:a16="http://schemas.microsoft.com/office/drawing/2014/main" id="{90A13A62-B4AC-103C-3082-9DD64AA45B75}"/>
+              </a:ext>
+            </a:extLst>
+          </p:cNvPr>
+          <p:cNvSpPr>
+            <a:spLocks noChangeAspect="1" noChangeArrowheads="1"/>
+          </p:cNvSpPr>
+          <p:nvPr/>
+        </p:nvSpPr>
+        <p:spPr bwMode="auto">
+          <a:xfrm>
+            <a:off x="5943600" y="3276600"/>
+            <a:ext cx="304800" cy="304800"/>
+          </a:xfrm>
+          <a:prstGeom prst="rect">
+            <a:avLst/>
+          </a:prstGeom>
+          <a:noFill/>
+          <a:extLst>
+            <a:ext uri="{909E8E84-426E-40DD-AFC4-6F175D3DCCD1}">
+              <a14:hiddenFill xmlns:a14="http://schemas.microsoft.com/office/drawing/2010/main">
+                <a:solidFill>
+                  <a:srgbClr val="FFFFFF"/>
+                </a:solidFill>
+              </a14:hiddenFill>
+            </a:ext>
+          </a:extLst>
+        </p:spPr>
+        <p:txBody>
+          <a:bodyPr vert="horz" wrap="square" lIns="91440" tIns="45720" rIns="91440" bIns="45720" numCol="1" anchor="t" anchorCtr="0" compatLnSpc="1">
+            <a:prstTxWarp prst="textNoShape">
+              <a:avLst/>
+            </a:prstTxWarp>
+          </a:bodyPr>
+          <a:lstStyle/>
+          <a:p>
+            <a:endParaRPr lang="en-US"/>
+          </a:p>
+        </p:txBody>
+      </p:sp>
+      <p:sp>
+        <p:nvSpPr>
+          <p:cNvPr id="8" name="AutoShape 4">
+            <a:extLst>
+              <a:ext uri="{FF2B5EF4-FFF2-40B4-BE49-F238E27FC236}">
+                <a16:creationId xmlns:a16="http://schemas.microsoft.com/office/drawing/2014/main" id="{40CFA4D3-2753-6876-20A7-6AB6D83BB048}"/>
+              </a:ext>
+            </a:extLst>
+          </p:cNvPr>
+          <p:cNvSpPr>
+            <a:spLocks noGrp="1" noChangeAspect="1" noChangeArrowheads="1"/>
+          </p:cNvSpPr>
+          <p:nvPr>
+            <p:ph type="title"/>
+          </p:nvPr>
+        </p:nvSpPr>
+        <p:spPr bwMode="auto">
+          <a:prstGeom prst="rect">
+            <a:avLst/>
+          </a:prstGeom>
+          <a:noFill/>
+          <a:extLst>
+            <a:ext uri="{909E8E84-426E-40DD-AFC4-6F175D3DCCD1}">
+              <a14:hiddenFill xmlns:a14="http://schemas.microsoft.com/office/drawing/2010/main">
+                <a:solidFill>
+                  <a:srgbClr val="FFFFFF"/>
+                </a:solidFill>
+              </a14:hiddenFill>
+            </a:ext>
+          </a:extLst>
+        </p:spPr>
+        <p:txBody>
+          <a:bodyPr vert="horz" wrap="square" lIns="91440" tIns="45720" rIns="91440" bIns="45720" numCol="1" anchor="t" anchorCtr="0" compatLnSpc="1">
+            <a:prstTxWarp prst="textNoShape">
+              <a:avLst/>
+            </a:prstTxWarp>
+          </a:bodyPr>
+          <a:lstStyle/>
+          <a:p>
+            <a:r>
+              <a:rPr lang="en-US" dirty="0"/>
+              <a:t>Questions? </a:t>
+            </a:r>
+          </a:p>
+        </p:txBody>
+      </p:sp>
+      <p:pic>
+        <p:nvPicPr>
+          <p:cNvPr id="10" name="Picture 9">
+            <a:extLst>
+              <a:ext uri="{FF2B5EF4-FFF2-40B4-BE49-F238E27FC236}">
+                <a16:creationId xmlns:a16="http://schemas.microsoft.com/office/drawing/2014/main" id="{A35DE2E5-559E-3E51-704C-6AE9FA2B0740}"/>
+              </a:ext>
+            </a:extLst>
+          </p:cNvPr>
+          <p:cNvPicPr>
+            <a:picLocks noChangeAspect="1"/>
+          </p:cNvPicPr>
+          <p:nvPr/>
+        </p:nvPicPr>
+        <p:blipFill>
+          <a:blip r:embed="rId2"/>
+          <a:stretch>
+            <a:fillRect/>
+          </a:stretch>
+        </p:blipFill>
+        <p:spPr>
+          <a:xfrm>
+            <a:off x="5662042" y="984387"/>
+            <a:ext cx="3218576" cy="5436621"/>
+          </a:xfrm>
+          <a:prstGeom prst="rect">
+            <a:avLst/>
+          </a:prstGeom>
+        </p:spPr>
+      </p:pic>
+    </p:spTree>
+    <p:extLst>
+      <p:ext uri="{BB962C8B-B14F-4D97-AF65-F5344CB8AC3E}">
+        <p14:creationId xmlns:p14="http://schemas.microsoft.com/office/powerpoint/2010/main" val="2878224073"/>
       </p:ext>
     </p:extLst>
   </p:cSld>

--- a/Presentation.pptx
+++ b/Presentation.pptx
@@ -9,10 +9,8 @@
     <p:sldId id="258" r:id="rId3"/>
     <p:sldId id="263" r:id="rId4"/>
     <p:sldId id="264" r:id="rId5"/>
-    <p:sldId id="267" r:id="rId6"/>
+    <p:sldId id="260" r:id="rId6"/>
     <p:sldId id="261" r:id="rId7"/>
-    <p:sldId id="266" r:id="rId8"/>
-    <p:sldId id="265" r:id="rId9"/>
   </p:sldIdLst>
   <p:sldSz cx="12192000" cy="6858000"/>
   <p:notesSz cx="6858000" cy="9144000"/>
@@ -8716,7 +8714,7 @@
           <a:p>
             <a:fld id="{CCB3CE20-769C-48A4-A90E-395B11202C2B}" type="datetimeFigureOut">
               <a:rPr lang="en-US" smtClean="0"/>
-              <a:t>2/16/2023</a:t>
+              <a:t>2/8/2023</a:t>
             </a:fld>
             <a:endParaRPr lang="en-US"/>
           </a:p>
@@ -9054,7 +9052,7 @@
           <a:p>
             <a:fld id="{CCB3CE20-769C-48A4-A90E-395B11202C2B}" type="datetimeFigureOut">
               <a:rPr lang="en-US" smtClean="0"/>
-              <a:t>2/16/2023</a:t>
+              <a:t>2/8/2023</a:t>
             </a:fld>
             <a:endParaRPr lang="en-US"/>
           </a:p>
@@ -9455,7 +9453,7 @@
           <a:p>
             <a:fld id="{CCB3CE20-769C-48A4-A90E-395B11202C2B}" type="datetimeFigureOut">
               <a:rPr lang="en-US" smtClean="0"/>
-              <a:t>2/16/2023</a:t>
+              <a:t>2/8/2023</a:t>
             </a:fld>
             <a:endParaRPr lang="en-US"/>
           </a:p>
@@ -9791,7 +9789,7 @@
           <a:p>
             <a:fld id="{CCB3CE20-769C-48A4-A90E-395B11202C2B}" type="datetimeFigureOut">
               <a:rPr lang="en-US" smtClean="0"/>
-              <a:t>2/16/2023</a:t>
+              <a:t>2/8/2023</a:t>
             </a:fld>
             <a:endParaRPr lang="en-US"/>
           </a:p>
@@ -10111,7 +10109,7 @@
           <a:p>
             <a:fld id="{CCB3CE20-769C-48A4-A90E-395B11202C2B}" type="datetimeFigureOut">
               <a:rPr lang="en-US" smtClean="0"/>
-              <a:t>2/16/2023</a:t>
+              <a:t>2/8/2023</a:t>
             </a:fld>
             <a:endParaRPr lang="en-US"/>
           </a:p>
@@ -10507,7 +10505,7 @@
           <a:p>
             <a:fld id="{CCB3CE20-769C-48A4-A90E-395B11202C2B}" type="datetimeFigureOut">
               <a:rPr lang="en-US" smtClean="0"/>
-              <a:t>2/16/2023</a:t>
+              <a:t>2/8/2023</a:t>
             </a:fld>
             <a:endParaRPr lang="en-US"/>
           </a:p>
@@ -10764,7 +10762,7 @@
           <a:p>
             <a:fld id="{CCB3CE20-769C-48A4-A90E-395B11202C2B}" type="datetimeFigureOut">
               <a:rPr lang="en-US" smtClean="0"/>
-              <a:t>2/16/2023</a:t>
+              <a:t>2/8/2023</a:t>
             </a:fld>
             <a:endParaRPr lang="en-US"/>
           </a:p>
@@ -11026,7 +11024,7 @@
           <a:p>
             <a:fld id="{CCB3CE20-769C-48A4-A90E-395B11202C2B}" type="datetimeFigureOut">
               <a:rPr lang="en-US" smtClean="0"/>
-              <a:t>2/16/2023</a:t>
+              <a:t>2/8/2023</a:t>
             </a:fld>
             <a:endParaRPr lang="en-US"/>
           </a:p>
@@ -11288,7 +11286,7 @@
           <a:p>
             <a:fld id="{CCB3CE20-769C-48A4-A90E-395B11202C2B}" type="datetimeFigureOut">
               <a:rPr lang="en-US" smtClean="0"/>
-              <a:t>2/16/2023</a:t>
+              <a:t>2/8/2023</a:t>
             </a:fld>
             <a:endParaRPr lang="en-US"/>
           </a:p>
@@ -11617,7 +11615,7 @@
           <a:p>
             <a:fld id="{CCB3CE20-769C-48A4-A90E-395B11202C2B}" type="datetimeFigureOut">
               <a:rPr lang="en-US" smtClean="0"/>
-              <a:t>2/16/2023</a:t>
+              <a:t>2/8/2023</a:t>
             </a:fld>
             <a:endParaRPr lang="en-US"/>
           </a:p>
@@ -11940,7 +11938,7 @@
           <a:p>
             <a:fld id="{CCB3CE20-769C-48A4-A90E-395B11202C2B}" type="datetimeFigureOut">
               <a:rPr lang="en-US" smtClean="0"/>
-              <a:t>2/16/2023</a:t>
+              <a:t>2/8/2023</a:t>
             </a:fld>
             <a:endParaRPr lang="en-US"/>
           </a:p>
@@ -12397,7 +12395,7 @@
           <a:p>
             <a:fld id="{CCB3CE20-769C-48A4-A90E-395B11202C2B}" type="datetimeFigureOut">
               <a:rPr lang="en-US" smtClean="0"/>
-              <a:t>2/16/2023</a:t>
+              <a:t>2/8/2023</a:t>
             </a:fld>
             <a:endParaRPr lang="en-US"/>
           </a:p>
@@ -12602,7 +12600,7 @@
           <a:p>
             <a:fld id="{CCB3CE20-769C-48A4-A90E-395B11202C2B}" type="datetimeFigureOut">
               <a:rPr lang="en-US" smtClean="0"/>
-              <a:t>2/16/2023</a:t>
+              <a:t>2/8/2023</a:t>
             </a:fld>
             <a:endParaRPr lang="en-US"/>
           </a:p>
@@ -12779,7 +12777,7 @@
           <a:p>
             <a:fld id="{CCB3CE20-769C-48A4-A90E-395B11202C2B}" type="datetimeFigureOut">
               <a:rPr lang="en-US" smtClean="0"/>
-              <a:t>2/16/2023</a:t>
+              <a:t>2/8/2023</a:t>
             </a:fld>
             <a:endParaRPr lang="en-US"/>
           </a:p>
@@ -13112,7 +13110,7 @@
           <a:p>
             <a:fld id="{CCB3CE20-769C-48A4-A90E-395B11202C2B}" type="datetimeFigureOut">
               <a:rPr lang="en-US" smtClean="0"/>
-              <a:t>2/16/2023</a:t>
+              <a:t>2/8/2023</a:t>
             </a:fld>
             <a:endParaRPr lang="en-US"/>
           </a:p>
@@ -13457,7 +13455,7 @@
           <a:p>
             <a:fld id="{CCB3CE20-769C-48A4-A90E-395B11202C2B}" type="datetimeFigureOut">
               <a:rPr lang="en-US" smtClean="0"/>
-              <a:t>2/16/2023</a:t>
+              <a:t>2/8/2023</a:t>
             </a:fld>
             <a:endParaRPr lang="en-US"/>
           </a:p>
@@ -15574,7 +15572,7 @@
           <a:p>
             <a:fld id="{CCB3CE20-769C-48A4-A90E-395B11202C2B}" type="datetimeFigureOut">
               <a:rPr lang="en-US" smtClean="0"/>
-              <a:t>2/16/2023</a:t>
+              <a:t>2/8/2023</a:t>
             </a:fld>
             <a:endParaRPr lang="en-US"/>
           </a:p>
@@ -20477,13 +20475,13 @@
             <p:ph idx="1"/>
             <p:extLst>
               <p:ext uri="{D42A27DB-BD31-4B8C-83A1-F6EECF244321}">
-                <p14:modId xmlns:p14="http://schemas.microsoft.com/office/powerpoint/2010/main" val="1423650579"/>
+                <p14:modId xmlns:p14="http://schemas.microsoft.com/office/powerpoint/2010/main" val="2714442217"/>
               </p:ext>
             </p:extLst>
           </p:nvPr>
         </p:nvGraphicFramePr>
         <p:xfrm>
-          <a:off x="2863532" y="1757997"/>
+          <a:off x="2863532" y="2596896"/>
           <a:ext cx="8915400" cy="3777622"/>
         </p:xfrm>
         <a:graphic>
@@ -20727,7 +20725,7 @@
           <p:cNvPr id="2" name="Title 1">
             <a:extLst>
               <a:ext uri="{FF2B5EF4-FFF2-40B4-BE49-F238E27FC236}">
-                <a16:creationId xmlns:a16="http://schemas.microsoft.com/office/drawing/2014/main" id="{FEA52EE9-C4E7-2D7E-DF07-D7D10D5D7AE1}"/>
+                <a16:creationId xmlns:a16="http://schemas.microsoft.com/office/drawing/2014/main" id="{8BAD1732-EC8E-23CA-0BF6-03CF6A0E3EB5}"/>
               </a:ext>
             </a:extLst>
           </p:cNvPr>
@@ -20745,44 +20743,54 @@
           <a:p>
             <a:r>
               <a:rPr lang="en-US" dirty="0"/>
-              <a:t>Model Accuracy</a:t>
+              <a:t>Tools</a:t>
             </a:r>
           </a:p>
         </p:txBody>
       </p:sp>
-      <p:pic>
-        <p:nvPicPr>
-          <p:cNvPr id="5" name="Content Placeholder 4">
+      <p:sp>
+        <p:nvSpPr>
+          <p:cNvPr id="3" name="Content Placeholder 2">
             <a:extLst>
               <a:ext uri="{FF2B5EF4-FFF2-40B4-BE49-F238E27FC236}">
-                <a16:creationId xmlns:a16="http://schemas.microsoft.com/office/drawing/2014/main" id="{53215EEF-0255-7916-9425-3A496873D95A}"/>
+                <a16:creationId xmlns:a16="http://schemas.microsoft.com/office/drawing/2014/main" id="{901C66AA-10BD-56D5-29E9-2C93EFD90908}"/>
               </a:ext>
             </a:extLst>
           </p:cNvPr>
-          <p:cNvPicPr>
-            <a:picLocks noGrp="1" noChangeAspect="1"/>
-          </p:cNvPicPr>
+          <p:cNvSpPr>
+            <a:spLocks noGrp="1"/>
+          </p:cNvSpPr>
           <p:nvPr>
             <p:ph idx="1"/>
           </p:nvPr>
-        </p:nvPicPr>
-        <p:blipFill>
-          <a:blip r:embed="rId2"/>
-          <a:stretch>
-            <a:fillRect/>
-          </a:stretch>
-        </p:blipFill>
-        <p:spPr>
-          <a:xfrm>
-            <a:off x="2731738" y="2186934"/>
-            <a:ext cx="7727878" cy="4345388"/>
-          </a:xfrm>
-        </p:spPr>
-      </p:pic>
+        </p:nvSpPr>
+        <p:spPr/>
+        <p:txBody>
+          <a:bodyPr/>
+          <a:lstStyle/>
+          <a:p>
+            <a:r>
+              <a:rPr lang="en-US" dirty="0"/>
+              <a:t>Google </a:t>
+            </a:r>
+            <a:r>
+              <a:rPr lang="en-US" dirty="0" err="1"/>
+              <a:t>Colab</a:t>
+            </a:r>
+            <a:endParaRPr lang="en-US" dirty="0"/>
+          </a:p>
+          <a:p>
+            <a:r>
+              <a:rPr lang="en-US" dirty="0"/>
+              <a:t>Google Drive</a:t>
+            </a:r>
+          </a:p>
+        </p:txBody>
+      </p:sp>
     </p:spTree>
     <p:extLst>
       <p:ext uri="{BB962C8B-B14F-4D97-AF65-F5344CB8AC3E}">
-        <p14:creationId xmlns:p14="http://schemas.microsoft.com/office/powerpoint/2010/main" val="4125028116"/>
+        <p14:creationId xmlns:p14="http://schemas.microsoft.com/office/powerpoint/2010/main" val="1355901103"/>
       </p:ext>
     </p:extLst>
   </p:cSld>
@@ -20832,65 +20840,7 @@
           <a:p>
             <a:r>
               <a:rPr lang="en-US" dirty="0"/>
-              <a:t>Website Demo </a:t>
-            </a:r>
-          </a:p>
-        </p:txBody>
-      </p:sp>
-    </p:spTree>
-    <p:extLst>
-      <p:ext uri="{BB962C8B-B14F-4D97-AF65-F5344CB8AC3E}">
-        <p14:creationId xmlns:p14="http://schemas.microsoft.com/office/powerpoint/2010/main" val="3593577087"/>
-      </p:ext>
-    </p:extLst>
-  </p:cSld>
-  <p:clrMapOvr>
-    <a:masterClrMapping/>
-  </p:clrMapOvr>
-</p:sld>
-</file>
-
-<file path=ppt/slides/slide7.xml><?xml version="1.0" encoding="utf-8"?>
-<p:sld xmlns:a="http://schemas.openxmlformats.org/drawingml/2006/main" xmlns:r="http://schemas.openxmlformats.org/officeDocument/2006/relationships" xmlns:p="http://schemas.openxmlformats.org/presentationml/2006/main">
-  <p:cSld>
-    <p:spTree>
-      <p:nvGrpSpPr>
-        <p:cNvPr id="1" name=""/>
-        <p:cNvGrpSpPr/>
-        <p:nvPr/>
-      </p:nvGrpSpPr>
-      <p:grpSpPr>
-        <a:xfrm>
-          <a:off x="0" y="0"/>
-          <a:ext cx="0" cy="0"/>
-          <a:chOff x="0" y="0"/>
-          <a:chExt cx="0" cy="0"/>
-        </a:xfrm>
-      </p:grpSpPr>
-      <p:sp>
-        <p:nvSpPr>
-          <p:cNvPr id="2" name="Title 1">
-            <a:extLst>
-              <a:ext uri="{FF2B5EF4-FFF2-40B4-BE49-F238E27FC236}">
-                <a16:creationId xmlns:a16="http://schemas.microsoft.com/office/drawing/2014/main" id="{E08C84F6-255B-D242-CA1D-C865252D0FD4}"/>
-              </a:ext>
-            </a:extLst>
-          </p:cNvPr>
-          <p:cNvSpPr>
-            <a:spLocks noGrp="1"/>
-          </p:cNvSpPr>
-          <p:nvPr>
-            <p:ph type="title"/>
-          </p:nvPr>
-        </p:nvSpPr>
-        <p:spPr/>
-        <p:txBody>
-          <a:bodyPr/>
-          <a:lstStyle/>
-          <a:p>
-            <a:r>
-              <a:rPr lang="en-US" dirty="0"/>
-              <a:t>Way Forward / Next Steps </a:t>
+              <a:t>Website &amp; Visualization</a:t>
             </a:r>
           </a:p>
         </p:txBody>
@@ -20900,7 +20850,7 @@
           <p:cNvPr id="3" name="Content Placeholder 2">
             <a:extLst>
               <a:ext uri="{FF2B5EF4-FFF2-40B4-BE49-F238E27FC236}">
-                <a16:creationId xmlns:a16="http://schemas.microsoft.com/office/drawing/2014/main" id="{15A6A58C-EDD2-19E2-73C2-1C19A6AE6DB6}"/>
+                <a16:creationId xmlns:a16="http://schemas.microsoft.com/office/drawing/2014/main" id="{3E421180-2EB8-702C-286D-9EAC66DA0D73}"/>
               </a:ext>
             </a:extLst>
           </p:cNvPr>
@@ -20916,165 +20866,29 @@
           <a:bodyPr/>
           <a:lstStyle/>
           <a:p>
-            <a:endParaRPr lang="en-US"/>
+            <a:r>
+              <a:rPr lang="en-US" dirty="0"/>
+              <a:t>Houstonians will be able to use our interactive website to upload pictures of birds they have taken around the City of Houston. Our machine will be able to identify the bird they have uploaded to our website, by returning them with the bird’s name along with a short bio about the bird. </a:t>
+            </a:r>
+          </a:p>
+          <a:p>
+            <a:pPr marL="0" indent="0">
+              <a:buNone/>
+            </a:pPr>
+            <a:endParaRPr lang="en-US" dirty="0"/>
+          </a:p>
+          <a:p>
+            <a:r>
+              <a:rPr lang="en-US" dirty="0"/>
+              <a:t>We will be using HTML, JavaScript, VSC and Flask on building our interactive website. </a:t>
+            </a:r>
           </a:p>
         </p:txBody>
       </p:sp>
     </p:spTree>
     <p:extLst>
       <p:ext uri="{BB962C8B-B14F-4D97-AF65-F5344CB8AC3E}">
-        <p14:creationId xmlns:p14="http://schemas.microsoft.com/office/powerpoint/2010/main" val="119490441"/>
-      </p:ext>
-    </p:extLst>
-  </p:cSld>
-  <p:clrMapOvr>
-    <a:masterClrMapping/>
-  </p:clrMapOvr>
-</p:sld>
-</file>
-
-<file path=ppt/slides/slide8.xml><?xml version="1.0" encoding="utf-8"?>
-<p:sld xmlns:a="http://schemas.openxmlformats.org/drawingml/2006/main" xmlns:r="http://schemas.openxmlformats.org/officeDocument/2006/relationships" xmlns:p="http://schemas.openxmlformats.org/presentationml/2006/main">
-  <p:cSld>
-    <p:spTree>
-      <p:nvGrpSpPr>
-        <p:cNvPr id="1" name=""/>
-        <p:cNvGrpSpPr/>
-        <p:nvPr/>
-      </p:nvGrpSpPr>
-      <p:grpSpPr>
-        <a:xfrm>
-          <a:off x="0" y="0"/>
-          <a:ext cx="0" cy="0"/>
-          <a:chOff x="0" y="0"/>
-          <a:chExt cx="0" cy="0"/>
-        </a:xfrm>
-      </p:grpSpPr>
-      <p:sp>
-        <p:nvSpPr>
-          <p:cNvPr id="7" name="AutoShape 2">
-            <a:extLst>
-              <a:ext uri="{FF2B5EF4-FFF2-40B4-BE49-F238E27FC236}">
-                <a16:creationId xmlns:a16="http://schemas.microsoft.com/office/drawing/2014/main" id="{90A13A62-B4AC-103C-3082-9DD64AA45B75}"/>
-              </a:ext>
-            </a:extLst>
-          </p:cNvPr>
-          <p:cNvSpPr>
-            <a:spLocks noChangeAspect="1" noChangeArrowheads="1"/>
-          </p:cNvSpPr>
-          <p:nvPr/>
-        </p:nvSpPr>
-        <p:spPr bwMode="auto">
-          <a:xfrm>
-            <a:off x="5943600" y="3276600"/>
-            <a:ext cx="304800" cy="304800"/>
-          </a:xfrm>
-          <a:prstGeom prst="rect">
-            <a:avLst/>
-          </a:prstGeom>
-          <a:noFill/>
-          <a:extLst>
-            <a:ext uri="{909E8E84-426E-40DD-AFC4-6F175D3DCCD1}">
-              <a14:hiddenFill xmlns:a14="http://schemas.microsoft.com/office/drawing/2010/main">
-                <a:solidFill>
-                  <a:srgbClr val="FFFFFF"/>
-                </a:solidFill>
-              </a14:hiddenFill>
-            </a:ext>
-          </a:extLst>
-        </p:spPr>
-        <p:txBody>
-          <a:bodyPr vert="horz" wrap="square" lIns="91440" tIns="45720" rIns="91440" bIns="45720" numCol="1" anchor="t" anchorCtr="0" compatLnSpc="1">
-            <a:prstTxWarp prst="textNoShape">
-              <a:avLst/>
-            </a:prstTxWarp>
-          </a:bodyPr>
-          <a:lstStyle/>
-          <a:p>
-            <a:endParaRPr lang="en-US"/>
-          </a:p>
-        </p:txBody>
-      </p:sp>
-      <p:sp>
-        <p:nvSpPr>
-          <p:cNvPr id="8" name="AutoShape 4">
-            <a:extLst>
-              <a:ext uri="{FF2B5EF4-FFF2-40B4-BE49-F238E27FC236}">
-                <a16:creationId xmlns:a16="http://schemas.microsoft.com/office/drawing/2014/main" id="{40CFA4D3-2753-6876-20A7-6AB6D83BB048}"/>
-              </a:ext>
-            </a:extLst>
-          </p:cNvPr>
-          <p:cNvSpPr>
-            <a:spLocks noGrp="1" noChangeAspect="1" noChangeArrowheads="1"/>
-          </p:cNvSpPr>
-          <p:nvPr>
-            <p:ph type="title"/>
-          </p:nvPr>
-        </p:nvSpPr>
-        <p:spPr bwMode="auto">
-          <a:prstGeom prst="rect">
-            <a:avLst/>
-          </a:prstGeom>
-          <a:noFill/>
-          <a:extLst>
-            <a:ext uri="{909E8E84-426E-40DD-AFC4-6F175D3DCCD1}">
-              <a14:hiddenFill xmlns:a14="http://schemas.microsoft.com/office/drawing/2010/main">
-                <a:solidFill>
-                  <a:srgbClr val="FFFFFF"/>
-                </a:solidFill>
-              </a14:hiddenFill>
-            </a:ext>
-          </a:extLst>
-        </p:spPr>
-        <p:txBody>
-          <a:bodyPr vert="horz" wrap="square" lIns="91440" tIns="45720" rIns="91440" bIns="45720" numCol="1" anchor="t" anchorCtr="0" compatLnSpc="1">
-            <a:prstTxWarp prst="textNoShape">
-              <a:avLst/>
-            </a:prstTxWarp>
-          </a:bodyPr>
-          <a:lstStyle/>
-          <a:p>
-            <a:r>
-              <a:rPr lang="en-US" dirty="0"/>
-              <a:t>Questions? </a:t>
-            </a:r>
-          </a:p>
-        </p:txBody>
-      </p:sp>
-      <p:pic>
-        <p:nvPicPr>
-          <p:cNvPr id="10" name="Picture 9">
-            <a:extLst>
-              <a:ext uri="{FF2B5EF4-FFF2-40B4-BE49-F238E27FC236}">
-                <a16:creationId xmlns:a16="http://schemas.microsoft.com/office/drawing/2014/main" id="{A35DE2E5-559E-3E51-704C-6AE9FA2B0740}"/>
-              </a:ext>
-            </a:extLst>
-          </p:cNvPr>
-          <p:cNvPicPr>
-            <a:picLocks noChangeAspect="1"/>
-          </p:cNvPicPr>
-          <p:nvPr/>
-        </p:nvPicPr>
-        <p:blipFill>
-          <a:blip r:embed="rId2"/>
-          <a:stretch>
-            <a:fillRect/>
-          </a:stretch>
-        </p:blipFill>
-        <p:spPr>
-          <a:xfrm>
-            <a:off x="5662042" y="984387"/>
-            <a:ext cx="3218576" cy="5436621"/>
-          </a:xfrm>
-          <a:prstGeom prst="rect">
-            <a:avLst/>
-          </a:prstGeom>
-        </p:spPr>
-      </p:pic>
-    </p:spTree>
-    <p:extLst>
-      <p:ext uri="{BB962C8B-B14F-4D97-AF65-F5344CB8AC3E}">
-        <p14:creationId xmlns:p14="http://schemas.microsoft.com/office/powerpoint/2010/main" val="2878224073"/>
+        <p14:creationId xmlns:p14="http://schemas.microsoft.com/office/powerpoint/2010/main" val="3593577087"/>
       </p:ext>
     </p:extLst>
   </p:cSld>

--- a/Presentation.pptx
+++ b/Presentation.pptx
@@ -13,6 +13,7 @@
     <p:sldId id="261" r:id="rId7"/>
     <p:sldId id="266" r:id="rId8"/>
     <p:sldId id="265" r:id="rId9"/>
+    <p:sldId id="268" r:id="rId10"/>
   </p:sldIdLst>
   <p:sldSz cx="12192000" cy="6858000"/>
   <p:notesSz cx="6858000" cy="9144000"/>
@@ -2461,7 +2462,7 @@
         <a:p>
           <a:r>
             <a:rPr lang="en-US" dirty="0"/>
-            <a:t>Determine and evaluate Model </a:t>
+            <a:t>Determine and Evaluate Model </a:t>
           </a:r>
         </a:p>
       </dgm:t>
@@ -2500,7 +2501,7 @@
         <a:p>
           <a:r>
             <a:rPr lang="en-US" dirty="0"/>
-            <a:t>Website and Visualization</a:t>
+            <a:t>Create Website and Visualization</a:t>
           </a:r>
         </a:p>
       </dgm:t>
@@ -2647,7 +2648,7 @@
       <dgm:spPr/>
     </dgm:pt>
     <dgm:pt modelId="{720E641C-17C9-4839-9E1D-5E52170CF555}" type="pres">
-      <dgm:prSet presAssocID="{EEF430E7-D8B6-41B9-A5FD-223A08391C0F}" presName="bgRect" presStyleLbl="alignNode1" presStyleIdx="3" presStyleCnt="4"/>
+      <dgm:prSet presAssocID="{EEF430E7-D8B6-41B9-A5FD-223A08391C0F}" presName="bgRect" presStyleLbl="alignNode1" presStyleIdx="3" presStyleCnt="4" custLinFactNeighborX="1558" custLinFactNeighborY="835"/>
       <dgm:spPr/>
     </dgm:pt>
     <dgm:pt modelId="{0B502D18-F143-44A8-A56B-6D09E68EB019}" type="pres">
@@ -2766,78 +2767,6 @@
         </a:p>
       </dgm:t>
     </dgm:pt>
-    <dgm:pt modelId="{D874529F-E315-4EBF-A083-1F0DDD1E89FB}">
-      <dgm:prSet/>
-      <dgm:spPr/>
-      <dgm:t>
-        <a:bodyPr/>
-        <a:lstStyle/>
-        <a:p>
-          <a:r>
-            <a:rPr lang="en-US"/>
-            <a:t>Predefine List of Birds Native to Houston Area </a:t>
-          </a:r>
-        </a:p>
-      </dgm:t>
-    </dgm:pt>
-    <dgm:pt modelId="{5CE3B5B8-E49A-4DCA-8E78-03936168A4D7}" type="parTrans" cxnId="{3742C5EF-71EE-46E1-B75D-7F63F7AA5C0A}">
-      <dgm:prSet/>
-      <dgm:spPr/>
-      <dgm:t>
-        <a:bodyPr/>
-        <a:lstStyle/>
-        <a:p>
-          <a:endParaRPr lang="en-US"/>
-        </a:p>
-      </dgm:t>
-    </dgm:pt>
-    <dgm:pt modelId="{7E5AB090-7B8C-425E-B501-5C9BE6A16561}" type="sibTrans" cxnId="{3742C5EF-71EE-46E1-B75D-7F63F7AA5C0A}">
-      <dgm:prSet/>
-      <dgm:spPr/>
-      <dgm:t>
-        <a:bodyPr/>
-        <a:lstStyle/>
-        <a:p>
-          <a:endParaRPr lang="en-US"/>
-        </a:p>
-      </dgm:t>
-    </dgm:pt>
-    <dgm:pt modelId="{F2FE7298-9498-4478-9B5F-2ADD65462249}">
-      <dgm:prSet/>
-      <dgm:spPr/>
-      <dgm:t>
-        <a:bodyPr/>
-        <a:lstStyle/>
-        <a:p>
-          <a:r>
-            <a:rPr lang="en-US" dirty="0"/>
-            <a:t>Define Size and Location for Photos to Download to </a:t>
-          </a:r>
-        </a:p>
-      </dgm:t>
-    </dgm:pt>
-    <dgm:pt modelId="{F12BFA39-B3D5-40F5-A673-900652AA422A}" type="parTrans" cxnId="{2B51C7A1-C383-4BF0-B9E0-07E8D5834C54}">
-      <dgm:prSet/>
-      <dgm:spPr/>
-      <dgm:t>
-        <a:bodyPr/>
-        <a:lstStyle/>
-        <a:p>
-          <a:endParaRPr lang="en-US"/>
-        </a:p>
-      </dgm:t>
-    </dgm:pt>
-    <dgm:pt modelId="{1A20F32E-4DE2-4BA6-B9E0-74365A218EAC}" type="sibTrans" cxnId="{2B51C7A1-C383-4BF0-B9E0-07E8D5834C54}">
-      <dgm:prSet/>
-      <dgm:spPr/>
-      <dgm:t>
-        <a:bodyPr/>
-        <a:lstStyle/>
-        <a:p>
-          <a:endParaRPr lang="en-US"/>
-        </a:p>
-      </dgm:t>
-    </dgm:pt>
     <dgm:pt modelId="{86960AA4-1945-4B05-8106-E88ED67C25FB}">
       <dgm:prSet/>
       <dgm:spPr/>
@@ -2882,7 +2811,7 @@
         <a:lstStyle/>
         <a:p>
           <a:r>
-            <a:rPr lang="en-US"/>
+            <a:rPr lang="en-US" dirty="0"/>
             <a:t>Photos were then uploaded to google drive for processing </a:t>
           </a:r>
         </a:p>
@@ -2910,6 +2839,78 @@
         </a:p>
       </dgm:t>
     </dgm:pt>
+    <dgm:pt modelId="{5DEBDB97-FADA-4084-9ADB-EDA6942C33DC}">
+      <dgm:prSet/>
+      <dgm:spPr/>
+      <dgm:t>
+        <a:bodyPr/>
+        <a:lstStyle/>
+        <a:p>
+          <a:r>
+            <a:rPr lang="en-US" dirty="0"/>
+            <a:t>Predefine List of Birds Native to Houston Area </a:t>
+          </a:r>
+        </a:p>
+      </dgm:t>
+    </dgm:pt>
+    <dgm:pt modelId="{CE510CF8-7978-48C9-A3C7-D2183B79A6AD}" type="parTrans" cxnId="{B7839B41-9968-4DF7-B781-911054939C3C}">
+      <dgm:prSet/>
+      <dgm:spPr/>
+      <dgm:t>
+        <a:bodyPr/>
+        <a:lstStyle/>
+        <a:p>
+          <a:endParaRPr lang="en-US"/>
+        </a:p>
+      </dgm:t>
+    </dgm:pt>
+    <dgm:pt modelId="{064F75F9-7624-4417-A031-E659BD43F69B}" type="sibTrans" cxnId="{B7839B41-9968-4DF7-B781-911054939C3C}">
+      <dgm:prSet/>
+      <dgm:spPr/>
+      <dgm:t>
+        <a:bodyPr/>
+        <a:lstStyle/>
+        <a:p>
+          <a:endParaRPr lang="en-US"/>
+        </a:p>
+      </dgm:t>
+    </dgm:pt>
+    <dgm:pt modelId="{2680F260-6909-458A-8DA4-2CCD91ECB943}">
+      <dgm:prSet/>
+      <dgm:spPr/>
+      <dgm:t>
+        <a:bodyPr/>
+        <a:lstStyle/>
+        <a:p>
+          <a:r>
+            <a:rPr lang="en-US" dirty="0"/>
+            <a:t>Define Size and Location for Photos to Download to </a:t>
+          </a:r>
+        </a:p>
+      </dgm:t>
+    </dgm:pt>
+    <dgm:pt modelId="{604CBEB5-2487-4D70-91B3-5388EA663147}" type="parTrans" cxnId="{755B6D46-43B1-4244-B7AC-669D3060D761}">
+      <dgm:prSet/>
+      <dgm:spPr/>
+      <dgm:t>
+        <a:bodyPr/>
+        <a:lstStyle/>
+        <a:p>
+          <a:endParaRPr lang="en-US"/>
+        </a:p>
+      </dgm:t>
+    </dgm:pt>
+    <dgm:pt modelId="{59F1C877-1C2D-4F9A-9A66-30927C0F5747}" type="sibTrans" cxnId="{755B6D46-43B1-4244-B7AC-669D3060D761}">
+      <dgm:prSet/>
+      <dgm:spPr/>
+      <dgm:t>
+        <a:bodyPr/>
+        <a:lstStyle/>
+        <a:p>
+          <a:endParaRPr lang="en-US"/>
+        </a:p>
+      </dgm:t>
+    </dgm:pt>
     <dgm:pt modelId="{7C481EFA-9E78-4ED4-ACE6-F788D0BED9DD}" type="pres">
       <dgm:prSet presAssocID="{DFDCE516-0D67-46FB-9FC9-1B0B98577A16}" presName="linear" presStyleCnt="0">
         <dgm:presLayoutVars>
@@ -2919,8 +2920,34 @@
       </dgm:prSet>
       <dgm:spPr/>
     </dgm:pt>
+    <dgm:pt modelId="{BE38F0B1-0B45-4DB4-A594-5684942CA22F}" type="pres">
+      <dgm:prSet presAssocID="{5DEBDB97-FADA-4084-9ADB-EDA6942C33DC}" presName="parentText" presStyleLbl="node1" presStyleIdx="0" presStyleCnt="5">
+        <dgm:presLayoutVars>
+          <dgm:chMax val="0"/>
+          <dgm:bulletEnabled val="1"/>
+        </dgm:presLayoutVars>
+      </dgm:prSet>
+      <dgm:spPr/>
+    </dgm:pt>
+    <dgm:pt modelId="{88903372-9F99-4223-A171-A0A80C399670}" type="pres">
+      <dgm:prSet presAssocID="{064F75F9-7624-4417-A031-E659BD43F69B}" presName="spacer" presStyleCnt="0"/>
+      <dgm:spPr/>
+    </dgm:pt>
+    <dgm:pt modelId="{8D19B76D-76F3-4503-A4B6-B5AEE06BE127}" type="pres">
+      <dgm:prSet presAssocID="{2680F260-6909-458A-8DA4-2CCD91ECB943}" presName="parentText" presStyleLbl="node1" presStyleIdx="1" presStyleCnt="5">
+        <dgm:presLayoutVars>
+          <dgm:chMax val="0"/>
+          <dgm:bulletEnabled val="1"/>
+        </dgm:presLayoutVars>
+      </dgm:prSet>
+      <dgm:spPr/>
+    </dgm:pt>
+    <dgm:pt modelId="{F98AD5FF-9E0A-4436-9E35-B1A592C376BD}" type="pres">
+      <dgm:prSet presAssocID="{59F1C877-1C2D-4F9A-9A66-30927C0F5747}" presName="spacer" presStyleCnt="0"/>
+      <dgm:spPr/>
+    </dgm:pt>
     <dgm:pt modelId="{7AF75A0C-B364-42C1-855F-DF867D2F788A}" type="pres">
-      <dgm:prSet presAssocID="{86B771E7-BD2B-4019-B713-98D4174E3FE1}" presName="parentText" presStyleLbl="node1" presStyleIdx="0" presStyleCnt="5">
+      <dgm:prSet presAssocID="{86B771E7-BD2B-4019-B713-98D4174E3FE1}" presName="parentText" presStyleLbl="node1" presStyleIdx="2" presStyleCnt="5">
         <dgm:presLayoutVars>
           <dgm:chMax val="0"/>
           <dgm:bulletEnabled val="1"/>
@@ -2930,32 +2957,6 @@
     </dgm:pt>
     <dgm:pt modelId="{90441D13-C15A-40F6-9ED1-3966FCDBAB8D}" type="pres">
       <dgm:prSet presAssocID="{1AA4C1B2-4D56-4219-8E35-CD6DAD937CBE}" presName="spacer" presStyleCnt="0"/>
-      <dgm:spPr/>
-    </dgm:pt>
-    <dgm:pt modelId="{7F076CA7-74B8-49A1-9FAF-E8493F38A891}" type="pres">
-      <dgm:prSet presAssocID="{D874529F-E315-4EBF-A083-1F0DDD1E89FB}" presName="parentText" presStyleLbl="node1" presStyleIdx="1" presStyleCnt="5">
-        <dgm:presLayoutVars>
-          <dgm:chMax val="0"/>
-          <dgm:bulletEnabled val="1"/>
-        </dgm:presLayoutVars>
-      </dgm:prSet>
-      <dgm:spPr/>
-    </dgm:pt>
-    <dgm:pt modelId="{E929583A-AF06-4EB8-92DC-0C928CA933C6}" type="pres">
-      <dgm:prSet presAssocID="{7E5AB090-7B8C-425E-B501-5C9BE6A16561}" presName="spacer" presStyleCnt="0"/>
-      <dgm:spPr/>
-    </dgm:pt>
-    <dgm:pt modelId="{589CBBAF-BA02-45B6-8840-4A60A41FB7F3}" type="pres">
-      <dgm:prSet presAssocID="{F2FE7298-9498-4478-9B5F-2ADD65462249}" presName="parentText" presStyleLbl="node1" presStyleIdx="2" presStyleCnt="5">
-        <dgm:presLayoutVars>
-          <dgm:chMax val="0"/>
-          <dgm:bulletEnabled val="1"/>
-        </dgm:presLayoutVars>
-      </dgm:prSet>
-      <dgm:spPr/>
-    </dgm:pt>
-    <dgm:pt modelId="{1C70FA42-7E25-41A2-944C-7EC95A6E4270}" type="pres">
-      <dgm:prSet presAssocID="{1A20F32E-4DE2-4BA6-B9E0-74365A218EAC}" presName="spacer" presStyleCnt="0"/>
       <dgm:spPr/>
     </dgm:pt>
     <dgm:pt modelId="{C057280B-7848-45FB-89EA-1DA8DE684CEC}" type="pres">
@@ -2982,23 +2983,23 @@
     </dgm:pt>
   </dgm:ptLst>
   <dgm:cxnLst>
-    <dgm:cxn modelId="{6CD58C01-0C76-4F74-9BE8-D0E1221455AA}" srcId="{DFDCE516-0D67-46FB-9FC9-1B0B98577A16}" destId="{86B771E7-BD2B-4019-B713-98D4174E3FE1}" srcOrd="0" destOrd="0" parTransId="{9E30E029-823A-40B3-937C-F0389C34FD39}" sibTransId="{1AA4C1B2-4D56-4219-8E35-CD6DAD937CBE}"/>
+    <dgm:cxn modelId="{6CD58C01-0C76-4F74-9BE8-D0E1221455AA}" srcId="{DFDCE516-0D67-46FB-9FC9-1B0B98577A16}" destId="{86B771E7-BD2B-4019-B713-98D4174E3FE1}" srcOrd="2" destOrd="0" parTransId="{9E30E029-823A-40B3-937C-F0389C34FD39}" sibTransId="{1AA4C1B2-4D56-4219-8E35-CD6DAD937CBE}"/>
     <dgm:cxn modelId="{0BF67622-27D6-462C-A2F7-238FEBC3BDA5}" srcId="{DFDCE516-0D67-46FB-9FC9-1B0B98577A16}" destId="{86960AA4-1945-4B05-8106-E88ED67C25FB}" srcOrd="3" destOrd="0" parTransId="{33ABECC9-606C-47EA-862C-A5B994850731}" sibTransId="{23E4162D-A3B5-45E4-B2F0-9D0E2153A997}"/>
     <dgm:cxn modelId="{4EE8B02B-A8BD-4ED8-9B61-43B60B8C5825}" type="presOf" srcId="{86960AA4-1945-4B05-8106-E88ED67C25FB}" destId="{C057280B-7848-45FB-89EA-1DA8DE684CEC}" srcOrd="0" destOrd="0" presId="urn:microsoft.com/office/officeart/2005/8/layout/vList2"/>
     <dgm:cxn modelId="{6E7A1632-C20C-48EE-9991-36906984C52D}" srcId="{DFDCE516-0D67-46FB-9FC9-1B0B98577A16}" destId="{11046346-6B08-4F1F-BA62-5A8428841CB5}" srcOrd="4" destOrd="0" parTransId="{D7850430-2D56-4F6F-9C65-BAF816C2CADD}" sibTransId="{9ACCA623-C9E8-442B-94C9-B8959C6FC608}"/>
     <dgm:cxn modelId="{56BF3237-4698-49EB-83B2-B916917DFF2E}" type="presOf" srcId="{11046346-6B08-4F1F-BA62-5A8428841CB5}" destId="{3643DC03-1888-4136-B8E8-9FF5B551E7D5}" srcOrd="0" destOrd="0" presId="urn:microsoft.com/office/officeart/2005/8/layout/vList2"/>
-    <dgm:cxn modelId="{F1DAEF3B-4C38-430D-B72A-DE87030BD165}" type="presOf" srcId="{F2FE7298-9498-4478-9B5F-2ADD65462249}" destId="{589CBBAF-BA02-45B6-8840-4A60A41FB7F3}" srcOrd="0" destOrd="0" presId="urn:microsoft.com/office/officeart/2005/8/layout/vList2"/>
     <dgm:cxn modelId="{62620B5E-0692-4F40-9943-DE1C3D841EA5}" type="presOf" srcId="{DFDCE516-0D67-46FB-9FC9-1B0B98577A16}" destId="{7C481EFA-9E78-4ED4-ACE6-F788D0BED9DD}" srcOrd="0" destOrd="0" presId="urn:microsoft.com/office/officeart/2005/8/layout/vList2"/>
+    <dgm:cxn modelId="{B7839B41-9968-4DF7-B781-911054939C3C}" srcId="{DFDCE516-0D67-46FB-9FC9-1B0B98577A16}" destId="{5DEBDB97-FADA-4084-9ADB-EDA6942C33DC}" srcOrd="0" destOrd="0" parTransId="{CE510CF8-7978-48C9-A3C7-D2183B79A6AD}" sibTransId="{064F75F9-7624-4417-A031-E659BD43F69B}"/>
+    <dgm:cxn modelId="{27C34862-D548-4E75-A624-FD8964C9C490}" type="presOf" srcId="{2680F260-6909-458A-8DA4-2CCD91ECB943}" destId="{8D19B76D-76F3-4503-A4B6-B5AEE06BE127}" srcOrd="0" destOrd="0" presId="urn:microsoft.com/office/officeart/2005/8/layout/vList2"/>
+    <dgm:cxn modelId="{755B6D46-43B1-4244-B7AC-669D3060D761}" srcId="{DFDCE516-0D67-46FB-9FC9-1B0B98577A16}" destId="{2680F260-6909-458A-8DA4-2CCD91ECB943}" srcOrd="1" destOrd="0" parTransId="{604CBEB5-2487-4D70-91B3-5388EA663147}" sibTransId="{59F1C877-1C2D-4F9A-9A66-30927C0F5747}"/>
     <dgm:cxn modelId="{5C940549-CCC9-4F28-AFB9-FD546959EFCC}" type="presOf" srcId="{86B771E7-BD2B-4019-B713-98D4174E3FE1}" destId="{7AF75A0C-B364-42C1-855F-DF867D2F788A}" srcOrd="0" destOrd="0" presId="urn:microsoft.com/office/officeart/2005/8/layout/vList2"/>
-    <dgm:cxn modelId="{ABDE546E-07D1-42C9-94CD-EA8DA0FC386D}" type="presOf" srcId="{D874529F-E315-4EBF-A083-1F0DDD1E89FB}" destId="{7F076CA7-74B8-49A1-9FAF-E8493F38A891}" srcOrd="0" destOrd="0" presId="urn:microsoft.com/office/officeart/2005/8/layout/vList2"/>
-    <dgm:cxn modelId="{2B51C7A1-C383-4BF0-B9E0-07E8D5834C54}" srcId="{DFDCE516-0D67-46FB-9FC9-1B0B98577A16}" destId="{F2FE7298-9498-4478-9B5F-2ADD65462249}" srcOrd="2" destOrd="0" parTransId="{F12BFA39-B3D5-40F5-A673-900652AA422A}" sibTransId="{1A20F32E-4DE2-4BA6-B9E0-74365A218EAC}"/>
-    <dgm:cxn modelId="{3742C5EF-71EE-46E1-B75D-7F63F7AA5C0A}" srcId="{DFDCE516-0D67-46FB-9FC9-1B0B98577A16}" destId="{D874529F-E315-4EBF-A083-1F0DDD1E89FB}" srcOrd="1" destOrd="0" parTransId="{5CE3B5B8-E49A-4DCA-8E78-03936168A4D7}" sibTransId="{7E5AB090-7B8C-425E-B501-5C9BE6A16561}"/>
-    <dgm:cxn modelId="{9387EB9D-A120-469D-A479-D0FC1EF21B8E}" type="presParOf" srcId="{7C481EFA-9E78-4ED4-ACE6-F788D0BED9DD}" destId="{7AF75A0C-B364-42C1-855F-DF867D2F788A}" srcOrd="0" destOrd="0" presId="urn:microsoft.com/office/officeart/2005/8/layout/vList2"/>
-    <dgm:cxn modelId="{B6BFC6B7-8008-441A-BDC0-0C40EA9C141B}" type="presParOf" srcId="{7C481EFA-9E78-4ED4-ACE6-F788D0BED9DD}" destId="{90441D13-C15A-40F6-9ED1-3966FCDBAB8D}" srcOrd="1" destOrd="0" presId="urn:microsoft.com/office/officeart/2005/8/layout/vList2"/>
-    <dgm:cxn modelId="{7AFF31C2-A773-4A4B-856D-BD9569244B2D}" type="presParOf" srcId="{7C481EFA-9E78-4ED4-ACE6-F788D0BED9DD}" destId="{7F076CA7-74B8-49A1-9FAF-E8493F38A891}" srcOrd="2" destOrd="0" presId="urn:microsoft.com/office/officeart/2005/8/layout/vList2"/>
-    <dgm:cxn modelId="{56CFAA44-EE3A-4E9E-9B68-DE459C4D1C60}" type="presParOf" srcId="{7C481EFA-9E78-4ED4-ACE6-F788D0BED9DD}" destId="{E929583A-AF06-4EB8-92DC-0C928CA933C6}" srcOrd="3" destOrd="0" presId="urn:microsoft.com/office/officeart/2005/8/layout/vList2"/>
-    <dgm:cxn modelId="{344913CF-2DFC-402F-8268-8154DF67DB35}" type="presParOf" srcId="{7C481EFA-9E78-4ED4-ACE6-F788D0BED9DD}" destId="{589CBBAF-BA02-45B6-8840-4A60A41FB7F3}" srcOrd="4" destOrd="0" presId="urn:microsoft.com/office/officeart/2005/8/layout/vList2"/>
-    <dgm:cxn modelId="{EB6B3CB5-62AA-4DF7-8490-319A24C4D848}" type="presParOf" srcId="{7C481EFA-9E78-4ED4-ACE6-F788D0BED9DD}" destId="{1C70FA42-7E25-41A2-944C-7EC95A6E4270}" srcOrd="5" destOrd="0" presId="urn:microsoft.com/office/officeart/2005/8/layout/vList2"/>
+    <dgm:cxn modelId="{F19387CF-793D-4E6A-A5EA-D0DF7155953F}" type="presOf" srcId="{5DEBDB97-FADA-4084-9ADB-EDA6942C33DC}" destId="{BE38F0B1-0B45-4DB4-A594-5684942CA22F}" srcOrd="0" destOrd="0" presId="urn:microsoft.com/office/officeart/2005/8/layout/vList2"/>
+    <dgm:cxn modelId="{66753103-B3C9-45E5-A238-A485AADA55B8}" type="presParOf" srcId="{7C481EFA-9E78-4ED4-ACE6-F788D0BED9DD}" destId="{BE38F0B1-0B45-4DB4-A594-5684942CA22F}" srcOrd="0" destOrd="0" presId="urn:microsoft.com/office/officeart/2005/8/layout/vList2"/>
+    <dgm:cxn modelId="{00E12C88-FA18-4668-9CEC-6946A45C4F63}" type="presParOf" srcId="{7C481EFA-9E78-4ED4-ACE6-F788D0BED9DD}" destId="{88903372-9F99-4223-A171-A0A80C399670}" srcOrd="1" destOrd="0" presId="urn:microsoft.com/office/officeart/2005/8/layout/vList2"/>
+    <dgm:cxn modelId="{D9B809F4-F6F6-4B80-95E2-421FA66F53F9}" type="presParOf" srcId="{7C481EFA-9E78-4ED4-ACE6-F788D0BED9DD}" destId="{8D19B76D-76F3-4503-A4B6-B5AEE06BE127}" srcOrd="2" destOrd="0" presId="urn:microsoft.com/office/officeart/2005/8/layout/vList2"/>
+    <dgm:cxn modelId="{9C1A77FD-2548-449B-B01F-54E626559F05}" type="presParOf" srcId="{7C481EFA-9E78-4ED4-ACE6-F788D0BED9DD}" destId="{F98AD5FF-9E0A-4436-9E35-B1A592C376BD}" srcOrd="3" destOrd="0" presId="urn:microsoft.com/office/officeart/2005/8/layout/vList2"/>
+    <dgm:cxn modelId="{9387EB9D-A120-469D-A479-D0FC1EF21B8E}" type="presParOf" srcId="{7C481EFA-9E78-4ED4-ACE6-F788D0BED9DD}" destId="{7AF75A0C-B364-42C1-855F-DF867D2F788A}" srcOrd="4" destOrd="0" presId="urn:microsoft.com/office/officeart/2005/8/layout/vList2"/>
+    <dgm:cxn modelId="{B6BFC6B7-8008-441A-BDC0-0C40EA9C141B}" type="presParOf" srcId="{7C481EFA-9E78-4ED4-ACE6-F788D0BED9DD}" destId="{90441D13-C15A-40F6-9ED1-3966FCDBAB8D}" srcOrd="5" destOrd="0" presId="urn:microsoft.com/office/officeart/2005/8/layout/vList2"/>
     <dgm:cxn modelId="{67E896B1-3977-4BDA-9900-2AF277A234BB}" type="presParOf" srcId="{7C481EFA-9E78-4ED4-ACE6-F788D0BED9DD}" destId="{C057280B-7848-45FB-89EA-1DA8DE684CEC}" srcOrd="6" destOrd="0" presId="urn:microsoft.com/office/officeart/2005/8/layout/vList2"/>
     <dgm:cxn modelId="{CAC9C2A6-D9DA-4E60-B9DE-536555249C95}" type="presParOf" srcId="{7C481EFA-9E78-4ED4-ACE6-F788D0BED9DD}" destId="{1BC551CD-4A2D-4C53-BFF2-450A2747FDC0}" srcOrd="7" destOrd="0" presId="urn:microsoft.com/office/officeart/2005/8/layout/vList2"/>
     <dgm:cxn modelId="{95EF7550-60E1-41E1-A65C-37052C9E0405}" type="presParOf" srcId="{7C481EFA-9E78-4ED4-ACE6-F788D0BED9DD}" destId="{3643DC03-1888-4136-B8E8-9FF5B551E7D5}" srcOrd="8" destOrd="0" presId="urn:microsoft.com/office/officeart/2005/8/layout/vList2"/>
@@ -3034,6 +3035,7 @@
         <a:bodyPr/>
         <a:lstStyle/>
         <a:p>
+          <a:pPr algn="ctr"/>
           <a:r>
             <a:rPr lang="en-US" sz="1700" dirty="0"/>
             <a:t>Mounted Google Drive to Google </a:t>
@@ -3078,6 +3080,7 @@
         <a:bodyPr/>
         <a:lstStyle/>
         <a:p>
+          <a:pPr algn="ctr"/>
           <a:r>
             <a:rPr lang="en-US" sz="1700" dirty="0"/>
             <a:t>Created Sequential Model with 10 Layers </a:t>
@@ -3114,6 +3117,7 @@
         <a:bodyPr/>
         <a:lstStyle/>
         <a:p>
+          <a:pPr algn="ctr"/>
           <a:r>
             <a:rPr lang="en-US" sz="1700" dirty="0"/>
             <a:t>Used Rescaling Layer to Standardize RGB Channel Values</a:t>
@@ -3150,6 +3154,7 @@
         <a:bodyPr/>
         <a:lstStyle/>
         <a:p>
+          <a:pPr algn="ctr"/>
           <a:r>
             <a:rPr lang="en-US" sz="1700" dirty="0"/>
             <a:t>Performed Feature Analysis with Conv2D and MaxPooling2D Layers</a:t>
@@ -3186,6 +3191,7 @@
         <a:bodyPr/>
         <a:lstStyle/>
         <a:p>
+          <a:pPr algn="ctr"/>
           <a:r>
             <a:rPr lang="en-US" sz="1700" dirty="0"/>
             <a:t>Flattened into 1D and Ran Through Dense Layer</a:t>
@@ -3222,6 +3228,7 @@
         <a:bodyPr/>
         <a:lstStyle/>
         <a:p>
+          <a:pPr algn="ctr"/>
           <a:r>
             <a:rPr lang="en-US" sz="1700" dirty="0"/>
             <a:t>Created Output with Bird Probabilities</a:t>
@@ -3729,7 +3736,7 @@
           </a:pPr>
           <a:r>
             <a:rPr lang="en-US" sz="1500" kern="1200" dirty="0"/>
-            <a:t>Determine and evaluate Model </a:t>
+            <a:t>Determine and Evaluate Model </a:t>
           </a:r>
         </a:p>
       </dsp:txBody>
@@ -3809,7 +3816,7 @@
       </dsp:nvSpPr>
       <dsp:spPr>
         <a:xfrm>
-          <a:off x="5232792" y="919800"/>
+          <a:off x="5232925" y="935982"/>
           <a:ext cx="1615018" cy="1938021"/>
         </a:xfrm>
         <a:prstGeom prst="rect">
@@ -3870,12 +3877,12 @@
           </a:pPr>
           <a:r>
             <a:rPr lang="en-US" sz="1500" kern="1200" dirty="0"/>
-            <a:t>Website and Visualization</a:t>
+            <a:t>Create Website and Visualization</a:t>
           </a:r>
         </a:p>
       </dsp:txBody>
       <dsp:txXfrm>
-        <a:off x="5232792" y="1695008"/>
+        <a:off x="5232925" y="1711191"/>
         <a:ext cx="1615018" cy="1162812"/>
       </dsp:txXfrm>
     </dsp:sp>
@@ -3955,7 +3962,7 @@
       <dsp:cNvGrpSpPr/>
     </dsp:nvGrpSpPr>
     <dsp:grpSpPr/>
-    <dsp:sp modelId="{7AF75A0C-B364-42C1-855F-DF867D2F788A}">
+    <dsp:sp modelId="{BE38F0B1-0B45-4DB4-A594-5684942CA22F}">
       <dsp:nvSpPr>
         <dsp:cNvPr id="0" name=""/>
         <dsp:cNvSpPr/>
@@ -4023,7 +4030,7 @@
           </a:pPr>
           <a:r>
             <a:rPr lang="en-US" sz="1700" kern="1200" dirty="0"/>
-            <a:t>Use the Flickr API to create dataset of birds</a:t>
+            <a:t>Predefine List of Birds Native to Houston Area </a:t>
           </a:r>
         </a:p>
       </dsp:txBody>
@@ -4032,7 +4039,7 @@
         <a:ext cx="8849466" cy="609393"/>
       </dsp:txXfrm>
     </dsp:sp>
-    <dsp:sp modelId="{7F076CA7-74B8-49A1-9FAF-E8493F38A891}">
+    <dsp:sp modelId="{8D19B76D-76F3-4503-A4B6-B5AEE06BE127}">
       <dsp:nvSpPr>
         <dsp:cNvPr id="0" name=""/>
         <dsp:cNvSpPr/>
@@ -4099,8 +4106,8 @@
             <a:buNone/>
           </a:pPr>
           <a:r>
-            <a:rPr lang="en-US" sz="1700" kern="1200"/>
-            <a:t>Predefine List of Birds Native to Houston Area </a:t>
+            <a:rPr lang="en-US" sz="1700" kern="1200" dirty="0"/>
+            <a:t>Define Size and Location for Photos to Download to </a:t>
           </a:r>
         </a:p>
       </dsp:txBody>
@@ -4109,7 +4116,7 @@
         <a:ext cx="8849466" cy="609393"/>
       </dsp:txXfrm>
     </dsp:sp>
-    <dsp:sp modelId="{589CBBAF-BA02-45B6-8840-4A60A41FB7F3}">
+    <dsp:sp modelId="{7AF75A0C-B364-42C1-855F-DF867D2F788A}">
       <dsp:nvSpPr>
         <dsp:cNvPr id="0" name=""/>
         <dsp:cNvSpPr/>
@@ -4177,7 +4184,7 @@
           </a:pPr>
           <a:r>
             <a:rPr lang="en-US" sz="1700" kern="1200" dirty="0"/>
-            <a:t>Define Size and Location for Photos to Download to </a:t>
+            <a:t>Use the Flickr API to create dataset of birds</a:t>
           </a:r>
         </a:p>
       </dsp:txBody>
@@ -4330,7 +4337,7 @@
             <a:buNone/>
           </a:pPr>
           <a:r>
-            <a:rPr lang="en-US" sz="1700" kern="1200"/>
+            <a:rPr lang="en-US" sz="1700" kern="1200" dirty="0"/>
             <a:t>Photos were then uploaded to google drive for processing </a:t>
           </a:r>
         </a:p>
@@ -4359,8 +4366,8 @@
       </dsp:nvSpPr>
       <dsp:spPr>
         <a:xfrm>
-          <a:off x="0" y="51371"/>
-          <a:ext cx="8915400" cy="542880"/>
+          <a:off x="0" y="1126"/>
+          <a:ext cx="5131176" cy="618294"/>
         </a:xfrm>
         <a:prstGeom prst="roundRect">
           <a:avLst/>
@@ -4406,7 +4413,7 @@
         </a:bodyPr>
         <a:lstStyle/>
         <a:p>
-          <a:pPr marL="0" lvl="0" indent="0" algn="l" defTabSz="755650">
+          <a:pPr marL="0" lvl="0" indent="0" algn="ctr" defTabSz="755650">
             <a:lnSpc>
               <a:spcPct val="90000"/>
             </a:lnSpc>
@@ -4433,8 +4440,8 @@
         </a:p>
       </dsp:txBody>
       <dsp:txXfrm>
-        <a:off x="26501" y="77872"/>
-        <a:ext cx="8862398" cy="489878"/>
+        <a:off x="30183" y="31309"/>
+        <a:ext cx="5070810" cy="557928"/>
       </dsp:txXfrm>
     </dsp:sp>
     <dsp:sp modelId="{2C3033D6-366E-408B-A9EC-05437C6AAABC}">
@@ -4444,8 +4451,8 @@
       </dsp:nvSpPr>
       <dsp:spPr>
         <a:xfrm>
-          <a:off x="0" y="677771"/>
-          <a:ext cx="8915400" cy="542880"/>
+          <a:off x="0" y="632541"/>
+          <a:ext cx="5131176" cy="618294"/>
         </a:xfrm>
         <a:prstGeom prst="roundRect">
           <a:avLst/>
@@ -4491,7 +4498,7 @@
         </a:bodyPr>
         <a:lstStyle/>
         <a:p>
-          <a:pPr marL="0" lvl="0" indent="0" algn="l" defTabSz="755650">
+          <a:pPr marL="0" lvl="0" indent="0" algn="ctr" defTabSz="755650">
             <a:lnSpc>
               <a:spcPct val="90000"/>
             </a:lnSpc>
@@ -4510,8 +4517,8 @@
         </a:p>
       </dsp:txBody>
       <dsp:txXfrm>
-        <a:off x="26501" y="704272"/>
-        <a:ext cx="8862398" cy="489878"/>
+        <a:off x="30183" y="662724"/>
+        <a:ext cx="5070810" cy="557928"/>
       </dsp:txXfrm>
     </dsp:sp>
     <dsp:sp modelId="{3B97045A-172A-4057-8CCB-76895BA1FDE6}">
@@ -4521,8 +4528,8 @@
       </dsp:nvSpPr>
       <dsp:spPr>
         <a:xfrm>
-          <a:off x="0" y="1304171"/>
-          <a:ext cx="8915400" cy="542880"/>
+          <a:off x="0" y="1263956"/>
+          <a:ext cx="5131176" cy="618294"/>
         </a:xfrm>
         <a:prstGeom prst="roundRect">
           <a:avLst/>
@@ -4568,7 +4575,7 @@
         </a:bodyPr>
         <a:lstStyle/>
         <a:p>
-          <a:pPr marL="0" lvl="0" indent="0" algn="l" defTabSz="755650">
+          <a:pPr marL="0" lvl="0" indent="0" algn="ctr" defTabSz="755650">
             <a:lnSpc>
               <a:spcPct val="90000"/>
             </a:lnSpc>
@@ -4587,8 +4594,8 @@
         </a:p>
       </dsp:txBody>
       <dsp:txXfrm>
-        <a:off x="26501" y="1330672"/>
-        <a:ext cx="8862398" cy="489878"/>
+        <a:off x="30183" y="1294139"/>
+        <a:ext cx="5070810" cy="557928"/>
       </dsp:txXfrm>
     </dsp:sp>
     <dsp:sp modelId="{21D968B3-3413-4124-821D-F0D8A3C8CFF5}">
@@ -4598,8 +4605,8 @@
       </dsp:nvSpPr>
       <dsp:spPr>
         <a:xfrm>
-          <a:off x="0" y="1930571"/>
-          <a:ext cx="8915400" cy="542880"/>
+          <a:off x="0" y="1895371"/>
+          <a:ext cx="5131176" cy="618294"/>
         </a:xfrm>
         <a:prstGeom prst="roundRect">
           <a:avLst/>
@@ -4645,7 +4652,7 @@
         </a:bodyPr>
         <a:lstStyle/>
         <a:p>
-          <a:pPr marL="0" lvl="0" indent="0" algn="l" defTabSz="755650">
+          <a:pPr marL="0" lvl="0" indent="0" algn="ctr" defTabSz="755650">
             <a:lnSpc>
               <a:spcPct val="90000"/>
             </a:lnSpc>
@@ -4664,8 +4671,8 @@
         </a:p>
       </dsp:txBody>
       <dsp:txXfrm>
-        <a:off x="26501" y="1957072"/>
-        <a:ext cx="8862398" cy="489878"/>
+        <a:off x="30183" y="1925554"/>
+        <a:ext cx="5070810" cy="557928"/>
       </dsp:txXfrm>
     </dsp:sp>
     <dsp:sp modelId="{A9FED693-A99D-4A6A-A0F0-13DB2854A162}">
@@ -4675,8 +4682,8 @@
       </dsp:nvSpPr>
       <dsp:spPr>
         <a:xfrm>
-          <a:off x="0" y="2556970"/>
-          <a:ext cx="8915400" cy="542880"/>
+          <a:off x="0" y="2526786"/>
+          <a:ext cx="5131176" cy="618294"/>
         </a:xfrm>
         <a:prstGeom prst="roundRect">
           <a:avLst/>
@@ -4722,7 +4729,7 @@
         </a:bodyPr>
         <a:lstStyle/>
         <a:p>
-          <a:pPr marL="0" lvl="0" indent="0" algn="l" defTabSz="755650">
+          <a:pPr marL="0" lvl="0" indent="0" algn="ctr" defTabSz="755650">
             <a:lnSpc>
               <a:spcPct val="90000"/>
             </a:lnSpc>
@@ -4741,8 +4748,8 @@
         </a:p>
       </dsp:txBody>
       <dsp:txXfrm>
-        <a:off x="26501" y="2583471"/>
-        <a:ext cx="8862398" cy="489878"/>
+        <a:off x="30183" y="2556969"/>
+        <a:ext cx="5070810" cy="557928"/>
       </dsp:txXfrm>
     </dsp:sp>
     <dsp:sp modelId="{02D43881-500F-4308-B993-48DDC6B63F90}">
@@ -4752,8 +4759,8 @@
       </dsp:nvSpPr>
       <dsp:spPr>
         <a:xfrm>
-          <a:off x="0" y="3183371"/>
-          <a:ext cx="8915400" cy="542880"/>
+          <a:off x="0" y="3158201"/>
+          <a:ext cx="5131176" cy="618294"/>
         </a:xfrm>
         <a:prstGeom prst="roundRect">
           <a:avLst/>
@@ -4799,7 +4806,7 @@
         </a:bodyPr>
         <a:lstStyle/>
         <a:p>
-          <a:pPr marL="0" lvl="0" indent="0" algn="l" defTabSz="755650">
+          <a:pPr marL="0" lvl="0" indent="0" algn="ctr" defTabSz="755650">
             <a:lnSpc>
               <a:spcPct val="90000"/>
             </a:lnSpc>
@@ -4818,8 +4825,8 @@
         </a:p>
       </dsp:txBody>
       <dsp:txXfrm>
-        <a:off x="26501" y="3209872"/>
-        <a:ext cx="8862398" cy="489878"/>
+        <a:off x="30183" y="3188384"/>
+        <a:ext cx="5070810" cy="557928"/>
       </dsp:txXfrm>
     </dsp:sp>
   </dsp:spTree>
@@ -8716,7 +8723,7 @@
           <a:p>
             <a:fld id="{CCB3CE20-769C-48A4-A90E-395B11202C2B}" type="datetimeFigureOut">
               <a:rPr lang="en-US" smtClean="0"/>
-              <a:t>2/16/2023</a:t>
+              <a:t>2/21/2023</a:t>
             </a:fld>
             <a:endParaRPr lang="en-US"/>
           </a:p>
@@ -9054,7 +9061,7 @@
           <a:p>
             <a:fld id="{CCB3CE20-769C-48A4-A90E-395B11202C2B}" type="datetimeFigureOut">
               <a:rPr lang="en-US" smtClean="0"/>
-              <a:t>2/16/2023</a:t>
+              <a:t>2/21/2023</a:t>
             </a:fld>
             <a:endParaRPr lang="en-US"/>
           </a:p>
@@ -9455,7 +9462,7 @@
           <a:p>
             <a:fld id="{CCB3CE20-769C-48A4-A90E-395B11202C2B}" type="datetimeFigureOut">
               <a:rPr lang="en-US" smtClean="0"/>
-              <a:t>2/16/2023</a:t>
+              <a:t>2/21/2023</a:t>
             </a:fld>
             <a:endParaRPr lang="en-US"/>
           </a:p>
@@ -9791,7 +9798,7 @@
           <a:p>
             <a:fld id="{CCB3CE20-769C-48A4-A90E-395B11202C2B}" type="datetimeFigureOut">
               <a:rPr lang="en-US" smtClean="0"/>
-              <a:t>2/16/2023</a:t>
+              <a:t>2/21/2023</a:t>
             </a:fld>
             <a:endParaRPr lang="en-US"/>
           </a:p>
@@ -10111,7 +10118,7 @@
           <a:p>
             <a:fld id="{CCB3CE20-769C-48A4-A90E-395B11202C2B}" type="datetimeFigureOut">
               <a:rPr lang="en-US" smtClean="0"/>
-              <a:t>2/16/2023</a:t>
+              <a:t>2/21/2023</a:t>
             </a:fld>
             <a:endParaRPr lang="en-US"/>
           </a:p>
@@ -10507,7 +10514,7 @@
           <a:p>
             <a:fld id="{CCB3CE20-769C-48A4-A90E-395B11202C2B}" type="datetimeFigureOut">
               <a:rPr lang="en-US" smtClean="0"/>
-              <a:t>2/16/2023</a:t>
+              <a:t>2/21/2023</a:t>
             </a:fld>
             <a:endParaRPr lang="en-US"/>
           </a:p>
@@ -10764,7 +10771,7 @@
           <a:p>
             <a:fld id="{CCB3CE20-769C-48A4-A90E-395B11202C2B}" type="datetimeFigureOut">
               <a:rPr lang="en-US" smtClean="0"/>
-              <a:t>2/16/2023</a:t>
+              <a:t>2/21/2023</a:t>
             </a:fld>
             <a:endParaRPr lang="en-US"/>
           </a:p>
@@ -11026,7 +11033,7 @@
           <a:p>
             <a:fld id="{CCB3CE20-769C-48A4-A90E-395B11202C2B}" type="datetimeFigureOut">
               <a:rPr lang="en-US" smtClean="0"/>
-              <a:t>2/16/2023</a:t>
+              <a:t>2/21/2023</a:t>
             </a:fld>
             <a:endParaRPr lang="en-US"/>
           </a:p>
@@ -11288,7 +11295,7 @@
           <a:p>
             <a:fld id="{CCB3CE20-769C-48A4-A90E-395B11202C2B}" type="datetimeFigureOut">
               <a:rPr lang="en-US" smtClean="0"/>
-              <a:t>2/16/2023</a:t>
+              <a:t>2/21/2023</a:t>
             </a:fld>
             <a:endParaRPr lang="en-US"/>
           </a:p>
@@ -11617,7 +11624,7 @@
           <a:p>
             <a:fld id="{CCB3CE20-769C-48A4-A90E-395B11202C2B}" type="datetimeFigureOut">
               <a:rPr lang="en-US" smtClean="0"/>
-              <a:t>2/16/2023</a:t>
+              <a:t>2/21/2023</a:t>
             </a:fld>
             <a:endParaRPr lang="en-US"/>
           </a:p>
@@ -11940,7 +11947,7 @@
           <a:p>
             <a:fld id="{CCB3CE20-769C-48A4-A90E-395B11202C2B}" type="datetimeFigureOut">
               <a:rPr lang="en-US" smtClean="0"/>
-              <a:t>2/16/2023</a:t>
+              <a:t>2/21/2023</a:t>
             </a:fld>
             <a:endParaRPr lang="en-US"/>
           </a:p>
@@ -12397,7 +12404,7 @@
           <a:p>
             <a:fld id="{CCB3CE20-769C-48A4-A90E-395B11202C2B}" type="datetimeFigureOut">
               <a:rPr lang="en-US" smtClean="0"/>
-              <a:t>2/16/2023</a:t>
+              <a:t>2/21/2023</a:t>
             </a:fld>
             <a:endParaRPr lang="en-US"/>
           </a:p>
@@ -12602,7 +12609,7 @@
           <a:p>
             <a:fld id="{CCB3CE20-769C-48A4-A90E-395B11202C2B}" type="datetimeFigureOut">
               <a:rPr lang="en-US" smtClean="0"/>
-              <a:t>2/16/2023</a:t>
+              <a:t>2/21/2023</a:t>
             </a:fld>
             <a:endParaRPr lang="en-US"/>
           </a:p>
@@ -12779,7 +12786,7 @@
           <a:p>
             <a:fld id="{CCB3CE20-769C-48A4-A90E-395B11202C2B}" type="datetimeFigureOut">
               <a:rPr lang="en-US" smtClean="0"/>
-              <a:t>2/16/2023</a:t>
+              <a:t>2/21/2023</a:t>
             </a:fld>
             <a:endParaRPr lang="en-US"/>
           </a:p>
@@ -13112,7 +13119,7 @@
           <a:p>
             <a:fld id="{CCB3CE20-769C-48A4-A90E-395B11202C2B}" type="datetimeFigureOut">
               <a:rPr lang="en-US" smtClean="0"/>
-              <a:t>2/16/2023</a:t>
+              <a:t>2/21/2023</a:t>
             </a:fld>
             <a:endParaRPr lang="en-US"/>
           </a:p>
@@ -13457,7 +13464,7 @@
           <a:p>
             <a:fld id="{CCB3CE20-769C-48A4-A90E-395B11202C2B}" type="datetimeFigureOut">
               <a:rPr lang="en-US" smtClean="0"/>
-              <a:t>2/16/2023</a:t>
+              <a:t>2/21/2023</a:t>
             </a:fld>
             <a:endParaRPr lang="en-US"/>
           </a:p>
@@ -15574,7 +15581,7 @@
           <a:p>
             <a:fld id="{CCB3CE20-769C-48A4-A90E-395B11202C2B}" type="datetimeFigureOut">
               <a:rPr lang="en-US" smtClean="0"/>
-              <a:t>2/16/2023</a:t>
+              <a:t>2/21/2023</a:t>
             </a:fld>
             <a:endParaRPr lang="en-US"/>
           </a:p>
@@ -16234,7 +16241,7 @@
         </p:nvSpPr>
         <p:spPr>
           <a:xfrm>
-            <a:off x="2589213" y="2514600"/>
+            <a:off x="2589213" y="1671444"/>
             <a:ext cx="8915399" cy="2262781"/>
           </a:xfrm>
         </p:spPr>
@@ -17613,6 +17620,42 @@
             <a:noFill/>
           </a:ln>
         </p:spPr>
+      </p:sp>
+      <p:sp>
+        <p:nvSpPr>
+          <p:cNvPr id="6" name="TextBox 5">
+            <a:extLst>
+              <a:ext uri="{FF2B5EF4-FFF2-40B4-BE49-F238E27FC236}">
+                <a16:creationId xmlns:a16="http://schemas.microsoft.com/office/drawing/2014/main" id="{F16BAD3C-29E4-B2ED-0190-8A5A0D6D33A2}"/>
+              </a:ext>
+            </a:extLst>
+          </p:cNvPr>
+          <p:cNvSpPr txBox="1"/>
+          <p:nvPr/>
+        </p:nvSpPr>
+        <p:spPr>
+          <a:xfrm>
+            <a:off x="2589213" y="3827789"/>
+            <a:ext cx="6153324" cy="369332"/>
+          </a:xfrm>
+          <a:prstGeom prst="rect">
+            <a:avLst/>
+          </a:prstGeom>
+          <a:noFill/>
+        </p:spPr>
+        <p:txBody>
+          <a:bodyPr wrap="square">
+            <a:spAutoFit/>
+          </a:bodyPr>
+          <a:lstStyle/>
+          <a:p>
+            <a:r>
+              <a:rPr lang="en-US" sz="1800" dirty="0"/>
+              <a:t>Rice Data Science and Visualization Bootcamp</a:t>
+            </a:r>
+            <a:endParaRPr lang="en-US" dirty="0"/>
+          </a:p>
+        </p:txBody>
       </p:sp>
     </p:spTree>
     <p:extLst>
@@ -20236,7 +20279,7 @@
             <p:ph idx="1"/>
             <p:extLst>
               <p:ext uri="{D42A27DB-BD31-4B8C-83A1-F6EECF244321}">
-                <p14:modId xmlns:p14="http://schemas.microsoft.com/office/powerpoint/2010/main" val="2532421548"/>
+                <p14:modId xmlns:p14="http://schemas.microsoft.com/office/powerpoint/2010/main" val="1323562885"/>
               </p:ext>
             </p:extLst>
           </p:nvPr>
@@ -20266,7 +20309,7 @@
         <p:spPr>
           <a:xfrm>
             <a:off x="4449170" y="1467134"/>
-            <a:ext cx="7601803" cy="1200329"/>
+            <a:ext cx="7601803" cy="923330"/>
           </a:xfrm>
           <a:prstGeom prst="rect">
             <a:avLst/>
@@ -20285,9 +20328,116 @@
             </a:r>
           </a:p>
           <a:p>
+            <a:endParaRPr lang="en-US" dirty="0"/>
+          </a:p>
+        </p:txBody>
+      </p:sp>
+      <p:sp>
+        <p:nvSpPr>
+          <p:cNvPr id="7" name="Title 1">
+            <a:extLst>
+              <a:ext uri="{FF2B5EF4-FFF2-40B4-BE49-F238E27FC236}">
+                <a16:creationId xmlns:a16="http://schemas.microsoft.com/office/drawing/2014/main" id="{746D21AB-2737-0B57-1B8E-D378B7BEE080}"/>
+              </a:ext>
+            </a:extLst>
+          </p:cNvPr>
+          <p:cNvSpPr txBox="1">
+            <a:spLocks/>
+          </p:cNvSpPr>
+          <p:nvPr/>
+        </p:nvSpPr>
+        <p:spPr>
+          <a:xfrm>
+            <a:off x="4672115" y="2660336"/>
+            <a:ext cx="6845092" cy="1280890"/>
+          </a:xfrm>
+          <a:prstGeom prst="rect">
+            <a:avLst/>
+          </a:prstGeom>
+        </p:spPr>
+        <p:txBody>
+          <a:bodyPr vert="horz" lIns="91440" tIns="45720" rIns="91440" bIns="45720" rtlCol="0" anchor="ctr">
+            <a:normAutofit/>
+          </a:bodyPr>
+          <a:lstStyle>
+            <a:lvl1pPr algn="l" defTabSz="457200" rtl="0" eaLnBrk="1" latinLnBrk="0" hangingPunct="1">
+              <a:spcBef>
+                <a:spcPct val="0"/>
+              </a:spcBef>
+              <a:buNone/>
+              <a:defRPr sz="3600" kern="1200">
+                <a:solidFill>
+                  <a:schemeClr val="tx1">
+                    <a:lumMod val="85000"/>
+                    <a:lumOff val="15000"/>
+                  </a:schemeClr>
+                </a:solidFill>
+                <a:latin typeface="+mj-lt"/>
+                <a:ea typeface="+mj-ea"/>
+                <a:cs typeface="+mj-cs"/>
+              </a:defRPr>
+            </a:lvl1pPr>
+            <a:lvl2pPr eaLnBrk="1" hangingPunct="1">
+              <a:defRPr>
+                <a:solidFill>
+                  <a:schemeClr val="tx2"/>
+                </a:solidFill>
+              </a:defRPr>
+            </a:lvl2pPr>
+            <a:lvl3pPr eaLnBrk="1" hangingPunct="1">
+              <a:defRPr>
+                <a:solidFill>
+                  <a:schemeClr val="tx2"/>
+                </a:solidFill>
+              </a:defRPr>
+            </a:lvl3pPr>
+            <a:lvl4pPr eaLnBrk="1" hangingPunct="1">
+              <a:defRPr>
+                <a:solidFill>
+                  <a:schemeClr val="tx2"/>
+                </a:solidFill>
+              </a:defRPr>
+            </a:lvl4pPr>
+            <a:lvl5pPr eaLnBrk="1" hangingPunct="1">
+              <a:defRPr>
+                <a:solidFill>
+                  <a:schemeClr val="tx2"/>
+                </a:solidFill>
+              </a:defRPr>
+            </a:lvl5pPr>
+            <a:lvl6pPr eaLnBrk="1" hangingPunct="1">
+              <a:defRPr>
+                <a:solidFill>
+                  <a:schemeClr val="tx2"/>
+                </a:solidFill>
+              </a:defRPr>
+            </a:lvl6pPr>
+            <a:lvl7pPr eaLnBrk="1" hangingPunct="1">
+              <a:defRPr>
+                <a:solidFill>
+                  <a:schemeClr val="tx2"/>
+                </a:solidFill>
+              </a:defRPr>
+            </a:lvl7pPr>
+            <a:lvl8pPr eaLnBrk="1" hangingPunct="1">
+              <a:defRPr>
+                <a:solidFill>
+                  <a:schemeClr val="tx2"/>
+                </a:solidFill>
+              </a:defRPr>
+            </a:lvl8pPr>
+            <a:lvl9pPr eaLnBrk="1" hangingPunct="1">
+              <a:defRPr>
+                <a:solidFill>
+                  <a:schemeClr val="tx2"/>
+                </a:solidFill>
+              </a:defRPr>
+            </a:lvl9pPr>
+          </a:lstStyle>
+          <a:p>
             <a:r>
               <a:rPr lang="en-US" dirty="0"/>
-              <a:t>- Website should have upload functionality for pictures outside of model and be able to produce which bird photo was likely to be</a:t>
+              <a:t>Project Outline</a:t>
             </a:r>
           </a:p>
         </p:txBody>
@@ -20477,7 +20627,7 @@
             <p:ph idx="1"/>
             <p:extLst>
               <p:ext uri="{D42A27DB-BD31-4B8C-83A1-F6EECF244321}">
-                <p14:modId xmlns:p14="http://schemas.microsoft.com/office/powerpoint/2010/main" val="1423650579"/>
+                <p14:modId xmlns:p14="http://schemas.microsoft.com/office/powerpoint/2010/main" val="1531776940"/>
               </p:ext>
             </p:extLst>
           </p:nvPr>
@@ -20677,14 +20827,14 @@
             <p:ph idx="1"/>
             <p:extLst>
               <p:ext uri="{D42A27DB-BD31-4B8C-83A1-F6EECF244321}">
-                <p14:modId xmlns:p14="http://schemas.microsoft.com/office/powerpoint/2010/main" val="3230463525"/>
+                <p14:modId xmlns:p14="http://schemas.microsoft.com/office/powerpoint/2010/main" val="1102564597"/>
               </p:ext>
             </p:extLst>
           </p:nvPr>
         </p:nvGraphicFramePr>
         <p:xfrm>
-          <a:off x="2863532" y="2596896"/>
-          <a:ext cx="8915400" cy="3777622"/>
+          <a:off x="2788031" y="1905000"/>
+          <a:ext cx="5131176" cy="3777622"/>
         </p:xfrm>
         <a:graphic>
           <a:graphicData uri="http://schemas.openxmlformats.org/drawingml/2006/diagram">
@@ -20774,7 +20924,7 @@
         </p:blipFill>
         <p:spPr>
           <a:xfrm>
-            <a:off x="2731738" y="2186934"/>
+            <a:off x="3008575" y="1582927"/>
             <a:ext cx="7727878" cy="4345388"/>
           </a:xfrm>
         </p:spPr>
@@ -20916,7 +21066,28 @@
           <a:bodyPr/>
           <a:lstStyle/>
           <a:p>
-            <a:endParaRPr lang="en-US"/>
+            <a:r>
+              <a:rPr lang="en-US" dirty="0"/>
+              <a:t>Increase the Number of Birds Trained </a:t>
+            </a:r>
+          </a:p>
+          <a:p>
+            <a:r>
+              <a:rPr lang="en-US" dirty="0"/>
+              <a:t>Make the model smarter – aka identify if it is likely not a bird</a:t>
+            </a:r>
+          </a:p>
+          <a:p>
+            <a:pPr marL="0" indent="0">
+              <a:buNone/>
+            </a:pPr>
+            <a:r>
+              <a:rPr lang="en-US" dirty="0"/>
+              <a:t> </a:t>
+            </a:r>
+          </a:p>
+          <a:p>
+            <a:endParaRPr lang="en-US" dirty="0"/>
           </a:p>
         </p:txBody>
       </p:sp>
@@ -21063,7 +21234,7 @@
         </p:blipFill>
         <p:spPr>
           <a:xfrm>
-            <a:off x="5662042" y="984387"/>
+            <a:off x="5943600" y="863089"/>
             <a:ext cx="3218576" cy="5436621"/>
           </a:xfrm>
           <a:prstGeom prst="rect">
@@ -21075,6 +21246,107 @@
     <p:extLst>
       <p:ext uri="{BB962C8B-B14F-4D97-AF65-F5344CB8AC3E}">
         <p14:creationId xmlns:p14="http://schemas.microsoft.com/office/powerpoint/2010/main" val="2878224073"/>
+      </p:ext>
+    </p:extLst>
+  </p:cSld>
+  <p:clrMapOvr>
+    <a:masterClrMapping/>
+  </p:clrMapOvr>
+</p:sld>
+</file>
+
+<file path=ppt/slides/slide9.xml><?xml version="1.0" encoding="utf-8"?>
+<p:sld xmlns:a="http://schemas.openxmlformats.org/drawingml/2006/main" xmlns:r="http://schemas.openxmlformats.org/officeDocument/2006/relationships" xmlns:p="http://schemas.openxmlformats.org/presentationml/2006/main" show="0">
+  <p:cSld>
+    <p:spTree>
+      <p:nvGrpSpPr>
+        <p:cNvPr id="1" name=""/>
+        <p:cNvGrpSpPr/>
+        <p:nvPr/>
+      </p:nvGrpSpPr>
+      <p:grpSpPr>
+        <a:xfrm>
+          <a:off x="0" y="0"/>
+          <a:ext cx="0" cy="0"/>
+          <a:chOff x="0" y="0"/>
+          <a:chExt cx="0" cy="0"/>
+        </a:xfrm>
+      </p:grpSpPr>
+      <p:sp>
+        <p:nvSpPr>
+          <p:cNvPr id="2" name="Title 1">
+            <a:extLst>
+              <a:ext uri="{FF2B5EF4-FFF2-40B4-BE49-F238E27FC236}">
+                <a16:creationId xmlns:a16="http://schemas.microsoft.com/office/drawing/2014/main" id="{BCC35BB0-5B42-8C7F-4C37-698FC09B3EED}"/>
+              </a:ext>
+            </a:extLst>
+          </p:cNvPr>
+          <p:cNvSpPr>
+            <a:spLocks noGrp="1"/>
+          </p:cNvSpPr>
+          <p:nvPr>
+            <p:ph type="title"/>
+          </p:nvPr>
+        </p:nvSpPr>
+        <p:spPr/>
+        <p:txBody>
+          <a:bodyPr/>
+          <a:lstStyle/>
+          <a:p>
+            <a:r>
+              <a:rPr lang="en-US" dirty="0"/>
+              <a:t>Challenge </a:t>
+            </a:r>
+          </a:p>
+        </p:txBody>
+      </p:sp>
+      <p:sp>
+        <p:nvSpPr>
+          <p:cNvPr id="3" name="Content Placeholder 2">
+            <a:extLst>
+              <a:ext uri="{FF2B5EF4-FFF2-40B4-BE49-F238E27FC236}">
+                <a16:creationId xmlns:a16="http://schemas.microsoft.com/office/drawing/2014/main" id="{8F807A89-8DC6-6CEA-2DFA-C71328352E75}"/>
+              </a:ext>
+            </a:extLst>
+          </p:cNvPr>
+          <p:cNvSpPr>
+            <a:spLocks noGrp="1"/>
+          </p:cNvSpPr>
+          <p:nvPr>
+            <p:ph idx="1"/>
+          </p:nvPr>
+        </p:nvSpPr>
+        <p:spPr/>
+        <p:txBody>
+          <a:bodyPr/>
+          <a:lstStyle/>
+          <a:p>
+            <a:r>
+              <a:rPr lang="en-US" dirty="0"/>
+              <a:t>Dataset from Flickr was not clean </a:t>
+            </a:r>
+          </a:p>
+          <a:p>
+            <a:r>
+              <a:rPr lang="en-US" dirty="0"/>
+              <a:t>Had to obtain more photos than what was used to train the model </a:t>
+            </a:r>
+          </a:p>
+          <a:p>
+            <a:r>
+              <a:rPr lang="en-US" dirty="0"/>
+              <a:t>Ran out of GPUs </a:t>
+            </a:r>
+          </a:p>
+          <a:p>
+            <a:endParaRPr lang="en-US" dirty="0"/>
+          </a:p>
+        </p:txBody>
+      </p:sp>
+    </p:spTree>
+    <p:extLst>
+      <p:ext uri="{BB962C8B-B14F-4D97-AF65-F5344CB8AC3E}">
+        <p14:creationId xmlns:p14="http://schemas.microsoft.com/office/powerpoint/2010/main" val="3204904526"/>
       </p:ext>
     </p:extLst>
   </p:cSld>

--- a/Presentation.pptx
+++ b/Presentation.pptx
@@ -4,16 +4,21 @@
   <p:sldMasterIdLst>
     <p:sldMasterId id="2147483672" r:id="rId1"/>
   </p:sldMasterIdLst>
+  <p:notesMasterIdLst>
+    <p:notesMasterId r:id="rId13"/>
+  </p:notesMasterIdLst>
   <p:sldIdLst>
     <p:sldId id="256" r:id="rId2"/>
     <p:sldId id="258" r:id="rId3"/>
     <p:sldId id="263" r:id="rId4"/>
     <p:sldId id="264" r:id="rId5"/>
-    <p:sldId id="267" r:id="rId6"/>
-    <p:sldId id="261" r:id="rId7"/>
-    <p:sldId id="266" r:id="rId8"/>
-    <p:sldId id="265" r:id="rId9"/>
-    <p:sldId id="268" r:id="rId10"/>
+    <p:sldId id="269" r:id="rId6"/>
+    <p:sldId id="267" r:id="rId7"/>
+    <p:sldId id="261" r:id="rId8"/>
+    <p:sldId id="270" r:id="rId9"/>
+    <p:sldId id="266" r:id="rId10"/>
+    <p:sldId id="265" r:id="rId11"/>
+    <p:sldId id="268" r:id="rId12"/>
   </p:sldIdLst>
   <p:sldSz cx="12192000" cy="6858000"/>
   <p:notesSz cx="6858000" cy="9144000"/>
@@ -2711,7 +2716,7 @@
   <dgm:whole/>
   <dgm:extLst>
     <a:ext uri="http://schemas.microsoft.com/office/drawing/2008/diagram">
-      <dsp:dataModelExt xmlns:dsp="http://schemas.microsoft.com/office/drawing/2008/diagram" relId="rId8" minVer="http://schemas.openxmlformats.org/drawingml/2006/diagram"/>
+      <dsp:dataModelExt xmlns:dsp="http://schemas.microsoft.com/office/drawing/2008/diagram" relId="rId7" minVer="http://schemas.openxmlformats.org/drawingml/2006/diagram"/>
     </a:ext>
   </dgm:extLst>
 </dgm:dataModel>
@@ -3083,7 +3088,7 @@
           <a:pPr algn="ctr"/>
           <a:r>
             <a:rPr lang="en-US" sz="1700" dirty="0"/>
-            <a:t>Created Sequential Model with 10 Layers </a:t>
+            <a:t>Experimented with Data Augmentation and rescaling techniques</a:t>
           </a:r>
         </a:p>
       </dgm:t>
@@ -3120,7 +3125,7 @@
           <a:pPr algn="ctr"/>
           <a:r>
             <a:rPr lang="en-US" sz="1700" dirty="0"/>
-            <a:t>Used Rescaling Layer to Standardize RGB Channel Values</a:t>
+            <a:t>Iterated Through Various Train/Test Splits</a:t>
           </a:r>
         </a:p>
       </dgm:t>
@@ -3147,114 +3152,231 @@
         </a:p>
       </dgm:t>
     </dgm:pt>
-    <dgm:pt modelId="{5E1CCF4A-0DFA-4391-9EDF-9622B23230C4}">
+    <dgm:pt modelId="{2ADA00C0-3D45-449C-9516-B59D8B75E7FA}">
       <dgm:prSet custT="1"/>
-      <dgm:spPr/>
+      <dgm:spPr>
+        <a:solidFill>
+          <a:srgbClr val="A53010">
+            <a:hueOff val="0"/>
+            <a:satOff val="0"/>
+            <a:lumOff val="0"/>
+            <a:alphaOff val="0"/>
+          </a:srgbClr>
+        </a:solidFill>
+        <a:ln w="15875" cap="rnd" cmpd="sng" algn="ctr">
+          <a:solidFill>
+            <a:prstClr val="white">
+              <a:hueOff val="0"/>
+              <a:satOff val="0"/>
+              <a:lumOff val="0"/>
+              <a:alphaOff val="0"/>
+            </a:prstClr>
+          </a:solidFill>
+          <a:prstDash val="solid"/>
+        </a:ln>
+        <a:effectLst/>
+      </dgm:spPr>
       <dgm:t>
-        <a:bodyPr/>
+        <a:bodyPr spcFirstLastPara="0" vert="horz" wrap="square" lIns="64770" tIns="64770" rIns="64770" bIns="64770" numCol="1" spcCol="1270" anchor="ctr" anchorCtr="0"/>
         <a:lstStyle/>
         <a:p>
-          <a:pPr algn="ctr"/>
+          <a:pPr marL="0" lvl="0" indent="0" algn="ctr" defTabSz="755650">
+            <a:lnSpc>
+              <a:spcPct val="90000"/>
+            </a:lnSpc>
+            <a:spcBef>
+              <a:spcPct val="0"/>
+            </a:spcBef>
+            <a:spcAft>
+              <a:spcPct val="35000"/>
+            </a:spcAft>
+            <a:buNone/>
+          </a:pPr>
           <a:r>
-            <a:rPr lang="en-US" sz="1700" dirty="0"/>
-            <a:t>Performed Feature Analysis with Conv2D and MaxPooling2D Layers</a:t>
+            <a:rPr lang="en-US" sz="1700" kern="1200" dirty="0">
+              <a:solidFill>
+                <a:prstClr val="white"/>
+              </a:solidFill>
+              <a:latin typeface="Century Gothic" panose="020B0502020202020204"/>
+              <a:ea typeface="+mn-ea"/>
+              <a:cs typeface="+mn-cs"/>
+            </a:rPr>
+            <a:t>Experimented with number of photos</a:t>
           </a:r>
         </a:p>
       </dgm:t>
     </dgm:pt>
-    <dgm:pt modelId="{31332738-1E87-4F13-9830-9B10803E2AC5}" type="parTrans" cxnId="{9ACE13A2-BAD0-4E51-869B-BB7DF253CCB8}">
+    <dgm:pt modelId="{3D259BEB-FA34-4199-B1A3-CD3C0D5CC958}" type="parTrans" cxnId="{D1B8B3A3-C42B-4A42-81E2-3C2A8132F336}">
       <dgm:prSet/>
       <dgm:spPr/>
       <dgm:t>
         <a:bodyPr/>
         <a:lstStyle/>
         <a:p>
-          <a:endParaRPr lang="en-US" sz="1700"/>
+          <a:endParaRPr lang="en-US"/>
         </a:p>
       </dgm:t>
     </dgm:pt>
-    <dgm:pt modelId="{3C6AFF42-E4FD-407B-8383-8B2E282F51B0}" type="sibTrans" cxnId="{9ACE13A2-BAD0-4E51-869B-BB7DF253CCB8}">
+    <dgm:pt modelId="{94440E15-564C-40F1-BE3D-BB0F31304B07}" type="sibTrans" cxnId="{D1B8B3A3-C42B-4A42-81E2-3C2A8132F336}">
       <dgm:prSet/>
       <dgm:spPr/>
       <dgm:t>
         <a:bodyPr/>
         <a:lstStyle/>
         <a:p>
-          <a:endParaRPr lang="en-US" sz="1700"/>
+          <a:endParaRPr lang="en-US"/>
         </a:p>
       </dgm:t>
     </dgm:pt>
-    <dgm:pt modelId="{C1B1A2C0-68AE-4534-843D-4A5D57B43204}">
+    <dgm:pt modelId="{35A9F18C-E658-4981-AE20-276B4D0739AB}">
       <dgm:prSet custT="1"/>
-      <dgm:spPr/>
+      <dgm:spPr>
+        <a:solidFill>
+          <a:srgbClr val="A53010">
+            <a:hueOff val="0"/>
+            <a:satOff val="0"/>
+            <a:lumOff val="0"/>
+            <a:alphaOff val="0"/>
+          </a:srgbClr>
+        </a:solidFill>
+        <a:ln w="15875" cap="rnd" cmpd="sng" algn="ctr">
+          <a:solidFill>
+            <a:prstClr val="white">
+              <a:hueOff val="0"/>
+              <a:satOff val="0"/>
+              <a:lumOff val="0"/>
+              <a:alphaOff val="0"/>
+            </a:prstClr>
+          </a:solidFill>
+          <a:prstDash val="solid"/>
+        </a:ln>
+        <a:effectLst/>
+      </dgm:spPr>
       <dgm:t>
-        <a:bodyPr/>
+        <a:bodyPr spcFirstLastPara="0" vert="horz" wrap="square" lIns="64770" tIns="64770" rIns="64770" bIns="64770" numCol="1" spcCol="1270" anchor="ctr" anchorCtr="0"/>
         <a:lstStyle/>
         <a:p>
-          <a:pPr algn="ctr"/>
+          <a:pPr marL="0" lvl="0" indent="0" algn="ctr" defTabSz="755650">
+            <a:lnSpc>
+              <a:spcPct val="90000"/>
+            </a:lnSpc>
+            <a:spcBef>
+              <a:spcPct val="0"/>
+            </a:spcBef>
+            <a:spcAft>
+              <a:spcPct val="35000"/>
+            </a:spcAft>
+            <a:buNone/>
+          </a:pPr>
           <a:r>
-            <a:rPr lang="en-US" sz="1700" dirty="0"/>
-            <a:t>Flattened into 1D and Ran Through Dense Layer</a:t>
+            <a:rPr lang="en-US" sz="1700" kern="1200" dirty="0">
+              <a:solidFill>
+                <a:prstClr val="white"/>
+              </a:solidFill>
+              <a:latin typeface="Century Gothic" panose="020B0502020202020204"/>
+              <a:ea typeface="+mn-ea"/>
+              <a:cs typeface="+mn-cs"/>
+            </a:rPr>
+            <a:t>Ran model with various epochs</a:t>
           </a:r>
         </a:p>
       </dgm:t>
     </dgm:pt>
-    <dgm:pt modelId="{06837231-8234-471C-876D-909641CB1E05}" type="parTrans" cxnId="{307BE3F6-42CD-427A-9A89-D9B465691996}">
+    <dgm:pt modelId="{1C430981-58EE-489F-8EF7-F84D443FBD48}" type="parTrans" cxnId="{A901FA83-47FB-4C62-A0BB-5BEAEAE08212}">
       <dgm:prSet/>
       <dgm:spPr/>
       <dgm:t>
         <a:bodyPr/>
         <a:lstStyle/>
         <a:p>
-          <a:endParaRPr lang="en-US" sz="1700"/>
+          <a:endParaRPr lang="en-US"/>
         </a:p>
       </dgm:t>
     </dgm:pt>
-    <dgm:pt modelId="{F4342835-28D7-4265-837E-B6BE77F1997D}" type="sibTrans" cxnId="{307BE3F6-42CD-427A-9A89-D9B465691996}">
+    <dgm:pt modelId="{00D6DEF7-CDF3-44D9-8688-45B4B74BB33A}" type="sibTrans" cxnId="{A901FA83-47FB-4C62-A0BB-5BEAEAE08212}">
       <dgm:prSet/>
       <dgm:spPr/>
       <dgm:t>
         <a:bodyPr/>
         <a:lstStyle/>
         <a:p>
-          <a:endParaRPr lang="en-US" sz="1700"/>
+          <a:endParaRPr lang="en-US"/>
         </a:p>
       </dgm:t>
     </dgm:pt>
-    <dgm:pt modelId="{8A07B19B-4B37-4817-A93F-7937C1CE11D7}">
+    <dgm:pt modelId="{DA76B4FE-B1FD-44F3-997B-FAA63A566451}">
       <dgm:prSet custT="1"/>
-      <dgm:spPr/>
+      <dgm:spPr>
+        <a:solidFill>
+          <a:srgbClr val="A53010">
+            <a:hueOff val="0"/>
+            <a:satOff val="0"/>
+            <a:lumOff val="0"/>
+            <a:alphaOff val="0"/>
+          </a:srgbClr>
+        </a:solidFill>
+        <a:ln w="15875" cap="rnd" cmpd="sng" algn="ctr">
+          <a:solidFill>
+            <a:prstClr val="white">
+              <a:hueOff val="0"/>
+              <a:satOff val="0"/>
+              <a:lumOff val="0"/>
+              <a:alphaOff val="0"/>
+            </a:prstClr>
+          </a:solidFill>
+          <a:prstDash val="solid"/>
+        </a:ln>
+        <a:effectLst/>
+      </dgm:spPr>
       <dgm:t>
-        <a:bodyPr/>
+        <a:bodyPr spcFirstLastPara="0" vert="horz" wrap="square" lIns="64770" tIns="64770" rIns="64770" bIns="64770" numCol="1" spcCol="1270" anchor="ctr" anchorCtr="0"/>
         <a:lstStyle/>
         <a:p>
-          <a:pPr algn="ctr"/>
+          <a:pPr marL="0" lvl="0" indent="0" algn="ctr" defTabSz="755650">
+            <a:lnSpc>
+              <a:spcPct val="90000"/>
+            </a:lnSpc>
+            <a:spcBef>
+              <a:spcPct val="0"/>
+            </a:spcBef>
+            <a:spcAft>
+              <a:spcPct val="35000"/>
+            </a:spcAft>
+            <a:buNone/>
+          </a:pPr>
           <a:r>
-            <a:rPr lang="en-US" sz="1700" dirty="0"/>
-            <a:t>Created Output with Bird Probabilities</a:t>
+            <a:rPr lang="en-US" sz="1700" kern="1200" dirty="0">
+              <a:solidFill>
+                <a:prstClr val="white"/>
+              </a:solidFill>
+              <a:latin typeface="Century Gothic" panose="020B0502020202020204"/>
+              <a:ea typeface="+mn-ea"/>
+              <a:cs typeface="+mn-cs"/>
+            </a:rPr>
+            <a:t>Added/Removed Numerous Layers</a:t>
           </a:r>
         </a:p>
       </dgm:t>
     </dgm:pt>
-    <dgm:pt modelId="{5E649016-799E-45B0-9717-5FF3949A52DA}" type="parTrans" cxnId="{3F9F934E-65CD-4EA6-8577-28FFBD23D829}">
+    <dgm:pt modelId="{249586DB-C7EA-4606-8D68-1DFBA458FDCA}" type="parTrans" cxnId="{8ACC3F46-1BC5-435C-A08C-5FAD9FBE31CE}">
       <dgm:prSet/>
       <dgm:spPr/>
       <dgm:t>
         <a:bodyPr/>
         <a:lstStyle/>
         <a:p>
-          <a:endParaRPr lang="en-US" sz="1700"/>
+          <a:endParaRPr lang="en-US"/>
         </a:p>
       </dgm:t>
     </dgm:pt>
-    <dgm:pt modelId="{59C2F639-6861-47F4-903A-CFA9DFFA9D6A}" type="sibTrans" cxnId="{3F9F934E-65CD-4EA6-8577-28FFBD23D829}">
+    <dgm:pt modelId="{09EAEFF9-1B0D-4F93-A2FE-5735095E2FC6}" type="sibTrans" cxnId="{8ACC3F46-1BC5-435C-A08C-5FAD9FBE31CE}">
       <dgm:prSet/>
       <dgm:spPr/>
       <dgm:t>
         <a:bodyPr/>
         <a:lstStyle/>
         <a:p>
-          <a:endParaRPr lang="en-US" sz="1700"/>
+          <a:endParaRPr lang="en-US"/>
         </a:p>
       </dgm:t>
     </dgm:pt>
@@ -3302,77 +3424,101 @@
       </dgm:prSet>
       <dgm:spPr/>
     </dgm:pt>
-    <dgm:pt modelId="{BD635F3B-C814-401C-83BB-EA4D7B286070}" type="pres">
+    <dgm:pt modelId="{8B61A7FF-19CA-4CC7-93A5-31C8C4E93DCD}" type="pres">
       <dgm:prSet presAssocID="{6074E7B1-F1C3-4390-81E3-0BA8673DE715}" presName="spacer" presStyleCnt="0"/>
       <dgm:spPr/>
     </dgm:pt>
-    <dgm:pt modelId="{21D968B3-3413-4124-821D-F0D8A3C8CFF5}" type="pres">
-      <dgm:prSet presAssocID="{5E1CCF4A-0DFA-4391-9EDF-9622B23230C4}" presName="parentText" presStyleLbl="node1" presStyleIdx="3" presStyleCnt="6">
+    <dgm:pt modelId="{83D983D3-D409-41DE-AB13-A979CAD06692}" type="pres">
+      <dgm:prSet presAssocID="{2ADA00C0-3D45-449C-9516-B59D8B75E7FA}" presName="parentText" presStyleLbl="node1" presStyleIdx="3" presStyleCnt="6">
         <dgm:presLayoutVars>
           <dgm:chMax val="0"/>
           <dgm:bulletEnabled val="1"/>
         </dgm:presLayoutVars>
       </dgm:prSet>
+      <dgm:spPr>
+        <a:xfrm>
+          <a:off x="0" y="1842162"/>
+          <a:ext cx="6902022" cy="600154"/>
+        </a:xfrm>
+        <a:prstGeom prst="roundRect">
+          <a:avLst/>
+        </a:prstGeom>
+      </dgm:spPr>
+    </dgm:pt>
+    <dgm:pt modelId="{6CFF837D-CAB9-403B-B599-5A9813A647BC}" type="pres">
+      <dgm:prSet presAssocID="{94440E15-564C-40F1-BE3D-BB0F31304B07}" presName="spacer" presStyleCnt="0"/>
       <dgm:spPr/>
     </dgm:pt>
-    <dgm:pt modelId="{CEE9A00B-4E30-48FF-B243-8FA19573E4F5}" type="pres">
-      <dgm:prSet presAssocID="{3C6AFF42-E4FD-407B-8383-8B2E282F51B0}" presName="spacer" presStyleCnt="0"/>
-      <dgm:spPr/>
-    </dgm:pt>
-    <dgm:pt modelId="{A9FED693-A99D-4A6A-A0F0-13DB2854A162}" type="pres">
-      <dgm:prSet presAssocID="{C1B1A2C0-68AE-4534-843D-4A5D57B43204}" presName="parentText" presStyleLbl="node1" presStyleIdx="4" presStyleCnt="6">
+    <dgm:pt modelId="{AEDE6E9E-72CC-4172-A169-666F37430EEF}" type="pres">
+      <dgm:prSet presAssocID="{35A9F18C-E658-4981-AE20-276B4D0739AB}" presName="parentText" presStyleLbl="node1" presStyleIdx="4" presStyleCnt="6">
         <dgm:presLayoutVars>
           <dgm:chMax val="0"/>
           <dgm:bulletEnabled val="1"/>
         </dgm:presLayoutVars>
       </dgm:prSet>
+      <dgm:spPr>
+        <a:xfrm>
+          <a:off x="0" y="2455058"/>
+          <a:ext cx="6902022" cy="600154"/>
+        </a:xfrm>
+        <a:prstGeom prst="roundRect">
+          <a:avLst/>
+        </a:prstGeom>
+      </dgm:spPr>
+    </dgm:pt>
+    <dgm:pt modelId="{4FF0712A-0867-48DB-BBAD-02C4C126C149}" type="pres">
+      <dgm:prSet presAssocID="{00D6DEF7-CDF3-44D9-8688-45B4B74BB33A}" presName="spacer" presStyleCnt="0"/>
       <dgm:spPr/>
     </dgm:pt>
-    <dgm:pt modelId="{C93E4F8D-8EE3-41BB-A874-E974446B5814}" type="pres">
-      <dgm:prSet presAssocID="{F4342835-28D7-4265-837E-B6BE77F1997D}" presName="spacer" presStyleCnt="0"/>
-      <dgm:spPr/>
-    </dgm:pt>
-    <dgm:pt modelId="{02D43881-500F-4308-B993-48DDC6B63F90}" type="pres">
-      <dgm:prSet presAssocID="{8A07B19B-4B37-4817-A93F-7937C1CE11D7}" presName="parentText" presStyleLbl="node1" presStyleIdx="5" presStyleCnt="6">
+    <dgm:pt modelId="{3318D8FF-73CE-4B54-9326-430653516326}" type="pres">
+      <dgm:prSet presAssocID="{DA76B4FE-B1FD-44F3-997B-FAA63A566451}" presName="parentText" presStyleLbl="node1" presStyleIdx="5" presStyleCnt="6">
         <dgm:presLayoutVars>
           <dgm:chMax val="0"/>
           <dgm:bulletEnabled val="1"/>
         </dgm:presLayoutVars>
       </dgm:prSet>
-      <dgm:spPr/>
+      <dgm:spPr>
+        <a:xfrm>
+          <a:off x="0" y="3067954"/>
+          <a:ext cx="6902022" cy="600154"/>
+        </a:xfrm>
+        <a:prstGeom prst="roundRect">
+          <a:avLst/>
+        </a:prstGeom>
+      </dgm:spPr>
     </dgm:pt>
   </dgm:ptLst>
   <dgm:cxnLst>
     <dgm:cxn modelId="{6CD58C01-0C76-4F74-9BE8-D0E1221455AA}" srcId="{DFDCE516-0D67-46FB-9FC9-1B0B98577A16}" destId="{86B771E7-BD2B-4019-B713-98D4174E3FE1}" srcOrd="0" destOrd="0" parTransId="{9E30E029-823A-40B3-937C-F0389C34FD39}" sibTransId="{1AA4C1B2-4D56-4219-8E35-CD6DAD937CBE}"/>
-    <dgm:cxn modelId="{A0274505-7AD0-4FBA-8B36-F26A0269F4CF}" type="presOf" srcId="{5E1CCF4A-0DFA-4391-9EDF-9622B23230C4}" destId="{21D968B3-3413-4124-821D-F0D8A3C8CFF5}" srcOrd="0" destOrd="0" presId="urn:microsoft.com/office/officeart/2005/8/layout/vList2"/>
+    <dgm:cxn modelId="{948B1B22-BA44-4428-BFE0-5C8D0416A3F9}" type="presOf" srcId="{DA76B4FE-B1FD-44F3-997B-FAA63A566451}" destId="{3318D8FF-73CE-4B54-9326-430653516326}" srcOrd="0" destOrd="0" presId="urn:microsoft.com/office/officeart/2005/8/layout/vList2"/>
     <dgm:cxn modelId="{E459D32B-BDD6-4A39-B98B-3FBA6A6D8A2E}" srcId="{DFDCE516-0D67-46FB-9FC9-1B0B98577A16}" destId="{FEBAB7B0-7B28-4A7D-AB77-FBA38D29C31A}" srcOrd="1" destOrd="0" parTransId="{217534B1-DAE9-43C1-8564-4531E20725E6}" sibTransId="{27216AAD-BBB7-4E83-89FD-7A4C44DF7390}"/>
     <dgm:cxn modelId="{62620B5E-0692-4F40-9943-DE1C3D841EA5}" type="presOf" srcId="{DFDCE516-0D67-46FB-9FC9-1B0B98577A16}" destId="{7C481EFA-9E78-4ED4-ACE6-F788D0BED9DD}" srcOrd="0" destOrd="0" presId="urn:microsoft.com/office/officeart/2005/8/layout/vList2"/>
     <dgm:cxn modelId="{70387542-75CF-454C-ADBF-A1DD578AC5EA}" type="presOf" srcId="{6B00E1B2-18E2-4A41-9118-F1673FFCE6AB}" destId="{3B97045A-172A-4057-8CCB-76895BA1FDE6}" srcOrd="0" destOrd="0" presId="urn:microsoft.com/office/officeart/2005/8/layout/vList2"/>
+    <dgm:cxn modelId="{8ACC3F46-1BC5-435C-A08C-5FAD9FBE31CE}" srcId="{DFDCE516-0D67-46FB-9FC9-1B0B98577A16}" destId="{DA76B4FE-B1FD-44F3-997B-FAA63A566451}" srcOrd="5" destOrd="0" parTransId="{249586DB-C7EA-4606-8D68-1DFBA458FDCA}" sibTransId="{09EAEFF9-1B0D-4F93-A2FE-5735095E2FC6}"/>
     <dgm:cxn modelId="{5C940549-CCC9-4F28-AFB9-FD546959EFCC}" type="presOf" srcId="{86B771E7-BD2B-4019-B713-98D4174E3FE1}" destId="{7AF75A0C-B364-42C1-855F-DF867D2F788A}" srcOrd="0" destOrd="0" presId="urn:microsoft.com/office/officeart/2005/8/layout/vList2"/>
-    <dgm:cxn modelId="{3F9F934E-65CD-4EA6-8577-28FFBD23D829}" srcId="{DFDCE516-0D67-46FB-9FC9-1B0B98577A16}" destId="{8A07B19B-4B37-4817-A93F-7937C1CE11D7}" srcOrd="5" destOrd="0" parTransId="{5E649016-799E-45B0-9717-5FF3949A52DA}" sibTransId="{59C2F639-6861-47F4-903A-CFA9DFFA9D6A}"/>
-    <dgm:cxn modelId="{2BECB053-61DD-4A10-8654-D9AA9295D451}" type="presOf" srcId="{C1B1A2C0-68AE-4534-843D-4A5D57B43204}" destId="{A9FED693-A99D-4A6A-A0F0-13DB2854A162}" srcOrd="0" destOrd="0" presId="urn:microsoft.com/office/officeart/2005/8/layout/vList2"/>
     <dgm:cxn modelId="{4757707B-D3A3-4E83-B51E-DCAFA0EA1E73}" srcId="{DFDCE516-0D67-46FB-9FC9-1B0B98577A16}" destId="{6B00E1B2-18E2-4A41-9118-F1673FFCE6AB}" srcOrd="2" destOrd="0" parTransId="{050E9854-FB6E-4E17-A9A0-AD5E96A4EA2D}" sibTransId="{6074E7B1-F1C3-4390-81E3-0BA8673DE715}"/>
-    <dgm:cxn modelId="{9ACE13A2-BAD0-4E51-869B-BB7DF253CCB8}" srcId="{DFDCE516-0D67-46FB-9FC9-1B0B98577A16}" destId="{5E1CCF4A-0DFA-4391-9EDF-9622B23230C4}" srcOrd="3" destOrd="0" parTransId="{31332738-1E87-4F13-9830-9B10803E2AC5}" sibTransId="{3C6AFF42-E4FD-407B-8383-8B2E282F51B0}"/>
-    <dgm:cxn modelId="{A0C1C6D9-A324-4B66-98C1-A14803DD6E7A}" type="presOf" srcId="{8A07B19B-4B37-4817-A93F-7937C1CE11D7}" destId="{02D43881-500F-4308-B993-48DDC6B63F90}" srcOrd="0" destOrd="0" presId="urn:microsoft.com/office/officeart/2005/8/layout/vList2"/>
+    <dgm:cxn modelId="{A901FA83-47FB-4C62-A0BB-5BEAEAE08212}" srcId="{DFDCE516-0D67-46FB-9FC9-1B0B98577A16}" destId="{35A9F18C-E658-4981-AE20-276B4D0739AB}" srcOrd="4" destOrd="0" parTransId="{1C430981-58EE-489F-8EF7-F84D443FBD48}" sibTransId="{00D6DEF7-CDF3-44D9-8688-45B4B74BB33A}"/>
+    <dgm:cxn modelId="{7B6DA899-17E7-4667-8D0E-FA03A8AF83AC}" type="presOf" srcId="{2ADA00C0-3D45-449C-9516-B59D8B75E7FA}" destId="{83D983D3-D409-41DE-AB13-A979CAD06692}" srcOrd="0" destOrd="0" presId="urn:microsoft.com/office/officeart/2005/8/layout/vList2"/>
+    <dgm:cxn modelId="{0F5FA29B-2833-487A-AC50-BFBD629F012C}" type="presOf" srcId="{35A9F18C-E658-4981-AE20-276B4D0739AB}" destId="{AEDE6E9E-72CC-4172-A169-666F37430EEF}" srcOrd="0" destOrd="0" presId="urn:microsoft.com/office/officeart/2005/8/layout/vList2"/>
+    <dgm:cxn modelId="{D1B8B3A3-C42B-4A42-81E2-3C2A8132F336}" srcId="{DFDCE516-0D67-46FB-9FC9-1B0B98577A16}" destId="{2ADA00C0-3D45-449C-9516-B59D8B75E7FA}" srcOrd="3" destOrd="0" parTransId="{3D259BEB-FA34-4199-B1A3-CD3C0D5CC958}" sibTransId="{94440E15-564C-40F1-BE3D-BB0F31304B07}"/>
     <dgm:cxn modelId="{CCCE1DE7-4235-47E7-BC38-7078AB3E4EC4}" type="presOf" srcId="{FEBAB7B0-7B28-4A7D-AB77-FBA38D29C31A}" destId="{2C3033D6-366E-408B-A9EC-05437C6AAABC}" srcOrd="0" destOrd="0" presId="urn:microsoft.com/office/officeart/2005/8/layout/vList2"/>
-    <dgm:cxn modelId="{307BE3F6-42CD-427A-9A89-D9B465691996}" srcId="{DFDCE516-0D67-46FB-9FC9-1B0B98577A16}" destId="{C1B1A2C0-68AE-4534-843D-4A5D57B43204}" srcOrd="4" destOrd="0" parTransId="{06837231-8234-471C-876D-909641CB1E05}" sibTransId="{F4342835-28D7-4265-837E-B6BE77F1997D}"/>
     <dgm:cxn modelId="{9387EB9D-A120-469D-A479-D0FC1EF21B8E}" type="presParOf" srcId="{7C481EFA-9E78-4ED4-ACE6-F788D0BED9DD}" destId="{7AF75A0C-B364-42C1-855F-DF867D2F788A}" srcOrd="0" destOrd="0" presId="urn:microsoft.com/office/officeart/2005/8/layout/vList2"/>
     <dgm:cxn modelId="{6A8D033A-4867-46EA-8C0B-903F1D69A128}" type="presParOf" srcId="{7C481EFA-9E78-4ED4-ACE6-F788D0BED9DD}" destId="{7917A0D6-8071-4DF5-9FCF-458DD5273315}" srcOrd="1" destOrd="0" presId="urn:microsoft.com/office/officeart/2005/8/layout/vList2"/>
     <dgm:cxn modelId="{3E55F895-D262-4CA9-9408-B33343D93DEE}" type="presParOf" srcId="{7C481EFA-9E78-4ED4-ACE6-F788D0BED9DD}" destId="{2C3033D6-366E-408B-A9EC-05437C6AAABC}" srcOrd="2" destOrd="0" presId="urn:microsoft.com/office/officeart/2005/8/layout/vList2"/>
     <dgm:cxn modelId="{5C55DBB6-A19A-4D49-8FA2-2E122B316511}" type="presParOf" srcId="{7C481EFA-9E78-4ED4-ACE6-F788D0BED9DD}" destId="{71C81E2A-7B8F-4549-98F5-C068D518BAF6}" srcOrd="3" destOrd="0" presId="urn:microsoft.com/office/officeart/2005/8/layout/vList2"/>
     <dgm:cxn modelId="{DE6C60E0-F79C-45F4-B98E-3E5792D736EE}" type="presParOf" srcId="{7C481EFA-9E78-4ED4-ACE6-F788D0BED9DD}" destId="{3B97045A-172A-4057-8CCB-76895BA1FDE6}" srcOrd="4" destOrd="0" presId="urn:microsoft.com/office/officeart/2005/8/layout/vList2"/>
-    <dgm:cxn modelId="{06DE6025-EFE6-4AA5-882A-E4161A2956A1}" type="presParOf" srcId="{7C481EFA-9E78-4ED4-ACE6-F788D0BED9DD}" destId="{BD635F3B-C814-401C-83BB-EA4D7B286070}" srcOrd="5" destOrd="0" presId="urn:microsoft.com/office/officeart/2005/8/layout/vList2"/>
-    <dgm:cxn modelId="{0E246398-27E7-45FB-B059-8761A88360B2}" type="presParOf" srcId="{7C481EFA-9E78-4ED4-ACE6-F788D0BED9DD}" destId="{21D968B3-3413-4124-821D-F0D8A3C8CFF5}" srcOrd="6" destOrd="0" presId="urn:microsoft.com/office/officeart/2005/8/layout/vList2"/>
-    <dgm:cxn modelId="{F7A7BA87-A60D-4AA4-BC05-983215F3BE6A}" type="presParOf" srcId="{7C481EFA-9E78-4ED4-ACE6-F788D0BED9DD}" destId="{CEE9A00B-4E30-48FF-B243-8FA19573E4F5}" srcOrd="7" destOrd="0" presId="urn:microsoft.com/office/officeart/2005/8/layout/vList2"/>
-    <dgm:cxn modelId="{D53031D7-BE08-440F-8EB4-F8143C1643DD}" type="presParOf" srcId="{7C481EFA-9E78-4ED4-ACE6-F788D0BED9DD}" destId="{A9FED693-A99D-4A6A-A0F0-13DB2854A162}" srcOrd="8" destOrd="0" presId="urn:microsoft.com/office/officeart/2005/8/layout/vList2"/>
-    <dgm:cxn modelId="{8832D13B-2C84-4955-B343-5DD14AC1A862}" type="presParOf" srcId="{7C481EFA-9E78-4ED4-ACE6-F788D0BED9DD}" destId="{C93E4F8D-8EE3-41BB-A874-E974446B5814}" srcOrd="9" destOrd="0" presId="urn:microsoft.com/office/officeart/2005/8/layout/vList2"/>
-    <dgm:cxn modelId="{724D3244-6134-4BC9-BF96-2A6E637D9D41}" type="presParOf" srcId="{7C481EFA-9E78-4ED4-ACE6-F788D0BED9DD}" destId="{02D43881-500F-4308-B993-48DDC6B63F90}" srcOrd="10" destOrd="0" presId="urn:microsoft.com/office/officeart/2005/8/layout/vList2"/>
+    <dgm:cxn modelId="{7BE8CEEC-31A3-41AB-9557-2FBBEDB74EA4}" type="presParOf" srcId="{7C481EFA-9E78-4ED4-ACE6-F788D0BED9DD}" destId="{8B61A7FF-19CA-4CC7-93A5-31C8C4E93DCD}" srcOrd="5" destOrd="0" presId="urn:microsoft.com/office/officeart/2005/8/layout/vList2"/>
+    <dgm:cxn modelId="{9776D26E-80E0-4DAD-A0A5-27630282E301}" type="presParOf" srcId="{7C481EFA-9E78-4ED4-ACE6-F788D0BED9DD}" destId="{83D983D3-D409-41DE-AB13-A979CAD06692}" srcOrd="6" destOrd="0" presId="urn:microsoft.com/office/officeart/2005/8/layout/vList2"/>
+    <dgm:cxn modelId="{17D432D6-26B9-4A28-8C23-72536A1DE40D}" type="presParOf" srcId="{7C481EFA-9E78-4ED4-ACE6-F788D0BED9DD}" destId="{6CFF837D-CAB9-403B-B599-5A9813A647BC}" srcOrd="7" destOrd="0" presId="urn:microsoft.com/office/officeart/2005/8/layout/vList2"/>
+    <dgm:cxn modelId="{80EDBBF9-EAD4-4654-B28C-F5475F121FDA}" type="presParOf" srcId="{7C481EFA-9E78-4ED4-ACE6-F788D0BED9DD}" destId="{AEDE6E9E-72CC-4172-A169-666F37430EEF}" srcOrd="8" destOrd="0" presId="urn:microsoft.com/office/officeart/2005/8/layout/vList2"/>
+    <dgm:cxn modelId="{6E256F9F-ECE6-4FFD-885C-B9BD98E9A234}" type="presParOf" srcId="{7C481EFA-9E78-4ED4-ACE6-F788D0BED9DD}" destId="{4FF0712A-0867-48DB-BBAD-02C4C126C149}" srcOrd="9" destOrd="0" presId="urn:microsoft.com/office/officeart/2005/8/layout/vList2"/>
+    <dgm:cxn modelId="{C466048D-2AFB-4AEB-80C6-F25D6E3C3159}" type="presParOf" srcId="{7C481EFA-9E78-4ED4-ACE6-F788D0BED9DD}" destId="{3318D8FF-73CE-4B54-9326-430653516326}" srcOrd="10" destOrd="0" presId="urn:microsoft.com/office/officeart/2005/8/layout/vList2"/>
   </dgm:cxnLst>
   <dgm:bg/>
   <dgm:whole/>
   <dgm:extLst>
     <a:ext uri="http://schemas.microsoft.com/office/drawing/2008/diagram">
-      <dsp:dataModelExt xmlns:dsp="http://schemas.microsoft.com/office/drawing/2008/diagram" relId="rId7" minVer="http://schemas.openxmlformats.org/drawingml/2006/diagram"/>
+      <dsp:dataModelExt xmlns:dsp="http://schemas.microsoft.com/office/drawing/2008/diagram" relId="rId8" minVer="http://schemas.openxmlformats.org/drawingml/2006/diagram"/>
     </a:ext>
   </dgm:extLst>
 </dgm:dataModel>
@@ -3393,8 +3539,8 @@
       </dsp:nvSpPr>
       <dsp:spPr>
         <a:xfrm>
-          <a:off x="133" y="919800"/>
-          <a:ext cx="1615018" cy="1938021"/>
+          <a:off x="127" y="828509"/>
+          <a:ext cx="1541923" cy="1850307"/>
         </a:xfrm>
         <a:prstGeom prst="rect">
           <a:avLst/>
@@ -3435,12 +3581,12 @@
         </a:fontRef>
       </dsp:style>
       <dsp:txBody>
-        <a:bodyPr spcFirstLastPara="0" vert="horz" wrap="square" lIns="159528" tIns="0" rIns="159528" bIns="330200" numCol="1" spcCol="1270" anchor="t" anchorCtr="0">
+        <a:bodyPr spcFirstLastPara="0" vert="horz" wrap="square" lIns="152308" tIns="0" rIns="152308" bIns="330200" numCol="1" spcCol="1270" anchor="t" anchorCtr="0">
           <a:noAutofit/>
         </a:bodyPr>
         <a:lstStyle/>
         <a:p>
-          <a:pPr marL="0" lvl="0" indent="0" algn="l" defTabSz="666750">
+          <a:pPr marL="0" lvl="0" indent="0" algn="l" defTabSz="622300">
             <a:lnSpc>
               <a:spcPct val="90000"/>
             </a:lnSpc>
@@ -3453,14 +3599,14 @@
             <a:buNone/>
           </a:pPr>
           <a:r>
-            <a:rPr lang="en-US" sz="1500" kern="1200" dirty="0"/>
+            <a:rPr lang="en-US" sz="1400" kern="1200" dirty="0"/>
             <a:t>Identify Local Birds in the Houston Area</a:t>
           </a:r>
         </a:p>
       </dsp:txBody>
       <dsp:txXfrm>
-        <a:off x="133" y="1695008"/>
-        <a:ext cx="1615018" cy="1162812"/>
+        <a:off x="127" y="1568632"/>
+        <a:ext cx="1541923" cy="1110184"/>
       </dsp:txXfrm>
     </dsp:sp>
     <dsp:sp modelId="{736FC8D0-F787-4ADD-BE56-A284428764C5}">
@@ -3470,8 +3616,8 @@
       </dsp:nvSpPr>
       <dsp:spPr>
         <a:xfrm>
-          <a:off x="133" y="919800"/>
-          <a:ext cx="1615018" cy="775208"/>
+          <a:off x="127" y="828509"/>
+          <a:ext cx="1541923" cy="740123"/>
         </a:xfrm>
         <a:prstGeom prst="rect">
           <a:avLst/>
@@ -3499,12 +3645,12 @@
         </a:fontRef>
       </dsp:style>
       <dsp:txBody>
-        <a:bodyPr spcFirstLastPara="0" vert="horz" wrap="square" lIns="159528" tIns="165100" rIns="159528" bIns="165100" numCol="1" spcCol="1270" anchor="ctr" anchorCtr="0">
+        <a:bodyPr spcFirstLastPara="0" vert="horz" wrap="square" lIns="152308" tIns="165100" rIns="152308" bIns="165100" numCol="1" spcCol="1270" anchor="ctr" anchorCtr="0">
           <a:noAutofit/>
         </a:bodyPr>
         <a:lstStyle/>
         <a:p>
-          <a:pPr marL="0" lvl="0" indent="0" algn="l" defTabSz="1377950">
+          <a:pPr marL="0" lvl="0" indent="0" algn="l" defTabSz="1289050">
             <a:lnSpc>
               <a:spcPct val="90000"/>
             </a:lnSpc>
@@ -3517,14 +3663,14 @@
             <a:buNone/>
           </a:pPr>
           <a:r>
-            <a:rPr lang="en-US" sz="3100" kern="1200"/>
+            <a:rPr lang="en-US" sz="2900" kern="1200"/>
             <a:t>01</a:t>
           </a:r>
         </a:p>
       </dsp:txBody>
       <dsp:txXfrm>
-        <a:off x="133" y="919800"/>
-        <a:ext cx="1615018" cy="775208"/>
+        <a:off x="127" y="828509"/>
+        <a:ext cx="1541923" cy="740123"/>
       </dsp:txXfrm>
     </dsp:sp>
     <dsp:sp modelId="{AA92F248-552E-4807-B757-8152E31C9DBE}">
@@ -3534,8 +3680,8 @@
       </dsp:nvSpPr>
       <dsp:spPr>
         <a:xfrm>
-          <a:off x="1744353" y="919800"/>
-          <a:ext cx="1615018" cy="1938021"/>
+          <a:off x="1665404" y="828509"/>
+          <a:ext cx="1541923" cy="1850307"/>
         </a:xfrm>
         <a:prstGeom prst="rect">
           <a:avLst/>
@@ -3576,12 +3722,12 @@
         </a:fontRef>
       </dsp:style>
       <dsp:txBody>
-        <a:bodyPr spcFirstLastPara="0" vert="horz" wrap="square" lIns="159528" tIns="0" rIns="159528" bIns="330200" numCol="1" spcCol="1270" anchor="t" anchorCtr="0">
+        <a:bodyPr spcFirstLastPara="0" vert="horz" wrap="square" lIns="152308" tIns="0" rIns="152308" bIns="330200" numCol="1" spcCol="1270" anchor="t" anchorCtr="0">
           <a:noAutofit/>
         </a:bodyPr>
         <a:lstStyle/>
         <a:p>
-          <a:pPr marL="0" lvl="0" indent="0" algn="l" defTabSz="666750">
+          <a:pPr marL="0" lvl="0" indent="0" algn="l" defTabSz="622300">
             <a:lnSpc>
               <a:spcPct val="90000"/>
             </a:lnSpc>
@@ -3594,14 +3740,14 @@
             <a:buNone/>
           </a:pPr>
           <a:r>
-            <a:rPr lang="en-US" sz="1500" kern="1200" dirty="0"/>
+            <a:rPr lang="en-US" sz="1400" kern="1200" dirty="0"/>
             <a:t>Obtain and Clean Dataset </a:t>
           </a:r>
         </a:p>
       </dsp:txBody>
       <dsp:txXfrm>
-        <a:off x="1744353" y="1695008"/>
-        <a:ext cx="1615018" cy="1162812"/>
+        <a:off x="1665404" y="1568632"/>
+        <a:ext cx="1541923" cy="1110184"/>
       </dsp:txXfrm>
     </dsp:sp>
     <dsp:sp modelId="{AB823D1B-C8FE-4645-B53A-71BBAC9C4172}">
@@ -3611,8 +3757,8 @@
       </dsp:nvSpPr>
       <dsp:spPr>
         <a:xfrm>
-          <a:off x="1744353" y="919800"/>
-          <a:ext cx="1615018" cy="775208"/>
+          <a:off x="1665404" y="828509"/>
+          <a:ext cx="1541923" cy="740123"/>
         </a:xfrm>
         <a:prstGeom prst="rect">
           <a:avLst/>
@@ -3640,12 +3786,12 @@
         </a:fontRef>
       </dsp:style>
       <dsp:txBody>
-        <a:bodyPr spcFirstLastPara="0" vert="horz" wrap="square" lIns="159528" tIns="165100" rIns="159528" bIns="165100" numCol="1" spcCol="1270" anchor="ctr" anchorCtr="0">
+        <a:bodyPr spcFirstLastPara="0" vert="horz" wrap="square" lIns="152308" tIns="165100" rIns="152308" bIns="165100" numCol="1" spcCol="1270" anchor="ctr" anchorCtr="0">
           <a:noAutofit/>
         </a:bodyPr>
         <a:lstStyle/>
         <a:p>
-          <a:pPr marL="0" lvl="0" indent="0" algn="l" defTabSz="1377950">
+          <a:pPr marL="0" lvl="0" indent="0" algn="l" defTabSz="1289050">
             <a:lnSpc>
               <a:spcPct val="90000"/>
             </a:lnSpc>
@@ -3658,14 +3804,14 @@
             <a:buNone/>
           </a:pPr>
           <a:r>
-            <a:rPr lang="en-US" sz="3100" kern="1200"/>
+            <a:rPr lang="en-US" sz="2900" kern="1200"/>
             <a:t>02</a:t>
           </a:r>
         </a:p>
       </dsp:txBody>
       <dsp:txXfrm>
-        <a:off x="1744353" y="919800"/>
-        <a:ext cx="1615018" cy="775208"/>
+        <a:off x="1665404" y="828509"/>
+        <a:ext cx="1541923" cy="740123"/>
       </dsp:txXfrm>
     </dsp:sp>
     <dsp:sp modelId="{50122972-40B8-49CE-9992-A9C55E14F608}">
@@ -3675,8 +3821,8 @@
       </dsp:nvSpPr>
       <dsp:spPr>
         <a:xfrm>
-          <a:off x="3488572" y="919800"/>
-          <a:ext cx="1615018" cy="1938021"/>
+          <a:off x="3330681" y="828509"/>
+          <a:ext cx="1541923" cy="1850307"/>
         </a:xfrm>
         <a:prstGeom prst="rect">
           <a:avLst/>
@@ -3717,12 +3863,12 @@
         </a:fontRef>
       </dsp:style>
       <dsp:txBody>
-        <a:bodyPr spcFirstLastPara="0" vert="horz" wrap="square" lIns="159528" tIns="0" rIns="159528" bIns="330200" numCol="1" spcCol="1270" anchor="t" anchorCtr="0">
+        <a:bodyPr spcFirstLastPara="0" vert="horz" wrap="square" lIns="152308" tIns="0" rIns="152308" bIns="330200" numCol="1" spcCol="1270" anchor="t" anchorCtr="0">
           <a:noAutofit/>
         </a:bodyPr>
         <a:lstStyle/>
         <a:p>
-          <a:pPr marL="0" lvl="0" indent="0" algn="l" defTabSz="666750">
+          <a:pPr marL="0" lvl="0" indent="0" algn="l" defTabSz="622300">
             <a:lnSpc>
               <a:spcPct val="90000"/>
             </a:lnSpc>
@@ -3735,14 +3881,14 @@
             <a:buNone/>
           </a:pPr>
           <a:r>
-            <a:rPr lang="en-US" sz="1500" kern="1200" dirty="0"/>
+            <a:rPr lang="en-US" sz="1400" kern="1200" dirty="0"/>
             <a:t>Determine and Evaluate Model </a:t>
           </a:r>
         </a:p>
       </dsp:txBody>
       <dsp:txXfrm>
-        <a:off x="3488572" y="1695008"/>
-        <a:ext cx="1615018" cy="1162812"/>
+        <a:off x="3330681" y="1568632"/>
+        <a:ext cx="1541923" cy="1110184"/>
       </dsp:txXfrm>
     </dsp:sp>
     <dsp:sp modelId="{740A5283-8720-4922-8089-1E6015DF2E36}">
@@ -3752,8 +3898,8 @@
       </dsp:nvSpPr>
       <dsp:spPr>
         <a:xfrm>
-          <a:off x="3488572" y="919800"/>
-          <a:ext cx="1615018" cy="775208"/>
+          <a:off x="3330681" y="828509"/>
+          <a:ext cx="1541923" cy="740123"/>
         </a:xfrm>
         <a:prstGeom prst="rect">
           <a:avLst/>
@@ -3781,12 +3927,12 @@
         </a:fontRef>
       </dsp:style>
       <dsp:txBody>
-        <a:bodyPr spcFirstLastPara="0" vert="horz" wrap="square" lIns="159528" tIns="165100" rIns="159528" bIns="165100" numCol="1" spcCol="1270" anchor="ctr" anchorCtr="0">
+        <a:bodyPr spcFirstLastPara="0" vert="horz" wrap="square" lIns="152308" tIns="165100" rIns="152308" bIns="165100" numCol="1" spcCol="1270" anchor="ctr" anchorCtr="0">
           <a:noAutofit/>
         </a:bodyPr>
         <a:lstStyle/>
         <a:p>
-          <a:pPr marL="0" lvl="0" indent="0" algn="l" defTabSz="1377950">
+          <a:pPr marL="0" lvl="0" indent="0" algn="l" defTabSz="1289050">
             <a:lnSpc>
               <a:spcPct val="90000"/>
             </a:lnSpc>
@@ -3799,14 +3945,14 @@
             <a:buNone/>
           </a:pPr>
           <a:r>
-            <a:rPr lang="en-US" sz="3100" kern="1200"/>
+            <a:rPr lang="en-US" sz="2900" kern="1200"/>
             <a:t>03</a:t>
           </a:r>
         </a:p>
       </dsp:txBody>
       <dsp:txXfrm>
-        <a:off x="3488572" y="919800"/>
-        <a:ext cx="1615018" cy="775208"/>
+        <a:off x="3330681" y="828509"/>
+        <a:ext cx="1541923" cy="740123"/>
       </dsp:txXfrm>
     </dsp:sp>
     <dsp:sp modelId="{720E641C-17C9-4839-9E1D-5E52170CF555}">
@@ -3816,8 +3962,8 @@
       </dsp:nvSpPr>
       <dsp:spPr>
         <a:xfrm>
-          <a:off x="5232925" y="935982"/>
-          <a:ext cx="1615018" cy="1938021"/>
+          <a:off x="4996085" y="843959"/>
+          <a:ext cx="1541923" cy="1850307"/>
         </a:xfrm>
         <a:prstGeom prst="rect">
           <a:avLst/>
@@ -3858,12 +4004,12 @@
         </a:fontRef>
       </dsp:style>
       <dsp:txBody>
-        <a:bodyPr spcFirstLastPara="0" vert="horz" wrap="square" lIns="159528" tIns="0" rIns="159528" bIns="330200" numCol="1" spcCol="1270" anchor="t" anchorCtr="0">
+        <a:bodyPr spcFirstLastPara="0" vert="horz" wrap="square" lIns="152308" tIns="0" rIns="152308" bIns="330200" numCol="1" spcCol="1270" anchor="t" anchorCtr="0">
           <a:noAutofit/>
         </a:bodyPr>
         <a:lstStyle/>
         <a:p>
-          <a:pPr marL="0" lvl="0" indent="0" algn="l" defTabSz="666750">
+          <a:pPr marL="0" lvl="0" indent="0" algn="l" defTabSz="622300">
             <a:lnSpc>
               <a:spcPct val="90000"/>
             </a:lnSpc>
@@ -3876,14 +4022,14 @@
             <a:buNone/>
           </a:pPr>
           <a:r>
-            <a:rPr lang="en-US" sz="1500" kern="1200" dirty="0"/>
+            <a:rPr lang="en-US" sz="1400" kern="1200" dirty="0"/>
             <a:t>Create Website and Visualization</a:t>
           </a:r>
         </a:p>
       </dsp:txBody>
       <dsp:txXfrm>
-        <a:off x="5232925" y="1711191"/>
-        <a:ext cx="1615018" cy="1162812"/>
+        <a:off x="4996085" y="1584082"/>
+        <a:ext cx="1541923" cy="1110184"/>
       </dsp:txXfrm>
     </dsp:sp>
     <dsp:sp modelId="{0B502D18-F143-44A8-A56B-6D09E68EB019}">
@@ -3893,8 +4039,8 @@
       </dsp:nvSpPr>
       <dsp:spPr>
         <a:xfrm>
-          <a:off x="5232792" y="919800"/>
-          <a:ext cx="1615018" cy="775208"/>
+          <a:off x="4995958" y="828509"/>
+          <a:ext cx="1541923" cy="740123"/>
         </a:xfrm>
         <a:prstGeom prst="rect">
           <a:avLst/>
@@ -3922,12 +4068,12 @@
         </a:fontRef>
       </dsp:style>
       <dsp:txBody>
-        <a:bodyPr spcFirstLastPara="0" vert="horz" wrap="square" lIns="159528" tIns="165100" rIns="159528" bIns="165100" numCol="1" spcCol="1270" anchor="ctr" anchorCtr="0">
+        <a:bodyPr spcFirstLastPara="0" vert="horz" wrap="square" lIns="152308" tIns="165100" rIns="152308" bIns="165100" numCol="1" spcCol="1270" anchor="ctr" anchorCtr="0">
           <a:noAutofit/>
         </a:bodyPr>
         <a:lstStyle/>
         <a:p>
-          <a:pPr marL="0" lvl="0" indent="0" algn="l" defTabSz="1377950">
+          <a:pPr marL="0" lvl="0" indent="0" algn="l" defTabSz="1289050">
             <a:lnSpc>
               <a:spcPct val="90000"/>
             </a:lnSpc>
@@ -3940,14 +4086,14 @@
             <a:buNone/>
           </a:pPr>
           <a:r>
-            <a:rPr lang="en-US" sz="3100" kern="1200"/>
+            <a:rPr lang="en-US" sz="2900" kern="1200"/>
             <a:t>04</a:t>
           </a:r>
         </a:p>
       </dsp:txBody>
       <dsp:txXfrm>
-        <a:off x="5232792" y="919800"/>
-        <a:ext cx="1615018" cy="775208"/>
+        <a:off x="4995958" y="828509"/>
+        <a:ext cx="1541923" cy="740123"/>
       </dsp:txXfrm>
     </dsp:sp>
   </dsp:spTree>
@@ -3970,7 +4116,7 @@
       <dsp:spPr>
         <a:xfrm>
           <a:off x="0" y="102571"/>
-          <a:ext cx="8915400" cy="675327"/>
+          <a:ext cx="7555595" cy="675327"/>
         </a:xfrm>
         <a:prstGeom prst="roundRect">
           <a:avLst/>
@@ -4036,7 +4182,7 @@
       </dsp:txBody>
       <dsp:txXfrm>
         <a:off x="32967" y="135538"/>
-        <a:ext cx="8849466" cy="609393"/>
+        <a:ext cx="7489661" cy="609393"/>
       </dsp:txXfrm>
     </dsp:sp>
     <dsp:sp modelId="{8D19B76D-76F3-4503-A4B6-B5AEE06BE127}">
@@ -4047,7 +4193,7 @@
       <dsp:spPr>
         <a:xfrm>
           <a:off x="0" y="826859"/>
-          <a:ext cx="8915400" cy="675327"/>
+          <a:ext cx="7555595" cy="675327"/>
         </a:xfrm>
         <a:prstGeom prst="roundRect">
           <a:avLst/>
@@ -4113,7 +4259,7 @@
       </dsp:txBody>
       <dsp:txXfrm>
         <a:off x="32967" y="859826"/>
-        <a:ext cx="8849466" cy="609393"/>
+        <a:ext cx="7489661" cy="609393"/>
       </dsp:txXfrm>
     </dsp:sp>
     <dsp:sp modelId="{7AF75A0C-B364-42C1-855F-DF867D2F788A}">
@@ -4124,7 +4270,7 @@
       <dsp:spPr>
         <a:xfrm>
           <a:off x="0" y="1551147"/>
-          <a:ext cx="8915400" cy="675327"/>
+          <a:ext cx="7555595" cy="675327"/>
         </a:xfrm>
         <a:prstGeom prst="roundRect">
           <a:avLst/>
@@ -4190,7 +4336,7 @@
       </dsp:txBody>
       <dsp:txXfrm>
         <a:off x="32967" y="1584114"/>
-        <a:ext cx="8849466" cy="609393"/>
+        <a:ext cx="7489661" cy="609393"/>
       </dsp:txXfrm>
     </dsp:sp>
     <dsp:sp modelId="{C057280B-7848-45FB-89EA-1DA8DE684CEC}">
@@ -4201,7 +4347,7 @@
       <dsp:spPr>
         <a:xfrm>
           <a:off x="0" y="2275434"/>
-          <a:ext cx="8915400" cy="675327"/>
+          <a:ext cx="7555595" cy="675327"/>
         </a:xfrm>
         <a:prstGeom prst="roundRect">
           <a:avLst/>
@@ -4267,7 +4413,7 @@
       </dsp:txBody>
       <dsp:txXfrm>
         <a:off x="32967" y="2308401"/>
-        <a:ext cx="8849466" cy="609393"/>
+        <a:ext cx="7489661" cy="609393"/>
       </dsp:txXfrm>
     </dsp:sp>
     <dsp:sp modelId="{3643DC03-1888-4136-B8E8-9FF5B551E7D5}">
@@ -4278,7 +4424,7 @@
       <dsp:spPr>
         <a:xfrm>
           <a:off x="0" y="2999722"/>
-          <a:ext cx="8915400" cy="675327"/>
+          <a:ext cx="7555595" cy="675327"/>
         </a:xfrm>
         <a:prstGeom prst="roundRect">
           <a:avLst/>
@@ -4344,7 +4490,7 @@
       </dsp:txBody>
       <dsp:txXfrm>
         <a:off x="32967" y="3032689"/>
-        <a:ext cx="8849466" cy="609393"/>
+        <a:ext cx="7489661" cy="609393"/>
       </dsp:txXfrm>
     </dsp:sp>
   </dsp:spTree>
@@ -4366,8 +4512,8 @@
       </dsp:nvSpPr>
       <dsp:spPr>
         <a:xfrm>
-          <a:off x="0" y="1126"/>
-          <a:ext cx="5131176" cy="618294"/>
+          <a:off x="0" y="32349"/>
+          <a:ext cx="7134315" cy="524160"/>
         </a:xfrm>
         <a:prstGeom prst="roundRect">
           <a:avLst/>
@@ -4440,8 +4586,8 @@
         </a:p>
       </dsp:txBody>
       <dsp:txXfrm>
-        <a:off x="30183" y="31309"/>
-        <a:ext cx="5070810" cy="557928"/>
+        <a:off x="25587" y="57936"/>
+        <a:ext cx="7083141" cy="472986"/>
       </dsp:txXfrm>
     </dsp:sp>
     <dsp:sp modelId="{2C3033D6-366E-408B-A9EC-05437C6AAABC}">
@@ -4451,8 +4597,8 @@
       </dsp:nvSpPr>
       <dsp:spPr>
         <a:xfrm>
-          <a:off x="0" y="632541"/>
-          <a:ext cx="5131176" cy="618294"/>
+          <a:off x="0" y="637149"/>
+          <a:ext cx="7134315" cy="524160"/>
         </a:xfrm>
         <a:prstGeom prst="roundRect">
           <a:avLst/>
@@ -4512,13 +4658,13 @@
           </a:pPr>
           <a:r>
             <a:rPr lang="en-US" sz="1700" kern="1200" dirty="0"/>
-            <a:t>Created Sequential Model with 10 Layers </a:t>
+            <a:t>Experimented with Data Augmentation and rescaling techniques</a:t>
           </a:r>
         </a:p>
       </dsp:txBody>
       <dsp:txXfrm>
-        <a:off x="30183" y="662724"/>
-        <a:ext cx="5070810" cy="557928"/>
+        <a:off x="25587" y="662736"/>
+        <a:ext cx="7083141" cy="472986"/>
       </dsp:txXfrm>
     </dsp:sp>
     <dsp:sp modelId="{3B97045A-172A-4057-8CCB-76895BA1FDE6}">
@@ -4528,8 +4674,8 @@
       </dsp:nvSpPr>
       <dsp:spPr>
         <a:xfrm>
-          <a:off x="0" y="1263956"/>
-          <a:ext cx="5131176" cy="618294"/>
+          <a:off x="0" y="1241949"/>
+          <a:ext cx="7134315" cy="524160"/>
         </a:xfrm>
         <a:prstGeom prst="roundRect">
           <a:avLst/>
@@ -4589,44 +4735,44 @@
           </a:pPr>
           <a:r>
             <a:rPr lang="en-US" sz="1700" kern="1200" dirty="0"/>
-            <a:t>Used Rescaling Layer to Standardize RGB Channel Values</a:t>
+            <a:t>Iterated Through Various Train/Test Splits</a:t>
           </a:r>
         </a:p>
       </dsp:txBody>
       <dsp:txXfrm>
-        <a:off x="30183" y="1294139"/>
-        <a:ext cx="5070810" cy="557928"/>
+        <a:off x="25587" y="1267536"/>
+        <a:ext cx="7083141" cy="472986"/>
       </dsp:txXfrm>
     </dsp:sp>
-    <dsp:sp modelId="{21D968B3-3413-4124-821D-F0D8A3C8CFF5}">
+    <dsp:sp modelId="{83D983D3-D409-41DE-AB13-A979CAD06692}">
       <dsp:nvSpPr>
         <dsp:cNvPr id="0" name=""/>
         <dsp:cNvSpPr/>
       </dsp:nvSpPr>
       <dsp:spPr>
         <a:xfrm>
-          <a:off x="0" y="1895371"/>
-          <a:ext cx="5131176" cy="618294"/>
+          <a:off x="0" y="1846749"/>
+          <a:ext cx="7134315" cy="524160"/>
         </a:xfrm>
         <a:prstGeom prst="roundRect">
           <a:avLst/>
         </a:prstGeom>
         <a:solidFill>
-          <a:schemeClr val="accent1">
+          <a:srgbClr val="A53010">
             <a:hueOff val="0"/>
             <a:satOff val="0"/>
             <a:lumOff val="0"/>
             <a:alphaOff val="0"/>
-          </a:schemeClr>
+          </a:srgbClr>
         </a:solidFill>
         <a:ln w="15875" cap="rnd" cmpd="sng" algn="ctr">
           <a:solidFill>
-            <a:schemeClr val="lt1">
+            <a:prstClr val="white">
               <a:hueOff val="0"/>
               <a:satOff val="0"/>
               <a:lumOff val="0"/>
               <a:alphaOff val="0"/>
-            </a:schemeClr>
+            </a:prstClr>
           </a:solidFill>
           <a:prstDash val="solid"/>
         </a:ln>
@@ -4665,45 +4811,52 @@
             <a:buNone/>
           </a:pPr>
           <a:r>
-            <a:rPr lang="en-US" sz="1700" kern="1200" dirty="0"/>
-            <a:t>Performed Feature Analysis with Conv2D and MaxPooling2D Layers</a:t>
+            <a:rPr lang="en-US" sz="1700" kern="1200" dirty="0">
+              <a:solidFill>
+                <a:prstClr val="white"/>
+              </a:solidFill>
+              <a:latin typeface="Century Gothic" panose="020B0502020202020204"/>
+              <a:ea typeface="+mn-ea"/>
+              <a:cs typeface="+mn-cs"/>
+            </a:rPr>
+            <a:t>Experimented with number of photos</a:t>
           </a:r>
         </a:p>
       </dsp:txBody>
       <dsp:txXfrm>
-        <a:off x="30183" y="1925554"/>
-        <a:ext cx="5070810" cy="557928"/>
+        <a:off x="25587" y="1872336"/>
+        <a:ext cx="7083141" cy="472986"/>
       </dsp:txXfrm>
     </dsp:sp>
-    <dsp:sp modelId="{A9FED693-A99D-4A6A-A0F0-13DB2854A162}">
+    <dsp:sp modelId="{AEDE6E9E-72CC-4172-A169-666F37430EEF}">
       <dsp:nvSpPr>
         <dsp:cNvPr id="0" name=""/>
         <dsp:cNvSpPr/>
       </dsp:nvSpPr>
       <dsp:spPr>
         <a:xfrm>
-          <a:off x="0" y="2526786"/>
-          <a:ext cx="5131176" cy="618294"/>
+          <a:off x="0" y="2451549"/>
+          <a:ext cx="7134315" cy="524160"/>
         </a:xfrm>
         <a:prstGeom prst="roundRect">
           <a:avLst/>
         </a:prstGeom>
         <a:solidFill>
-          <a:schemeClr val="accent1">
+          <a:srgbClr val="A53010">
             <a:hueOff val="0"/>
             <a:satOff val="0"/>
             <a:lumOff val="0"/>
             <a:alphaOff val="0"/>
-          </a:schemeClr>
+          </a:srgbClr>
         </a:solidFill>
         <a:ln w="15875" cap="rnd" cmpd="sng" algn="ctr">
           <a:solidFill>
-            <a:schemeClr val="lt1">
+            <a:prstClr val="white">
               <a:hueOff val="0"/>
               <a:satOff val="0"/>
               <a:lumOff val="0"/>
               <a:alphaOff val="0"/>
-            </a:schemeClr>
+            </a:prstClr>
           </a:solidFill>
           <a:prstDash val="solid"/>
         </a:ln>
@@ -4742,45 +4895,52 @@
             <a:buNone/>
           </a:pPr>
           <a:r>
-            <a:rPr lang="en-US" sz="1700" kern="1200" dirty="0"/>
-            <a:t>Flattened into 1D and Ran Through Dense Layer</a:t>
+            <a:rPr lang="en-US" sz="1700" kern="1200" dirty="0">
+              <a:solidFill>
+                <a:prstClr val="white"/>
+              </a:solidFill>
+              <a:latin typeface="Century Gothic" panose="020B0502020202020204"/>
+              <a:ea typeface="+mn-ea"/>
+              <a:cs typeface="+mn-cs"/>
+            </a:rPr>
+            <a:t>Ran model with various epochs</a:t>
           </a:r>
         </a:p>
       </dsp:txBody>
       <dsp:txXfrm>
-        <a:off x="30183" y="2556969"/>
-        <a:ext cx="5070810" cy="557928"/>
+        <a:off x="25587" y="2477136"/>
+        <a:ext cx="7083141" cy="472986"/>
       </dsp:txXfrm>
     </dsp:sp>
-    <dsp:sp modelId="{02D43881-500F-4308-B993-48DDC6B63F90}">
+    <dsp:sp modelId="{3318D8FF-73CE-4B54-9326-430653516326}">
       <dsp:nvSpPr>
         <dsp:cNvPr id="0" name=""/>
         <dsp:cNvSpPr/>
       </dsp:nvSpPr>
       <dsp:spPr>
         <a:xfrm>
-          <a:off x="0" y="3158201"/>
-          <a:ext cx="5131176" cy="618294"/>
+          <a:off x="0" y="3056349"/>
+          <a:ext cx="7134315" cy="524160"/>
         </a:xfrm>
         <a:prstGeom prst="roundRect">
           <a:avLst/>
         </a:prstGeom>
         <a:solidFill>
-          <a:schemeClr val="accent1">
+          <a:srgbClr val="A53010">
             <a:hueOff val="0"/>
             <a:satOff val="0"/>
             <a:lumOff val="0"/>
             <a:alphaOff val="0"/>
-          </a:schemeClr>
+          </a:srgbClr>
         </a:solidFill>
         <a:ln w="15875" cap="rnd" cmpd="sng" algn="ctr">
           <a:solidFill>
-            <a:schemeClr val="lt1">
+            <a:prstClr val="white">
               <a:hueOff val="0"/>
               <a:satOff val="0"/>
               <a:lumOff val="0"/>
               <a:alphaOff val="0"/>
-            </a:schemeClr>
+            </a:prstClr>
           </a:solidFill>
           <a:prstDash val="solid"/>
         </a:ln>
@@ -4819,14 +4979,21 @@
             <a:buNone/>
           </a:pPr>
           <a:r>
-            <a:rPr lang="en-US" sz="1700" kern="1200" dirty="0"/>
-            <a:t>Created Output with Bird Probabilities</a:t>
+            <a:rPr lang="en-US" sz="1700" kern="1200" dirty="0">
+              <a:solidFill>
+                <a:prstClr val="white"/>
+              </a:solidFill>
+              <a:latin typeface="Century Gothic" panose="020B0502020202020204"/>
+              <a:ea typeface="+mn-ea"/>
+              <a:cs typeface="+mn-cs"/>
+            </a:rPr>
+            <a:t>Added/Removed Numerous Layers</a:t>
           </a:r>
         </a:p>
       </dsp:txBody>
       <dsp:txXfrm>
-        <a:off x="30183" y="3188384"/>
-        <a:ext cx="5070810" cy="557928"/>
+        <a:off x="25587" y="3081936"/>
+        <a:ext cx="7083141" cy="472986"/>
       </dsp:txXfrm>
     </dsp:sp>
   </dsp:spTree>
@@ -8535,6 +8702,613 @@
 </dgm:styleDef>
 </file>
 
+<file path=ppt/notesMasters/notesMaster1.xml><?xml version="1.0" encoding="utf-8"?>
+<p:notesMaster xmlns:a="http://schemas.openxmlformats.org/drawingml/2006/main" xmlns:r="http://schemas.openxmlformats.org/officeDocument/2006/relationships" xmlns:p="http://schemas.openxmlformats.org/presentationml/2006/main">
+  <p:cSld>
+    <p:bg>
+      <p:bgRef idx="1001">
+        <a:schemeClr val="bg1"/>
+      </p:bgRef>
+    </p:bg>
+    <p:spTree>
+      <p:nvGrpSpPr>
+        <p:cNvPr id="1" name=""/>
+        <p:cNvGrpSpPr/>
+        <p:nvPr/>
+      </p:nvGrpSpPr>
+      <p:grpSpPr>
+        <a:xfrm>
+          <a:off x="0" y="0"/>
+          <a:ext cx="0" cy="0"/>
+          <a:chOff x="0" y="0"/>
+          <a:chExt cx="0" cy="0"/>
+        </a:xfrm>
+      </p:grpSpPr>
+      <p:sp>
+        <p:nvSpPr>
+          <p:cNvPr id="2" name="Header Placeholder 1"/>
+          <p:cNvSpPr>
+            <a:spLocks noGrp="1"/>
+          </p:cNvSpPr>
+          <p:nvPr>
+            <p:ph type="hdr" sz="quarter"/>
+          </p:nvPr>
+        </p:nvSpPr>
+        <p:spPr>
+          <a:xfrm>
+            <a:off x="0" y="0"/>
+            <a:ext cx="2971800" cy="458788"/>
+          </a:xfrm>
+          <a:prstGeom prst="rect">
+            <a:avLst/>
+          </a:prstGeom>
+        </p:spPr>
+        <p:txBody>
+          <a:bodyPr vert="horz" lIns="91440" tIns="45720" rIns="91440" bIns="45720" rtlCol="0"/>
+          <a:lstStyle>
+            <a:lvl1pPr algn="l">
+              <a:defRPr sz="1200"/>
+            </a:lvl1pPr>
+          </a:lstStyle>
+          <a:p>
+            <a:endParaRPr lang="en-US"/>
+          </a:p>
+        </p:txBody>
+      </p:sp>
+      <p:sp>
+        <p:nvSpPr>
+          <p:cNvPr id="3" name="Date Placeholder 2"/>
+          <p:cNvSpPr>
+            <a:spLocks noGrp="1"/>
+          </p:cNvSpPr>
+          <p:nvPr>
+            <p:ph type="dt" idx="1"/>
+          </p:nvPr>
+        </p:nvSpPr>
+        <p:spPr>
+          <a:xfrm>
+            <a:off x="3884613" y="0"/>
+            <a:ext cx="2971800" cy="458788"/>
+          </a:xfrm>
+          <a:prstGeom prst="rect">
+            <a:avLst/>
+          </a:prstGeom>
+        </p:spPr>
+        <p:txBody>
+          <a:bodyPr vert="horz" lIns="91440" tIns="45720" rIns="91440" bIns="45720" rtlCol="0"/>
+          <a:lstStyle>
+            <a:lvl1pPr algn="r">
+              <a:defRPr sz="1200"/>
+            </a:lvl1pPr>
+          </a:lstStyle>
+          <a:p>
+            <a:fld id="{ED86701B-BCCE-42F4-9F3E-0CAF7750F942}" type="datetimeFigureOut">
+              <a:rPr lang="en-US" smtClean="0"/>
+              <a:t>2/21/2023</a:t>
+            </a:fld>
+            <a:endParaRPr lang="en-US"/>
+          </a:p>
+        </p:txBody>
+      </p:sp>
+      <p:sp>
+        <p:nvSpPr>
+          <p:cNvPr id="4" name="Slide Image Placeholder 3"/>
+          <p:cNvSpPr>
+            <a:spLocks noGrp="1" noRot="1" noChangeAspect="1"/>
+          </p:cNvSpPr>
+          <p:nvPr>
+            <p:ph type="sldImg" idx="2"/>
+          </p:nvPr>
+        </p:nvSpPr>
+        <p:spPr>
+          <a:xfrm>
+            <a:off x="685800" y="1143000"/>
+            <a:ext cx="5486400" cy="3086100"/>
+          </a:xfrm>
+          <a:prstGeom prst="rect">
+            <a:avLst/>
+          </a:prstGeom>
+          <a:noFill/>
+          <a:ln w="12700">
+            <a:solidFill>
+              <a:prstClr val="black"/>
+            </a:solidFill>
+          </a:ln>
+        </p:spPr>
+        <p:txBody>
+          <a:bodyPr vert="horz" lIns="91440" tIns="45720" rIns="91440" bIns="45720" rtlCol="0" anchor="ctr"/>
+          <a:lstStyle/>
+          <a:p>
+            <a:endParaRPr lang="en-US"/>
+          </a:p>
+        </p:txBody>
+      </p:sp>
+      <p:sp>
+        <p:nvSpPr>
+          <p:cNvPr id="5" name="Notes Placeholder 4"/>
+          <p:cNvSpPr>
+            <a:spLocks noGrp="1"/>
+          </p:cNvSpPr>
+          <p:nvPr>
+            <p:ph type="body" sz="quarter" idx="3"/>
+          </p:nvPr>
+        </p:nvSpPr>
+        <p:spPr>
+          <a:xfrm>
+            <a:off x="685800" y="4400550"/>
+            <a:ext cx="5486400" cy="3600450"/>
+          </a:xfrm>
+          <a:prstGeom prst="rect">
+            <a:avLst/>
+          </a:prstGeom>
+        </p:spPr>
+        <p:txBody>
+          <a:bodyPr vert="horz" lIns="91440" tIns="45720" rIns="91440" bIns="45720" rtlCol="0"/>
+          <a:lstStyle/>
+          <a:p>
+            <a:pPr lvl="0"/>
+            <a:r>
+              <a:rPr lang="en-US"/>
+              <a:t>Click to edit Master text styles</a:t>
+            </a:r>
+          </a:p>
+          <a:p>
+            <a:pPr lvl="1"/>
+            <a:r>
+              <a:rPr lang="en-US"/>
+              <a:t>Second level</a:t>
+            </a:r>
+          </a:p>
+          <a:p>
+            <a:pPr lvl="2"/>
+            <a:r>
+              <a:rPr lang="en-US"/>
+              <a:t>Third level</a:t>
+            </a:r>
+          </a:p>
+          <a:p>
+            <a:pPr lvl="3"/>
+            <a:r>
+              <a:rPr lang="en-US"/>
+              <a:t>Fourth level</a:t>
+            </a:r>
+          </a:p>
+          <a:p>
+            <a:pPr lvl="4"/>
+            <a:r>
+              <a:rPr lang="en-US"/>
+              <a:t>Fifth level</a:t>
+            </a:r>
+          </a:p>
+        </p:txBody>
+      </p:sp>
+      <p:sp>
+        <p:nvSpPr>
+          <p:cNvPr id="6" name="Footer Placeholder 5"/>
+          <p:cNvSpPr>
+            <a:spLocks noGrp="1"/>
+          </p:cNvSpPr>
+          <p:nvPr>
+            <p:ph type="ftr" sz="quarter" idx="4"/>
+          </p:nvPr>
+        </p:nvSpPr>
+        <p:spPr>
+          <a:xfrm>
+            <a:off x="0" y="8685213"/>
+            <a:ext cx="2971800" cy="458787"/>
+          </a:xfrm>
+          <a:prstGeom prst="rect">
+            <a:avLst/>
+          </a:prstGeom>
+        </p:spPr>
+        <p:txBody>
+          <a:bodyPr vert="horz" lIns="91440" tIns="45720" rIns="91440" bIns="45720" rtlCol="0" anchor="b"/>
+          <a:lstStyle>
+            <a:lvl1pPr algn="l">
+              <a:defRPr sz="1200"/>
+            </a:lvl1pPr>
+          </a:lstStyle>
+          <a:p>
+            <a:endParaRPr lang="en-US"/>
+          </a:p>
+        </p:txBody>
+      </p:sp>
+      <p:sp>
+        <p:nvSpPr>
+          <p:cNvPr id="7" name="Slide Number Placeholder 6"/>
+          <p:cNvSpPr>
+            <a:spLocks noGrp="1"/>
+          </p:cNvSpPr>
+          <p:nvPr>
+            <p:ph type="sldNum" sz="quarter" idx="5"/>
+          </p:nvPr>
+        </p:nvSpPr>
+        <p:spPr>
+          <a:xfrm>
+            <a:off x="3884613" y="8685213"/>
+            <a:ext cx="2971800" cy="458787"/>
+          </a:xfrm>
+          <a:prstGeom prst="rect">
+            <a:avLst/>
+          </a:prstGeom>
+        </p:spPr>
+        <p:txBody>
+          <a:bodyPr vert="horz" lIns="91440" tIns="45720" rIns="91440" bIns="45720" rtlCol="0" anchor="b"/>
+          <a:lstStyle>
+            <a:lvl1pPr algn="r">
+              <a:defRPr sz="1200"/>
+            </a:lvl1pPr>
+          </a:lstStyle>
+          <a:p>
+            <a:fld id="{C1EDBEC8-0561-4300-9257-46C53E6F00C1}" type="slidenum">
+              <a:rPr lang="en-US" smtClean="0"/>
+              <a:t>‹#›</a:t>
+            </a:fld>
+            <a:endParaRPr lang="en-US"/>
+          </a:p>
+        </p:txBody>
+      </p:sp>
+    </p:spTree>
+    <p:extLst>
+      <p:ext uri="{BB962C8B-B14F-4D97-AF65-F5344CB8AC3E}">
+        <p14:creationId xmlns:p14="http://schemas.microsoft.com/office/powerpoint/2010/main" val="2310928948"/>
+      </p:ext>
+    </p:extLst>
+  </p:cSld>
+  <p:clrMap bg1="lt1" tx1="dk1" bg2="lt2" tx2="dk2" accent1="accent1" accent2="accent2" accent3="accent3" accent4="accent4" accent5="accent5" accent6="accent6" hlink="hlink" folHlink="folHlink"/>
+  <p:notesStyle>
+    <a:lvl1pPr marL="0" algn="l" defTabSz="914400" rtl="0" eaLnBrk="1" latinLnBrk="0" hangingPunct="1">
+      <a:defRPr sz="1200" kern="1200">
+        <a:solidFill>
+          <a:schemeClr val="tx1"/>
+        </a:solidFill>
+        <a:latin typeface="+mn-lt"/>
+        <a:ea typeface="+mn-ea"/>
+        <a:cs typeface="+mn-cs"/>
+      </a:defRPr>
+    </a:lvl1pPr>
+    <a:lvl2pPr marL="457200" algn="l" defTabSz="914400" rtl="0" eaLnBrk="1" latinLnBrk="0" hangingPunct="1">
+      <a:defRPr sz="1200" kern="1200">
+        <a:solidFill>
+          <a:schemeClr val="tx1"/>
+        </a:solidFill>
+        <a:latin typeface="+mn-lt"/>
+        <a:ea typeface="+mn-ea"/>
+        <a:cs typeface="+mn-cs"/>
+      </a:defRPr>
+    </a:lvl2pPr>
+    <a:lvl3pPr marL="914400" algn="l" defTabSz="914400" rtl="0" eaLnBrk="1" latinLnBrk="0" hangingPunct="1">
+      <a:defRPr sz="1200" kern="1200">
+        <a:solidFill>
+          <a:schemeClr val="tx1"/>
+        </a:solidFill>
+        <a:latin typeface="+mn-lt"/>
+        <a:ea typeface="+mn-ea"/>
+        <a:cs typeface="+mn-cs"/>
+      </a:defRPr>
+    </a:lvl3pPr>
+    <a:lvl4pPr marL="1371600" algn="l" defTabSz="914400" rtl="0" eaLnBrk="1" latinLnBrk="0" hangingPunct="1">
+      <a:defRPr sz="1200" kern="1200">
+        <a:solidFill>
+          <a:schemeClr val="tx1"/>
+        </a:solidFill>
+        <a:latin typeface="+mn-lt"/>
+        <a:ea typeface="+mn-ea"/>
+        <a:cs typeface="+mn-cs"/>
+      </a:defRPr>
+    </a:lvl4pPr>
+    <a:lvl5pPr marL="1828800" algn="l" defTabSz="914400" rtl="0" eaLnBrk="1" latinLnBrk="0" hangingPunct="1">
+      <a:defRPr sz="1200" kern="1200">
+        <a:solidFill>
+          <a:schemeClr val="tx1"/>
+        </a:solidFill>
+        <a:latin typeface="+mn-lt"/>
+        <a:ea typeface="+mn-ea"/>
+        <a:cs typeface="+mn-cs"/>
+      </a:defRPr>
+    </a:lvl5pPr>
+    <a:lvl6pPr marL="2286000" algn="l" defTabSz="914400" rtl="0" eaLnBrk="1" latinLnBrk="0" hangingPunct="1">
+      <a:defRPr sz="1200" kern="1200">
+        <a:solidFill>
+          <a:schemeClr val="tx1"/>
+        </a:solidFill>
+        <a:latin typeface="+mn-lt"/>
+        <a:ea typeface="+mn-ea"/>
+        <a:cs typeface="+mn-cs"/>
+      </a:defRPr>
+    </a:lvl6pPr>
+    <a:lvl7pPr marL="2743200" algn="l" defTabSz="914400" rtl="0" eaLnBrk="1" latinLnBrk="0" hangingPunct="1">
+      <a:defRPr sz="1200" kern="1200">
+        <a:solidFill>
+          <a:schemeClr val="tx1"/>
+        </a:solidFill>
+        <a:latin typeface="+mn-lt"/>
+        <a:ea typeface="+mn-ea"/>
+        <a:cs typeface="+mn-cs"/>
+      </a:defRPr>
+    </a:lvl7pPr>
+    <a:lvl8pPr marL="3200400" algn="l" defTabSz="914400" rtl="0" eaLnBrk="1" latinLnBrk="0" hangingPunct="1">
+      <a:defRPr sz="1200" kern="1200">
+        <a:solidFill>
+          <a:schemeClr val="tx1"/>
+        </a:solidFill>
+        <a:latin typeface="+mn-lt"/>
+        <a:ea typeface="+mn-ea"/>
+        <a:cs typeface="+mn-cs"/>
+      </a:defRPr>
+    </a:lvl8pPr>
+    <a:lvl9pPr marL="3657600" algn="l" defTabSz="914400" rtl="0" eaLnBrk="1" latinLnBrk="0" hangingPunct="1">
+      <a:defRPr sz="1200" kern="1200">
+        <a:solidFill>
+          <a:schemeClr val="tx1"/>
+        </a:solidFill>
+        <a:latin typeface="+mn-lt"/>
+        <a:ea typeface="+mn-ea"/>
+        <a:cs typeface="+mn-cs"/>
+      </a:defRPr>
+    </a:lvl9pPr>
+  </p:notesStyle>
+</p:notesMaster>
+</file>
+
+<file path=ppt/notesSlides/notesSlide1.xml><?xml version="1.0" encoding="utf-8"?>
+<p:notes xmlns:a="http://schemas.openxmlformats.org/drawingml/2006/main" xmlns:r="http://schemas.openxmlformats.org/officeDocument/2006/relationships" xmlns:p="http://schemas.openxmlformats.org/presentationml/2006/main">
+  <p:cSld>
+    <p:spTree>
+      <p:nvGrpSpPr>
+        <p:cNvPr id="1" name=""/>
+        <p:cNvGrpSpPr/>
+        <p:nvPr/>
+      </p:nvGrpSpPr>
+      <p:grpSpPr>
+        <a:xfrm>
+          <a:off x="0" y="0"/>
+          <a:ext cx="0" cy="0"/>
+          <a:chOff x="0" y="0"/>
+          <a:chExt cx="0" cy="0"/>
+        </a:xfrm>
+      </p:grpSpPr>
+      <p:sp>
+        <p:nvSpPr>
+          <p:cNvPr id="2" name="Slide Image Placeholder 1"/>
+          <p:cNvSpPr>
+            <a:spLocks noGrp="1" noRot="1" noChangeAspect="1"/>
+          </p:cNvSpPr>
+          <p:nvPr>
+            <p:ph type="sldImg"/>
+          </p:nvPr>
+        </p:nvSpPr>
+        <p:spPr/>
+      </p:sp>
+      <p:sp>
+        <p:nvSpPr>
+          <p:cNvPr id="3" name="Notes Placeholder 2"/>
+          <p:cNvSpPr>
+            <a:spLocks noGrp="1"/>
+          </p:cNvSpPr>
+          <p:nvPr>
+            <p:ph type="body" idx="1"/>
+          </p:nvPr>
+        </p:nvSpPr>
+        <p:spPr/>
+        <p:txBody>
+          <a:bodyPr/>
+          <a:lstStyle/>
+          <a:p>
+            <a:endParaRPr lang="en-US" dirty="0"/>
+          </a:p>
+        </p:txBody>
+      </p:sp>
+      <p:sp>
+        <p:nvSpPr>
+          <p:cNvPr id="4" name="Slide Number Placeholder 3"/>
+          <p:cNvSpPr>
+            <a:spLocks noGrp="1"/>
+          </p:cNvSpPr>
+          <p:nvPr>
+            <p:ph type="sldNum" sz="quarter" idx="5"/>
+          </p:nvPr>
+        </p:nvSpPr>
+        <p:spPr/>
+        <p:txBody>
+          <a:bodyPr/>
+          <a:lstStyle/>
+          <a:p>
+            <a:fld id="{C1EDBEC8-0561-4300-9257-46C53E6F00C1}" type="slidenum">
+              <a:rPr lang="en-US" smtClean="0"/>
+              <a:t>4</a:t>
+            </a:fld>
+            <a:endParaRPr lang="en-US"/>
+          </a:p>
+        </p:txBody>
+      </p:sp>
+    </p:spTree>
+    <p:extLst>
+      <p:ext uri="{BB962C8B-B14F-4D97-AF65-F5344CB8AC3E}">
+        <p14:creationId xmlns:p14="http://schemas.microsoft.com/office/powerpoint/2010/main" val="778191678"/>
+      </p:ext>
+    </p:extLst>
+  </p:cSld>
+  <p:clrMapOvr>
+    <a:masterClrMapping/>
+  </p:clrMapOvr>
+</p:notes>
+</file>
+
+<file path=ppt/notesSlides/notesSlide2.xml><?xml version="1.0" encoding="utf-8"?>
+<p:notes xmlns:a="http://schemas.openxmlformats.org/drawingml/2006/main" xmlns:r="http://schemas.openxmlformats.org/officeDocument/2006/relationships" xmlns:p="http://schemas.openxmlformats.org/presentationml/2006/main">
+  <p:cSld>
+    <p:spTree>
+      <p:nvGrpSpPr>
+        <p:cNvPr id="1" name=""/>
+        <p:cNvGrpSpPr/>
+        <p:nvPr/>
+      </p:nvGrpSpPr>
+      <p:grpSpPr>
+        <a:xfrm>
+          <a:off x="0" y="0"/>
+          <a:ext cx="0" cy="0"/>
+          <a:chOff x="0" y="0"/>
+          <a:chExt cx="0" cy="0"/>
+        </a:xfrm>
+      </p:grpSpPr>
+      <p:sp>
+        <p:nvSpPr>
+          <p:cNvPr id="2" name="Slide Image Placeholder 1"/>
+          <p:cNvSpPr>
+            <a:spLocks noGrp="1" noRot="1" noChangeAspect="1"/>
+          </p:cNvSpPr>
+          <p:nvPr>
+            <p:ph type="sldImg"/>
+          </p:nvPr>
+        </p:nvSpPr>
+        <p:spPr/>
+      </p:sp>
+      <p:sp>
+        <p:nvSpPr>
+          <p:cNvPr id="3" name="Notes Placeholder 2"/>
+          <p:cNvSpPr>
+            <a:spLocks noGrp="1"/>
+          </p:cNvSpPr>
+          <p:nvPr>
+            <p:ph type="body" idx="1"/>
+          </p:nvPr>
+        </p:nvSpPr>
+        <p:spPr/>
+        <p:txBody>
+          <a:bodyPr/>
+          <a:lstStyle/>
+          <a:p>
+            <a:endParaRPr lang="en-US" dirty="0"/>
+          </a:p>
+        </p:txBody>
+      </p:sp>
+      <p:sp>
+        <p:nvSpPr>
+          <p:cNvPr id="4" name="Slide Number Placeholder 3"/>
+          <p:cNvSpPr>
+            <a:spLocks noGrp="1"/>
+          </p:cNvSpPr>
+          <p:nvPr>
+            <p:ph type="sldNum" sz="quarter" idx="5"/>
+          </p:nvPr>
+        </p:nvSpPr>
+        <p:spPr/>
+        <p:txBody>
+          <a:bodyPr/>
+          <a:lstStyle/>
+          <a:p>
+            <a:fld id="{C1EDBEC8-0561-4300-9257-46C53E6F00C1}" type="slidenum">
+              <a:rPr lang="en-US" smtClean="0"/>
+              <a:t>5</a:t>
+            </a:fld>
+            <a:endParaRPr lang="en-US"/>
+          </a:p>
+        </p:txBody>
+      </p:sp>
+    </p:spTree>
+    <p:extLst>
+      <p:ext uri="{BB962C8B-B14F-4D97-AF65-F5344CB8AC3E}">
+        <p14:creationId xmlns:p14="http://schemas.microsoft.com/office/powerpoint/2010/main" val="2921057471"/>
+      </p:ext>
+    </p:extLst>
+  </p:cSld>
+  <p:clrMapOvr>
+    <a:masterClrMapping/>
+  </p:clrMapOvr>
+</p:notes>
+</file>
+
+<file path=ppt/notesSlides/notesSlide3.xml><?xml version="1.0" encoding="utf-8"?>
+<p:notes xmlns:a="http://schemas.openxmlformats.org/drawingml/2006/main" xmlns:r="http://schemas.openxmlformats.org/officeDocument/2006/relationships" xmlns:p="http://schemas.openxmlformats.org/presentationml/2006/main">
+  <p:cSld>
+    <p:spTree>
+      <p:nvGrpSpPr>
+        <p:cNvPr id="1" name=""/>
+        <p:cNvGrpSpPr/>
+        <p:nvPr/>
+      </p:nvGrpSpPr>
+      <p:grpSpPr>
+        <a:xfrm>
+          <a:off x="0" y="0"/>
+          <a:ext cx="0" cy="0"/>
+          <a:chOff x="0" y="0"/>
+          <a:chExt cx="0" cy="0"/>
+        </a:xfrm>
+      </p:grpSpPr>
+      <p:sp>
+        <p:nvSpPr>
+          <p:cNvPr id="2" name="Slide Image Placeholder 1"/>
+          <p:cNvSpPr>
+            <a:spLocks noGrp="1" noRot="1" noChangeAspect="1"/>
+          </p:cNvSpPr>
+          <p:nvPr>
+            <p:ph type="sldImg"/>
+          </p:nvPr>
+        </p:nvSpPr>
+        <p:spPr/>
+      </p:sp>
+      <p:sp>
+        <p:nvSpPr>
+          <p:cNvPr id="3" name="Notes Placeholder 2"/>
+          <p:cNvSpPr>
+            <a:spLocks noGrp="1"/>
+          </p:cNvSpPr>
+          <p:nvPr>
+            <p:ph type="body" idx="1"/>
+          </p:nvPr>
+        </p:nvSpPr>
+        <p:spPr/>
+        <p:txBody>
+          <a:bodyPr/>
+          <a:lstStyle/>
+          <a:p>
+            <a:r>
+              <a:rPr lang="en-US" dirty="0"/>
+              <a:t>To visualize the model accuracy, we are able to look at the data in the validation data set and add a color to the label to advise whether the bird was accurately identified. </a:t>
+            </a:r>
+          </a:p>
+          <a:p>
+            <a:endParaRPr lang="en-US" dirty="0"/>
+          </a:p>
+        </p:txBody>
+      </p:sp>
+      <p:sp>
+        <p:nvSpPr>
+          <p:cNvPr id="4" name="Slide Number Placeholder 3"/>
+          <p:cNvSpPr>
+            <a:spLocks noGrp="1"/>
+          </p:cNvSpPr>
+          <p:nvPr>
+            <p:ph type="sldNum" sz="quarter" idx="5"/>
+          </p:nvPr>
+        </p:nvSpPr>
+        <p:spPr/>
+        <p:txBody>
+          <a:bodyPr/>
+          <a:lstStyle/>
+          <a:p>
+            <a:fld id="{C1EDBEC8-0561-4300-9257-46C53E6F00C1}" type="slidenum">
+              <a:rPr lang="en-US" smtClean="0"/>
+              <a:t>6</a:t>
+            </a:fld>
+            <a:endParaRPr lang="en-US"/>
+          </a:p>
+        </p:txBody>
+      </p:sp>
+    </p:spTree>
+    <p:extLst>
+      <p:ext uri="{BB962C8B-B14F-4D97-AF65-F5344CB8AC3E}">
+        <p14:creationId xmlns:p14="http://schemas.microsoft.com/office/powerpoint/2010/main" val="1020727028"/>
+      </p:ext>
+    </p:extLst>
+  </p:cSld>
+  <p:clrMapOvr>
+    <a:masterClrMapping/>
+  </p:clrMapOvr>
+</p:notes>
+</file>
+
 <file path=ppt/slideLayouts/slideLayout1.xml><?xml version="1.0" encoding="utf-8"?>
 <p:sldLayout xmlns:a="http://schemas.openxmlformats.org/drawingml/2006/main" xmlns:r="http://schemas.openxmlformats.org/officeDocument/2006/relationships" xmlns:p="http://schemas.openxmlformats.org/presentationml/2006/main" type="title" preserve="1">
   <p:cSld name="Title Slide">
@@ -8721,7 +9495,7 @@
           <a:bodyPr/>
           <a:lstStyle/>
           <a:p>
-            <a:fld id="{CCB3CE20-769C-48A4-A90E-395B11202C2B}" type="datetimeFigureOut">
+            <a:fld id="{0410D99D-7374-46DE-A3AB-D91B152DD3F5}" type="datetime1">
               <a:rPr lang="en-US" smtClean="0"/>
               <a:t>2/21/2023</a:t>
             </a:fld>
@@ -9059,7 +9833,7 @@
           <a:bodyPr/>
           <a:lstStyle/>
           <a:p>
-            <a:fld id="{CCB3CE20-769C-48A4-A90E-395B11202C2B}" type="datetimeFigureOut">
+            <a:fld id="{F282FC8B-5EBD-4CA2-A492-A02D0A630F63}" type="datetime1">
               <a:rPr lang="en-US" smtClean="0"/>
               <a:t>2/21/2023</a:t>
             </a:fld>
@@ -9460,7 +10234,7 @@
           <a:bodyPr/>
           <a:lstStyle/>
           <a:p>
-            <a:fld id="{CCB3CE20-769C-48A4-A90E-395B11202C2B}" type="datetimeFigureOut">
+            <a:fld id="{2CF8AB61-3C84-4626-BAC6-1D1DB798A1C3}" type="datetime1">
               <a:rPr lang="en-US" smtClean="0"/>
               <a:t>2/21/2023</a:t>
             </a:fld>
@@ -9796,7 +10570,7 @@
           <a:bodyPr/>
           <a:lstStyle/>
           <a:p>
-            <a:fld id="{CCB3CE20-769C-48A4-A90E-395B11202C2B}" type="datetimeFigureOut">
+            <a:fld id="{ED97D1FE-771B-4C37-AEED-F989CE52792B}" type="datetime1">
               <a:rPr lang="en-US" smtClean="0"/>
               <a:t>2/21/2023</a:t>
             </a:fld>
@@ -10116,7 +10890,7 @@
           <a:bodyPr/>
           <a:lstStyle/>
           <a:p>
-            <a:fld id="{CCB3CE20-769C-48A4-A90E-395B11202C2B}" type="datetimeFigureOut">
+            <a:fld id="{EAF25E74-6FE3-46BD-BDE3-392BD3BC5162}" type="datetime1">
               <a:rPr lang="en-US" smtClean="0"/>
               <a:t>2/21/2023</a:t>
             </a:fld>
@@ -10512,7 +11286,7 @@
           <a:bodyPr/>
           <a:lstStyle/>
           <a:p>
-            <a:fld id="{CCB3CE20-769C-48A4-A90E-395B11202C2B}" type="datetimeFigureOut">
+            <a:fld id="{C4D318F5-633F-4782-AC16-82EB74CC2E19}" type="datetime1">
               <a:rPr lang="en-US" smtClean="0"/>
               <a:t>2/21/2023</a:t>
             </a:fld>
@@ -10769,7 +11543,7 @@
           <a:bodyPr/>
           <a:lstStyle/>
           <a:p>
-            <a:fld id="{CCB3CE20-769C-48A4-A90E-395B11202C2B}" type="datetimeFigureOut">
+            <a:fld id="{75AB8AB9-7B9D-45E8-A30F-77CB66E7E42E}" type="datetime1">
               <a:rPr lang="en-US" smtClean="0"/>
               <a:t>2/21/2023</a:t>
             </a:fld>
@@ -11031,7 +11805,7 @@
           <a:bodyPr/>
           <a:lstStyle/>
           <a:p>
-            <a:fld id="{CCB3CE20-769C-48A4-A90E-395B11202C2B}" type="datetimeFigureOut">
+            <a:fld id="{01AF636B-940A-42DD-A119-51C23C767012}" type="datetime1">
               <a:rPr lang="en-US" smtClean="0"/>
               <a:t>2/21/2023</a:t>
             </a:fld>
@@ -11293,7 +12067,7 @@
           <a:bodyPr/>
           <a:lstStyle/>
           <a:p>
-            <a:fld id="{CCB3CE20-769C-48A4-A90E-395B11202C2B}" type="datetimeFigureOut">
+            <a:fld id="{D15B31F4-5D5E-4390-865F-C69B701442C4}" type="datetime1">
               <a:rPr lang="en-US" smtClean="0"/>
               <a:t>2/21/2023</a:t>
             </a:fld>
@@ -11622,7 +12396,7 @@
           <a:bodyPr/>
           <a:lstStyle/>
           <a:p>
-            <a:fld id="{CCB3CE20-769C-48A4-A90E-395B11202C2B}" type="datetimeFigureOut">
+            <a:fld id="{96CF7A89-15DB-455E-B211-6807D9C278EC}" type="datetime1">
               <a:rPr lang="en-US" smtClean="0"/>
               <a:t>2/21/2023</a:t>
             </a:fld>
@@ -11945,7 +12719,7 @@
           <a:bodyPr/>
           <a:lstStyle/>
           <a:p>
-            <a:fld id="{CCB3CE20-769C-48A4-A90E-395B11202C2B}" type="datetimeFigureOut">
+            <a:fld id="{A6BD62BC-88CD-49B1-A3B5-F19E0BB9675A}" type="datetime1">
               <a:rPr lang="en-US" smtClean="0"/>
               <a:t>2/21/2023</a:t>
             </a:fld>
@@ -12402,7 +13176,7 @@
           <a:bodyPr/>
           <a:lstStyle/>
           <a:p>
-            <a:fld id="{CCB3CE20-769C-48A4-A90E-395B11202C2B}" type="datetimeFigureOut">
+            <a:fld id="{D3FF0F1B-8BFC-44ED-8CF8-715D522236BE}" type="datetime1">
               <a:rPr lang="en-US" smtClean="0"/>
               <a:t>2/21/2023</a:t>
             </a:fld>
@@ -12607,7 +13381,7 @@
           <a:bodyPr/>
           <a:lstStyle/>
           <a:p>
-            <a:fld id="{CCB3CE20-769C-48A4-A90E-395B11202C2B}" type="datetimeFigureOut">
+            <a:fld id="{D7863C49-0B85-4FCB-8349-846117D5566E}" type="datetime1">
               <a:rPr lang="en-US" smtClean="0"/>
               <a:t>2/21/2023</a:t>
             </a:fld>
@@ -12784,7 +13558,7 @@
           <a:bodyPr/>
           <a:lstStyle/>
           <a:p>
-            <a:fld id="{CCB3CE20-769C-48A4-A90E-395B11202C2B}" type="datetimeFigureOut">
+            <a:fld id="{E2546377-D855-45DD-BF6E-F58E66D06A74}" type="datetime1">
               <a:rPr lang="en-US" smtClean="0"/>
               <a:t>2/21/2023</a:t>
             </a:fld>
@@ -13117,7 +13891,7 @@
           <a:bodyPr/>
           <a:lstStyle/>
           <a:p>
-            <a:fld id="{CCB3CE20-769C-48A4-A90E-395B11202C2B}" type="datetimeFigureOut">
+            <a:fld id="{8FCF4C27-C852-4F64-A5DF-08B659EDEDDB}" type="datetime1">
               <a:rPr lang="en-US" smtClean="0"/>
               <a:t>2/21/2023</a:t>
             </a:fld>
@@ -13462,7 +14236,7 @@
           <a:bodyPr/>
           <a:lstStyle/>
           <a:p>
-            <a:fld id="{CCB3CE20-769C-48A4-A90E-395B11202C2B}" type="datetimeFigureOut">
+            <a:fld id="{E156270E-3FCA-4195-9F60-FDC1881C0B06}" type="datetime1">
               <a:rPr lang="en-US" smtClean="0"/>
               <a:t>2/21/2023</a:t>
             </a:fld>
@@ -15579,7 +16353,7 @@
             </a:lvl1pPr>
           </a:lstStyle>
           <a:p>
-            <a:fld id="{CCB3CE20-769C-48A4-A90E-395B11202C2B}" type="datetimeFigureOut">
+            <a:fld id="{417D6BAF-96DF-4197-8091-FB5CB1AE4801}" type="datetime1">
               <a:rPr lang="en-US" smtClean="0"/>
               <a:t>2/21/2023</a:t>
             </a:fld>
@@ -15689,6 +16463,7 @@
     <p:sldLayoutId id="2147483687" r:id="rId15"/>
     <p:sldLayoutId id="2147483688" r:id="rId16"/>
   </p:sldLayoutIdLst>
+  <p:hf hdr="0" ftr="0" dt="0"/>
   <p:txStyles>
     <p:titleStyle>
       <a:lvl1pPr algn="l" defTabSz="457200" rtl="0" eaLnBrk="1" latinLnBrk="0" hangingPunct="1">
@@ -17657,10 +18432,349 @@
           </a:p>
         </p:txBody>
       </p:sp>
+      <p:sp>
+        <p:nvSpPr>
+          <p:cNvPr id="4" name="Slide Number Placeholder 3">
+            <a:extLst>
+              <a:ext uri="{FF2B5EF4-FFF2-40B4-BE49-F238E27FC236}">
+                <a16:creationId xmlns:a16="http://schemas.microsoft.com/office/drawing/2014/main" id="{1237839E-3477-D347-5F92-15CBB07217EA}"/>
+              </a:ext>
+            </a:extLst>
+          </p:cNvPr>
+          <p:cNvSpPr>
+            <a:spLocks noGrp="1"/>
+          </p:cNvSpPr>
+          <p:nvPr>
+            <p:ph type="sldNum" sz="quarter" idx="12"/>
+          </p:nvPr>
+        </p:nvSpPr>
+        <p:spPr/>
+        <p:txBody>
+          <a:bodyPr/>
+          <a:lstStyle/>
+          <a:p>
+            <a:fld id="{2A120735-B21E-42C6-8585-71FE977F8FDE}" type="slidenum">
+              <a:rPr lang="en-US" smtClean="0"/>
+              <a:t>1</a:t>
+            </a:fld>
+            <a:endParaRPr lang="en-US"/>
+          </a:p>
+        </p:txBody>
+      </p:sp>
     </p:spTree>
     <p:extLst>
       <p:ext uri="{BB962C8B-B14F-4D97-AF65-F5344CB8AC3E}">
         <p14:creationId xmlns:p14="http://schemas.microsoft.com/office/powerpoint/2010/main" val="4102343180"/>
+      </p:ext>
+    </p:extLst>
+  </p:cSld>
+  <p:clrMapOvr>
+    <a:masterClrMapping/>
+  </p:clrMapOvr>
+</p:sld>
+</file>
+
+<file path=ppt/slides/slide10.xml><?xml version="1.0" encoding="utf-8"?>
+<p:sld xmlns:a="http://schemas.openxmlformats.org/drawingml/2006/main" xmlns:r="http://schemas.openxmlformats.org/officeDocument/2006/relationships" xmlns:p="http://schemas.openxmlformats.org/presentationml/2006/main">
+  <p:cSld>
+    <p:spTree>
+      <p:nvGrpSpPr>
+        <p:cNvPr id="1" name=""/>
+        <p:cNvGrpSpPr/>
+        <p:nvPr/>
+      </p:nvGrpSpPr>
+      <p:grpSpPr>
+        <a:xfrm>
+          <a:off x="0" y="0"/>
+          <a:ext cx="0" cy="0"/>
+          <a:chOff x="0" y="0"/>
+          <a:chExt cx="0" cy="0"/>
+        </a:xfrm>
+      </p:grpSpPr>
+      <p:sp>
+        <p:nvSpPr>
+          <p:cNvPr id="7" name="AutoShape 2">
+            <a:extLst>
+              <a:ext uri="{FF2B5EF4-FFF2-40B4-BE49-F238E27FC236}">
+                <a16:creationId xmlns:a16="http://schemas.microsoft.com/office/drawing/2014/main" id="{90A13A62-B4AC-103C-3082-9DD64AA45B75}"/>
+              </a:ext>
+            </a:extLst>
+          </p:cNvPr>
+          <p:cNvSpPr>
+            <a:spLocks noChangeAspect="1" noChangeArrowheads="1"/>
+          </p:cNvSpPr>
+          <p:nvPr/>
+        </p:nvSpPr>
+        <p:spPr bwMode="auto">
+          <a:xfrm>
+            <a:off x="5943600" y="3276600"/>
+            <a:ext cx="304800" cy="304800"/>
+          </a:xfrm>
+          <a:prstGeom prst="rect">
+            <a:avLst/>
+          </a:prstGeom>
+          <a:noFill/>
+          <a:extLst>
+            <a:ext uri="{909E8E84-426E-40DD-AFC4-6F175D3DCCD1}">
+              <a14:hiddenFill xmlns:a14="http://schemas.microsoft.com/office/drawing/2010/main">
+                <a:solidFill>
+                  <a:srgbClr val="FFFFFF"/>
+                </a:solidFill>
+              </a14:hiddenFill>
+            </a:ext>
+          </a:extLst>
+        </p:spPr>
+        <p:txBody>
+          <a:bodyPr vert="horz" wrap="square" lIns="91440" tIns="45720" rIns="91440" bIns="45720" numCol="1" anchor="t" anchorCtr="0" compatLnSpc="1">
+            <a:prstTxWarp prst="textNoShape">
+              <a:avLst/>
+            </a:prstTxWarp>
+          </a:bodyPr>
+          <a:lstStyle/>
+          <a:p>
+            <a:endParaRPr lang="en-US"/>
+          </a:p>
+        </p:txBody>
+      </p:sp>
+      <p:sp>
+        <p:nvSpPr>
+          <p:cNvPr id="8" name="AutoShape 4">
+            <a:extLst>
+              <a:ext uri="{FF2B5EF4-FFF2-40B4-BE49-F238E27FC236}">
+                <a16:creationId xmlns:a16="http://schemas.microsoft.com/office/drawing/2014/main" id="{40CFA4D3-2753-6876-20A7-6AB6D83BB048}"/>
+              </a:ext>
+            </a:extLst>
+          </p:cNvPr>
+          <p:cNvSpPr>
+            <a:spLocks noGrp="1" noChangeAspect="1" noChangeArrowheads="1"/>
+          </p:cNvSpPr>
+          <p:nvPr>
+            <p:ph type="title"/>
+          </p:nvPr>
+        </p:nvSpPr>
+        <p:spPr bwMode="auto">
+          <a:prstGeom prst="rect">
+            <a:avLst/>
+          </a:prstGeom>
+          <a:noFill/>
+          <a:extLst>
+            <a:ext uri="{909E8E84-426E-40DD-AFC4-6F175D3DCCD1}">
+              <a14:hiddenFill xmlns:a14="http://schemas.microsoft.com/office/drawing/2010/main">
+                <a:solidFill>
+                  <a:srgbClr val="FFFFFF"/>
+                </a:solidFill>
+              </a14:hiddenFill>
+            </a:ext>
+          </a:extLst>
+        </p:spPr>
+        <p:txBody>
+          <a:bodyPr vert="horz" wrap="square" lIns="91440" tIns="45720" rIns="91440" bIns="45720" numCol="1" anchor="t" anchorCtr="0" compatLnSpc="1">
+            <a:prstTxWarp prst="textNoShape">
+              <a:avLst/>
+            </a:prstTxWarp>
+          </a:bodyPr>
+          <a:lstStyle/>
+          <a:p>
+            <a:r>
+              <a:rPr lang="en-US" dirty="0"/>
+              <a:t>Questions? </a:t>
+            </a:r>
+          </a:p>
+        </p:txBody>
+      </p:sp>
+      <p:pic>
+        <p:nvPicPr>
+          <p:cNvPr id="10" name="Picture 9">
+            <a:extLst>
+              <a:ext uri="{FF2B5EF4-FFF2-40B4-BE49-F238E27FC236}">
+                <a16:creationId xmlns:a16="http://schemas.microsoft.com/office/drawing/2014/main" id="{A35DE2E5-559E-3E51-704C-6AE9FA2B0740}"/>
+              </a:ext>
+            </a:extLst>
+          </p:cNvPr>
+          <p:cNvPicPr>
+            <a:picLocks noChangeAspect="1"/>
+          </p:cNvPicPr>
+          <p:nvPr/>
+        </p:nvPicPr>
+        <p:blipFill>
+          <a:blip r:embed="rId2"/>
+          <a:stretch>
+            <a:fillRect/>
+          </a:stretch>
+        </p:blipFill>
+        <p:spPr>
+          <a:xfrm>
+            <a:off x="5943600" y="863089"/>
+            <a:ext cx="3218576" cy="5436621"/>
+          </a:xfrm>
+          <a:prstGeom prst="rect">
+            <a:avLst/>
+          </a:prstGeom>
+        </p:spPr>
+      </p:pic>
+      <p:sp>
+        <p:nvSpPr>
+          <p:cNvPr id="2" name="Slide Number Placeholder 1">
+            <a:extLst>
+              <a:ext uri="{FF2B5EF4-FFF2-40B4-BE49-F238E27FC236}">
+                <a16:creationId xmlns:a16="http://schemas.microsoft.com/office/drawing/2014/main" id="{18F1027B-9435-AADA-21E5-AA3CA8F1DD1C}"/>
+              </a:ext>
+            </a:extLst>
+          </p:cNvPr>
+          <p:cNvSpPr>
+            <a:spLocks noGrp="1"/>
+          </p:cNvSpPr>
+          <p:nvPr>
+            <p:ph type="sldNum" sz="quarter" idx="12"/>
+          </p:nvPr>
+        </p:nvSpPr>
+        <p:spPr/>
+        <p:txBody>
+          <a:bodyPr/>
+          <a:lstStyle/>
+          <a:p>
+            <a:fld id="{2A120735-B21E-42C6-8585-71FE977F8FDE}" type="slidenum">
+              <a:rPr lang="en-US" smtClean="0"/>
+              <a:t>10</a:t>
+            </a:fld>
+            <a:endParaRPr lang="en-US"/>
+          </a:p>
+        </p:txBody>
+      </p:sp>
+    </p:spTree>
+    <p:extLst>
+      <p:ext uri="{BB962C8B-B14F-4D97-AF65-F5344CB8AC3E}">
+        <p14:creationId xmlns:p14="http://schemas.microsoft.com/office/powerpoint/2010/main" val="2878224073"/>
+      </p:ext>
+    </p:extLst>
+  </p:cSld>
+  <p:clrMapOvr>
+    <a:masterClrMapping/>
+  </p:clrMapOvr>
+</p:sld>
+</file>
+
+<file path=ppt/slides/slide11.xml><?xml version="1.0" encoding="utf-8"?>
+<p:sld xmlns:a="http://schemas.openxmlformats.org/drawingml/2006/main" xmlns:r="http://schemas.openxmlformats.org/officeDocument/2006/relationships" xmlns:p="http://schemas.openxmlformats.org/presentationml/2006/main" show="0">
+  <p:cSld>
+    <p:spTree>
+      <p:nvGrpSpPr>
+        <p:cNvPr id="1" name=""/>
+        <p:cNvGrpSpPr/>
+        <p:nvPr/>
+      </p:nvGrpSpPr>
+      <p:grpSpPr>
+        <a:xfrm>
+          <a:off x="0" y="0"/>
+          <a:ext cx="0" cy="0"/>
+          <a:chOff x="0" y="0"/>
+          <a:chExt cx="0" cy="0"/>
+        </a:xfrm>
+      </p:grpSpPr>
+      <p:sp>
+        <p:nvSpPr>
+          <p:cNvPr id="2" name="Title 1">
+            <a:extLst>
+              <a:ext uri="{FF2B5EF4-FFF2-40B4-BE49-F238E27FC236}">
+                <a16:creationId xmlns:a16="http://schemas.microsoft.com/office/drawing/2014/main" id="{BCC35BB0-5B42-8C7F-4C37-698FC09B3EED}"/>
+              </a:ext>
+            </a:extLst>
+          </p:cNvPr>
+          <p:cNvSpPr>
+            <a:spLocks noGrp="1"/>
+          </p:cNvSpPr>
+          <p:nvPr>
+            <p:ph type="title"/>
+          </p:nvPr>
+        </p:nvSpPr>
+        <p:spPr/>
+        <p:txBody>
+          <a:bodyPr/>
+          <a:lstStyle/>
+          <a:p>
+            <a:r>
+              <a:rPr lang="en-US" dirty="0"/>
+              <a:t>Challenge </a:t>
+            </a:r>
+          </a:p>
+        </p:txBody>
+      </p:sp>
+      <p:sp>
+        <p:nvSpPr>
+          <p:cNvPr id="3" name="Content Placeholder 2">
+            <a:extLst>
+              <a:ext uri="{FF2B5EF4-FFF2-40B4-BE49-F238E27FC236}">
+                <a16:creationId xmlns:a16="http://schemas.microsoft.com/office/drawing/2014/main" id="{8F807A89-8DC6-6CEA-2DFA-C71328352E75}"/>
+              </a:ext>
+            </a:extLst>
+          </p:cNvPr>
+          <p:cNvSpPr>
+            <a:spLocks noGrp="1"/>
+          </p:cNvSpPr>
+          <p:nvPr>
+            <p:ph idx="1"/>
+          </p:nvPr>
+        </p:nvSpPr>
+        <p:spPr/>
+        <p:txBody>
+          <a:bodyPr/>
+          <a:lstStyle/>
+          <a:p>
+            <a:r>
+              <a:rPr lang="en-US" dirty="0"/>
+              <a:t>Dataset from Flickr was not clean </a:t>
+            </a:r>
+          </a:p>
+          <a:p>
+            <a:r>
+              <a:rPr lang="en-US" dirty="0"/>
+              <a:t>Had to obtain more photos than what was used to train the model </a:t>
+            </a:r>
+          </a:p>
+          <a:p>
+            <a:r>
+              <a:rPr lang="en-US" dirty="0"/>
+              <a:t>Ran out of GPUs </a:t>
+            </a:r>
+          </a:p>
+          <a:p>
+            <a:endParaRPr lang="en-US" dirty="0"/>
+          </a:p>
+        </p:txBody>
+      </p:sp>
+      <p:sp>
+        <p:nvSpPr>
+          <p:cNvPr id="4" name="Slide Number Placeholder 3">
+            <a:extLst>
+              <a:ext uri="{FF2B5EF4-FFF2-40B4-BE49-F238E27FC236}">
+                <a16:creationId xmlns:a16="http://schemas.microsoft.com/office/drawing/2014/main" id="{72DB758C-725C-7890-A639-5C3E02AAE11F}"/>
+              </a:ext>
+            </a:extLst>
+          </p:cNvPr>
+          <p:cNvSpPr>
+            <a:spLocks noGrp="1"/>
+          </p:cNvSpPr>
+          <p:nvPr>
+            <p:ph type="sldNum" sz="quarter" idx="12"/>
+          </p:nvPr>
+        </p:nvSpPr>
+        <p:spPr/>
+        <p:txBody>
+          <a:bodyPr/>
+          <a:lstStyle/>
+          <a:p>
+            <a:fld id="{2A120735-B21E-42C6-8585-71FE977F8FDE}" type="slidenum">
+              <a:rPr lang="en-US" smtClean="0"/>
+              <a:t>11</a:t>
+            </a:fld>
+            <a:endParaRPr lang="en-US"/>
+          </a:p>
+        </p:txBody>
+      </p:sp>
+    </p:spTree>
+    <p:extLst>
+      <p:ext uri="{BB962C8B-B14F-4D97-AF65-F5344CB8AC3E}">
+        <p14:creationId xmlns:p14="http://schemas.microsoft.com/office/powerpoint/2010/main" val="3204904526"/>
       </p:ext>
     </p:extLst>
   </p:cSld>
@@ -17713,2339 +18827,6 @@
           <a:chExt cx="0" cy="0"/>
         </a:xfrm>
       </p:grpSpPr>
-      <p:sp useBgFill="1">
-        <p:nvSpPr>
-          <p:cNvPr id="9" name="Rectangle 8">
-            <a:extLst>
-              <a:ext uri="{FF2B5EF4-FFF2-40B4-BE49-F238E27FC236}">
-                <a16:creationId xmlns:a16="http://schemas.microsoft.com/office/drawing/2014/main" id="{F7E42047-F7E7-4687-BBE0-D4BDC8E77BB1}"/>
-              </a:ext>
-              <a:ext uri="{C183D7F6-B498-43B3-948B-1728B52AA6E4}">
-                <adec:decorative xmlns:adec="http://schemas.microsoft.com/office/drawing/2017/decorative" val="1"/>
-              </a:ext>
-            </a:extLst>
-          </p:cNvPr>
-          <p:cNvSpPr>
-            <a:spLocks noGrp="1" noRot="1" noChangeAspect="1" noMove="1" noResize="1" noEditPoints="1" noAdjustHandles="1" noChangeArrowheads="1" noChangeShapeType="1" noTextEdit="1"/>
-          </p:cNvSpPr>
-          <p:nvPr>
-            <p:extLst>
-              <p:ext uri="{386F3935-93C4-4BCD-93E2-E3B085C9AB24}">
-                <p16:designElem xmlns:p16="http://schemas.microsoft.com/office/powerpoint/2015/main" val="1"/>
-              </p:ext>
-            </p:extLst>
-          </p:nvPr>
-        </p:nvSpPr>
-        <p:spPr>
-          <a:xfrm>
-            <a:off x="-7620" y="-1"/>
-            <a:ext cx="12207240" cy="6858001"/>
-          </a:xfrm>
-          <a:prstGeom prst="rect">
-            <a:avLst/>
-          </a:prstGeom>
-          <a:ln>
-            <a:noFill/>
-          </a:ln>
-        </p:spPr>
-        <p:style>
-          <a:lnRef idx="2">
-            <a:schemeClr val="accent1">
-              <a:shade val="50000"/>
-            </a:schemeClr>
-          </a:lnRef>
-          <a:fillRef idx="1">
-            <a:schemeClr val="accent1"/>
-          </a:fillRef>
-          <a:effectRef idx="0">
-            <a:schemeClr val="accent1"/>
-          </a:effectRef>
-          <a:fontRef idx="minor">
-            <a:schemeClr val="lt1"/>
-          </a:fontRef>
-        </p:style>
-        <p:txBody>
-          <a:bodyPr rot="0" spcFirstLastPara="0" vert="horz" wrap="square" lIns="91440" tIns="45720" rIns="91440" bIns="45720" numCol="1" spcCol="0" rtlCol="0" fromWordArt="0" anchor="ctr" anchorCtr="0" forceAA="0" compatLnSpc="1">
-            <a:prstTxWarp prst="textNoShape">
-              <a:avLst/>
-            </a:prstTxWarp>
-            <a:noAutofit/>
-          </a:bodyPr>
-          <a:lstStyle>
-            <a:defPPr>
-              <a:defRPr lang="en-US"/>
-            </a:defPPr>
-            <a:lvl1pPr marL="0" algn="l" defTabSz="914400" rtl="0" eaLnBrk="1" latinLnBrk="0" hangingPunct="1">
-              <a:defRPr sz="1800" kern="1200">
-                <a:solidFill>
-                  <a:schemeClr val="lt1"/>
-                </a:solidFill>
-                <a:latin typeface="+mn-lt"/>
-                <a:ea typeface="+mn-ea"/>
-                <a:cs typeface="+mn-cs"/>
-              </a:defRPr>
-            </a:lvl1pPr>
-            <a:lvl2pPr marL="457200" algn="l" defTabSz="914400" rtl="0" eaLnBrk="1" latinLnBrk="0" hangingPunct="1">
-              <a:defRPr sz="1800" kern="1200">
-                <a:solidFill>
-                  <a:schemeClr val="lt1"/>
-                </a:solidFill>
-                <a:latin typeface="+mn-lt"/>
-                <a:ea typeface="+mn-ea"/>
-                <a:cs typeface="+mn-cs"/>
-              </a:defRPr>
-            </a:lvl2pPr>
-            <a:lvl3pPr marL="914400" algn="l" defTabSz="914400" rtl="0" eaLnBrk="1" latinLnBrk="0" hangingPunct="1">
-              <a:defRPr sz="1800" kern="1200">
-                <a:solidFill>
-                  <a:schemeClr val="lt1"/>
-                </a:solidFill>
-                <a:latin typeface="+mn-lt"/>
-                <a:ea typeface="+mn-ea"/>
-                <a:cs typeface="+mn-cs"/>
-              </a:defRPr>
-            </a:lvl3pPr>
-            <a:lvl4pPr marL="1371600" algn="l" defTabSz="914400" rtl="0" eaLnBrk="1" latinLnBrk="0" hangingPunct="1">
-              <a:defRPr sz="1800" kern="1200">
-                <a:solidFill>
-                  <a:schemeClr val="lt1"/>
-                </a:solidFill>
-                <a:latin typeface="+mn-lt"/>
-                <a:ea typeface="+mn-ea"/>
-                <a:cs typeface="+mn-cs"/>
-              </a:defRPr>
-            </a:lvl4pPr>
-            <a:lvl5pPr marL="1828800" algn="l" defTabSz="914400" rtl="0" eaLnBrk="1" latinLnBrk="0" hangingPunct="1">
-              <a:defRPr sz="1800" kern="1200">
-                <a:solidFill>
-                  <a:schemeClr val="lt1"/>
-                </a:solidFill>
-                <a:latin typeface="+mn-lt"/>
-                <a:ea typeface="+mn-ea"/>
-                <a:cs typeface="+mn-cs"/>
-              </a:defRPr>
-            </a:lvl5pPr>
-            <a:lvl6pPr marL="2286000" algn="l" defTabSz="914400" rtl="0" eaLnBrk="1" latinLnBrk="0" hangingPunct="1">
-              <a:defRPr sz="1800" kern="1200">
-                <a:solidFill>
-                  <a:schemeClr val="lt1"/>
-                </a:solidFill>
-                <a:latin typeface="+mn-lt"/>
-                <a:ea typeface="+mn-ea"/>
-                <a:cs typeface="+mn-cs"/>
-              </a:defRPr>
-            </a:lvl6pPr>
-            <a:lvl7pPr marL="2743200" algn="l" defTabSz="914400" rtl="0" eaLnBrk="1" latinLnBrk="0" hangingPunct="1">
-              <a:defRPr sz="1800" kern="1200">
-                <a:solidFill>
-                  <a:schemeClr val="lt1"/>
-                </a:solidFill>
-                <a:latin typeface="+mn-lt"/>
-                <a:ea typeface="+mn-ea"/>
-                <a:cs typeface="+mn-cs"/>
-              </a:defRPr>
-            </a:lvl7pPr>
-            <a:lvl8pPr marL="3200400" algn="l" defTabSz="914400" rtl="0" eaLnBrk="1" latinLnBrk="0" hangingPunct="1">
-              <a:defRPr sz="1800" kern="1200">
-                <a:solidFill>
-                  <a:schemeClr val="lt1"/>
-                </a:solidFill>
-                <a:latin typeface="+mn-lt"/>
-                <a:ea typeface="+mn-ea"/>
-                <a:cs typeface="+mn-cs"/>
-              </a:defRPr>
-            </a:lvl8pPr>
-            <a:lvl9pPr marL="3657600" algn="l" defTabSz="914400" rtl="0" eaLnBrk="1" latinLnBrk="0" hangingPunct="1">
-              <a:defRPr sz="1800" kern="1200">
-                <a:solidFill>
-                  <a:schemeClr val="lt1"/>
-                </a:solidFill>
-                <a:latin typeface="+mn-lt"/>
-                <a:ea typeface="+mn-ea"/>
-                <a:cs typeface="+mn-cs"/>
-              </a:defRPr>
-            </a:lvl9pPr>
-          </a:lstStyle>
-          <a:p>
-            <a:pPr algn="ctr"/>
-            <a:endParaRPr lang="en-US"/>
-          </a:p>
-        </p:txBody>
-      </p:sp>
-      <p:grpSp>
-        <p:nvGrpSpPr>
-          <p:cNvPr id="11" name="Group 10">
-            <a:extLst>
-              <a:ext uri="{FF2B5EF4-FFF2-40B4-BE49-F238E27FC236}">
-                <a16:creationId xmlns:a16="http://schemas.microsoft.com/office/drawing/2014/main" id="{8D6F839A-C8D9-4FBC-8EFD-9E56D12F4CD0}"/>
-              </a:ext>
-              <a:ext uri="{C183D7F6-B498-43B3-948B-1728B52AA6E4}">
-                <adec:decorative xmlns:adec="http://schemas.microsoft.com/office/drawing/2017/decorative" val="1"/>
-              </a:ext>
-            </a:extLst>
-          </p:cNvPr>
-          <p:cNvGrpSpPr>
-            <a:grpSpLocks noGrp="1" noUngrp="1" noRot="1" noChangeAspect="1" noMove="1" noResize="1"/>
-          </p:cNvGrpSpPr>
-          <p:nvPr>
-            <p:extLst>
-              <p:ext uri="{386F3935-93C4-4BCD-93E2-E3B085C9AB24}">
-                <p16:designElem xmlns:p16="http://schemas.microsoft.com/office/powerpoint/2015/main" val="1"/>
-              </p:ext>
-            </p:extLst>
-          </p:nvPr>
-        </p:nvGrpSpPr>
-        <p:grpSpPr>
-          <a:xfrm>
-            <a:off x="2906785" y="228600"/>
-            <a:ext cx="2851523" cy="6638625"/>
-            <a:chOff x="2487613" y="285750"/>
-            <a:chExt cx="2428875" cy="5654676"/>
-          </a:xfrm>
-        </p:grpSpPr>
-        <p:sp>
-          <p:nvSpPr>
-            <p:cNvPr id="42" name="Freeform 11">
-              <a:extLst>
-                <a:ext uri="{FF2B5EF4-FFF2-40B4-BE49-F238E27FC236}">
-                  <a16:creationId xmlns:a16="http://schemas.microsoft.com/office/drawing/2014/main" id="{D1F0D09B-BA85-41B1-A8DE-73728B72E59B}"/>
-                </a:ext>
-                <a:ext uri="{C183D7F6-B498-43B3-948B-1728B52AA6E4}">
-                  <adec:decorative xmlns:adec="http://schemas.microsoft.com/office/drawing/2017/decorative" val="1"/>
-                </a:ext>
-              </a:extLst>
-            </p:cNvPr>
-            <p:cNvSpPr/>
-            <p:nvPr>
-              <p:extLst>
-                <p:ext uri="{386F3935-93C4-4BCD-93E2-E3B085C9AB24}">
-                  <p16:designElem xmlns:p16="http://schemas.microsoft.com/office/powerpoint/2015/main" val="1"/>
-                </p:ext>
-              </p:extLst>
-            </p:nvPr>
-          </p:nvSpPr>
-          <p:spPr bwMode="auto">
-            <a:xfrm>
-              <a:off x="2487613" y="2284413"/>
-              <a:ext cx="85725" cy="533400"/>
-            </a:xfrm>
-            <a:custGeom>
-              <a:avLst/>
-              <a:gdLst/>
-              <a:ahLst/>
-              <a:cxnLst/>
-              <a:rect l="0" t="0" r="r" b="b"/>
-              <a:pathLst>
-                <a:path w="22" h="136">
-                  <a:moveTo>
-                    <a:pt x="22" y="136"/>
-                  </a:moveTo>
-                  <a:cubicBezTo>
-                    <a:pt x="20" y="117"/>
-                    <a:pt x="19" y="99"/>
-                    <a:pt x="17" y="80"/>
-                  </a:cubicBezTo>
-                  <a:cubicBezTo>
-                    <a:pt x="11" y="54"/>
-                    <a:pt x="6" y="27"/>
-                    <a:pt x="0" y="0"/>
-                  </a:cubicBezTo>
-                  <a:cubicBezTo>
-                    <a:pt x="0" y="35"/>
-                    <a:pt x="0" y="35"/>
-                    <a:pt x="0" y="35"/>
-                  </a:cubicBezTo>
-                  <a:cubicBezTo>
-                    <a:pt x="6" y="64"/>
-                    <a:pt x="13" y="94"/>
-                    <a:pt x="20" y="124"/>
-                  </a:cubicBezTo>
-                  <a:cubicBezTo>
-                    <a:pt x="20" y="128"/>
-                    <a:pt x="21" y="132"/>
-                    <a:pt x="22" y="136"/>
-                  </a:cubicBezTo>
-                  <a:close/>
-                </a:path>
-              </a:pathLst>
-            </a:custGeom>
-            <a:solidFill>
-              <a:schemeClr val="tx2">
-                <a:alpha val="20000"/>
-              </a:schemeClr>
-            </a:solidFill>
-            <a:ln>
-              <a:noFill/>
-            </a:ln>
-          </p:spPr>
-        </p:sp>
-        <p:sp>
-          <p:nvSpPr>
-            <p:cNvPr id="13" name="Freeform 12">
-              <a:extLst>
-                <a:ext uri="{FF2B5EF4-FFF2-40B4-BE49-F238E27FC236}">
-                  <a16:creationId xmlns:a16="http://schemas.microsoft.com/office/drawing/2014/main" id="{FB2D0F0C-3A27-4FC3-A6A3-D2095D9B243E}"/>
-                </a:ext>
-                <a:ext uri="{C183D7F6-B498-43B3-948B-1728B52AA6E4}">
-                  <adec:decorative xmlns:adec="http://schemas.microsoft.com/office/drawing/2017/decorative" val="1"/>
-                </a:ext>
-              </a:extLst>
-            </p:cNvPr>
-            <p:cNvSpPr/>
-            <p:nvPr>
-              <p:extLst>
-                <p:ext uri="{386F3935-93C4-4BCD-93E2-E3B085C9AB24}">
-                  <p16:designElem xmlns:p16="http://schemas.microsoft.com/office/powerpoint/2015/main" val="1"/>
-                </p:ext>
-              </p:extLst>
-            </p:nvPr>
-          </p:nvSpPr>
-          <p:spPr bwMode="auto">
-            <a:xfrm>
-              <a:off x="2597151" y="2779713"/>
-              <a:ext cx="550863" cy="1978025"/>
-            </a:xfrm>
-            <a:custGeom>
-              <a:avLst/>
-              <a:gdLst/>
-              <a:ahLst/>
-              <a:cxnLst/>
-              <a:rect l="0" t="0" r="r" b="b"/>
-              <a:pathLst>
-                <a:path w="140" h="504">
-                  <a:moveTo>
-                    <a:pt x="86" y="350"/>
-                  </a:moveTo>
-                  <a:cubicBezTo>
-                    <a:pt x="103" y="402"/>
-                    <a:pt x="120" y="453"/>
-                    <a:pt x="139" y="504"/>
-                  </a:cubicBezTo>
-                  <a:cubicBezTo>
-                    <a:pt x="139" y="495"/>
-                    <a:pt x="139" y="487"/>
-                    <a:pt x="140" y="478"/>
-                  </a:cubicBezTo>
-                  <a:cubicBezTo>
-                    <a:pt x="124" y="435"/>
-                    <a:pt x="109" y="391"/>
-                    <a:pt x="95" y="347"/>
-                  </a:cubicBezTo>
-                  <a:cubicBezTo>
-                    <a:pt x="58" y="233"/>
-                    <a:pt x="27" y="117"/>
-                    <a:pt x="0" y="0"/>
-                  </a:cubicBezTo>
-                  <a:cubicBezTo>
-                    <a:pt x="2" y="20"/>
-                    <a:pt x="4" y="41"/>
-                    <a:pt x="6" y="61"/>
-                  </a:cubicBezTo>
-                  <a:cubicBezTo>
-                    <a:pt x="30" y="158"/>
-                    <a:pt x="56" y="255"/>
-                    <a:pt x="86" y="350"/>
-                  </a:cubicBezTo>
-                  <a:close/>
-                </a:path>
-              </a:pathLst>
-            </a:custGeom>
-            <a:solidFill>
-              <a:schemeClr val="tx2">
-                <a:alpha val="20000"/>
-              </a:schemeClr>
-            </a:solidFill>
-            <a:ln>
-              <a:noFill/>
-            </a:ln>
-          </p:spPr>
-        </p:sp>
-        <p:sp>
-          <p:nvSpPr>
-            <p:cNvPr id="14" name="Freeform 13">
-              <a:extLst>
-                <a:ext uri="{FF2B5EF4-FFF2-40B4-BE49-F238E27FC236}">
-                  <a16:creationId xmlns:a16="http://schemas.microsoft.com/office/drawing/2014/main" id="{FA1C69EF-E6E6-4BDD-B62F-637FC9F3C339}"/>
-                </a:ext>
-                <a:ext uri="{C183D7F6-B498-43B3-948B-1728B52AA6E4}">
-                  <adec:decorative xmlns:adec="http://schemas.microsoft.com/office/drawing/2017/decorative" val="1"/>
-                </a:ext>
-              </a:extLst>
-            </p:cNvPr>
-            <p:cNvSpPr/>
-            <p:nvPr>
-              <p:extLst>
-                <p:ext uri="{386F3935-93C4-4BCD-93E2-E3B085C9AB24}">
-                  <p16:designElem xmlns:p16="http://schemas.microsoft.com/office/powerpoint/2015/main" val="1"/>
-                </p:ext>
-              </p:extLst>
-            </p:nvPr>
-          </p:nvSpPr>
-          <p:spPr bwMode="auto">
-            <a:xfrm>
-              <a:off x="3175001" y="4730750"/>
-              <a:ext cx="519113" cy="1209675"/>
-            </a:xfrm>
-            <a:custGeom>
-              <a:avLst/>
-              <a:gdLst/>
-              <a:ahLst/>
-              <a:cxnLst/>
-              <a:rect l="0" t="0" r="r" b="b"/>
-              <a:pathLst>
-                <a:path w="132" h="308">
-                  <a:moveTo>
-                    <a:pt x="8" y="22"/>
-                  </a:moveTo>
-                  <a:cubicBezTo>
-                    <a:pt x="5" y="15"/>
-                    <a:pt x="2" y="8"/>
-                    <a:pt x="0" y="0"/>
-                  </a:cubicBezTo>
-                  <a:cubicBezTo>
-                    <a:pt x="0" y="10"/>
-                    <a:pt x="0" y="19"/>
-                    <a:pt x="0" y="29"/>
-                  </a:cubicBezTo>
-                  <a:cubicBezTo>
-                    <a:pt x="21" y="85"/>
-                    <a:pt x="44" y="140"/>
-                    <a:pt x="68" y="194"/>
-                  </a:cubicBezTo>
-                  <a:cubicBezTo>
-                    <a:pt x="85" y="232"/>
-                    <a:pt x="104" y="270"/>
-                    <a:pt x="123" y="308"/>
-                  </a:cubicBezTo>
-                  <a:cubicBezTo>
-                    <a:pt x="132" y="308"/>
-                    <a:pt x="132" y="308"/>
-                    <a:pt x="132" y="308"/>
-                  </a:cubicBezTo>
-                  <a:cubicBezTo>
-                    <a:pt x="113" y="269"/>
-                    <a:pt x="94" y="230"/>
-                    <a:pt x="77" y="190"/>
-                  </a:cubicBezTo>
-                  <a:cubicBezTo>
-                    <a:pt x="52" y="135"/>
-                    <a:pt x="29" y="79"/>
-                    <a:pt x="8" y="22"/>
-                  </a:cubicBezTo>
-                  <a:close/>
-                </a:path>
-              </a:pathLst>
-            </a:custGeom>
-            <a:solidFill>
-              <a:schemeClr val="tx2">
-                <a:alpha val="20000"/>
-              </a:schemeClr>
-            </a:solidFill>
-            <a:ln>
-              <a:noFill/>
-            </a:ln>
-          </p:spPr>
-        </p:sp>
-        <p:sp>
-          <p:nvSpPr>
-            <p:cNvPr id="15" name="Freeform 14">
-              <a:extLst>
-                <a:ext uri="{FF2B5EF4-FFF2-40B4-BE49-F238E27FC236}">
-                  <a16:creationId xmlns:a16="http://schemas.microsoft.com/office/drawing/2014/main" id="{75B4F36E-07F6-4E6F-A9D9-A7F6D9585A67}"/>
-                </a:ext>
-                <a:ext uri="{C183D7F6-B498-43B3-948B-1728B52AA6E4}">
-                  <adec:decorative xmlns:adec="http://schemas.microsoft.com/office/drawing/2017/decorative" val="1"/>
-                </a:ext>
-              </a:extLst>
-            </p:cNvPr>
-            <p:cNvSpPr/>
-            <p:nvPr>
-              <p:extLst>
-                <p:ext uri="{386F3935-93C4-4BCD-93E2-E3B085C9AB24}">
-                  <p16:designElem xmlns:p16="http://schemas.microsoft.com/office/powerpoint/2015/main" val="1"/>
-                </p:ext>
-              </p:extLst>
-            </p:nvPr>
-          </p:nvSpPr>
-          <p:spPr bwMode="auto">
-            <a:xfrm>
-              <a:off x="3305176" y="5630863"/>
-              <a:ext cx="146050" cy="309563"/>
-            </a:xfrm>
-            <a:custGeom>
-              <a:avLst/>
-              <a:gdLst/>
-              <a:ahLst/>
-              <a:cxnLst/>
-              <a:rect l="0" t="0" r="r" b="b"/>
-              <a:pathLst>
-                <a:path w="37" h="79">
-                  <a:moveTo>
-                    <a:pt x="28" y="79"/>
-                  </a:moveTo>
-                  <a:cubicBezTo>
-                    <a:pt x="37" y="79"/>
-                    <a:pt x="37" y="79"/>
-                    <a:pt x="37" y="79"/>
-                  </a:cubicBezTo>
-                  <a:cubicBezTo>
-                    <a:pt x="24" y="53"/>
-                    <a:pt x="12" y="27"/>
-                    <a:pt x="0" y="0"/>
-                  </a:cubicBezTo>
-                  <a:cubicBezTo>
-                    <a:pt x="8" y="27"/>
-                    <a:pt x="17" y="53"/>
-                    <a:pt x="28" y="79"/>
-                  </a:cubicBezTo>
-                  <a:close/>
-                </a:path>
-              </a:pathLst>
-            </a:custGeom>
-            <a:solidFill>
-              <a:schemeClr val="tx2">
-                <a:alpha val="20000"/>
-              </a:schemeClr>
-            </a:solidFill>
-            <a:ln>
-              <a:noFill/>
-            </a:ln>
-          </p:spPr>
-        </p:sp>
-        <p:sp>
-          <p:nvSpPr>
-            <p:cNvPr id="16" name="Freeform 15">
-              <a:extLst>
-                <a:ext uri="{FF2B5EF4-FFF2-40B4-BE49-F238E27FC236}">
-                  <a16:creationId xmlns:a16="http://schemas.microsoft.com/office/drawing/2014/main" id="{7D9136C7-12F1-4F21-A438-ED7668DDFA54}"/>
-                </a:ext>
-                <a:ext uri="{C183D7F6-B498-43B3-948B-1728B52AA6E4}">
-                  <adec:decorative xmlns:adec="http://schemas.microsoft.com/office/drawing/2017/decorative" val="1"/>
-                </a:ext>
-              </a:extLst>
-            </p:cNvPr>
-            <p:cNvSpPr/>
-            <p:nvPr>
-              <p:extLst>
-                <p:ext uri="{386F3935-93C4-4BCD-93E2-E3B085C9AB24}">
-                  <p16:designElem xmlns:p16="http://schemas.microsoft.com/office/powerpoint/2015/main" val="1"/>
-                </p:ext>
-              </p:extLst>
-            </p:nvPr>
-          </p:nvSpPr>
-          <p:spPr bwMode="auto">
-            <a:xfrm>
-              <a:off x="2573338" y="2817813"/>
-              <a:ext cx="700088" cy="2835275"/>
-            </a:xfrm>
-            <a:custGeom>
-              <a:avLst/>
-              <a:gdLst/>
-              <a:ahLst/>
-              <a:cxnLst/>
-              <a:rect l="0" t="0" r="r" b="b"/>
-              <a:pathLst>
-                <a:path w="178" h="722">
-                  <a:moveTo>
-                    <a:pt x="162" y="660"/>
-                  </a:moveTo>
-                  <a:cubicBezTo>
-                    <a:pt x="145" y="618"/>
-                    <a:pt x="130" y="576"/>
-                    <a:pt x="116" y="534"/>
-                  </a:cubicBezTo>
-                  <a:cubicBezTo>
-                    <a:pt x="84" y="437"/>
-                    <a:pt x="59" y="337"/>
-                    <a:pt x="40" y="236"/>
-                  </a:cubicBezTo>
-                  <a:cubicBezTo>
-                    <a:pt x="29" y="175"/>
-                    <a:pt x="20" y="113"/>
-                    <a:pt x="12" y="51"/>
-                  </a:cubicBezTo>
-                  <a:cubicBezTo>
-                    <a:pt x="8" y="34"/>
-                    <a:pt x="4" y="17"/>
-                    <a:pt x="0" y="0"/>
-                  </a:cubicBezTo>
-                  <a:cubicBezTo>
-                    <a:pt x="8" y="79"/>
-                    <a:pt x="19" y="159"/>
-                    <a:pt x="33" y="237"/>
-                  </a:cubicBezTo>
-                  <a:cubicBezTo>
-                    <a:pt x="51" y="339"/>
-                    <a:pt x="76" y="439"/>
-                    <a:pt x="107" y="537"/>
-                  </a:cubicBezTo>
-                  <a:cubicBezTo>
-                    <a:pt x="123" y="586"/>
-                    <a:pt x="141" y="634"/>
-                    <a:pt x="160" y="681"/>
-                  </a:cubicBezTo>
-                  <a:cubicBezTo>
-                    <a:pt x="166" y="695"/>
-                    <a:pt x="172" y="708"/>
-                    <a:pt x="178" y="722"/>
-                  </a:cubicBezTo>
-                  <a:cubicBezTo>
-                    <a:pt x="176" y="717"/>
-                    <a:pt x="175" y="713"/>
-                    <a:pt x="174" y="708"/>
-                  </a:cubicBezTo>
-                  <a:cubicBezTo>
-                    <a:pt x="169" y="692"/>
-                    <a:pt x="165" y="676"/>
-                    <a:pt x="162" y="660"/>
-                  </a:cubicBezTo>
-                  <a:close/>
-                </a:path>
-              </a:pathLst>
-            </a:custGeom>
-            <a:solidFill>
-              <a:schemeClr val="tx2">
-                <a:alpha val="20000"/>
-              </a:schemeClr>
-            </a:solidFill>
-            <a:ln>
-              <a:noFill/>
-            </a:ln>
-          </p:spPr>
-        </p:sp>
-        <p:sp>
-          <p:nvSpPr>
-            <p:cNvPr id="17" name="Freeform 16">
-              <a:extLst>
-                <a:ext uri="{FF2B5EF4-FFF2-40B4-BE49-F238E27FC236}">
-                  <a16:creationId xmlns:a16="http://schemas.microsoft.com/office/drawing/2014/main" id="{C718EF12-B769-45D9-9B6E-7AEAA3108A26}"/>
-                </a:ext>
-                <a:ext uri="{C183D7F6-B498-43B3-948B-1728B52AA6E4}">
-                  <adec:decorative xmlns:adec="http://schemas.microsoft.com/office/drawing/2017/decorative" val="1"/>
-                </a:ext>
-              </a:extLst>
-            </p:cNvPr>
-            <p:cNvSpPr/>
-            <p:nvPr>
-              <p:extLst>
-                <p:ext uri="{386F3935-93C4-4BCD-93E2-E3B085C9AB24}">
-                  <p16:designElem xmlns:p16="http://schemas.microsoft.com/office/powerpoint/2015/main" val="1"/>
-                </p:ext>
-              </p:extLst>
-            </p:nvPr>
-          </p:nvSpPr>
-          <p:spPr bwMode="auto">
-            <a:xfrm>
-              <a:off x="2506663" y="285750"/>
-              <a:ext cx="90488" cy="2493963"/>
-            </a:xfrm>
-            <a:custGeom>
-              <a:avLst/>
-              <a:gdLst/>
-              <a:ahLst/>
-              <a:cxnLst/>
-              <a:rect l="0" t="0" r="r" b="b"/>
-              <a:pathLst>
-                <a:path w="23" h="635">
-                  <a:moveTo>
-                    <a:pt x="11" y="577"/>
-                  </a:moveTo>
-                  <a:cubicBezTo>
-                    <a:pt x="12" y="581"/>
-                    <a:pt x="12" y="585"/>
-                    <a:pt x="12" y="589"/>
-                  </a:cubicBezTo>
-                  <a:cubicBezTo>
-                    <a:pt x="15" y="603"/>
-                    <a:pt x="19" y="617"/>
-                    <a:pt x="22" y="632"/>
-                  </a:cubicBezTo>
-                  <a:cubicBezTo>
-                    <a:pt x="22" y="633"/>
-                    <a:pt x="22" y="634"/>
-                    <a:pt x="23" y="635"/>
-                  </a:cubicBezTo>
-                  <a:cubicBezTo>
-                    <a:pt x="21" y="615"/>
-                    <a:pt x="19" y="596"/>
-                    <a:pt x="17" y="576"/>
-                  </a:cubicBezTo>
-                  <a:cubicBezTo>
-                    <a:pt x="9" y="474"/>
-                    <a:pt x="5" y="372"/>
-                    <a:pt x="5" y="269"/>
-                  </a:cubicBezTo>
-                  <a:cubicBezTo>
-                    <a:pt x="6" y="179"/>
-                    <a:pt x="9" y="90"/>
-                    <a:pt x="15" y="0"/>
-                  </a:cubicBezTo>
-                  <a:cubicBezTo>
-                    <a:pt x="12" y="0"/>
-                    <a:pt x="12" y="0"/>
-                    <a:pt x="12" y="0"/>
-                  </a:cubicBezTo>
-                  <a:cubicBezTo>
-                    <a:pt x="5" y="89"/>
-                    <a:pt x="2" y="179"/>
-                    <a:pt x="1" y="269"/>
-                  </a:cubicBezTo>
-                  <a:cubicBezTo>
-                    <a:pt x="0" y="372"/>
-                    <a:pt x="3" y="474"/>
-                    <a:pt x="11" y="577"/>
-                  </a:cubicBezTo>
-                  <a:close/>
-                </a:path>
-              </a:pathLst>
-            </a:custGeom>
-            <a:solidFill>
-              <a:schemeClr val="tx2">
-                <a:alpha val="20000"/>
-              </a:schemeClr>
-            </a:solidFill>
-            <a:ln>
-              <a:noFill/>
-            </a:ln>
-          </p:spPr>
-        </p:sp>
-        <p:sp>
-          <p:nvSpPr>
-            <p:cNvPr id="18" name="Freeform 17">
-              <a:extLst>
-                <a:ext uri="{FF2B5EF4-FFF2-40B4-BE49-F238E27FC236}">
-                  <a16:creationId xmlns:a16="http://schemas.microsoft.com/office/drawing/2014/main" id="{534EAD53-3968-459E-B27C-09126A0FE310}"/>
-                </a:ext>
-                <a:ext uri="{C183D7F6-B498-43B3-948B-1728B52AA6E4}">
-                  <adec:decorative xmlns:adec="http://schemas.microsoft.com/office/drawing/2017/decorative" val="1"/>
-                </a:ext>
-              </a:extLst>
-            </p:cNvPr>
-            <p:cNvSpPr/>
-            <p:nvPr>
-              <p:extLst>
-                <p:ext uri="{386F3935-93C4-4BCD-93E2-E3B085C9AB24}">
-                  <p16:designElem xmlns:p16="http://schemas.microsoft.com/office/powerpoint/2015/main" val="1"/>
-                </p:ext>
-              </p:extLst>
-            </p:nvPr>
-          </p:nvSpPr>
-          <p:spPr bwMode="auto">
-            <a:xfrm>
-              <a:off x="2554288" y="2598738"/>
-              <a:ext cx="66675" cy="420688"/>
-            </a:xfrm>
-            <a:custGeom>
-              <a:avLst/>
-              <a:gdLst/>
-              <a:ahLst/>
-              <a:cxnLst/>
-              <a:rect l="0" t="0" r="r" b="b"/>
-              <a:pathLst>
-                <a:path w="17" h="107">
-                  <a:moveTo>
-                    <a:pt x="0" y="0"/>
-                  </a:moveTo>
-                  <a:cubicBezTo>
-                    <a:pt x="2" y="19"/>
-                    <a:pt x="3" y="37"/>
-                    <a:pt x="5" y="56"/>
-                  </a:cubicBezTo>
-                  <a:cubicBezTo>
-                    <a:pt x="9" y="73"/>
-                    <a:pt x="13" y="90"/>
-                    <a:pt x="17" y="107"/>
-                  </a:cubicBezTo>
-                  <a:cubicBezTo>
-                    <a:pt x="15" y="87"/>
-                    <a:pt x="13" y="66"/>
-                    <a:pt x="11" y="46"/>
-                  </a:cubicBezTo>
-                  <a:cubicBezTo>
-                    <a:pt x="10" y="45"/>
-                    <a:pt x="10" y="44"/>
-                    <a:pt x="10" y="43"/>
-                  </a:cubicBezTo>
-                  <a:cubicBezTo>
-                    <a:pt x="7" y="28"/>
-                    <a:pt x="3" y="14"/>
-                    <a:pt x="0" y="0"/>
-                  </a:cubicBezTo>
-                  <a:close/>
-                </a:path>
-              </a:pathLst>
-            </a:custGeom>
-            <a:solidFill>
-              <a:schemeClr val="tx2">
-                <a:alpha val="20000"/>
-              </a:schemeClr>
-            </a:solidFill>
-            <a:ln>
-              <a:noFill/>
-            </a:ln>
-          </p:spPr>
-        </p:sp>
-        <p:sp>
-          <p:nvSpPr>
-            <p:cNvPr id="19" name="Freeform 18">
-              <a:extLst>
-                <a:ext uri="{FF2B5EF4-FFF2-40B4-BE49-F238E27FC236}">
-                  <a16:creationId xmlns:a16="http://schemas.microsoft.com/office/drawing/2014/main" id="{67658BFE-59E2-4A2D-9E8A-18F81C350BB0}"/>
-                </a:ext>
-                <a:ext uri="{C183D7F6-B498-43B3-948B-1728B52AA6E4}">
-                  <adec:decorative xmlns:adec="http://schemas.microsoft.com/office/drawing/2017/decorative" val="1"/>
-                </a:ext>
-              </a:extLst>
-            </p:cNvPr>
-            <p:cNvSpPr/>
-            <p:nvPr>
-              <p:extLst>
-                <p:ext uri="{386F3935-93C4-4BCD-93E2-E3B085C9AB24}">
-                  <p16:designElem xmlns:p16="http://schemas.microsoft.com/office/powerpoint/2015/main" val="1"/>
-                </p:ext>
-              </p:extLst>
-            </p:nvPr>
-          </p:nvSpPr>
-          <p:spPr bwMode="auto">
-            <a:xfrm>
-              <a:off x="3143251" y="4757738"/>
-              <a:ext cx="161925" cy="873125"/>
-            </a:xfrm>
-            <a:custGeom>
-              <a:avLst/>
-              <a:gdLst/>
-              <a:ahLst/>
-              <a:cxnLst/>
-              <a:rect l="0" t="0" r="r" b="b"/>
-              <a:pathLst>
-                <a:path w="41" h="222">
-                  <a:moveTo>
-                    <a:pt x="0" y="0"/>
-                  </a:moveTo>
-                  <a:cubicBezTo>
-                    <a:pt x="0" y="31"/>
-                    <a:pt x="2" y="62"/>
-                    <a:pt x="5" y="93"/>
-                  </a:cubicBezTo>
-                  <a:cubicBezTo>
-                    <a:pt x="8" y="117"/>
-                    <a:pt x="12" y="142"/>
-                    <a:pt x="17" y="166"/>
-                  </a:cubicBezTo>
-                  <a:cubicBezTo>
-                    <a:pt x="19" y="172"/>
-                    <a:pt x="22" y="178"/>
-                    <a:pt x="24" y="184"/>
-                  </a:cubicBezTo>
-                  <a:cubicBezTo>
-                    <a:pt x="30" y="197"/>
-                    <a:pt x="35" y="209"/>
-                    <a:pt x="41" y="222"/>
-                  </a:cubicBezTo>
-                  <a:cubicBezTo>
-                    <a:pt x="40" y="219"/>
-                    <a:pt x="39" y="215"/>
-                    <a:pt x="38" y="212"/>
-                  </a:cubicBezTo>
-                  <a:cubicBezTo>
-                    <a:pt x="26" y="172"/>
-                    <a:pt x="18" y="132"/>
-                    <a:pt x="13" y="92"/>
-                  </a:cubicBezTo>
-                  <a:cubicBezTo>
-                    <a:pt x="11" y="68"/>
-                    <a:pt x="9" y="45"/>
-                    <a:pt x="8" y="22"/>
-                  </a:cubicBezTo>
-                  <a:cubicBezTo>
-                    <a:pt x="8" y="21"/>
-                    <a:pt x="7" y="20"/>
-                    <a:pt x="7" y="18"/>
-                  </a:cubicBezTo>
-                  <a:cubicBezTo>
-                    <a:pt x="5" y="12"/>
-                    <a:pt x="2" y="6"/>
-                    <a:pt x="0" y="0"/>
-                  </a:cubicBezTo>
-                  <a:close/>
-                </a:path>
-              </a:pathLst>
-            </a:custGeom>
-            <a:solidFill>
-              <a:schemeClr val="tx2">
-                <a:alpha val="20000"/>
-              </a:schemeClr>
-            </a:solidFill>
-            <a:ln>
-              <a:noFill/>
-            </a:ln>
-          </p:spPr>
-        </p:sp>
-        <p:sp>
-          <p:nvSpPr>
-            <p:cNvPr id="20" name="Freeform 19">
-              <a:extLst>
-                <a:ext uri="{FF2B5EF4-FFF2-40B4-BE49-F238E27FC236}">
-                  <a16:creationId xmlns:a16="http://schemas.microsoft.com/office/drawing/2014/main" id="{3FEC8A9E-385D-4407-9671-E3023802296B}"/>
-                </a:ext>
-                <a:ext uri="{C183D7F6-B498-43B3-948B-1728B52AA6E4}">
-                  <adec:decorative xmlns:adec="http://schemas.microsoft.com/office/drawing/2017/decorative" val="1"/>
-                </a:ext>
-              </a:extLst>
-            </p:cNvPr>
-            <p:cNvSpPr/>
-            <p:nvPr>
-              <p:extLst>
-                <p:ext uri="{386F3935-93C4-4BCD-93E2-E3B085C9AB24}">
-                  <p16:designElem xmlns:p16="http://schemas.microsoft.com/office/powerpoint/2015/main" val="1"/>
-                </p:ext>
-              </p:extLst>
-            </p:nvPr>
-          </p:nvSpPr>
-          <p:spPr bwMode="auto">
-            <a:xfrm>
-              <a:off x="3148013" y="1282700"/>
-              <a:ext cx="1768475" cy="3448050"/>
-            </a:xfrm>
-            <a:custGeom>
-              <a:avLst/>
-              <a:gdLst/>
-              <a:ahLst/>
-              <a:cxnLst/>
-              <a:rect l="0" t="0" r="r" b="b"/>
-              <a:pathLst>
-                <a:path w="450" h="878">
-                  <a:moveTo>
-                    <a:pt x="7" y="854"/>
-                  </a:moveTo>
-                  <a:cubicBezTo>
-                    <a:pt x="10" y="772"/>
-                    <a:pt x="26" y="691"/>
-                    <a:pt x="50" y="613"/>
-                  </a:cubicBezTo>
-                  <a:cubicBezTo>
-                    <a:pt x="75" y="535"/>
-                    <a:pt x="109" y="460"/>
-                    <a:pt x="149" y="388"/>
-                  </a:cubicBezTo>
-                  <a:cubicBezTo>
-                    <a:pt x="189" y="316"/>
-                    <a:pt x="235" y="248"/>
-                    <a:pt x="285" y="183"/>
-                  </a:cubicBezTo>
-                  <a:cubicBezTo>
-                    <a:pt x="310" y="151"/>
-                    <a:pt x="337" y="119"/>
-                    <a:pt x="364" y="89"/>
-                  </a:cubicBezTo>
-                  <a:cubicBezTo>
-                    <a:pt x="378" y="74"/>
-                    <a:pt x="392" y="58"/>
-                    <a:pt x="406" y="44"/>
-                  </a:cubicBezTo>
-                  <a:cubicBezTo>
-                    <a:pt x="421" y="29"/>
-                    <a:pt x="435" y="15"/>
-                    <a:pt x="450" y="1"/>
-                  </a:cubicBezTo>
-                  <a:cubicBezTo>
-                    <a:pt x="450" y="0"/>
-                    <a:pt x="450" y="0"/>
-                    <a:pt x="450" y="0"/>
-                  </a:cubicBezTo>
-                  <a:cubicBezTo>
-                    <a:pt x="434" y="14"/>
-                    <a:pt x="420" y="28"/>
-                    <a:pt x="405" y="43"/>
-                  </a:cubicBezTo>
-                  <a:cubicBezTo>
-                    <a:pt x="391" y="57"/>
-                    <a:pt x="377" y="72"/>
-                    <a:pt x="363" y="88"/>
-                  </a:cubicBezTo>
-                  <a:cubicBezTo>
-                    <a:pt x="335" y="118"/>
-                    <a:pt x="308" y="149"/>
-                    <a:pt x="283" y="181"/>
-                  </a:cubicBezTo>
-                  <a:cubicBezTo>
-                    <a:pt x="232" y="246"/>
-                    <a:pt x="185" y="314"/>
-                    <a:pt x="145" y="386"/>
-                  </a:cubicBezTo>
-                  <a:cubicBezTo>
-                    <a:pt x="104" y="457"/>
-                    <a:pt x="70" y="533"/>
-                    <a:pt x="45" y="611"/>
-                  </a:cubicBezTo>
-                  <a:cubicBezTo>
-                    <a:pt x="19" y="690"/>
-                    <a:pt x="3" y="771"/>
-                    <a:pt x="0" y="854"/>
-                  </a:cubicBezTo>
-                  <a:cubicBezTo>
-                    <a:pt x="0" y="856"/>
-                    <a:pt x="0" y="857"/>
-                    <a:pt x="0" y="859"/>
-                  </a:cubicBezTo>
-                  <a:cubicBezTo>
-                    <a:pt x="2" y="865"/>
-                    <a:pt x="4" y="872"/>
-                    <a:pt x="7" y="878"/>
-                  </a:cubicBezTo>
-                  <a:cubicBezTo>
-                    <a:pt x="7" y="870"/>
-                    <a:pt x="7" y="862"/>
-                    <a:pt x="7" y="854"/>
-                  </a:cubicBezTo>
-                  <a:close/>
-                </a:path>
-              </a:pathLst>
-            </a:custGeom>
-            <a:solidFill>
-              <a:schemeClr val="tx2">
-                <a:alpha val="20000"/>
-              </a:schemeClr>
-            </a:solidFill>
-            <a:ln>
-              <a:noFill/>
-            </a:ln>
-          </p:spPr>
-        </p:sp>
-        <p:sp>
-          <p:nvSpPr>
-            <p:cNvPr id="21" name="Freeform 20">
-              <a:extLst>
-                <a:ext uri="{FF2B5EF4-FFF2-40B4-BE49-F238E27FC236}">
-                  <a16:creationId xmlns:a16="http://schemas.microsoft.com/office/drawing/2014/main" id="{EFC82234-632C-4B76-A8FF-2C9C0DCA682E}"/>
-                </a:ext>
-                <a:ext uri="{C183D7F6-B498-43B3-948B-1728B52AA6E4}">
-                  <adec:decorative xmlns:adec="http://schemas.microsoft.com/office/drawing/2017/decorative" val="1"/>
-                </a:ext>
-              </a:extLst>
-            </p:cNvPr>
-            <p:cNvSpPr/>
-            <p:nvPr>
-              <p:extLst>
-                <p:ext uri="{386F3935-93C4-4BCD-93E2-E3B085C9AB24}">
-                  <p16:designElem xmlns:p16="http://schemas.microsoft.com/office/powerpoint/2015/main" val="1"/>
-                </p:ext>
-              </p:extLst>
-            </p:nvPr>
-          </p:nvSpPr>
-          <p:spPr bwMode="auto">
-            <a:xfrm>
-              <a:off x="3273426" y="5653088"/>
-              <a:ext cx="138113" cy="287338"/>
-            </a:xfrm>
-            <a:custGeom>
-              <a:avLst/>
-              <a:gdLst/>
-              <a:ahLst/>
-              <a:cxnLst/>
-              <a:rect l="0" t="0" r="r" b="b"/>
-              <a:pathLst>
-                <a:path w="35" h="73">
-                  <a:moveTo>
-                    <a:pt x="0" y="0"/>
-                  </a:moveTo>
-                  <a:cubicBezTo>
-                    <a:pt x="7" y="24"/>
-                    <a:pt x="16" y="49"/>
-                    <a:pt x="26" y="73"/>
-                  </a:cubicBezTo>
-                  <a:cubicBezTo>
-                    <a:pt x="35" y="73"/>
-                    <a:pt x="35" y="73"/>
-                    <a:pt x="35" y="73"/>
-                  </a:cubicBezTo>
-                  <a:cubicBezTo>
-                    <a:pt x="23" y="49"/>
-                    <a:pt x="11" y="24"/>
-                    <a:pt x="0" y="0"/>
-                  </a:cubicBezTo>
-                  <a:close/>
-                </a:path>
-              </a:pathLst>
-            </a:custGeom>
-            <a:solidFill>
-              <a:schemeClr val="tx2">
-                <a:alpha val="20000"/>
-              </a:schemeClr>
-            </a:solidFill>
-            <a:ln>
-              <a:noFill/>
-            </a:ln>
-          </p:spPr>
-        </p:sp>
-        <p:sp>
-          <p:nvSpPr>
-            <p:cNvPr id="22" name="Freeform 21">
-              <a:extLst>
-                <a:ext uri="{FF2B5EF4-FFF2-40B4-BE49-F238E27FC236}">
-                  <a16:creationId xmlns:a16="http://schemas.microsoft.com/office/drawing/2014/main" id="{662A4DB3-C195-4230-953D-307E4100FEB5}"/>
-                </a:ext>
-                <a:ext uri="{C183D7F6-B498-43B3-948B-1728B52AA6E4}">
-                  <adec:decorative xmlns:adec="http://schemas.microsoft.com/office/drawing/2017/decorative" val="1"/>
-                </a:ext>
-              </a:extLst>
-            </p:cNvPr>
-            <p:cNvSpPr/>
-            <p:nvPr>
-              <p:extLst>
-                <p:ext uri="{386F3935-93C4-4BCD-93E2-E3B085C9AB24}">
-                  <p16:designElem xmlns:p16="http://schemas.microsoft.com/office/powerpoint/2015/main" val="1"/>
-                </p:ext>
-              </p:extLst>
-            </p:nvPr>
-          </p:nvSpPr>
-          <p:spPr bwMode="auto">
-            <a:xfrm>
-              <a:off x="3143251" y="4656138"/>
-              <a:ext cx="31750" cy="188913"/>
-            </a:xfrm>
-            <a:custGeom>
-              <a:avLst/>
-              <a:gdLst/>
-              <a:ahLst/>
-              <a:cxnLst/>
-              <a:rect l="0" t="0" r="r" b="b"/>
-              <a:pathLst>
-                <a:path w="8" h="48">
-                  <a:moveTo>
-                    <a:pt x="7" y="44"/>
-                  </a:moveTo>
-                  <a:cubicBezTo>
-                    <a:pt x="7" y="46"/>
-                    <a:pt x="8" y="47"/>
-                    <a:pt x="8" y="48"/>
-                  </a:cubicBezTo>
-                  <a:cubicBezTo>
-                    <a:pt x="8" y="38"/>
-                    <a:pt x="8" y="29"/>
-                    <a:pt x="8" y="19"/>
-                  </a:cubicBezTo>
-                  <a:cubicBezTo>
-                    <a:pt x="5" y="13"/>
-                    <a:pt x="3" y="6"/>
-                    <a:pt x="1" y="0"/>
-                  </a:cubicBezTo>
-                  <a:cubicBezTo>
-                    <a:pt x="0" y="9"/>
-                    <a:pt x="0" y="17"/>
-                    <a:pt x="0" y="26"/>
-                  </a:cubicBezTo>
-                  <a:cubicBezTo>
-                    <a:pt x="2" y="32"/>
-                    <a:pt x="5" y="38"/>
-                    <a:pt x="7" y="44"/>
-                  </a:cubicBezTo>
-                  <a:close/>
-                </a:path>
-              </a:pathLst>
-            </a:custGeom>
-            <a:solidFill>
-              <a:schemeClr val="tx2">
-                <a:alpha val="20000"/>
-              </a:schemeClr>
-            </a:solidFill>
-            <a:ln>
-              <a:noFill/>
-            </a:ln>
-          </p:spPr>
-        </p:sp>
-        <p:sp>
-          <p:nvSpPr>
-            <p:cNvPr id="23" name="Freeform 22">
-              <a:extLst>
-                <a:ext uri="{FF2B5EF4-FFF2-40B4-BE49-F238E27FC236}">
-                  <a16:creationId xmlns:a16="http://schemas.microsoft.com/office/drawing/2014/main" id="{94D310CF-9541-4CD7-855B-E2E1EF343767}"/>
-                </a:ext>
-                <a:ext uri="{C183D7F6-B498-43B3-948B-1728B52AA6E4}">
-                  <adec:decorative xmlns:adec="http://schemas.microsoft.com/office/drawing/2017/decorative" val="1"/>
-                </a:ext>
-              </a:extLst>
-            </p:cNvPr>
-            <p:cNvSpPr/>
-            <p:nvPr>
-              <p:extLst>
-                <p:ext uri="{386F3935-93C4-4BCD-93E2-E3B085C9AB24}">
-                  <p16:designElem xmlns:p16="http://schemas.microsoft.com/office/powerpoint/2015/main" val="1"/>
-                </p:ext>
-              </p:extLst>
-            </p:nvPr>
-          </p:nvSpPr>
-          <p:spPr bwMode="auto">
-            <a:xfrm>
-              <a:off x="3211513" y="5410200"/>
-              <a:ext cx="203200" cy="530225"/>
-            </a:xfrm>
-            <a:custGeom>
-              <a:avLst/>
-              <a:gdLst/>
-              <a:ahLst/>
-              <a:cxnLst/>
-              <a:rect l="0" t="0" r="r" b="b"/>
-              <a:pathLst>
-                <a:path w="52" h="135">
-                  <a:moveTo>
-                    <a:pt x="7" y="18"/>
-                  </a:moveTo>
-                  <a:cubicBezTo>
-                    <a:pt x="5" y="12"/>
-                    <a:pt x="2" y="6"/>
-                    <a:pt x="0" y="0"/>
-                  </a:cubicBezTo>
-                  <a:cubicBezTo>
-                    <a:pt x="3" y="16"/>
-                    <a:pt x="7" y="32"/>
-                    <a:pt x="12" y="48"/>
-                  </a:cubicBezTo>
-                  <a:cubicBezTo>
-                    <a:pt x="13" y="53"/>
-                    <a:pt x="14" y="57"/>
-                    <a:pt x="16" y="62"/>
-                  </a:cubicBezTo>
-                  <a:cubicBezTo>
-                    <a:pt x="27" y="86"/>
-                    <a:pt x="39" y="111"/>
-                    <a:pt x="51" y="135"/>
-                  </a:cubicBezTo>
-                  <a:cubicBezTo>
-                    <a:pt x="52" y="135"/>
-                    <a:pt x="52" y="135"/>
-                    <a:pt x="52" y="135"/>
-                  </a:cubicBezTo>
-                  <a:cubicBezTo>
-                    <a:pt x="41" y="109"/>
-                    <a:pt x="32" y="83"/>
-                    <a:pt x="24" y="56"/>
-                  </a:cubicBezTo>
-                  <a:cubicBezTo>
-                    <a:pt x="18" y="43"/>
-                    <a:pt x="13" y="31"/>
-                    <a:pt x="7" y="18"/>
-                  </a:cubicBezTo>
-                  <a:close/>
-                </a:path>
-              </a:pathLst>
-            </a:custGeom>
-            <a:solidFill>
-              <a:schemeClr val="tx2">
-                <a:alpha val="20000"/>
-              </a:schemeClr>
-            </a:solidFill>
-            <a:ln>
-              <a:noFill/>
-            </a:ln>
-          </p:spPr>
-        </p:sp>
-      </p:grpSp>
-      <p:grpSp>
-        <p:nvGrpSpPr>
-          <p:cNvPr id="25" name="Group 24">
-            <a:extLst>
-              <a:ext uri="{FF2B5EF4-FFF2-40B4-BE49-F238E27FC236}">
-                <a16:creationId xmlns:a16="http://schemas.microsoft.com/office/drawing/2014/main" id="{70EDA856-A216-4EEC-9AB6-A59FFC703612}"/>
-              </a:ext>
-              <a:ext uri="{C183D7F6-B498-43B3-948B-1728B52AA6E4}">
-                <adec:decorative xmlns:adec="http://schemas.microsoft.com/office/drawing/2017/decorative" val="1"/>
-              </a:ext>
-            </a:extLst>
-          </p:cNvPr>
-          <p:cNvGrpSpPr>
-            <a:grpSpLocks noGrp="1" noUngrp="1" noRot="1" noChangeAspect="1" noMove="1" noResize="1"/>
-          </p:cNvGrpSpPr>
-          <p:nvPr>
-            <p:extLst>
-              <p:ext uri="{386F3935-93C4-4BCD-93E2-E3B085C9AB24}">
-                <p16:designElem xmlns:p16="http://schemas.microsoft.com/office/powerpoint/2015/main" val="1"/>
-              </p:ext>
-            </p:extLst>
-          </p:nvPr>
-        </p:nvGrpSpPr>
-        <p:grpSpPr>
-          <a:xfrm>
-            <a:off x="2747733" y="-786"/>
-            <a:ext cx="2356675" cy="6854040"/>
-            <a:chOff x="6627813" y="194833"/>
-            <a:chExt cx="1952625" cy="5678918"/>
-          </a:xfrm>
-        </p:grpSpPr>
-        <p:sp>
-          <p:nvSpPr>
-            <p:cNvPr id="43" name="Freeform 27">
-              <a:extLst>
-                <a:ext uri="{FF2B5EF4-FFF2-40B4-BE49-F238E27FC236}">
-                  <a16:creationId xmlns:a16="http://schemas.microsoft.com/office/drawing/2014/main" id="{36F815B8-AFA8-45E9-A3D1-977F2D1921F5}"/>
-                </a:ext>
-                <a:ext uri="{C183D7F6-B498-43B3-948B-1728B52AA6E4}">
-                  <adec:decorative xmlns:adec="http://schemas.microsoft.com/office/drawing/2017/decorative" val="1"/>
-                </a:ext>
-              </a:extLst>
-            </p:cNvPr>
-            <p:cNvSpPr/>
-            <p:nvPr>
-              <p:extLst>
-                <p:ext uri="{386F3935-93C4-4BCD-93E2-E3B085C9AB24}">
-                  <p16:designElem xmlns:p16="http://schemas.microsoft.com/office/powerpoint/2015/main" val="1"/>
-                </p:ext>
-              </p:extLst>
-            </p:nvPr>
-          </p:nvSpPr>
-          <p:spPr bwMode="auto">
-            <a:xfrm>
-              <a:off x="6627813" y="194833"/>
-              <a:ext cx="409575" cy="3646488"/>
-            </a:xfrm>
-            <a:custGeom>
-              <a:avLst/>
-              <a:gdLst/>
-              <a:ahLst/>
-              <a:cxnLst/>
-              <a:rect l="0" t="0" r="r" b="b"/>
-              <a:pathLst>
-                <a:path w="103" h="920">
-                  <a:moveTo>
-                    <a:pt x="7" y="210"/>
-                  </a:moveTo>
-                  <a:cubicBezTo>
-                    <a:pt x="11" y="288"/>
-                    <a:pt x="17" y="367"/>
-                    <a:pt x="26" y="445"/>
-                  </a:cubicBezTo>
-                  <a:cubicBezTo>
-                    <a:pt x="34" y="523"/>
-                    <a:pt x="44" y="601"/>
-                    <a:pt x="57" y="679"/>
-                  </a:cubicBezTo>
-                  <a:cubicBezTo>
-                    <a:pt x="69" y="757"/>
-                    <a:pt x="84" y="834"/>
-                    <a:pt x="101" y="911"/>
-                  </a:cubicBezTo>
-                  <a:cubicBezTo>
-                    <a:pt x="102" y="914"/>
-                    <a:pt x="103" y="917"/>
-                    <a:pt x="103" y="920"/>
-                  </a:cubicBezTo>
-                  <a:cubicBezTo>
-                    <a:pt x="102" y="905"/>
-                    <a:pt x="100" y="889"/>
-                    <a:pt x="99" y="874"/>
-                  </a:cubicBezTo>
-                  <a:cubicBezTo>
-                    <a:pt x="99" y="871"/>
-                    <a:pt x="99" y="868"/>
-                    <a:pt x="99" y="866"/>
-                  </a:cubicBezTo>
-                  <a:cubicBezTo>
-                    <a:pt x="85" y="803"/>
-                    <a:pt x="73" y="741"/>
-                    <a:pt x="63" y="678"/>
-                  </a:cubicBezTo>
-                  <a:cubicBezTo>
-                    <a:pt x="50" y="600"/>
-                    <a:pt x="39" y="523"/>
-                    <a:pt x="30" y="444"/>
-                  </a:cubicBezTo>
-                  <a:cubicBezTo>
-                    <a:pt x="21" y="366"/>
-                    <a:pt x="14" y="288"/>
-                    <a:pt x="9" y="209"/>
-                  </a:cubicBezTo>
-                  <a:cubicBezTo>
-                    <a:pt x="7" y="170"/>
-                    <a:pt x="5" y="131"/>
-                    <a:pt x="3" y="92"/>
-                  </a:cubicBezTo>
-                  <a:cubicBezTo>
-                    <a:pt x="2" y="61"/>
-                    <a:pt x="1" y="31"/>
-                    <a:pt x="1" y="0"/>
-                  </a:cubicBezTo>
-                  <a:cubicBezTo>
-                    <a:pt x="0" y="0"/>
-                    <a:pt x="0" y="0"/>
-                    <a:pt x="0" y="0"/>
-                  </a:cubicBezTo>
-                  <a:cubicBezTo>
-                    <a:pt x="0" y="31"/>
-                    <a:pt x="1" y="61"/>
-                    <a:pt x="1" y="92"/>
-                  </a:cubicBezTo>
-                  <a:cubicBezTo>
-                    <a:pt x="3" y="131"/>
-                    <a:pt x="4" y="170"/>
-                    <a:pt x="7" y="210"/>
-                  </a:cubicBezTo>
-                  <a:close/>
-                </a:path>
-              </a:pathLst>
-            </a:custGeom>
-            <a:solidFill>
-              <a:schemeClr val="tx2"/>
-            </a:solidFill>
-            <a:ln>
-              <a:noFill/>
-            </a:ln>
-          </p:spPr>
-        </p:sp>
-        <p:sp>
-          <p:nvSpPr>
-            <p:cNvPr id="27" name="Freeform 28">
-              <a:extLst>
-                <a:ext uri="{FF2B5EF4-FFF2-40B4-BE49-F238E27FC236}">
-                  <a16:creationId xmlns:a16="http://schemas.microsoft.com/office/drawing/2014/main" id="{5D8FF653-8B3F-4B96-904D-1A4482EAEE40}"/>
-                </a:ext>
-                <a:ext uri="{C183D7F6-B498-43B3-948B-1728B52AA6E4}">
-                  <adec:decorative xmlns:adec="http://schemas.microsoft.com/office/drawing/2017/decorative" val="1"/>
-                </a:ext>
-              </a:extLst>
-            </p:cNvPr>
-            <p:cNvSpPr/>
-            <p:nvPr>
-              <p:extLst>
-                <p:ext uri="{386F3935-93C4-4BCD-93E2-E3B085C9AB24}">
-                  <p16:designElem xmlns:p16="http://schemas.microsoft.com/office/powerpoint/2015/main" val="1"/>
-                </p:ext>
-              </p:extLst>
-            </p:nvPr>
-          </p:nvSpPr>
-          <p:spPr bwMode="auto">
-            <a:xfrm>
-              <a:off x="7061201" y="3771900"/>
-              <a:ext cx="350838" cy="1309688"/>
-            </a:xfrm>
-            <a:custGeom>
-              <a:avLst/>
-              <a:gdLst/>
-              <a:ahLst/>
-              <a:cxnLst/>
-              <a:rect l="0" t="0" r="r" b="b"/>
-              <a:pathLst>
-                <a:path w="88" h="330">
-                  <a:moveTo>
-                    <a:pt x="53" y="229"/>
-                  </a:moveTo>
-                  <a:cubicBezTo>
-                    <a:pt x="64" y="263"/>
-                    <a:pt x="75" y="297"/>
-                    <a:pt x="88" y="330"/>
-                  </a:cubicBezTo>
-                  <a:cubicBezTo>
-                    <a:pt x="88" y="323"/>
-                    <a:pt x="88" y="315"/>
-                    <a:pt x="88" y="308"/>
-                  </a:cubicBezTo>
-                  <a:cubicBezTo>
-                    <a:pt x="88" y="307"/>
-                    <a:pt x="88" y="305"/>
-                    <a:pt x="88" y="304"/>
-                  </a:cubicBezTo>
-                  <a:cubicBezTo>
-                    <a:pt x="79" y="278"/>
-                    <a:pt x="70" y="252"/>
-                    <a:pt x="62" y="226"/>
-                  </a:cubicBezTo>
-                  <a:cubicBezTo>
-                    <a:pt x="38" y="152"/>
-                    <a:pt x="17" y="76"/>
-                    <a:pt x="0" y="0"/>
-                  </a:cubicBezTo>
-                  <a:cubicBezTo>
-                    <a:pt x="2" y="21"/>
-                    <a:pt x="4" y="42"/>
-                    <a:pt x="7" y="63"/>
-                  </a:cubicBezTo>
-                  <a:cubicBezTo>
-                    <a:pt x="21" y="119"/>
-                    <a:pt x="36" y="174"/>
-                    <a:pt x="53" y="229"/>
-                  </a:cubicBezTo>
-                  <a:close/>
-                </a:path>
-              </a:pathLst>
-            </a:custGeom>
-            <a:solidFill>
-              <a:schemeClr val="tx2"/>
-            </a:solidFill>
-            <a:ln>
-              <a:noFill/>
-            </a:ln>
-          </p:spPr>
-        </p:sp>
-        <p:sp>
-          <p:nvSpPr>
-            <p:cNvPr id="28" name="Freeform 29">
-              <a:extLst>
-                <a:ext uri="{FF2B5EF4-FFF2-40B4-BE49-F238E27FC236}">
-                  <a16:creationId xmlns:a16="http://schemas.microsoft.com/office/drawing/2014/main" id="{4DD2E775-AB45-4AF1-B5B7-54948CFB9874}"/>
-                </a:ext>
-                <a:ext uri="{C183D7F6-B498-43B3-948B-1728B52AA6E4}">
-                  <adec:decorative xmlns:adec="http://schemas.microsoft.com/office/drawing/2017/decorative" val="1"/>
-                </a:ext>
-              </a:extLst>
-            </p:cNvPr>
-            <p:cNvSpPr/>
-            <p:nvPr>
-              <p:extLst>
-                <p:ext uri="{386F3935-93C4-4BCD-93E2-E3B085C9AB24}">
-                  <p16:designElem xmlns:p16="http://schemas.microsoft.com/office/powerpoint/2015/main" val="1"/>
-                </p:ext>
-              </p:extLst>
-            </p:nvPr>
-          </p:nvSpPr>
-          <p:spPr bwMode="auto">
-            <a:xfrm>
-              <a:off x="7439026" y="5053013"/>
-              <a:ext cx="357188" cy="820738"/>
-            </a:xfrm>
-            <a:custGeom>
-              <a:avLst/>
-              <a:gdLst/>
-              <a:ahLst/>
-              <a:cxnLst/>
-              <a:rect l="0" t="0" r="r" b="b"/>
-              <a:pathLst>
-                <a:path w="90" h="207">
-                  <a:moveTo>
-                    <a:pt x="6" y="15"/>
-                  </a:moveTo>
-                  <a:cubicBezTo>
-                    <a:pt x="4" y="10"/>
-                    <a:pt x="2" y="5"/>
-                    <a:pt x="0" y="0"/>
-                  </a:cubicBezTo>
-                  <a:cubicBezTo>
-                    <a:pt x="0" y="9"/>
-                    <a:pt x="0" y="19"/>
-                    <a:pt x="1" y="29"/>
-                  </a:cubicBezTo>
-                  <a:cubicBezTo>
-                    <a:pt x="14" y="62"/>
-                    <a:pt x="27" y="95"/>
-                    <a:pt x="42" y="127"/>
-                  </a:cubicBezTo>
-                  <a:cubicBezTo>
-                    <a:pt x="54" y="154"/>
-                    <a:pt x="67" y="181"/>
-                    <a:pt x="80" y="207"/>
-                  </a:cubicBezTo>
-                  <a:cubicBezTo>
-                    <a:pt x="90" y="207"/>
-                    <a:pt x="90" y="207"/>
-                    <a:pt x="90" y="207"/>
-                  </a:cubicBezTo>
-                  <a:cubicBezTo>
-                    <a:pt x="76" y="180"/>
-                    <a:pt x="63" y="152"/>
-                    <a:pt x="50" y="123"/>
-                  </a:cubicBezTo>
-                  <a:cubicBezTo>
-                    <a:pt x="34" y="88"/>
-                    <a:pt x="20" y="51"/>
-                    <a:pt x="6" y="15"/>
-                  </a:cubicBezTo>
-                  <a:close/>
-                </a:path>
-              </a:pathLst>
-            </a:custGeom>
-            <a:solidFill>
-              <a:schemeClr val="tx2"/>
-            </a:solidFill>
-            <a:ln>
-              <a:noFill/>
-            </a:ln>
-          </p:spPr>
-        </p:sp>
-        <p:sp>
-          <p:nvSpPr>
-            <p:cNvPr id="29" name="Freeform 30">
-              <a:extLst>
-                <a:ext uri="{FF2B5EF4-FFF2-40B4-BE49-F238E27FC236}">
-                  <a16:creationId xmlns:a16="http://schemas.microsoft.com/office/drawing/2014/main" id="{7BDE7E7B-E3AA-4A24-8F9D-CE77C96CA24F}"/>
-                </a:ext>
-                <a:ext uri="{C183D7F6-B498-43B3-948B-1728B52AA6E4}">
-                  <adec:decorative xmlns:adec="http://schemas.microsoft.com/office/drawing/2017/decorative" val="1"/>
-                </a:ext>
-              </a:extLst>
-            </p:cNvPr>
-            <p:cNvSpPr/>
-            <p:nvPr>
-              <p:extLst>
-                <p:ext uri="{386F3935-93C4-4BCD-93E2-E3B085C9AB24}">
-                  <p16:designElem xmlns:p16="http://schemas.microsoft.com/office/powerpoint/2015/main" val="1"/>
-                </p:ext>
-              </p:extLst>
-            </p:nvPr>
-          </p:nvSpPr>
-          <p:spPr bwMode="auto">
-            <a:xfrm>
-              <a:off x="7037388" y="3811588"/>
-              <a:ext cx="457200" cy="1852613"/>
-            </a:xfrm>
-            <a:custGeom>
-              <a:avLst/>
-              <a:gdLst/>
-              <a:ahLst/>
-              <a:cxnLst/>
-              <a:rect l="0" t="0" r="r" b="b"/>
-              <a:pathLst>
-                <a:path w="115" h="467">
-                  <a:moveTo>
-                    <a:pt x="101" y="409"/>
-                  </a:moveTo>
-                  <a:cubicBezTo>
-                    <a:pt x="93" y="388"/>
-                    <a:pt x="85" y="366"/>
-                    <a:pt x="78" y="344"/>
-                  </a:cubicBezTo>
-                  <a:cubicBezTo>
-                    <a:pt x="57" y="281"/>
-                    <a:pt x="41" y="216"/>
-                    <a:pt x="29" y="151"/>
-                  </a:cubicBezTo>
-                  <a:cubicBezTo>
-                    <a:pt x="22" y="119"/>
-                    <a:pt x="17" y="86"/>
-                    <a:pt x="13" y="53"/>
-                  </a:cubicBezTo>
-                  <a:cubicBezTo>
-                    <a:pt x="9" y="35"/>
-                    <a:pt x="4" y="18"/>
-                    <a:pt x="0" y="0"/>
-                  </a:cubicBezTo>
-                  <a:cubicBezTo>
-                    <a:pt x="5" y="51"/>
-                    <a:pt x="12" y="102"/>
-                    <a:pt x="21" y="152"/>
-                  </a:cubicBezTo>
-                  <a:cubicBezTo>
-                    <a:pt x="33" y="218"/>
-                    <a:pt x="49" y="283"/>
-                    <a:pt x="69" y="347"/>
-                  </a:cubicBezTo>
-                  <a:cubicBezTo>
-                    <a:pt x="79" y="378"/>
-                    <a:pt x="90" y="410"/>
-                    <a:pt x="103" y="441"/>
-                  </a:cubicBezTo>
-                  <a:cubicBezTo>
-                    <a:pt x="107" y="449"/>
-                    <a:pt x="111" y="458"/>
-                    <a:pt x="115" y="467"/>
-                  </a:cubicBezTo>
-                  <a:cubicBezTo>
-                    <a:pt x="114" y="464"/>
-                    <a:pt x="113" y="461"/>
-                    <a:pt x="112" y="458"/>
-                  </a:cubicBezTo>
-                  <a:cubicBezTo>
-                    <a:pt x="108" y="442"/>
-                    <a:pt x="104" y="425"/>
-                    <a:pt x="101" y="409"/>
-                  </a:cubicBezTo>
-                  <a:close/>
-                </a:path>
-              </a:pathLst>
-            </a:custGeom>
-            <a:solidFill>
-              <a:schemeClr val="tx2"/>
-            </a:solidFill>
-            <a:ln>
-              <a:noFill/>
-            </a:ln>
-          </p:spPr>
-        </p:sp>
-        <p:sp>
-          <p:nvSpPr>
-            <p:cNvPr id="30" name="Freeform 31">
-              <a:extLst>
-                <a:ext uri="{FF2B5EF4-FFF2-40B4-BE49-F238E27FC236}">
-                  <a16:creationId xmlns:a16="http://schemas.microsoft.com/office/drawing/2014/main" id="{D129CAA9-35E5-48CE-88AE-9806695CB85F}"/>
-                </a:ext>
-                <a:ext uri="{C183D7F6-B498-43B3-948B-1728B52AA6E4}">
-                  <adec:decorative xmlns:adec="http://schemas.microsoft.com/office/drawing/2017/decorative" val="1"/>
-                </a:ext>
-              </a:extLst>
-            </p:cNvPr>
-            <p:cNvSpPr/>
-            <p:nvPr>
-              <p:extLst>
-                <p:ext uri="{386F3935-93C4-4BCD-93E2-E3B085C9AB24}">
-                  <p16:designElem xmlns:p16="http://schemas.microsoft.com/office/powerpoint/2015/main" val="1"/>
-                </p:ext>
-              </p:extLst>
-            </p:nvPr>
-          </p:nvSpPr>
-          <p:spPr bwMode="auto">
-            <a:xfrm>
-              <a:off x="6992938" y="1263650"/>
-              <a:ext cx="144463" cy="2508250"/>
-            </a:xfrm>
-            <a:custGeom>
-              <a:avLst/>
-              <a:gdLst/>
-              <a:ahLst/>
-              <a:cxnLst/>
-              <a:rect l="0" t="0" r="r" b="b"/>
-              <a:pathLst>
-                <a:path w="36" h="633">
-                  <a:moveTo>
-                    <a:pt x="17" y="633"/>
-                  </a:moveTo>
-                  <a:cubicBezTo>
-                    <a:pt x="15" y="621"/>
-                    <a:pt x="14" y="609"/>
-                    <a:pt x="13" y="597"/>
-                  </a:cubicBezTo>
-                  <a:cubicBezTo>
-                    <a:pt x="8" y="530"/>
-                    <a:pt x="5" y="464"/>
-                    <a:pt x="5" y="398"/>
-                  </a:cubicBezTo>
-                  <a:cubicBezTo>
-                    <a:pt x="5" y="331"/>
-                    <a:pt x="8" y="265"/>
-                    <a:pt x="13" y="198"/>
-                  </a:cubicBezTo>
-                  <a:cubicBezTo>
-                    <a:pt x="15" y="165"/>
-                    <a:pt x="18" y="132"/>
-                    <a:pt x="22" y="99"/>
-                  </a:cubicBezTo>
-                  <a:cubicBezTo>
-                    <a:pt x="26" y="66"/>
-                    <a:pt x="30" y="33"/>
-                    <a:pt x="36" y="0"/>
-                  </a:cubicBezTo>
-                  <a:cubicBezTo>
-                    <a:pt x="35" y="0"/>
-                    <a:pt x="35" y="0"/>
-                    <a:pt x="35" y="0"/>
-                  </a:cubicBezTo>
-                  <a:cubicBezTo>
-                    <a:pt x="29" y="33"/>
-                    <a:pt x="24" y="66"/>
-                    <a:pt x="20" y="99"/>
-                  </a:cubicBezTo>
-                  <a:cubicBezTo>
-                    <a:pt x="16" y="132"/>
-                    <a:pt x="13" y="165"/>
-                    <a:pt x="10" y="198"/>
-                  </a:cubicBezTo>
-                  <a:cubicBezTo>
-                    <a:pt x="4" y="264"/>
-                    <a:pt x="1" y="331"/>
-                    <a:pt x="1" y="398"/>
-                  </a:cubicBezTo>
-                  <a:cubicBezTo>
-                    <a:pt x="0" y="461"/>
-                    <a:pt x="2" y="525"/>
-                    <a:pt x="7" y="589"/>
-                  </a:cubicBezTo>
-                  <a:cubicBezTo>
-                    <a:pt x="10" y="603"/>
-                    <a:pt x="13" y="618"/>
-                    <a:pt x="16" y="632"/>
-                  </a:cubicBezTo>
-                  <a:cubicBezTo>
-                    <a:pt x="16" y="632"/>
-                    <a:pt x="17" y="633"/>
-                    <a:pt x="17" y="633"/>
-                  </a:cubicBezTo>
-                  <a:close/>
-                </a:path>
-              </a:pathLst>
-            </a:custGeom>
-            <a:solidFill>
-              <a:schemeClr val="tx2"/>
-            </a:solidFill>
-            <a:ln>
-              <a:noFill/>
-            </a:ln>
-          </p:spPr>
-        </p:sp>
-        <p:sp>
-          <p:nvSpPr>
-            <p:cNvPr id="31" name="Freeform 32">
-              <a:extLst>
-                <a:ext uri="{FF2B5EF4-FFF2-40B4-BE49-F238E27FC236}">
-                  <a16:creationId xmlns:a16="http://schemas.microsoft.com/office/drawing/2014/main" id="{A73989FF-4EFF-4181-81A4-72EF2E67DB63}"/>
-                </a:ext>
-                <a:ext uri="{C183D7F6-B498-43B3-948B-1728B52AA6E4}">
-                  <adec:decorative xmlns:adec="http://schemas.microsoft.com/office/drawing/2017/decorative" val="1"/>
-                </a:ext>
-              </a:extLst>
-            </p:cNvPr>
-            <p:cNvSpPr/>
-            <p:nvPr>
-              <p:extLst>
-                <p:ext uri="{386F3935-93C4-4BCD-93E2-E3B085C9AB24}">
-                  <p16:designElem xmlns:p16="http://schemas.microsoft.com/office/powerpoint/2015/main" val="1"/>
-                </p:ext>
-              </p:extLst>
-            </p:nvPr>
-          </p:nvSpPr>
-          <p:spPr bwMode="auto">
-            <a:xfrm>
-              <a:off x="7526338" y="5640388"/>
-              <a:ext cx="111125" cy="233363"/>
-            </a:xfrm>
-            <a:custGeom>
-              <a:avLst/>
-              <a:gdLst/>
-              <a:ahLst/>
-              <a:cxnLst/>
-              <a:rect l="0" t="0" r="r" b="b"/>
-              <a:pathLst>
-                <a:path w="28" h="59">
-                  <a:moveTo>
-                    <a:pt x="22" y="59"/>
-                  </a:moveTo>
-                  <a:cubicBezTo>
-                    <a:pt x="28" y="59"/>
-                    <a:pt x="28" y="59"/>
-                    <a:pt x="28" y="59"/>
-                  </a:cubicBezTo>
-                  <a:cubicBezTo>
-                    <a:pt x="18" y="40"/>
-                    <a:pt x="9" y="20"/>
-                    <a:pt x="0" y="0"/>
-                  </a:cubicBezTo>
-                  <a:cubicBezTo>
-                    <a:pt x="6" y="20"/>
-                    <a:pt x="13" y="40"/>
-                    <a:pt x="22" y="59"/>
-                  </a:cubicBezTo>
-                  <a:close/>
-                </a:path>
-              </a:pathLst>
-            </a:custGeom>
-            <a:solidFill>
-              <a:schemeClr val="tx2"/>
-            </a:solidFill>
-            <a:ln>
-              <a:noFill/>
-            </a:ln>
-          </p:spPr>
-        </p:sp>
-        <p:sp>
-          <p:nvSpPr>
-            <p:cNvPr id="32" name="Freeform 33">
-              <a:extLst>
-                <a:ext uri="{FF2B5EF4-FFF2-40B4-BE49-F238E27FC236}">
-                  <a16:creationId xmlns:a16="http://schemas.microsoft.com/office/drawing/2014/main" id="{8C2C17BD-8FA0-4F42-B2CD-5E5A9F542982}"/>
-                </a:ext>
-                <a:ext uri="{C183D7F6-B498-43B3-948B-1728B52AA6E4}">
-                  <adec:decorative xmlns:adec="http://schemas.microsoft.com/office/drawing/2017/decorative" val="1"/>
-                </a:ext>
-              </a:extLst>
-            </p:cNvPr>
-            <p:cNvSpPr/>
-            <p:nvPr>
-              <p:extLst>
-                <p:ext uri="{386F3935-93C4-4BCD-93E2-E3B085C9AB24}">
-                  <p16:designElem xmlns:p16="http://schemas.microsoft.com/office/powerpoint/2015/main" val="1"/>
-                </p:ext>
-              </p:extLst>
-            </p:nvPr>
-          </p:nvSpPr>
-          <p:spPr bwMode="auto">
-            <a:xfrm>
-              <a:off x="7021513" y="3598863"/>
-              <a:ext cx="68263" cy="423863"/>
-            </a:xfrm>
-            <a:custGeom>
-              <a:avLst/>
-              <a:gdLst/>
-              <a:ahLst/>
-              <a:cxnLst/>
-              <a:rect l="0" t="0" r="r" b="b"/>
-              <a:pathLst>
-                <a:path w="17" h="107">
-                  <a:moveTo>
-                    <a:pt x="4" y="54"/>
-                  </a:moveTo>
-                  <a:cubicBezTo>
-                    <a:pt x="8" y="72"/>
-                    <a:pt x="13" y="89"/>
-                    <a:pt x="17" y="107"/>
-                  </a:cubicBezTo>
-                  <a:cubicBezTo>
-                    <a:pt x="14" y="86"/>
-                    <a:pt x="12" y="65"/>
-                    <a:pt x="10" y="44"/>
-                  </a:cubicBezTo>
-                  <a:cubicBezTo>
-                    <a:pt x="10" y="44"/>
-                    <a:pt x="9" y="43"/>
-                    <a:pt x="9" y="43"/>
-                  </a:cubicBezTo>
-                  <a:cubicBezTo>
-                    <a:pt x="6" y="29"/>
-                    <a:pt x="3" y="14"/>
-                    <a:pt x="0" y="0"/>
-                  </a:cubicBezTo>
-                  <a:cubicBezTo>
-                    <a:pt x="0" y="2"/>
-                    <a:pt x="0" y="5"/>
-                    <a:pt x="0" y="8"/>
-                  </a:cubicBezTo>
-                  <a:cubicBezTo>
-                    <a:pt x="1" y="23"/>
-                    <a:pt x="3" y="39"/>
-                    <a:pt x="4" y="54"/>
-                  </a:cubicBezTo>
-                  <a:close/>
-                </a:path>
-              </a:pathLst>
-            </a:custGeom>
-            <a:solidFill>
-              <a:schemeClr val="tx2"/>
-            </a:solidFill>
-            <a:ln>
-              <a:noFill/>
-            </a:ln>
-          </p:spPr>
-        </p:sp>
-        <p:sp>
-          <p:nvSpPr>
-            <p:cNvPr id="33" name="Freeform 34">
-              <a:extLst>
-                <a:ext uri="{FF2B5EF4-FFF2-40B4-BE49-F238E27FC236}">
-                  <a16:creationId xmlns:a16="http://schemas.microsoft.com/office/drawing/2014/main" id="{EEE99CF3-AD71-46FB-8E7D-67825F7816E4}"/>
-                </a:ext>
-                <a:ext uri="{C183D7F6-B498-43B3-948B-1728B52AA6E4}">
-                  <adec:decorative xmlns:adec="http://schemas.microsoft.com/office/drawing/2017/decorative" val="1"/>
-                </a:ext>
-              </a:extLst>
-            </p:cNvPr>
-            <p:cNvSpPr/>
-            <p:nvPr>
-              <p:extLst>
-                <p:ext uri="{386F3935-93C4-4BCD-93E2-E3B085C9AB24}">
-                  <p16:designElem xmlns:p16="http://schemas.microsoft.com/office/powerpoint/2015/main" val="1"/>
-                </p:ext>
-              </p:extLst>
-            </p:nvPr>
-          </p:nvSpPr>
-          <p:spPr bwMode="auto">
-            <a:xfrm>
-              <a:off x="7412038" y="2801938"/>
-              <a:ext cx="1168400" cy="2251075"/>
-            </a:xfrm>
-            <a:custGeom>
-              <a:avLst/>
-              <a:gdLst/>
-              <a:ahLst/>
-              <a:cxnLst/>
-              <a:rect l="0" t="0" r="r" b="b"/>
-              <a:pathLst>
-                <a:path w="294" h="568">
-                  <a:moveTo>
-                    <a:pt x="8" y="553"/>
-                  </a:moveTo>
-                  <a:cubicBezTo>
-                    <a:pt x="9" y="501"/>
-                    <a:pt x="19" y="448"/>
-                    <a:pt x="35" y="397"/>
-                  </a:cubicBezTo>
-                  <a:cubicBezTo>
-                    <a:pt x="51" y="347"/>
-                    <a:pt x="73" y="298"/>
-                    <a:pt x="99" y="252"/>
-                  </a:cubicBezTo>
-                  <a:cubicBezTo>
-                    <a:pt x="124" y="205"/>
-                    <a:pt x="154" y="161"/>
-                    <a:pt x="187" y="119"/>
-                  </a:cubicBezTo>
-                  <a:cubicBezTo>
-                    <a:pt x="203" y="98"/>
-                    <a:pt x="220" y="77"/>
-                    <a:pt x="238" y="58"/>
-                  </a:cubicBezTo>
-                  <a:cubicBezTo>
-                    <a:pt x="247" y="48"/>
-                    <a:pt x="256" y="38"/>
-                    <a:pt x="265" y="28"/>
-                  </a:cubicBezTo>
-                  <a:cubicBezTo>
-                    <a:pt x="274" y="19"/>
-                    <a:pt x="284" y="9"/>
-                    <a:pt x="294" y="0"/>
-                  </a:cubicBezTo>
-                  <a:cubicBezTo>
-                    <a:pt x="293" y="0"/>
-                    <a:pt x="293" y="0"/>
-                    <a:pt x="293" y="0"/>
-                  </a:cubicBezTo>
-                  <a:cubicBezTo>
-                    <a:pt x="283" y="9"/>
-                    <a:pt x="273" y="18"/>
-                    <a:pt x="264" y="27"/>
-                  </a:cubicBezTo>
-                  <a:cubicBezTo>
-                    <a:pt x="255" y="37"/>
-                    <a:pt x="246" y="47"/>
-                    <a:pt x="237" y="56"/>
-                  </a:cubicBezTo>
-                  <a:cubicBezTo>
-                    <a:pt x="218" y="76"/>
-                    <a:pt x="201" y="96"/>
-                    <a:pt x="185" y="117"/>
-                  </a:cubicBezTo>
-                  <a:cubicBezTo>
-                    <a:pt x="151" y="159"/>
-                    <a:pt x="121" y="203"/>
-                    <a:pt x="95" y="249"/>
-                  </a:cubicBezTo>
-                  <a:cubicBezTo>
-                    <a:pt x="68" y="296"/>
-                    <a:pt x="46" y="345"/>
-                    <a:pt x="30" y="396"/>
-                  </a:cubicBezTo>
-                  <a:cubicBezTo>
-                    <a:pt x="13" y="445"/>
-                    <a:pt x="3" y="497"/>
-                    <a:pt x="0" y="549"/>
-                  </a:cubicBezTo>
-                  <a:cubicBezTo>
-                    <a:pt x="3" y="555"/>
-                    <a:pt x="5" y="561"/>
-                    <a:pt x="7" y="568"/>
-                  </a:cubicBezTo>
-                  <a:cubicBezTo>
-                    <a:pt x="7" y="563"/>
-                    <a:pt x="7" y="558"/>
-                    <a:pt x="8" y="553"/>
-                  </a:cubicBezTo>
-                  <a:close/>
-                </a:path>
-              </a:pathLst>
-            </a:custGeom>
-            <a:solidFill>
-              <a:schemeClr val="tx2"/>
-            </a:solidFill>
-            <a:ln>
-              <a:noFill/>
-            </a:ln>
-          </p:spPr>
-        </p:sp>
-        <p:sp>
-          <p:nvSpPr>
-            <p:cNvPr id="34" name="Freeform 35">
-              <a:extLst>
-                <a:ext uri="{FF2B5EF4-FFF2-40B4-BE49-F238E27FC236}">
-                  <a16:creationId xmlns:a16="http://schemas.microsoft.com/office/drawing/2014/main" id="{D0F9D5ED-7591-4E88-9FDA-4C1DC47E9D41}"/>
-                </a:ext>
-                <a:ext uri="{C183D7F6-B498-43B3-948B-1728B52AA6E4}">
-                  <adec:decorative xmlns:adec="http://schemas.microsoft.com/office/drawing/2017/decorative" val="1"/>
-                </a:ext>
-              </a:extLst>
-            </p:cNvPr>
-            <p:cNvSpPr/>
-            <p:nvPr>
-              <p:extLst>
-                <p:ext uri="{386F3935-93C4-4BCD-93E2-E3B085C9AB24}">
-                  <p16:designElem xmlns:p16="http://schemas.microsoft.com/office/powerpoint/2015/main" val="1"/>
-                </p:ext>
-              </p:extLst>
-            </p:nvPr>
-          </p:nvSpPr>
-          <p:spPr bwMode="auto">
-            <a:xfrm>
-              <a:off x="7494588" y="5664200"/>
-              <a:ext cx="100013" cy="209550"/>
-            </a:xfrm>
-            <a:custGeom>
-              <a:avLst/>
-              <a:gdLst/>
-              <a:ahLst/>
-              <a:cxnLst/>
-              <a:rect l="0" t="0" r="r" b="b"/>
-              <a:pathLst>
-                <a:path w="25" h="53">
-                  <a:moveTo>
-                    <a:pt x="0" y="0"/>
-                  </a:moveTo>
-                  <a:cubicBezTo>
-                    <a:pt x="5" y="18"/>
-                    <a:pt x="12" y="36"/>
-                    <a:pt x="19" y="53"/>
-                  </a:cubicBezTo>
-                  <a:cubicBezTo>
-                    <a:pt x="25" y="53"/>
-                    <a:pt x="25" y="53"/>
-                    <a:pt x="25" y="53"/>
-                  </a:cubicBezTo>
-                  <a:cubicBezTo>
-                    <a:pt x="16" y="36"/>
-                    <a:pt x="8" y="18"/>
-                    <a:pt x="0" y="0"/>
-                  </a:cubicBezTo>
-                  <a:close/>
-                </a:path>
-              </a:pathLst>
-            </a:custGeom>
-            <a:solidFill>
-              <a:schemeClr val="tx2"/>
-            </a:solidFill>
-            <a:ln>
-              <a:noFill/>
-            </a:ln>
-          </p:spPr>
-        </p:sp>
-        <p:sp>
-          <p:nvSpPr>
-            <p:cNvPr id="35" name="Freeform 36">
-              <a:extLst>
-                <a:ext uri="{FF2B5EF4-FFF2-40B4-BE49-F238E27FC236}">
-                  <a16:creationId xmlns:a16="http://schemas.microsoft.com/office/drawing/2014/main" id="{88FA7C13-D80D-4514-B9DB-87AE076ACED5}"/>
-                </a:ext>
-                <a:ext uri="{C183D7F6-B498-43B3-948B-1728B52AA6E4}">
-                  <adec:decorative xmlns:adec="http://schemas.microsoft.com/office/drawing/2017/decorative" val="1"/>
-                </a:ext>
-              </a:extLst>
-            </p:cNvPr>
-            <p:cNvSpPr/>
-            <p:nvPr>
-              <p:extLst>
-                <p:ext uri="{386F3935-93C4-4BCD-93E2-E3B085C9AB24}">
-                  <p16:designElem xmlns:p16="http://schemas.microsoft.com/office/powerpoint/2015/main" val="1"/>
-                </p:ext>
-              </p:extLst>
-            </p:nvPr>
-          </p:nvSpPr>
-          <p:spPr bwMode="auto">
-            <a:xfrm>
-              <a:off x="7412038" y="5081588"/>
-              <a:ext cx="114300" cy="558800"/>
-            </a:xfrm>
-            <a:custGeom>
-              <a:avLst/>
-              <a:gdLst/>
-              <a:ahLst/>
-              <a:cxnLst/>
-              <a:rect l="0" t="0" r="r" b="b"/>
-              <a:pathLst>
-                <a:path w="29" h="141">
-                  <a:moveTo>
-                    <a:pt x="0" y="0"/>
-                  </a:moveTo>
-                  <a:cubicBezTo>
-                    <a:pt x="0" y="30"/>
-                    <a:pt x="2" y="60"/>
-                    <a:pt x="7" y="89"/>
-                  </a:cubicBezTo>
-                  <a:cubicBezTo>
-                    <a:pt x="11" y="98"/>
-                    <a:pt x="14" y="108"/>
-                    <a:pt x="18" y="117"/>
-                  </a:cubicBezTo>
-                  <a:cubicBezTo>
-                    <a:pt x="22" y="125"/>
-                    <a:pt x="25" y="133"/>
-                    <a:pt x="29" y="141"/>
-                  </a:cubicBezTo>
-                  <a:cubicBezTo>
-                    <a:pt x="28" y="139"/>
-                    <a:pt x="28" y="137"/>
-                    <a:pt x="27" y="135"/>
-                  </a:cubicBezTo>
-                  <a:cubicBezTo>
-                    <a:pt x="16" y="98"/>
-                    <a:pt x="10" y="60"/>
-                    <a:pt x="8" y="22"/>
-                  </a:cubicBezTo>
-                  <a:cubicBezTo>
-                    <a:pt x="7" y="18"/>
-                    <a:pt x="5" y="15"/>
-                    <a:pt x="4" y="11"/>
-                  </a:cubicBezTo>
-                  <a:cubicBezTo>
-                    <a:pt x="2" y="7"/>
-                    <a:pt x="1" y="3"/>
-                    <a:pt x="0" y="0"/>
-                  </a:cubicBezTo>
-                  <a:close/>
-                </a:path>
-              </a:pathLst>
-            </a:custGeom>
-            <a:solidFill>
-              <a:schemeClr val="tx2"/>
-            </a:solidFill>
-            <a:ln>
-              <a:noFill/>
-            </a:ln>
-          </p:spPr>
-        </p:sp>
-        <p:sp>
-          <p:nvSpPr>
-            <p:cNvPr id="36" name="Freeform 37">
-              <a:extLst>
-                <a:ext uri="{FF2B5EF4-FFF2-40B4-BE49-F238E27FC236}">
-                  <a16:creationId xmlns:a16="http://schemas.microsoft.com/office/drawing/2014/main" id="{202C78DF-D842-450B-A87D-E035719E4EB9}"/>
-                </a:ext>
-                <a:ext uri="{C183D7F6-B498-43B3-948B-1728B52AA6E4}">
-                  <adec:decorative xmlns:adec="http://schemas.microsoft.com/office/drawing/2017/decorative" val="1"/>
-                </a:ext>
-              </a:extLst>
-            </p:cNvPr>
-            <p:cNvSpPr/>
-            <p:nvPr>
-              <p:extLst>
-                <p:ext uri="{386F3935-93C4-4BCD-93E2-E3B085C9AB24}">
-                  <p16:designElem xmlns:p16="http://schemas.microsoft.com/office/powerpoint/2015/main" val="1"/>
-                </p:ext>
-              </p:extLst>
-            </p:nvPr>
-          </p:nvSpPr>
-          <p:spPr bwMode="auto">
-            <a:xfrm>
-              <a:off x="7412038" y="4978400"/>
-              <a:ext cx="31750" cy="188913"/>
-            </a:xfrm>
-            <a:custGeom>
-              <a:avLst/>
-              <a:gdLst/>
-              <a:ahLst/>
-              <a:cxnLst/>
-              <a:rect l="0" t="0" r="r" b="b"/>
-              <a:pathLst>
-                <a:path w="8" h="48">
-                  <a:moveTo>
-                    <a:pt x="0" y="26"/>
-                  </a:moveTo>
-                  <a:cubicBezTo>
-                    <a:pt x="1" y="29"/>
-                    <a:pt x="2" y="33"/>
-                    <a:pt x="4" y="37"/>
-                  </a:cubicBezTo>
-                  <a:cubicBezTo>
-                    <a:pt x="5" y="41"/>
-                    <a:pt x="7" y="44"/>
-                    <a:pt x="8" y="48"/>
-                  </a:cubicBezTo>
-                  <a:cubicBezTo>
-                    <a:pt x="7" y="38"/>
-                    <a:pt x="7" y="28"/>
-                    <a:pt x="7" y="19"/>
-                  </a:cubicBezTo>
-                  <a:cubicBezTo>
-                    <a:pt x="5" y="12"/>
-                    <a:pt x="3" y="6"/>
-                    <a:pt x="0" y="0"/>
-                  </a:cubicBezTo>
-                  <a:cubicBezTo>
-                    <a:pt x="0" y="1"/>
-                    <a:pt x="0" y="3"/>
-                    <a:pt x="0" y="4"/>
-                  </a:cubicBezTo>
-                  <a:cubicBezTo>
-                    <a:pt x="0" y="11"/>
-                    <a:pt x="0" y="19"/>
-                    <a:pt x="0" y="26"/>
-                  </a:cubicBezTo>
-                  <a:close/>
-                </a:path>
-              </a:pathLst>
-            </a:custGeom>
-            <a:solidFill>
-              <a:schemeClr val="tx2"/>
-            </a:solidFill>
-            <a:ln>
-              <a:noFill/>
-            </a:ln>
-          </p:spPr>
-        </p:sp>
-        <p:sp>
-          <p:nvSpPr>
-            <p:cNvPr id="37" name="Freeform 38">
-              <a:extLst>
-                <a:ext uri="{FF2B5EF4-FFF2-40B4-BE49-F238E27FC236}">
-                  <a16:creationId xmlns:a16="http://schemas.microsoft.com/office/drawing/2014/main" id="{A4789F83-2423-47F8-8958-48E477BAE0CB}"/>
-                </a:ext>
-                <a:ext uri="{C183D7F6-B498-43B3-948B-1728B52AA6E4}">
-                  <adec:decorative xmlns:adec="http://schemas.microsoft.com/office/drawing/2017/decorative" val="1"/>
-                </a:ext>
-              </a:extLst>
-            </p:cNvPr>
-            <p:cNvSpPr/>
-            <p:nvPr>
-              <p:extLst>
-                <p:ext uri="{386F3935-93C4-4BCD-93E2-E3B085C9AB24}">
-                  <p16:designElem xmlns:p16="http://schemas.microsoft.com/office/powerpoint/2015/main" val="1"/>
-                </p:ext>
-              </p:extLst>
-            </p:nvPr>
-          </p:nvSpPr>
-          <p:spPr bwMode="auto">
-            <a:xfrm>
-              <a:off x="7439026" y="5434013"/>
-              <a:ext cx="174625" cy="439738"/>
-            </a:xfrm>
-            <a:custGeom>
-              <a:avLst/>
-              <a:gdLst/>
-              <a:ahLst/>
-              <a:cxnLst/>
-              <a:rect l="0" t="0" r="r" b="b"/>
-              <a:pathLst>
-                <a:path w="44" h="111">
-                  <a:moveTo>
-                    <a:pt x="11" y="28"/>
-                  </a:moveTo>
-                  <a:cubicBezTo>
-                    <a:pt x="7" y="19"/>
-                    <a:pt x="4" y="9"/>
-                    <a:pt x="0" y="0"/>
-                  </a:cubicBezTo>
-                  <a:cubicBezTo>
-                    <a:pt x="3" y="16"/>
-                    <a:pt x="7" y="33"/>
-                    <a:pt x="11" y="49"/>
-                  </a:cubicBezTo>
-                  <a:cubicBezTo>
-                    <a:pt x="12" y="52"/>
-                    <a:pt x="13" y="55"/>
-                    <a:pt x="14" y="58"/>
-                  </a:cubicBezTo>
-                  <a:cubicBezTo>
-                    <a:pt x="22" y="76"/>
-                    <a:pt x="30" y="94"/>
-                    <a:pt x="39" y="111"/>
-                  </a:cubicBezTo>
-                  <a:cubicBezTo>
-                    <a:pt x="44" y="111"/>
-                    <a:pt x="44" y="111"/>
-                    <a:pt x="44" y="111"/>
-                  </a:cubicBezTo>
-                  <a:cubicBezTo>
-                    <a:pt x="35" y="92"/>
-                    <a:pt x="28" y="72"/>
-                    <a:pt x="22" y="52"/>
-                  </a:cubicBezTo>
-                  <a:cubicBezTo>
-                    <a:pt x="18" y="44"/>
-                    <a:pt x="15" y="36"/>
-                    <a:pt x="11" y="28"/>
-                  </a:cubicBezTo>
-                  <a:close/>
-                </a:path>
-              </a:pathLst>
-            </a:custGeom>
-            <a:solidFill>
-              <a:schemeClr val="tx2"/>
-            </a:solidFill>
-            <a:ln>
-              <a:noFill/>
-            </a:ln>
-          </p:spPr>
-        </p:sp>
-      </p:grpSp>
       <p:sp>
         <p:nvSpPr>
           <p:cNvPr id="2" name="Title 1">
@@ -20064,8 +18845,8 @@
         </p:nvSpPr>
         <p:spPr>
           <a:xfrm>
-            <a:off x="4659520" y="624110"/>
-            <a:ext cx="6845092" cy="1280890"/>
+            <a:off x="2589213" y="512462"/>
+            <a:ext cx="8911687" cy="1280890"/>
           </a:xfrm>
         </p:spPr>
         <p:txBody>
@@ -20081,158 +18862,65 @@
           </a:p>
         </p:txBody>
       </p:sp>
+      <p:graphicFrame>
+        <p:nvGraphicFramePr>
+          <p:cNvPr id="45" name="Content Placeholder 2">
+            <a:extLst>
+              <a:ext uri="{FF2B5EF4-FFF2-40B4-BE49-F238E27FC236}">
+                <a16:creationId xmlns:a16="http://schemas.microsoft.com/office/drawing/2014/main" id="{DB9CD2A3-343E-D0A4-34A8-D4EF80316B4E}"/>
+              </a:ext>
+            </a:extLst>
+          </p:cNvPr>
+          <p:cNvGraphicFramePr>
+            <a:graphicFrameLocks noGrp="1"/>
+          </p:cNvGraphicFramePr>
+          <p:nvPr>
+            <p:ph sz="half" idx="2"/>
+            <p:extLst>
+              <p:ext uri="{D42A27DB-BD31-4B8C-83A1-F6EECF244321}">
+                <p14:modId xmlns:p14="http://schemas.microsoft.com/office/powerpoint/2010/main" val="2528631607"/>
+              </p:ext>
+            </p:extLst>
+          </p:nvPr>
+        </p:nvGraphicFramePr>
+        <p:xfrm>
+          <a:off x="2589213" y="2922295"/>
+          <a:ext cx="6538009" cy="3507326"/>
+        </p:xfrm>
+        <a:graphic>
+          <a:graphicData uri="http://schemas.openxmlformats.org/drawingml/2006/diagram">
+            <dgm:relIds xmlns:dgm="http://schemas.openxmlformats.org/drawingml/2006/diagram" xmlns:r="http://schemas.openxmlformats.org/officeDocument/2006/relationships" r:dm="rId3" r:lo="rId4" r:qs="rId5" r:cs="rId6"/>
+          </a:graphicData>
+        </a:graphic>
+      </p:graphicFrame>
       <p:sp>
         <p:nvSpPr>
-          <p:cNvPr id="39" name="Rectangle 38">
+          <p:cNvPr id="3" name="Slide Number Placeholder 2">
             <a:extLst>
               <a:ext uri="{FF2B5EF4-FFF2-40B4-BE49-F238E27FC236}">
-                <a16:creationId xmlns:a16="http://schemas.microsoft.com/office/drawing/2014/main" id="{2C509E7A-337A-4664-BEC2-03F9BCA0A463}"/>
-              </a:ext>
-              <a:ext uri="{C183D7F6-B498-43B3-948B-1728B52AA6E4}">
-                <adec:decorative xmlns:adec="http://schemas.microsoft.com/office/drawing/2017/decorative" val="1"/>
+                <a16:creationId xmlns:a16="http://schemas.microsoft.com/office/drawing/2014/main" id="{4EC6E343-6FE5-D733-55E9-46296A78B891}"/>
               </a:ext>
             </a:extLst>
           </p:cNvPr>
           <p:cNvSpPr>
-            <a:spLocks noGrp="1" noRot="1" noChangeAspect="1" noMove="1" noResize="1" noEditPoints="1" noAdjustHandles="1" noChangeArrowheads="1" noChangeShapeType="1" noTextEdit="1"/>
+            <a:spLocks noGrp="1"/>
           </p:cNvSpPr>
           <p:nvPr>
-            <p:extLst>
-              <p:ext uri="{386F3935-93C4-4BCD-93E2-E3B085C9AB24}">
-                <p16:designElem xmlns:p16="http://schemas.microsoft.com/office/powerpoint/2015/main" val="1"/>
-              </p:ext>
-            </p:extLst>
+            <p:ph type="sldNum" sz="quarter" idx="12"/>
           </p:nvPr>
         </p:nvSpPr>
-        <p:spPr>
-          <a:xfrm>
-            <a:off x="2716320" y="0"/>
-            <a:ext cx="182880" cy="6858000"/>
-          </a:xfrm>
-          <a:prstGeom prst="rect">
-            <a:avLst/>
-          </a:prstGeom>
-          <a:solidFill>
-            <a:schemeClr val="tx2"/>
-          </a:solidFill>
-          <a:ln>
-            <a:noFill/>
-          </a:ln>
-          <a:effectLst/>
-        </p:spPr>
-        <p:style>
-          <a:lnRef idx="1">
-            <a:schemeClr val="accent1"/>
-          </a:lnRef>
-          <a:fillRef idx="3">
-            <a:schemeClr val="accent1"/>
-          </a:fillRef>
-          <a:effectRef idx="2">
-            <a:schemeClr val="accent1"/>
-          </a:effectRef>
-          <a:fontRef idx="minor">
-            <a:schemeClr val="lt1"/>
-          </a:fontRef>
-        </p:style>
-      </p:sp>
-      <p:sp>
-        <p:nvSpPr>
-          <p:cNvPr id="41" name="Freeform 11">
-            <a:extLst>
-              <a:ext uri="{FF2B5EF4-FFF2-40B4-BE49-F238E27FC236}">
-                <a16:creationId xmlns:a16="http://schemas.microsoft.com/office/drawing/2014/main" id="{D9AB99AB-E300-4B19-97C3-9A12EA3C7BDA}"/>
-              </a:ext>
-              <a:ext uri="{C183D7F6-B498-43B3-948B-1728B52AA6E4}">
-                <adec:decorative xmlns:adec="http://schemas.microsoft.com/office/drawing/2017/decorative" val="1"/>
-              </a:ext>
-            </a:extLst>
-          </p:cNvPr>
-          <p:cNvSpPr>
-            <a:spLocks noGrp="1" noRot="1" noChangeAspect="1" noMove="1" noResize="1" noEditPoints="1" noAdjustHandles="1" noChangeArrowheads="1" noChangeShapeType="1" noTextEdit="1"/>
-          </p:cNvSpPr>
-          <p:nvPr>
-            <p:extLst>
-              <p:ext uri="{386F3935-93C4-4BCD-93E2-E3B085C9AB24}">
-                <p16:designElem xmlns:p16="http://schemas.microsoft.com/office/powerpoint/2015/main" val="1"/>
-              </p:ext>
-            </p:extLst>
-          </p:nvPr>
-        </p:nvSpPr>
-        <p:spPr bwMode="auto">
-          <a:xfrm flipV="1">
-            <a:off x="2716320" y="714375"/>
-            <a:ext cx="1588527" cy="507297"/>
-          </a:xfrm>
-          <a:custGeom>
-            <a:avLst/>
-            <a:gdLst/>
-            <a:ahLst/>
-            <a:cxnLst/>
-            <a:rect l="l" t="t" r="r" b="b"/>
-            <a:pathLst>
-              <a:path w="9248" h="10000">
-                <a:moveTo>
-                  <a:pt x="9248" y="4701"/>
-                </a:moveTo>
-                <a:lnTo>
-                  <a:pt x="7915" y="188"/>
-                </a:lnTo>
-                <a:cubicBezTo>
-                  <a:pt x="7906" y="156"/>
-                  <a:pt x="7895" y="126"/>
-                  <a:pt x="7886" y="94"/>
-                </a:cubicBezTo>
-                <a:cubicBezTo>
-                  <a:pt x="7859" y="0"/>
-                  <a:pt x="7831" y="0"/>
-                  <a:pt x="7803" y="0"/>
-                </a:cubicBezTo>
-                <a:lnTo>
-                  <a:pt x="7275" y="0"/>
-                </a:lnTo>
-                <a:lnTo>
-                  <a:pt x="0" y="70"/>
-                </a:lnTo>
-                <a:cubicBezTo>
-                  <a:pt x="8" y="3380"/>
-                  <a:pt x="17" y="6690"/>
-                  <a:pt x="25" y="10000"/>
-                </a:cubicBezTo>
-                <a:lnTo>
-                  <a:pt x="7275" y="9966"/>
-                </a:lnTo>
-                <a:lnTo>
-                  <a:pt x="7803" y="9966"/>
-                </a:lnTo>
-                <a:cubicBezTo>
-                  <a:pt x="7831" y="9966"/>
-                  <a:pt x="7859" y="9872"/>
-                  <a:pt x="7886" y="9872"/>
-                </a:cubicBezTo>
-                <a:cubicBezTo>
-                  <a:pt x="7886" y="9778"/>
-                  <a:pt x="7915" y="9778"/>
-                  <a:pt x="7915" y="9778"/>
-                </a:cubicBezTo>
-                <a:lnTo>
-                  <a:pt x="9248" y="5265"/>
-                </a:lnTo>
-                <a:cubicBezTo>
-                  <a:pt x="9303" y="5077"/>
-                  <a:pt x="9303" y="4889"/>
-                  <a:pt x="9248" y="4701"/>
-                </a:cubicBezTo>
-                <a:close/>
-              </a:path>
-            </a:pathLst>
-          </a:custGeom>
-          <a:solidFill>
-            <a:schemeClr val="accent1"/>
-          </a:solidFill>
-          <a:ln>
-            <a:noFill/>
-          </a:ln>
-        </p:spPr>
+        <p:spPr/>
+        <p:txBody>
+          <a:bodyPr/>
+          <a:lstStyle/>
+          <a:p>
+            <a:fld id="{2A120735-B21E-42C6-8585-71FE977F8FDE}" type="slidenum">
+              <a:rPr lang="en-US" smtClean="0"/>
+              <a:t>2</a:t>
+            </a:fld>
+            <a:endParaRPr lang="en-US" dirty="0"/>
+          </a:p>
+        </p:txBody>
       </p:sp>
       <p:pic>
         <p:nvPicPr>
@@ -20249,13 +18937,13 @@
           <p:nvPr/>
         </p:nvPicPr>
         <p:blipFill rotWithShape="1">
-          <a:blip r:embed="rId3"/>
+          <a:blip r:embed="rId8"/>
           <a:srcRect l="27151" r="45775"/>
           <a:stretch/>
         </p:blipFill>
         <p:spPr>
           <a:xfrm>
-            <a:off x="20" y="1730"/>
+            <a:off x="9471476" y="0"/>
             <a:ext cx="2720524" cy="6858000"/>
           </a:xfrm>
           <a:prstGeom prst="rect">
@@ -20263,37 +18951,6 @@
           </a:prstGeom>
         </p:spPr>
       </p:pic>
-      <p:graphicFrame>
-        <p:nvGraphicFramePr>
-          <p:cNvPr id="45" name="Content Placeholder 2">
-            <a:extLst>
-              <a:ext uri="{FF2B5EF4-FFF2-40B4-BE49-F238E27FC236}">
-                <a16:creationId xmlns:a16="http://schemas.microsoft.com/office/drawing/2014/main" id="{DB9CD2A3-343E-D0A4-34A8-D4EF80316B4E}"/>
-              </a:ext>
-            </a:extLst>
-          </p:cNvPr>
-          <p:cNvGraphicFramePr>
-            <a:graphicFrameLocks noGrp="1"/>
-          </p:cNvGraphicFramePr>
-          <p:nvPr>
-            <p:ph idx="1"/>
-            <p:extLst>
-              <p:ext uri="{D42A27DB-BD31-4B8C-83A1-F6EECF244321}">
-                <p14:modId xmlns:p14="http://schemas.microsoft.com/office/powerpoint/2010/main" val="1323562885"/>
-              </p:ext>
-            </p:extLst>
-          </p:nvPr>
-        </p:nvGraphicFramePr>
-        <p:xfrm>
-          <a:off x="4547140" y="3064190"/>
-          <a:ext cx="6847944" cy="3777622"/>
-        </p:xfrm>
-        <a:graphic>
-          <a:graphicData uri="http://schemas.openxmlformats.org/drawingml/2006/diagram">
-            <dgm:relIds xmlns:dgm="http://schemas.openxmlformats.org/drawingml/2006/diagram" xmlns:r="http://schemas.openxmlformats.org/officeDocument/2006/relationships" r:dm="rId4" r:lo="rId5" r:qs="rId6" r:cs="rId7"/>
-          </a:graphicData>
-        </a:graphic>
-      </p:graphicFrame>
       <p:sp>
         <p:nvSpPr>
           <p:cNvPr id="4" name="TextBox 3">
@@ -20308,8 +18965,8 @@
         </p:nvSpPr>
         <p:spPr>
           <a:xfrm>
-            <a:off x="4449170" y="1467134"/>
-            <a:ext cx="7601803" cy="923330"/>
+            <a:off x="2528092" y="1405950"/>
+            <a:ext cx="6422962" cy="923330"/>
           </a:xfrm>
           <a:prstGeom prst="rect">
             <a:avLst/>
@@ -20348,7 +19005,7 @@
         </p:nvSpPr>
         <p:spPr>
           <a:xfrm>
-            <a:off x="4672115" y="2660336"/>
+            <a:off x="2589213" y="2582323"/>
             <a:ext cx="6845092" cy="1280890"/>
           </a:xfrm>
           <a:prstGeom prst="rect">
@@ -20493,7 +19150,7 @@
         </p:blipFill>
         <p:spPr>
           <a:xfrm>
-            <a:off x="20" y="1730"/>
+            <a:off x="9471456" y="0"/>
             <a:ext cx="2720524" cy="6858000"/>
           </a:xfrm>
           <a:prstGeom prst="rect">
@@ -20627,14 +19284,14 @@
             <p:ph idx="1"/>
             <p:extLst>
               <p:ext uri="{D42A27DB-BD31-4B8C-83A1-F6EECF244321}">
-                <p14:modId xmlns:p14="http://schemas.microsoft.com/office/powerpoint/2010/main" val="1531776940"/>
+                <p14:modId xmlns:p14="http://schemas.microsoft.com/office/powerpoint/2010/main" val="1271298863"/>
               </p:ext>
             </p:extLst>
           </p:nvPr>
         </p:nvGraphicFramePr>
         <p:xfrm>
-          <a:off x="2863532" y="1757997"/>
-          <a:ext cx="8915400" cy="3777622"/>
+          <a:off x="1462571" y="1707663"/>
+          <a:ext cx="7555595" cy="3777622"/>
         </p:xfrm>
         <a:graphic>
           <a:graphicData uri="http://schemas.openxmlformats.org/drawingml/2006/diagram">
@@ -20642,6 +19299,35 @@
           </a:graphicData>
         </a:graphic>
       </p:graphicFrame>
+      <p:sp>
+        <p:nvSpPr>
+          <p:cNvPr id="2" name="Slide Number Placeholder 1">
+            <a:extLst>
+              <a:ext uri="{FF2B5EF4-FFF2-40B4-BE49-F238E27FC236}">
+                <a16:creationId xmlns:a16="http://schemas.microsoft.com/office/drawing/2014/main" id="{FBAB9240-D892-9245-29FA-38D95E347BB2}"/>
+              </a:ext>
+            </a:extLst>
+          </p:cNvPr>
+          <p:cNvSpPr>
+            <a:spLocks noGrp="1"/>
+          </p:cNvSpPr>
+          <p:nvPr>
+            <p:ph type="sldNum" sz="quarter" idx="12"/>
+          </p:nvPr>
+        </p:nvSpPr>
+        <p:spPr/>
+        <p:txBody>
+          <a:bodyPr/>
+          <a:lstStyle/>
+          <a:p>
+            <a:fld id="{2A120735-B21E-42C6-8585-71FE977F8FDE}" type="slidenum">
+              <a:rPr lang="en-US" smtClean="0"/>
+              <a:t>3</a:t>
+            </a:fld>
+            <a:endParaRPr lang="en-US"/>
+          </a:p>
+        </p:txBody>
+      </p:sp>
     </p:spTree>
     <p:extLst>
       <p:ext uri="{BB962C8B-B14F-4D97-AF65-F5344CB8AC3E}">
@@ -20687,13 +19373,13 @@
           <p:nvPr/>
         </p:nvPicPr>
         <p:blipFill rotWithShape="1">
-          <a:blip r:embed="rId2"/>
+          <a:blip r:embed="rId3"/>
           <a:srcRect l="27151" r="45775"/>
           <a:stretch/>
         </p:blipFill>
         <p:spPr>
           <a:xfrm>
-            <a:off x="20" y="1730"/>
+            <a:off x="9546692" y="0"/>
             <a:ext cx="2720524" cy="6858000"/>
           </a:xfrm>
           <a:prstGeom prst="rect">
@@ -20717,7 +19403,7 @@
         </p:nvSpPr>
         <p:spPr>
           <a:xfrm>
-            <a:off x="2720544" y="624110"/>
+            <a:off x="1864867" y="512462"/>
             <a:ext cx="8911687" cy="1280890"/>
           </a:xfrm>
           <a:prstGeom prst="rect">
@@ -20806,7 +19492,7 @@
           <a:p>
             <a:r>
               <a:rPr lang="en-US" dirty="0"/>
-              <a:t>Model</a:t>
+              <a:t>Model Methodology</a:t>
             </a:r>
           </a:p>
         </p:txBody>
@@ -20827,21 +19513,51 @@
             <p:ph idx="1"/>
             <p:extLst>
               <p:ext uri="{D42A27DB-BD31-4B8C-83A1-F6EECF244321}">
-                <p14:modId xmlns:p14="http://schemas.microsoft.com/office/powerpoint/2010/main" val="1102564597"/>
+                <p14:modId xmlns:p14="http://schemas.microsoft.com/office/powerpoint/2010/main" val="2899104268"/>
               </p:ext>
             </p:extLst>
           </p:nvPr>
         </p:nvGraphicFramePr>
         <p:xfrm>
-          <a:off x="2788031" y="1905000"/>
-          <a:ext cx="5131176" cy="3777622"/>
+          <a:off x="1497956" y="1915486"/>
+          <a:ext cx="7134315" cy="3612859"/>
         </p:xfrm>
         <a:graphic>
           <a:graphicData uri="http://schemas.openxmlformats.org/drawingml/2006/diagram">
-            <dgm:relIds xmlns:dgm="http://schemas.openxmlformats.org/drawingml/2006/diagram" xmlns:r="http://schemas.openxmlformats.org/officeDocument/2006/relationships" r:dm="rId3" r:lo="rId4" r:qs="rId5" r:cs="rId6"/>
+            <dgm:relIds xmlns:dgm="http://schemas.openxmlformats.org/drawingml/2006/diagram" xmlns:r="http://schemas.openxmlformats.org/officeDocument/2006/relationships" r:dm="rId4" r:lo="rId5" r:qs="rId6" r:cs="rId7"/>
           </a:graphicData>
         </a:graphic>
       </p:graphicFrame>
+      <p:sp>
+        <p:nvSpPr>
+          <p:cNvPr id="2" name="Slide Number Placeholder 1">
+            <a:extLst>
+              <a:ext uri="{FF2B5EF4-FFF2-40B4-BE49-F238E27FC236}">
+                <a16:creationId xmlns:a16="http://schemas.microsoft.com/office/drawing/2014/main" id="{31970E09-B540-64E1-7DA4-E467DB314767}"/>
+              </a:ext>
+            </a:extLst>
+          </p:cNvPr>
+          <p:cNvSpPr>
+            <a:spLocks noGrp="1"/>
+          </p:cNvSpPr>
+          <p:nvPr>
+            <p:ph type="sldNum" sz="quarter" idx="12"/>
+          </p:nvPr>
+        </p:nvSpPr>
+        <p:spPr/>
+        <p:txBody>
+          <a:bodyPr/>
+          <a:lstStyle/>
+          <a:p>
+            <a:fld id="{2A120735-B21E-42C6-8585-71FE977F8FDE}" type="slidenum">
+              <a:rPr lang="en-US" smtClean="0"/>
+              <a:pPr/>
+              <a:t>4</a:t>
+            </a:fld>
+            <a:endParaRPr lang="en-US"/>
+          </a:p>
+        </p:txBody>
+      </p:sp>
     </p:spTree>
     <p:extLst>
       <p:ext uri="{BB962C8B-B14F-4D97-AF65-F5344CB8AC3E}">
@@ -20856,6 +19572,118 @@
 </file>
 
 <file path=ppt/slides/slide5.xml><?xml version="1.0" encoding="utf-8"?>
+<p:sld xmlns:a="http://schemas.openxmlformats.org/drawingml/2006/main" xmlns:r="http://schemas.openxmlformats.org/officeDocument/2006/relationships" xmlns:p="http://schemas.openxmlformats.org/presentationml/2006/main">
+  <p:cSld>
+    <p:spTree>
+      <p:nvGrpSpPr>
+        <p:cNvPr id="1" name=""/>
+        <p:cNvGrpSpPr/>
+        <p:nvPr/>
+      </p:nvGrpSpPr>
+      <p:grpSpPr>
+        <a:xfrm>
+          <a:off x="0" y="0"/>
+          <a:ext cx="0" cy="0"/>
+          <a:chOff x="0" y="0"/>
+          <a:chExt cx="0" cy="0"/>
+        </a:xfrm>
+      </p:grpSpPr>
+      <p:sp>
+        <p:nvSpPr>
+          <p:cNvPr id="2" name="Title 1">
+            <a:extLst>
+              <a:ext uri="{FF2B5EF4-FFF2-40B4-BE49-F238E27FC236}">
+                <a16:creationId xmlns:a16="http://schemas.microsoft.com/office/drawing/2014/main" id="{504F3B04-4021-87DC-10D4-DE5676D14139}"/>
+              </a:ext>
+            </a:extLst>
+          </p:cNvPr>
+          <p:cNvSpPr>
+            <a:spLocks noGrp="1"/>
+          </p:cNvSpPr>
+          <p:nvPr>
+            <p:ph type="title"/>
+          </p:nvPr>
+        </p:nvSpPr>
+        <p:spPr/>
+        <p:txBody>
+          <a:bodyPr/>
+          <a:lstStyle/>
+          <a:p>
+            <a:r>
+              <a:rPr lang="en-US" dirty="0"/>
+              <a:t>Final Model</a:t>
+            </a:r>
+          </a:p>
+        </p:txBody>
+      </p:sp>
+      <p:sp>
+        <p:nvSpPr>
+          <p:cNvPr id="3" name="Content Placeholder 2">
+            <a:extLst>
+              <a:ext uri="{FF2B5EF4-FFF2-40B4-BE49-F238E27FC236}">
+                <a16:creationId xmlns:a16="http://schemas.microsoft.com/office/drawing/2014/main" id="{0F5AE65B-4F05-8E79-BF5D-5BB85E9F2D4C}"/>
+              </a:ext>
+            </a:extLst>
+          </p:cNvPr>
+          <p:cNvSpPr>
+            <a:spLocks noGrp="1"/>
+          </p:cNvSpPr>
+          <p:nvPr>
+            <p:ph idx="1"/>
+          </p:nvPr>
+        </p:nvSpPr>
+        <p:spPr/>
+        <p:txBody>
+          <a:bodyPr/>
+          <a:lstStyle/>
+          <a:p>
+            <a:endParaRPr lang="en-US"/>
+          </a:p>
+        </p:txBody>
+      </p:sp>
+      <p:sp>
+        <p:nvSpPr>
+          <p:cNvPr id="4" name="Slide Number Placeholder 3">
+            <a:extLst>
+              <a:ext uri="{FF2B5EF4-FFF2-40B4-BE49-F238E27FC236}">
+                <a16:creationId xmlns:a16="http://schemas.microsoft.com/office/drawing/2014/main" id="{2A684AAD-4A8E-B5BD-87E0-3ACE1800DC71}"/>
+              </a:ext>
+            </a:extLst>
+          </p:cNvPr>
+          <p:cNvSpPr>
+            <a:spLocks noGrp="1"/>
+          </p:cNvSpPr>
+          <p:nvPr>
+            <p:ph type="sldNum" sz="quarter" idx="12"/>
+          </p:nvPr>
+        </p:nvSpPr>
+        <p:spPr/>
+        <p:txBody>
+          <a:bodyPr/>
+          <a:lstStyle/>
+          <a:p>
+            <a:fld id="{2A120735-B21E-42C6-8585-71FE977F8FDE}" type="slidenum">
+              <a:rPr lang="en-US" smtClean="0"/>
+              <a:t>5</a:t>
+            </a:fld>
+            <a:endParaRPr lang="en-US"/>
+          </a:p>
+        </p:txBody>
+      </p:sp>
+    </p:spTree>
+    <p:extLst>
+      <p:ext uri="{BB962C8B-B14F-4D97-AF65-F5344CB8AC3E}">
+        <p14:creationId xmlns:p14="http://schemas.microsoft.com/office/powerpoint/2010/main" val="1378500751"/>
+      </p:ext>
+    </p:extLst>
+  </p:cSld>
+  <p:clrMapOvr>
+    <a:masterClrMapping/>
+  </p:clrMapOvr>
+</p:sld>
+</file>
+
+<file path=ppt/slides/slide6.xml><?xml version="1.0" encoding="utf-8"?>
 <p:sld xmlns:a="http://schemas.openxmlformats.org/drawingml/2006/main" xmlns:r="http://schemas.openxmlformats.org/officeDocument/2006/relationships" xmlns:p="http://schemas.openxmlformats.org/presentationml/2006/main">
   <p:cSld>
     <p:spTree>
@@ -20902,10 +19730,10 @@
       </p:sp>
       <p:pic>
         <p:nvPicPr>
-          <p:cNvPr id="5" name="Content Placeholder 4">
+          <p:cNvPr id="8" name="Content Placeholder 7">
             <a:extLst>
               <a:ext uri="{FF2B5EF4-FFF2-40B4-BE49-F238E27FC236}">
-                <a16:creationId xmlns:a16="http://schemas.microsoft.com/office/drawing/2014/main" id="{53215EEF-0255-7916-9425-3A496873D95A}"/>
+                <a16:creationId xmlns:a16="http://schemas.microsoft.com/office/drawing/2014/main" id="{BF09A6FC-7C62-FB3A-E848-A645D6016B12}"/>
               </a:ext>
             </a:extLst>
           </p:cNvPr>
@@ -20917,18 +19745,50 @@
           </p:nvPr>
         </p:nvPicPr>
         <p:blipFill>
-          <a:blip r:embed="rId2"/>
+          <a:blip r:embed="rId3"/>
           <a:stretch>
             <a:fillRect/>
           </a:stretch>
         </p:blipFill>
         <p:spPr>
           <a:xfrm>
-            <a:off x="3008575" y="1582927"/>
-            <a:ext cx="7727878" cy="4345388"/>
+            <a:off x="2277035" y="1365458"/>
+            <a:ext cx="8281023" cy="4944632"/>
           </a:xfrm>
+          <a:prstGeom prst="rect">
+            <a:avLst/>
+          </a:prstGeom>
         </p:spPr>
       </p:pic>
+      <p:sp>
+        <p:nvSpPr>
+          <p:cNvPr id="9" name="Slide Number Placeholder 8">
+            <a:extLst>
+              <a:ext uri="{FF2B5EF4-FFF2-40B4-BE49-F238E27FC236}">
+                <a16:creationId xmlns:a16="http://schemas.microsoft.com/office/drawing/2014/main" id="{D9A12C10-92AD-87EF-EF7B-BAE69521A12B}"/>
+              </a:ext>
+            </a:extLst>
+          </p:cNvPr>
+          <p:cNvSpPr>
+            <a:spLocks noGrp="1"/>
+          </p:cNvSpPr>
+          <p:nvPr>
+            <p:ph type="sldNum" sz="quarter" idx="12"/>
+          </p:nvPr>
+        </p:nvSpPr>
+        <p:spPr/>
+        <p:txBody>
+          <a:bodyPr/>
+          <a:lstStyle/>
+          <a:p>
+            <a:fld id="{2A120735-B21E-42C6-8585-71FE977F8FDE}" type="slidenum">
+              <a:rPr lang="en-US" smtClean="0"/>
+              <a:t>6</a:t>
+            </a:fld>
+            <a:endParaRPr lang="en-US"/>
+          </a:p>
+        </p:txBody>
+      </p:sp>
     </p:spTree>
     <p:extLst>
       <p:ext uri="{BB962C8B-B14F-4D97-AF65-F5344CB8AC3E}">
@@ -20942,7 +19802,7 @@
 </p:sld>
 </file>
 
-<file path=ppt/slides/slide6.xml><?xml version="1.0" encoding="utf-8"?>
+<file path=ppt/slides/slide7.xml><?xml version="1.0" encoding="utf-8"?>
 <p:sld xmlns:a="http://schemas.openxmlformats.org/drawingml/2006/main" xmlns:r="http://schemas.openxmlformats.org/officeDocument/2006/relationships" xmlns:p="http://schemas.openxmlformats.org/presentationml/2006/main">
   <p:cSld>
     <p:spTree>
@@ -20987,6 +19847,73 @@
           </a:p>
         </p:txBody>
       </p:sp>
+      <p:sp>
+        <p:nvSpPr>
+          <p:cNvPr id="4" name="TextBox 3">
+            <a:extLst>
+              <a:ext uri="{FF2B5EF4-FFF2-40B4-BE49-F238E27FC236}">
+                <a16:creationId xmlns:a16="http://schemas.microsoft.com/office/drawing/2014/main" id="{753AF68A-4CFE-CEB0-E13F-45B0773DC86C}"/>
+              </a:ext>
+            </a:extLst>
+          </p:cNvPr>
+          <p:cNvSpPr txBox="1"/>
+          <p:nvPr/>
+        </p:nvSpPr>
+        <p:spPr>
+          <a:xfrm>
+            <a:off x="5410010" y="2638229"/>
+            <a:ext cx="6094602" cy="369332"/>
+          </a:xfrm>
+          <a:prstGeom prst="rect">
+            <a:avLst/>
+          </a:prstGeom>
+          <a:noFill/>
+        </p:spPr>
+        <p:txBody>
+          <a:bodyPr wrap="square">
+            <a:spAutoFit/>
+          </a:bodyPr>
+          <a:lstStyle/>
+          <a:p>
+            <a:r>
+              <a:rPr lang="en-US" dirty="0">
+                <a:hlinkClick r:id="rId2"/>
+              </a:rPr>
+              <a:t>Click me! </a:t>
+            </a:r>
+            <a:endParaRPr lang="en-US" dirty="0"/>
+          </a:p>
+        </p:txBody>
+      </p:sp>
+      <p:sp>
+        <p:nvSpPr>
+          <p:cNvPr id="5" name="Slide Number Placeholder 4">
+            <a:extLst>
+              <a:ext uri="{FF2B5EF4-FFF2-40B4-BE49-F238E27FC236}">
+                <a16:creationId xmlns:a16="http://schemas.microsoft.com/office/drawing/2014/main" id="{13047C60-3C0B-6679-FE38-876745AC2047}"/>
+              </a:ext>
+            </a:extLst>
+          </p:cNvPr>
+          <p:cNvSpPr>
+            <a:spLocks noGrp="1"/>
+          </p:cNvSpPr>
+          <p:nvPr>
+            <p:ph type="sldNum" sz="quarter" idx="12"/>
+          </p:nvPr>
+        </p:nvSpPr>
+        <p:spPr/>
+        <p:txBody>
+          <a:bodyPr/>
+          <a:lstStyle/>
+          <a:p>
+            <a:fld id="{2A120735-B21E-42C6-8585-71FE977F8FDE}" type="slidenum">
+              <a:rPr lang="en-US" smtClean="0"/>
+              <a:t>7</a:t>
+            </a:fld>
+            <a:endParaRPr lang="en-US"/>
+          </a:p>
+        </p:txBody>
+      </p:sp>
     </p:spTree>
     <p:extLst>
       <p:ext uri="{BB962C8B-B14F-4D97-AF65-F5344CB8AC3E}">
@@ -21000,7 +19927,134 @@
 </p:sld>
 </file>
 
-<file path=ppt/slides/slide7.xml><?xml version="1.0" encoding="utf-8"?>
+<file path=ppt/slides/slide8.xml><?xml version="1.0" encoding="utf-8"?>
+<p:sld xmlns:a="http://schemas.openxmlformats.org/drawingml/2006/main" xmlns:r="http://schemas.openxmlformats.org/officeDocument/2006/relationships" xmlns:p="http://schemas.openxmlformats.org/presentationml/2006/main">
+  <p:cSld>
+    <p:spTree>
+      <p:nvGrpSpPr>
+        <p:cNvPr id="1" name=""/>
+        <p:cNvGrpSpPr/>
+        <p:nvPr/>
+      </p:nvGrpSpPr>
+      <p:grpSpPr>
+        <a:xfrm>
+          <a:off x="0" y="0"/>
+          <a:ext cx="0" cy="0"/>
+          <a:chOff x="0" y="0"/>
+          <a:chExt cx="0" cy="0"/>
+        </a:xfrm>
+      </p:grpSpPr>
+      <p:sp>
+        <p:nvSpPr>
+          <p:cNvPr id="2" name="Title 1">
+            <a:extLst>
+              <a:ext uri="{FF2B5EF4-FFF2-40B4-BE49-F238E27FC236}">
+                <a16:creationId xmlns:a16="http://schemas.microsoft.com/office/drawing/2014/main" id="{D4B7BD89-2FFB-B76C-F483-BA5C206F2B23}"/>
+              </a:ext>
+            </a:extLst>
+          </p:cNvPr>
+          <p:cNvSpPr>
+            <a:spLocks noGrp="1"/>
+          </p:cNvSpPr>
+          <p:nvPr>
+            <p:ph type="title"/>
+          </p:nvPr>
+        </p:nvSpPr>
+        <p:spPr/>
+        <p:txBody>
+          <a:bodyPr/>
+          <a:lstStyle/>
+          <a:p>
+            <a:r>
+              <a:rPr lang="en-US" dirty="0"/>
+              <a:t> Conclusion</a:t>
+            </a:r>
+          </a:p>
+        </p:txBody>
+      </p:sp>
+      <p:sp>
+        <p:nvSpPr>
+          <p:cNvPr id="3" name="Content Placeholder 2">
+            <a:extLst>
+              <a:ext uri="{FF2B5EF4-FFF2-40B4-BE49-F238E27FC236}">
+                <a16:creationId xmlns:a16="http://schemas.microsoft.com/office/drawing/2014/main" id="{E2249FA9-272D-424F-5DD5-996760A0A541}"/>
+              </a:ext>
+            </a:extLst>
+          </p:cNvPr>
+          <p:cNvSpPr>
+            <a:spLocks noGrp="1"/>
+          </p:cNvSpPr>
+          <p:nvPr>
+            <p:ph idx="1"/>
+          </p:nvPr>
+        </p:nvSpPr>
+        <p:spPr/>
+        <p:txBody>
+          <a:bodyPr/>
+          <a:lstStyle/>
+          <a:p>
+            <a:r>
+              <a:rPr lang="en-US" dirty="0"/>
+              <a:t>Successfully created model to identify birds in the Houston area </a:t>
+            </a:r>
+          </a:p>
+          <a:p>
+            <a:r>
+              <a:rPr lang="en-US" dirty="0"/>
+              <a:t>Model Accuracy Increased when more photos were added to data set</a:t>
+            </a:r>
+          </a:p>
+          <a:p>
+            <a:r>
+              <a:rPr lang="en-US" dirty="0"/>
+              <a:t>Website displays findings and is interactive allowing for photo upload </a:t>
+            </a:r>
+          </a:p>
+        </p:txBody>
+      </p:sp>
+      <p:sp>
+        <p:nvSpPr>
+          <p:cNvPr id="4" name="Slide Number Placeholder 3">
+            <a:extLst>
+              <a:ext uri="{FF2B5EF4-FFF2-40B4-BE49-F238E27FC236}">
+                <a16:creationId xmlns:a16="http://schemas.microsoft.com/office/drawing/2014/main" id="{6C9F2E55-2F41-D464-27FD-AA5BFF232C86}"/>
+              </a:ext>
+            </a:extLst>
+          </p:cNvPr>
+          <p:cNvSpPr>
+            <a:spLocks noGrp="1"/>
+          </p:cNvSpPr>
+          <p:nvPr>
+            <p:ph type="sldNum" sz="quarter" idx="12"/>
+          </p:nvPr>
+        </p:nvSpPr>
+        <p:spPr/>
+        <p:txBody>
+          <a:bodyPr/>
+          <a:lstStyle/>
+          <a:p>
+            <a:fld id="{2A120735-B21E-42C6-8585-71FE977F8FDE}" type="slidenum">
+              <a:rPr lang="en-US" smtClean="0"/>
+              <a:t>8</a:t>
+            </a:fld>
+            <a:endParaRPr lang="en-US"/>
+          </a:p>
+        </p:txBody>
+      </p:sp>
+    </p:spTree>
+    <p:extLst>
+      <p:ext uri="{BB962C8B-B14F-4D97-AF65-F5344CB8AC3E}">
+        <p14:creationId xmlns:p14="http://schemas.microsoft.com/office/powerpoint/2010/main" val="2484748584"/>
+      </p:ext>
+    </p:extLst>
+  </p:cSld>
+  <p:clrMapOvr>
+    <a:masterClrMapping/>
+  </p:clrMapOvr>
+</p:sld>
+</file>
+
+<file path=ppt/slides/slide9.xml><?xml version="1.0" encoding="utf-8"?>
 <p:sld xmlns:a="http://schemas.openxmlformats.org/drawingml/2006/main" xmlns:r="http://schemas.openxmlformats.org/officeDocument/2006/relationships" xmlns:p="http://schemas.openxmlformats.org/presentationml/2006/main">
   <p:cSld>
     <p:spTree>
@@ -21074,8 +20128,25 @@
           <a:p>
             <a:r>
               <a:rPr lang="en-US" dirty="0"/>
+              <a:t>Increase the accuracy of model by increase number of photos</a:t>
+            </a:r>
+          </a:p>
+          <a:p>
+            <a:r>
+              <a:rPr lang="en-US" dirty="0"/>
               <a:t>Make the model smarter – aka identify if it is likely not a bird</a:t>
             </a:r>
+          </a:p>
+          <a:p>
+            <a:r>
+              <a:rPr lang="en-US" dirty="0"/>
+              <a:t>Increased Background removal testing and </a:t>
+            </a:r>
+            <a:r>
+              <a:rPr lang="en-US" dirty="0" err="1"/>
+              <a:t>Augmention</a:t>
+            </a:r>
+            <a:endParaRPr lang="en-US" dirty="0"/>
           </a:p>
           <a:p>
             <a:pPr marL="0" indent="0">
@@ -21091,193 +20162,12 @@
           </a:p>
         </p:txBody>
       </p:sp>
-    </p:spTree>
-    <p:extLst>
-      <p:ext uri="{BB962C8B-B14F-4D97-AF65-F5344CB8AC3E}">
-        <p14:creationId xmlns:p14="http://schemas.microsoft.com/office/powerpoint/2010/main" val="119490441"/>
-      </p:ext>
-    </p:extLst>
-  </p:cSld>
-  <p:clrMapOvr>
-    <a:masterClrMapping/>
-  </p:clrMapOvr>
-</p:sld>
-</file>
-
-<file path=ppt/slides/slide8.xml><?xml version="1.0" encoding="utf-8"?>
-<p:sld xmlns:a="http://schemas.openxmlformats.org/drawingml/2006/main" xmlns:r="http://schemas.openxmlformats.org/officeDocument/2006/relationships" xmlns:p="http://schemas.openxmlformats.org/presentationml/2006/main">
-  <p:cSld>
-    <p:spTree>
-      <p:nvGrpSpPr>
-        <p:cNvPr id="1" name=""/>
-        <p:cNvGrpSpPr/>
-        <p:nvPr/>
-      </p:nvGrpSpPr>
-      <p:grpSpPr>
-        <a:xfrm>
-          <a:off x="0" y="0"/>
-          <a:ext cx="0" cy="0"/>
-          <a:chOff x="0" y="0"/>
-          <a:chExt cx="0" cy="0"/>
-        </a:xfrm>
-      </p:grpSpPr>
       <p:sp>
         <p:nvSpPr>
-          <p:cNvPr id="7" name="AutoShape 2">
+          <p:cNvPr id="4" name="Slide Number Placeholder 3">
             <a:extLst>
               <a:ext uri="{FF2B5EF4-FFF2-40B4-BE49-F238E27FC236}">
-                <a16:creationId xmlns:a16="http://schemas.microsoft.com/office/drawing/2014/main" id="{90A13A62-B4AC-103C-3082-9DD64AA45B75}"/>
-              </a:ext>
-            </a:extLst>
-          </p:cNvPr>
-          <p:cNvSpPr>
-            <a:spLocks noChangeAspect="1" noChangeArrowheads="1"/>
-          </p:cNvSpPr>
-          <p:nvPr/>
-        </p:nvSpPr>
-        <p:spPr bwMode="auto">
-          <a:xfrm>
-            <a:off x="5943600" y="3276600"/>
-            <a:ext cx="304800" cy="304800"/>
-          </a:xfrm>
-          <a:prstGeom prst="rect">
-            <a:avLst/>
-          </a:prstGeom>
-          <a:noFill/>
-          <a:extLst>
-            <a:ext uri="{909E8E84-426E-40DD-AFC4-6F175D3DCCD1}">
-              <a14:hiddenFill xmlns:a14="http://schemas.microsoft.com/office/drawing/2010/main">
-                <a:solidFill>
-                  <a:srgbClr val="FFFFFF"/>
-                </a:solidFill>
-              </a14:hiddenFill>
-            </a:ext>
-          </a:extLst>
-        </p:spPr>
-        <p:txBody>
-          <a:bodyPr vert="horz" wrap="square" lIns="91440" tIns="45720" rIns="91440" bIns="45720" numCol="1" anchor="t" anchorCtr="0" compatLnSpc="1">
-            <a:prstTxWarp prst="textNoShape">
-              <a:avLst/>
-            </a:prstTxWarp>
-          </a:bodyPr>
-          <a:lstStyle/>
-          <a:p>
-            <a:endParaRPr lang="en-US"/>
-          </a:p>
-        </p:txBody>
-      </p:sp>
-      <p:sp>
-        <p:nvSpPr>
-          <p:cNvPr id="8" name="AutoShape 4">
-            <a:extLst>
-              <a:ext uri="{FF2B5EF4-FFF2-40B4-BE49-F238E27FC236}">
-                <a16:creationId xmlns:a16="http://schemas.microsoft.com/office/drawing/2014/main" id="{40CFA4D3-2753-6876-20A7-6AB6D83BB048}"/>
-              </a:ext>
-            </a:extLst>
-          </p:cNvPr>
-          <p:cNvSpPr>
-            <a:spLocks noGrp="1" noChangeAspect="1" noChangeArrowheads="1"/>
-          </p:cNvSpPr>
-          <p:nvPr>
-            <p:ph type="title"/>
-          </p:nvPr>
-        </p:nvSpPr>
-        <p:spPr bwMode="auto">
-          <a:prstGeom prst="rect">
-            <a:avLst/>
-          </a:prstGeom>
-          <a:noFill/>
-          <a:extLst>
-            <a:ext uri="{909E8E84-426E-40DD-AFC4-6F175D3DCCD1}">
-              <a14:hiddenFill xmlns:a14="http://schemas.microsoft.com/office/drawing/2010/main">
-                <a:solidFill>
-                  <a:srgbClr val="FFFFFF"/>
-                </a:solidFill>
-              </a14:hiddenFill>
-            </a:ext>
-          </a:extLst>
-        </p:spPr>
-        <p:txBody>
-          <a:bodyPr vert="horz" wrap="square" lIns="91440" tIns="45720" rIns="91440" bIns="45720" numCol="1" anchor="t" anchorCtr="0" compatLnSpc="1">
-            <a:prstTxWarp prst="textNoShape">
-              <a:avLst/>
-            </a:prstTxWarp>
-          </a:bodyPr>
-          <a:lstStyle/>
-          <a:p>
-            <a:r>
-              <a:rPr lang="en-US" dirty="0"/>
-              <a:t>Questions? </a:t>
-            </a:r>
-          </a:p>
-        </p:txBody>
-      </p:sp>
-      <p:pic>
-        <p:nvPicPr>
-          <p:cNvPr id="10" name="Picture 9">
-            <a:extLst>
-              <a:ext uri="{FF2B5EF4-FFF2-40B4-BE49-F238E27FC236}">
-                <a16:creationId xmlns:a16="http://schemas.microsoft.com/office/drawing/2014/main" id="{A35DE2E5-559E-3E51-704C-6AE9FA2B0740}"/>
-              </a:ext>
-            </a:extLst>
-          </p:cNvPr>
-          <p:cNvPicPr>
-            <a:picLocks noChangeAspect="1"/>
-          </p:cNvPicPr>
-          <p:nvPr/>
-        </p:nvPicPr>
-        <p:blipFill>
-          <a:blip r:embed="rId2"/>
-          <a:stretch>
-            <a:fillRect/>
-          </a:stretch>
-        </p:blipFill>
-        <p:spPr>
-          <a:xfrm>
-            <a:off x="5943600" y="863089"/>
-            <a:ext cx="3218576" cy="5436621"/>
-          </a:xfrm>
-          <a:prstGeom prst="rect">
-            <a:avLst/>
-          </a:prstGeom>
-        </p:spPr>
-      </p:pic>
-    </p:spTree>
-    <p:extLst>
-      <p:ext uri="{BB962C8B-B14F-4D97-AF65-F5344CB8AC3E}">
-        <p14:creationId xmlns:p14="http://schemas.microsoft.com/office/powerpoint/2010/main" val="2878224073"/>
-      </p:ext>
-    </p:extLst>
-  </p:cSld>
-  <p:clrMapOvr>
-    <a:masterClrMapping/>
-  </p:clrMapOvr>
-</p:sld>
-</file>
-
-<file path=ppt/slides/slide9.xml><?xml version="1.0" encoding="utf-8"?>
-<p:sld xmlns:a="http://schemas.openxmlformats.org/drawingml/2006/main" xmlns:r="http://schemas.openxmlformats.org/officeDocument/2006/relationships" xmlns:p="http://schemas.openxmlformats.org/presentationml/2006/main" show="0">
-  <p:cSld>
-    <p:spTree>
-      <p:nvGrpSpPr>
-        <p:cNvPr id="1" name=""/>
-        <p:cNvGrpSpPr/>
-        <p:nvPr/>
-      </p:nvGrpSpPr>
-      <p:grpSpPr>
-        <a:xfrm>
-          <a:off x="0" y="0"/>
-          <a:ext cx="0" cy="0"/>
-          <a:chOff x="0" y="0"/>
-          <a:chExt cx="0" cy="0"/>
-        </a:xfrm>
-      </p:grpSpPr>
-      <p:sp>
-        <p:nvSpPr>
-          <p:cNvPr id="2" name="Title 1">
-            <a:extLst>
-              <a:ext uri="{FF2B5EF4-FFF2-40B4-BE49-F238E27FC236}">
-                <a16:creationId xmlns:a16="http://schemas.microsoft.com/office/drawing/2014/main" id="{BCC35BB0-5B42-8C7F-4C37-698FC09B3EED}"/>
+                <a16:creationId xmlns:a16="http://schemas.microsoft.com/office/drawing/2014/main" id="{7742D2E4-1AC7-26D4-AE67-2827F464295A}"/>
               </a:ext>
             </a:extLst>
           </p:cNvPr>
@@ -21285,7 +20175,7 @@
             <a:spLocks noGrp="1"/>
           </p:cNvSpPr>
           <p:nvPr>
-            <p:ph type="title"/>
+            <p:ph type="sldNum" sz="quarter" idx="12"/>
           </p:nvPr>
         </p:nvSpPr>
         <p:spPr/>
@@ -21293,60 +20183,18 @@
           <a:bodyPr/>
           <a:lstStyle/>
           <a:p>
-            <a:r>
-              <a:rPr lang="en-US" dirty="0"/>
-              <a:t>Challenge </a:t>
-            </a:r>
-          </a:p>
-        </p:txBody>
-      </p:sp>
-      <p:sp>
-        <p:nvSpPr>
-          <p:cNvPr id="3" name="Content Placeholder 2">
-            <a:extLst>
-              <a:ext uri="{FF2B5EF4-FFF2-40B4-BE49-F238E27FC236}">
-                <a16:creationId xmlns:a16="http://schemas.microsoft.com/office/drawing/2014/main" id="{8F807A89-8DC6-6CEA-2DFA-C71328352E75}"/>
-              </a:ext>
-            </a:extLst>
-          </p:cNvPr>
-          <p:cNvSpPr>
-            <a:spLocks noGrp="1"/>
-          </p:cNvSpPr>
-          <p:nvPr>
-            <p:ph idx="1"/>
-          </p:nvPr>
-        </p:nvSpPr>
-        <p:spPr/>
-        <p:txBody>
-          <a:bodyPr/>
-          <a:lstStyle/>
-          <a:p>
-            <a:r>
-              <a:rPr lang="en-US" dirty="0"/>
-              <a:t>Dataset from Flickr was not clean </a:t>
-            </a:r>
-          </a:p>
-          <a:p>
-            <a:r>
-              <a:rPr lang="en-US" dirty="0"/>
-              <a:t>Had to obtain more photos than what was used to train the model </a:t>
-            </a:r>
-          </a:p>
-          <a:p>
-            <a:r>
-              <a:rPr lang="en-US" dirty="0"/>
-              <a:t>Ran out of GPUs </a:t>
-            </a:r>
-          </a:p>
-          <a:p>
-            <a:endParaRPr lang="en-US" dirty="0"/>
+            <a:fld id="{2A120735-B21E-42C6-8585-71FE977F8FDE}" type="slidenum">
+              <a:rPr lang="en-US" smtClean="0"/>
+              <a:t>9</a:t>
+            </a:fld>
+            <a:endParaRPr lang="en-US"/>
           </a:p>
         </p:txBody>
       </p:sp>
     </p:spTree>
     <p:extLst>
       <p:ext uri="{BB962C8B-B14F-4D97-AF65-F5344CB8AC3E}">
-        <p14:creationId xmlns:p14="http://schemas.microsoft.com/office/powerpoint/2010/main" val="3204904526"/>
+        <p14:creationId xmlns:p14="http://schemas.microsoft.com/office/powerpoint/2010/main" val="119490441"/>
       </p:ext>
     </p:extLst>
   </p:cSld>
@@ -21599,6 +20447,301 @@
 </a:theme>
 </file>
 
+<file path=ppt/theme/theme2.xml><?xml version="1.0" encoding="utf-8"?>
+<a:theme xmlns:a="http://schemas.openxmlformats.org/drawingml/2006/main" name="Office Theme">
+  <a:themeElements>
+    <a:clrScheme name="Office">
+      <a:dk1>
+        <a:sysClr val="windowText" lastClr="000000"/>
+      </a:dk1>
+      <a:lt1>
+        <a:sysClr val="window" lastClr="FFFFFF"/>
+      </a:lt1>
+      <a:dk2>
+        <a:srgbClr val="44546A"/>
+      </a:dk2>
+      <a:lt2>
+        <a:srgbClr val="E7E6E6"/>
+      </a:lt2>
+      <a:accent1>
+        <a:srgbClr val="4472C4"/>
+      </a:accent1>
+      <a:accent2>
+        <a:srgbClr val="ED7D31"/>
+      </a:accent2>
+      <a:accent3>
+        <a:srgbClr val="A5A5A5"/>
+      </a:accent3>
+      <a:accent4>
+        <a:srgbClr val="FFC000"/>
+      </a:accent4>
+      <a:accent5>
+        <a:srgbClr val="5B9BD5"/>
+      </a:accent5>
+      <a:accent6>
+        <a:srgbClr val="70AD47"/>
+      </a:accent6>
+      <a:hlink>
+        <a:srgbClr val="0563C1"/>
+      </a:hlink>
+      <a:folHlink>
+        <a:srgbClr val="954F72"/>
+      </a:folHlink>
+    </a:clrScheme>
+    <a:fontScheme name="Office">
+      <a:majorFont>
+        <a:latin typeface="Calibri Light" panose="020F0302020204030204"/>
+        <a:ea typeface=""/>
+        <a:cs typeface=""/>
+        <a:font script="Jpan" typeface="游ゴシック Light"/>
+        <a:font script="Hang" typeface="맑은 고딕"/>
+        <a:font script="Hans" typeface="等线 Light"/>
+        <a:font script="Hant" typeface="新細明體"/>
+        <a:font script="Arab" typeface="Times New Roman"/>
+        <a:font script="Hebr" typeface="Times New Roman"/>
+        <a:font script="Thai" typeface="Angsana New"/>
+        <a:font script="Ethi" typeface="Nyala"/>
+        <a:font script="Beng" typeface="Vrinda"/>
+        <a:font script="Gujr" typeface="Shruti"/>
+        <a:font script="Khmr" typeface="MoolBoran"/>
+        <a:font script="Knda" typeface="Tunga"/>
+        <a:font script="Guru" typeface="Raavi"/>
+        <a:font script="Cans" typeface="Euphemia"/>
+        <a:font script="Cher" typeface="Plantagenet Cherokee"/>
+        <a:font script="Yiii" typeface="Microsoft Yi Baiti"/>
+        <a:font script="Tibt" typeface="Microsoft Himalaya"/>
+        <a:font script="Thaa" typeface="MV Boli"/>
+        <a:font script="Deva" typeface="Mangal"/>
+        <a:font script="Telu" typeface="Gautami"/>
+        <a:font script="Taml" typeface="Latha"/>
+        <a:font script="Syrc" typeface="Estrangelo Edessa"/>
+        <a:font script="Orya" typeface="Kalinga"/>
+        <a:font script="Mlym" typeface="Kartika"/>
+        <a:font script="Laoo" typeface="DokChampa"/>
+        <a:font script="Sinh" typeface="Iskoola Pota"/>
+        <a:font script="Mong" typeface="Mongolian Baiti"/>
+        <a:font script="Viet" typeface="Times New Roman"/>
+        <a:font script="Uigh" typeface="Microsoft Uighur"/>
+        <a:font script="Geor" typeface="Sylfaen"/>
+        <a:font script="Armn" typeface="Arial"/>
+        <a:font script="Bugi" typeface="Leelawadee UI"/>
+        <a:font script="Bopo" typeface="Microsoft JhengHei"/>
+        <a:font script="Java" typeface="Javanese Text"/>
+        <a:font script="Lisu" typeface="Segoe UI"/>
+        <a:font script="Mymr" typeface="Myanmar Text"/>
+        <a:font script="Nkoo" typeface="Ebrima"/>
+        <a:font script="Olck" typeface="Nirmala UI"/>
+        <a:font script="Osma" typeface="Ebrima"/>
+        <a:font script="Phag" typeface="Phagspa"/>
+        <a:font script="Syrn" typeface="Estrangelo Edessa"/>
+        <a:font script="Syrj" typeface="Estrangelo Edessa"/>
+        <a:font script="Syre" typeface="Estrangelo Edessa"/>
+        <a:font script="Sora" typeface="Nirmala UI"/>
+        <a:font script="Tale" typeface="Microsoft Tai Le"/>
+        <a:font script="Talu" typeface="Microsoft New Tai Lue"/>
+        <a:font script="Tfng" typeface="Ebrima"/>
+      </a:majorFont>
+      <a:minorFont>
+        <a:latin typeface="Calibri" panose="020F0502020204030204"/>
+        <a:ea typeface=""/>
+        <a:cs typeface=""/>
+        <a:font script="Jpan" typeface="游ゴシック"/>
+        <a:font script="Hang" typeface="맑은 고딕"/>
+        <a:font script="Hans" typeface="等线"/>
+        <a:font script="Hant" typeface="新細明體"/>
+        <a:font script="Arab" typeface="Arial"/>
+        <a:font script="Hebr" typeface="Arial"/>
+        <a:font script="Thai" typeface="Cordia New"/>
+        <a:font script="Ethi" typeface="Nyala"/>
+        <a:font script="Beng" typeface="Vrinda"/>
+        <a:font script="Gujr" typeface="Shruti"/>
+        <a:font script="Khmr" typeface="DaunPenh"/>
+        <a:font script="Knda" typeface="Tunga"/>
+        <a:font script="Guru" typeface="Raavi"/>
+        <a:font script="Cans" typeface="Euphemia"/>
+        <a:font script="Cher" typeface="Plantagenet Cherokee"/>
+        <a:font script="Yiii" typeface="Microsoft Yi Baiti"/>
+        <a:font script="Tibt" typeface="Microsoft Himalaya"/>
+        <a:font script="Thaa" typeface="MV Boli"/>
+        <a:font script="Deva" typeface="Mangal"/>
+        <a:font script="Telu" typeface="Gautami"/>
+        <a:font script="Taml" typeface="Latha"/>
+        <a:font script="Syrc" typeface="Estrangelo Edessa"/>
+        <a:font script="Orya" typeface="Kalinga"/>
+        <a:font script="Mlym" typeface="Kartika"/>
+        <a:font script="Laoo" typeface="DokChampa"/>
+        <a:font script="Sinh" typeface="Iskoola Pota"/>
+        <a:font script="Mong" typeface="Mongolian Baiti"/>
+        <a:font script="Viet" typeface="Arial"/>
+        <a:font script="Uigh" typeface="Microsoft Uighur"/>
+        <a:font script="Geor" typeface="Sylfaen"/>
+        <a:font script="Armn" typeface="Arial"/>
+        <a:font script="Bugi" typeface="Leelawadee UI"/>
+        <a:font script="Bopo" typeface="Microsoft JhengHei"/>
+        <a:font script="Java" typeface="Javanese Text"/>
+        <a:font script="Lisu" typeface="Segoe UI"/>
+        <a:font script="Mymr" typeface="Myanmar Text"/>
+        <a:font script="Nkoo" typeface="Ebrima"/>
+        <a:font script="Olck" typeface="Nirmala UI"/>
+        <a:font script="Osma" typeface="Ebrima"/>
+        <a:font script="Phag" typeface="Phagspa"/>
+        <a:font script="Syrn" typeface="Estrangelo Edessa"/>
+        <a:font script="Syrj" typeface="Estrangelo Edessa"/>
+        <a:font script="Syre" typeface="Estrangelo Edessa"/>
+        <a:font script="Sora" typeface="Nirmala UI"/>
+        <a:font script="Tale" typeface="Microsoft Tai Le"/>
+        <a:font script="Talu" typeface="Microsoft New Tai Lue"/>
+        <a:font script="Tfng" typeface="Ebrima"/>
+      </a:minorFont>
+    </a:fontScheme>
+    <a:fmtScheme name="Office">
+      <a:fillStyleLst>
+        <a:solidFill>
+          <a:schemeClr val="phClr"/>
+        </a:solidFill>
+        <a:gradFill rotWithShape="1">
+          <a:gsLst>
+            <a:gs pos="0">
+              <a:schemeClr val="phClr">
+                <a:lumMod val="110000"/>
+                <a:satMod val="105000"/>
+                <a:tint val="67000"/>
+              </a:schemeClr>
+            </a:gs>
+            <a:gs pos="50000">
+              <a:schemeClr val="phClr">
+                <a:lumMod val="105000"/>
+                <a:satMod val="103000"/>
+                <a:tint val="73000"/>
+              </a:schemeClr>
+            </a:gs>
+            <a:gs pos="100000">
+              <a:schemeClr val="phClr">
+                <a:lumMod val="105000"/>
+                <a:satMod val="109000"/>
+                <a:tint val="81000"/>
+              </a:schemeClr>
+            </a:gs>
+          </a:gsLst>
+          <a:lin ang="5400000" scaled="0"/>
+        </a:gradFill>
+        <a:gradFill rotWithShape="1">
+          <a:gsLst>
+            <a:gs pos="0">
+              <a:schemeClr val="phClr">
+                <a:satMod val="103000"/>
+                <a:lumMod val="102000"/>
+                <a:tint val="94000"/>
+              </a:schemeClr>
+            </a:gs>
+            <a:gs pos="50000">
+              <a:schemeClr val="phClr">
+                <a:satMod val="110000"/>
+                <a:lumMod val="100000"/>
+                <a:shade val="100000"/>
+              </a:schemeClr>
+            </a:gs>
+            <a:gs pos="100000">
+              <a:schemeClr val="phClr">
+                <a:lumMod val="99000"/>
+                <a:satMod val="120000"/>
+                <a:shade val="78000"/>
+              </a:schemeClr>
+            </a:gs>
+          </a:gsLst>
+          <a:lin ang="5400000" scaled="0"/>
+        </a:gradFill>
+      </a:fillStyleLst>
+      <a:lnStyleLst>
+        <a:ln w="6350" cap="flat" cmpd="sng" algn="ctr">
+          <a:solidFill>
+            <a:schemeClr val="phClr"/>
+          </a:solidFill>
+          <a:prstDash val="solid"/>
+          <a:miter lim="800000"/>
+        </a:ln>
+        <a:ln w="12700" cap="flat" cmpd="sng" algn="ctr">
+          <a:solidFill>
+            <a:schemeClr val="phClr"/>
+          </a:solidFill>
+          <a:prstDash val="solid"/>
+          <a:miter lim="800000"/>
+        </a:ln>
+        <a:ln w="19050" cap="flat" cmpd="sng" algn="ctr">
+          <a:solidFill>
+            <a:schemeClr val="phClr"/>
+          </a:solidFill>
+          <a:prstDash val="solid"/>
+          <a:miter lim="800000"/>
+        </a:ln>
+      </a:lnStyleLst>
+      <a:effectStyleLst>
+        <a:effectStyle>
+          <a:effectLst/>
+        </a:effectStyle>
+        <a:effectStyle>
+          <a:effectLst/>
+        </a:effectStyle>
+        <a:effectStyle>
+          <a:effectLst>
+            <a:outerShdw blurRad="57150" dist="19050" dir="5400000" algn="ctr" rotWithShape="0">
+              <a:srgbClr val="000000">
+                <a:alpha val="63000"/>
+              </a:srgbClr>
+            </a:outerShdw>
+          </a:effectLst>
+        </a:effectStyle>
+      </a:effectStyleLst>
+      <a:bgFillStyleLst>
+        <a:solidFill>
+          <a:schemeClr val="phClr"/>
+        </a:solidFill>
+        <a:solidFill>
+          <a:schemeClr val="phClr">
+            <a:tint val="95000"/>
+            <a:satMod val="170000"/>
+          </a:schemeClr>
+        </a:solidFill>
+        <a:gradFill rotWithShape="1">
+          <a:gsLst>
+            <a:gs pos="0">
+              <a:schemeClr val="phClr">
+                <a:tint val="93000"/>
+                <a:satMod val="150000"/>
+                <a:shade val="98000"/>
+                <a:lumMod val="102000"/>
+              </a:schemeClr>
+            </a:gs>
+            <a:gs pos="50000">
+              <a:schemeClr val="phClr">
+                <a:tint val="98000"/>
+                <a:satMod val="130000"/>
+                <a:shade val="90000"/>
+                <a:lumMod val="103000"/>
+              </a:schemeClr>
+            </a:gs>
+            <a:gs pos="100000">
+              <a:schemeClr val="phClr">
+                <a:shade val="63000"/>
+                <a:satMod val="120000"/>
+              </a:schemeClr>
+            </a:gs>
+          </a:gsLst>
+          <a:lin ang="5400000" scaled="0"/>
+        </a:gradFill>
+      </a:bgFillStyleLst>
+    </a:fmtScheme>
+  </a:themeElements>
+  <a:objectDefaults/>
+  <a:extraClrSchemeLst/>
+  <a:extLst>
+    <a:ext uri="{05A4C25C-085E-4340-85A3-A5531E510DB2}">
+      <thm15:themeFamily xmlns:thm15="http://schemas.microsoft.com/office/thememl/2012/main" name="Office Theme" id="{62F939B6-93AF-4DB8-9C6B-D6C7DFDC589F}" vid="{4A3C46E8-61CC-4603-A589-7422A47A8E4A}"/>
+    </a:ext>
+  </a:extLst>
+</a:theme>
+</file>
+
 <file path=ppt/theme/themeOverride1.xml><?xml version="1.0" encoding="utf-8"?>
 <a:themeOverride xmlns:a="http://schemas.openxmlformats.org/drawingml/2006/main">
   <a:clrScheme name="Wisp">

--- a/Presentation.pptx
+++ b/Presentation.pptx
@@ -35321,31 +35321,6 @@
       </p:grpSpPr>
       <p:sp>
         <p:nvSpPr>
-          <p:cNvPr id="5" name="Title 4">
-            <a:extLst>
-              <a:ext uri="{FF2B5EF4-FFF2-40B4-BE49-F238E27FC236}">
-                <a16:creationId xmlns:a16="http://schemas.microsoft.com/office/drawing/2014/main" id="{A1DBB22E-E227-3B4C-4F03-4968B7372805}"/>
-              </a:ext>
-            </a:extLst>
-          </p:cNvPr>
-          <p:cNvSpPr>
-            <a:spLocks noGrp="1"/>
-          </p:cNvSpPr>
-          <p:nvPr>
-            <p:ph type="title"/>
-          </p:nvPr>
-        </p:nvSpPr>
-        <p:spPr/>
-        <p:txBody>
-          <a:bodyPr/>
-          <a:lstStyle/>
-          <a:p>
-            <a:endParaRPr lang="en-US"/>
-          </a:p>
-        </p:txBody>
-      </p:sp>
-      <p:sp>
-        <p:nvSpPr>
           <p:cNvPr id="4" name="Slide Number Placeholder 3">
             <a:extLst>
               <a:ext uri="{FF2B5EF4-FFF2-40B4-BE49-F238E27FC236}">
@@ -35633,6 +35608,87 @@
           <a:chExt cx="0" cy="0"/>
         </a:xfrm>
       </p:grpSpPr>
+      <p:pic>
+        <p:nvPicPr>
+          <p:cNvPr id="92" name="Picture 91" descr="A bird on a branch&#10;&#10;Description automatically generated with medium confidence">
+            <a:extLst>
+              <a:ext uri="{FF2B5EF4-FFF2-40B4-BE49-F238E27FC236}">
+                <a16:creationId xmlns:a16="http://schemas.microsoft.com/office/drawing/2014/main" id="{A17C6CE9-F10E-E282-4E05-A8DB155652D0}"/>
+              </a:ext>
+            </a:extLst>
+          </p:cNvPr>
+          <p:cNvPicPr>
+            <a:picLocks noChangeAspect="1"/>
+          </p:cNvPicPr>
+          <p:nvPr/>
+        </p:nvPicPr>
+        <p:blipFill rotWithShape="1">
+          <a:blip r:embed="rId3">
+            <a:extLst>
+              <a:ext uri="{28A0092B-C50C-407E-A947-70E740481C1C}">
+                <a14:useLocalDpi xmlns:a14="http://schemas.microsoft.com/office/drawing/2010/main" val="0"/>
+              </a:ext>
+            </a:extLst>
+          </a:blip>
+          <a:srcRect r="17828" b="2699"/>
+          <a:stretch/>
+        </p:blipFill>
+        <p:spPr>
+          <a:xfrm>
+            <a:off x="306282" y="1791765"/>
+            <a:ext cx="2502769" cy="2222682"/>
+          </a:xfrm>
+          <a:prstGeom prst="rect">
+            <a:avLst/>
+          </a:prstGeom>
+        </p:spPr>
+      </p:pic>
+      <p:sp>
+        <p:nvSpPr>
+          <p:cNvPr id="13" name="Rectangle 12">
+            <a:extLst>
+              <a:ext uri="{FF2B5EF4-FFF2-40B4-BE49-F238E27FC236}">
+                <a16:creationId xmlns:a16="http://schemas.microsoft.com/office/drawing/2014/main" id="{E28D84D1-F468-3FD1-5D17-B1F1BE466F32}"/>
+              </a:ext>
+            </a:extLst>
+          </p:cNvPr>
+          <p:cNvSpPr/>
+          <p:nvPr/>
+        </p:nvSpPr>
+        <p:spPr>
+          <a:xfrm>
+            <a:off x="3093650" y="1903377"/>
+            <a:ext cx="2106140" cy="1874870"/>
+          </a:xfrm>
+          <a:prstGeom prst="rect">
+            <a:avLst/>
+          </a:prstGeom>
+        </p:spPr>
+        <p:style>
+          <a:lnRef idx="2">
+            <a:schemeClr val="accent2">
+              <a:shade val="50000"/>
+            </a:schemeClr>
+          </a:lnRef>
+          <a:fillRef idx="1">
+            <a:schemeClr val="accent2"/>
+          </a:fillRef>
+          <a:effectRef idx="0">
+            <a:schemeClr val="accent2"/>
+          </a:effectRef>
+          <a:fontRef idx="minor">
+            <a:schemeClr val="lt1"/>
+          </a:fontRef>
+        </p:style>
+        <p:txBody>
+          <a:bodyPr rtlCol="0" anchor="ctr"/>
+          <a:lstStyle/>
+          <a:p>
+            <a:pPr algn="ctr"/>
+            <a:endParaRPr lang="en-US"/>
+          </a:p>
+        </p:txBody>
+      </p:sp>
       <p:sp>
         <p:nvSpPr>
           <p:cNvPr id="2" name="Title 1">
@@ -35649,7 +35705,12 @@
             <p:ph type="title"/>
           </p:nvPr>
         </p:nvSpPr>
-        <p:spPr/>
+        <p:spPr>
+          <a:xfrm>
+            <a:off x="2066914" y="644634"/>
+            <a:ext cx="8911687" cy="1280890"/>
+          </a:xfrm>
+        </p:spPr>
         <p:txBody>
           <a:bodyPr/>
           <a:lstStyle/>
@@ -35658,31 +35719,6 @@
               <a:rPr lang="en-US" dirty="0"/>
               <a:t>Final Model</a:t>
             </a:r>
-          </a:p>
-        </p:txBody>
-      </p:sp>
-      <p:sp>
-        <p:nvSpPr>
-          <p:cNvPr id="3" name="Content Placeholder 2">
-            <a:extLst>
-              <a:ext uri="{FF2B5EF4-FFF2-40B4-BE49-F238E27FC236}">
-                <a16:creationId xmlns:a16="http://schemas.microsoft.com/office/drawing/2014/main" id="{0F5AE65B-4F05-8E79-BF5D-5BB85E9F2D4C}"/>
-              </a:ext>
-            </a:extLst>
-          </p:cNvPr>
-          <p:cNvSpPr>
-            <a:spLocks noGrp="1"/>
-          </p:cNvSpPr>
-          <p:nvPr>
-            <p:ph idx="1"/>
-          </p:nvPr>
-        </p:nvSpPr>
-        <p:spPr/>
-        <p:txBody>
-          <a:bodyPr/>
-          <a:lstStyle/>
-          <a:p>
-            <a:endParaRPr lang="en-US"/>
           </a:p>
         </p:txBody>
       </p:sp>
@@ -35712,6 +35748,2536 @@
               <a:t>6</a:t>
             </a:fld>
             <a:endParaRPr lang="en-US"/>
+          </a:p>
+        </p:txBody>
+      </p:sp>
+      <p:sp>
+        <p:nvSpPr>
+          <p:cNvPr id="7" name="Rectangle 6">
+            <a:extLst>
+              <a:ext uri="{FF2B5EF4-FFF2-40B4-BE49-F238E27FC236}">
+                <a16:creationId xmlns:a16="http://schemas.microsoft.com/office/drawing/2014/main" id="{EAF2D9AE-79F7-05EA-CDF7-DA7E8193A338}"/>
+              </a:ext>
+            </a:extLst>
+          </p:cNvPr>
+          <p:cNvSpPr/>
+          <p:nvPr/>
+        </p:nvSpPr>
+        <p:spPr>
+          <a:xfrm>
+            <a:off x="1763486" y="2707108"/>
+            <a:ext cx="228600" cy="213704"/>
+          </a:xfrm>
+          <a:prstGeom prst="rect">
+            <a:avLst/>
+          </a:prstGeom>
+          <a:noFill/>
+          <a:ln w="19050"/>
+        </p:spPr>
+        <p:style>
+          <a:lnRef idx="2">
+            <a:schemeClr val="accent1"/>
+          </a:lnRef>
+          <a:fillRef idx="1">
+            <a:schemeClr val="lt1"/>
+          </a:fillRef>
+          <a:effectRef idx="0">
+            <a:schemeClr val="accent1"/>
+          </a:effectRef>
+          <a:fontRef idx="minor">
+            <a:schemeClr val="dk1"/>
+          </a:fontRef>
+        </p:style>
+        <p:txBody>
+          <a:bodyPr rtlCol="0" anchor="ctr"/>
+          <a:lstStyle/>
+          <a:p>
+            <a:pPr algn="ctr"/>
+            <a:endParaRPr lang="en-US"/>
+          </a:p>
+        </p:txBody>
+      </p:sp>
+      <p:sp>
+        <p:nvSpPr>
+          <p:cNvPr id="14" name="Rectangle 13">
+            <a:extLst>
+              <a:ext uri="{FF2B5EF4-FFF2-40B4-BE49-F238E27FC236}">
+                <a16:creationId xmlns:a16="http://schemas.microsoft.com/office/drawing/2014/main" id="{49EE2FA4-30F6-39CD-24DC-45930AE8838E}"/>
+              </a:ext>
+            </a:extLst>
+          </p:cNvPr>
+          <p:cNvSpPr/>
+          <p:nvPr/>
+        </p:nvSpPr>
+        <p:spPr>
+          <a:xfrm>
+            <a:off x="3232812" y="2030280"/>
+            <a:ext cx="2106140" cy="1874870"/>
+          </a:xfrm>
+          <a:prstGeom prst="rect">
+            <a:avLst/>
+          </a:prstGeom>
+        </p:spPr>
+        <p:style>
+          <a:lnRef idx="2">
+            <a:schemeClr val="accent2">
+              <a:shade val="50000"/>
+            </a:schemeClr>
+          </a:lnRef>
+          <a:fillRef idx="1">
+            <a:schemeClr val="accent2"/>
+          </a:fillRef>
+          <a:effectRef idx="0">
+            <a:schemeClr val="accent2"/>
+          </a:effectRef>
+          <a:fontRef idx="minor">
+            <a:schemeClr val="lt1"/>
+          </a:fontRef>
+        </p:style>
+        <p:txBody>
+          <a:bodyPr rtlCol="0" anchor="ctr"/>
+          <a:lstStyle/>
+          <a:p>
+            <a:pPr algn="ctr"/>
+            <a:endParaRPr lang="en-US"/>
+          </a:p>
+        </p:txBody>
+      </p:sp>
+      <p:sp>
+        <p:nvSpPr>
+          <p:cNvPr id="15" name="Rectangle 14">
+            <a:extLst>
+              <a:ext uri="{FF2B5EF4-FFF2-40B4-BE49-F238E27FC236}">
+                <a16:creationId xmlns:a16="http://schemas.microsoft.com/office/drawing/2014/main" id="{5259A8DC-4858-8373-B27A-63B413355F0E}"/>
+              </a:ext>
+            </a:extLst>
+          </p:cNvPr>
+          <p:cNvSpPr/>
+          <p:nvPr/>
+        </p:nvSpPr>
+        <p:spPr>
+          <a:xfrm>
+            <a:off x="3421644" y="2201646"/>
+            <a:ext cx="2106140" cy="1874870"/>
+          </a:xfrm>
+          <a:prstGeom prst="rect">
+            <a:avLst/>
+          </a:prstGeom>
+        </p:spPr>
+        <p:style>
+          <a:lnRef idx="2">
+            <a:schemeClr val="accent2">
+              <a:shade val="50000"/>
+            </a:schemeClr>
+          </a:lnRef>
+          <a:fillRef idx="1">
+            <a:schemeClr val="accent2"/>
+          </a:fillRef>
+          <a:effectRef idx="0">
+            <a:schemeClr val="accent2"/>
+          </a:effectRef>
+          <a:fontRef idx="minor">
+            <a:schemeClr val="lt1"/>
+          </a:fontRef>
+        </p:style>
+        <p:txBody>
+          <a:bodyPr rtlCol="0" anchor="ctr"/>
+          <a:lstStyle/>
+          <a:p>
+            <a:pPr algn="ctr"/>
+            <a:endParaRPr lang="en-US" dirty="0"/>
+          </a:p>
+        </p:txBody>
+      </p:sp>
+      <p:cxnSp>
+        <p:nvCxnSpPr>
+          <p:cNvPr id="9" name="Straight Connector 8">
+            <a:extLst>
+              <a:ext uri="{FF2B5EF4-FFF2-40B4-BE49-F238E27FC236}">
+                <a16:creationId xmlns:a16="http://schemas.microsoft.com/office/drawing/2014/main" id="{F64CCA55-039A-8DAF-2820-0B1AE7AF3DF5}"/>
+              </a:ext>
+            </a:extLst>
+          </p:cNvPr>
+          <p:cNvCxnSpPr>
+            <a:cxnSpLocks/>
+          </p:cNvCxnSpPr>
+          <p:nvPr/>
+        </p:nvCxnSpPr>
+        <p:spPr>
+          <a:xfrm>
+            <a:off x="1992086" y="2707108"/>
+            <a:ext cx="2438400" cy="213704"/>
+          </a:xfrm>
+          <a:prstGeom prst="line">
+            <a:avLst/>
+          </a:prstGeom>
+          <a:ln>
+            <a:prstDash val="dashDot"/>
+          </a:ln>
+        </p:spPr>
+        <p:style>
+          <a:lnRef idx="1">
+            <a:schemeClr val="accent1"/>
+          </a:lnRef>
+          <a:fillRef idx="0">
+            <a:schemeClr val="accent1"/>
+          </a:fillRef>
+          <a:effectRef idx="0">
+            <a:schemeClr val="accent1"/>
+          </a:effectRef>
+          <a:fontRef idx="minor">
+            <a:schemeClr val="tx1"/>
+          </a:fontRef>
+        </p:style>
+      </p:cxnSp>
+      <p:cxnSp>
+        <p:nvCxnSpPr>
+          <p:cNvPr id="12" name="Straight Connector 11">
+            <a:extLst>
+              <a:ext uri="{FF2B5EF4-FFF2-40B4-BE49-F238E27FC236}">
+                <a16:creationId xmlns:a16="http://schemas.microsoft.com/office/drawing/2014/main" id="{4BE303C8-8251-B48A-ED45-4F7D6B083B57}"/>
+              </a:ext>
+            </a:extLst>
+          </p:cNvPr>
+          <p:cNvCxnSpPr/>
+          <p:nvPr/>
+        </p:nvCxnSpPr>
+        <p:spPr>
+          <a:xfrm>
+            <a:off x="2013612" y="2935139"/>
+            <a:ext cx="2438400" cy="0"/>
+          </a:xfrm>
+          <a:prstGeom prst="line">
+            <a:avLst/>
+          </a:prstGeom>
+          <a:ln>
+            <a:prstDash val="dashDot"/>
+          </a:ln>
+        </p:spPr>
+        <p:style>
+          <a:lnRef idx="1">
+            <a:schemeClr val="accent1"/>
+          </a:lnRef>
+          <a:fillRef idx="0">
+            <a:schemeClr val="accent1"/>
+          </a:fillRef>
+          <a:effectRef idx="0">
+            <a:schemeClr val="accent1"/>
+          </a:effectRef>
+          <a:fontRef idx="minor">
+            <a:schemeClr val="tx1"/>
+          </a:fontRef>
+        </p:style>
+      </p:cxnSp>
+      <p:sp>
+        <p:nvSpPr>
+          <p:cNvPr id="16" name="Rectangle 15">
+            <a:extLst>
+              <a:ext uri="{FF2B5EF4-FFF2-40B4-BE49-F238E27FC236}">
+                <a16:creationId xmlns:a16="http://schemas.microsoft.com/office/drawing/2014/main" id="{499A4915-C32B-597F-1714-D3984EC0A71E}"/>
+              </a:ext>
+            </a:extLst>
+          </p:cNvPr>
+          <p:cNvSpPr/>
+          <p:nvPr/>
+        </p:nvSpPr>
+        <p:spPr>
+          <a:xfrm>
+            <a:off x="5919540" y="2005595"/>
+            <a:ext cx="1415143" cy="1280890"/>
+          </a:xfrm>
+          <a:prstGeom prst="rect">
+            <a:avLst/>
+          </a:prstGeom>
+        </p:spPr>
+        <p:style>
+          <a:lnRef idx="2">
+            <a:schemeClr val="accent3">
+              <a:shade val="50000"/>
+            </a:schemeClr>
+          </a:lnRef>
+          <a:fillRef idx="1">
+            <a:schemeClr val="accent3"/>
+          </a:fillRef>
+          <a:effectRef idx="0">
+            <a:schemeClr val="accent3"/>
+          </a:effectRef>
+          <a:fontRef idx="minor">
+            <a:schemeClr val="lt1"/>
+          </a:fontRef>
+        </p:style>
+        <p:txBody>
+          <a:bodyPr rtlCol="0" anchor="ctr"/>
+          <a:lstStyle/>
+          <a:p>
+            <a:pPr algn="ctr"/>
+            <a:endParaRPr lang="en-US"/>
+          </a:p>
+        </p:txBody>
+      </p:sp>
+      <p:sp>
+        <p:nvSpPr>
+          <p:cNvPr id="17" name="Rectangle 16">
+            <a:extLst>
+              <a:ext uri="{FF2B5EF4-FFF2-40B4-BE49-F238E27FC236}">
+                <a16:creationId xmlns:a16="http://schemas.microsoft.com/office/drawing/2014/main" id="{889CBF2D-B5F0-1ABD-15CF-7C2BE931CE60}"/>
+              </a:ext>
+            </a:extLst>
+          </p:cNvPr>
+          <p:cNvSpPr/>
+          <p:nvPr/>
+        </p:nvSpPr>
+        <p:spPr>
+          <a:xfrm>
+            <a:off x="6071940" y="2157995"/>
+            <a:ext cx="1415143" cy="1280890"/>
+          </a:xfrm>
+          <a:prstGeom prst="rect">
+            <a:avLst/>
+          </a:prstGeom>
+        </p:spPr>
+        <p:style>
+          <a:lnRef idx="2">
+            <a:schemeClr val="accent3">
+              <a:shade val="50000"/>
+            </a:schemeClr>
+          </a:lnRef>
+          <a:fillRef idx="1">
+            <a:schemeClr val="accent3"/>
+          </a:fillRef>
+          <a:effectRef idx="0">
+            <a:schemeClr val="accent3"/>
+          </a:effectRef>
+          <a:fontRef idx="minor">
+            <a:schemeClr val="lt1"/>
+          </a:fontRef>
+        </p:style>
+        <p:txBody>
+          <a:bodyPr rtlCol="0" anchor="ctr"/>
+          <a:lstStyle/>
+          <a:p>
+            <a:pPr algn="ctr"/>
+            <a:endParaRPr lang="en-US"/>
+          </a:p>
+        </p:txBody>
+      </p:sp>
+      <p:sp>
+        <p:nvSpPr>
+          <p:cNvPr id="18" name="Rectangle 17">
+            <a:extLst>
+              <a:ext uri="{FF2B5EF4-FFF2-40B4-BE49-F238E27FC236}">
+                <a16:creationId xmlns:a16="http://schemas.microsoft.com/office/drawing/2014/main" id="{66B87479-31E5-BA17-B40F-AC26BD122E1E}"/>
+              </a:ext>
+            </a:extLst>
+          </p:cNvPr>
+          <p:cNvSpPr/>
+          <p:nvPr/>
+        </p:nvSpPr>
+        <p:spPr>
+          <a:xfrm>
+            <a:off x="6224340" y="2310395"/>
+            <a:ext cx="1415143" cy="1280890"/>
+          </a:xfrm>
+          <a:prstGeom prst="rect">
+            <a:avLst/>
+          </a:prstGeom>
+        </p:spPr>
+        <p:style>
+          <a:lnRef idx="2">
+            <a:schemeClr val="accent3">
+              <a:shade val="50000"/>
+            </a:schemeClr>
+          </a:lnRef>
+          <a:fillRef idx="1">
+            <a:schemeClr val="accent3"/>
+          </a:fillRef>
+          <a:effectRef idx="0">
+            <a:schemeClr val="accent3"/>
+          </a:effectRef>
+          <a:fontRef idx="minor">
+            <a:schemeClr val="lt1"/>
+          </a:fontRef>
+        </p:style>
+        <p:txBody>
+          <a:bodyPr rtlCol="0" anchor="ctr"/>
+          <a:lstStyle/>
+          <a:p>
+            <a:pPr algn="ctr"/>
+            <a:endParaRPr lang="en-US"/>
+          </a:p>
+        </p:txBody>
+      </p:sp>
+      <p:sp>
+        <p:nvSpPr>
+          <p:cNvPr id="19" name="Rectangle 18">
+            <a:extLst>
+              <a:ext uri="{FF2B5EF4-FFF2-40B4-BE49-F238E27FC236}">
+                <a16:creationId xmlns:a16="http://schemas.microsoft.com/office/drawing/2014/main" id="{92BC9716-B4D1-A7C4-FED3-4A3EB7DFAE96}"/>
+              </a:ext>
+            </a:extLst>
+          </p:cNvPr>
+          <p:cNvSpPr/>
+          <p:nvPr/>
+        </p:nvSpPr>
+        <p:spPr>
+          <a:xfrm>
+            <a:off x="4385030" y="2345676"/>
+            <a:ext cx="228600" cy="213704"/>
+          </a:xfrm>
+          <a:prstGeom prst="rect">
+            <a:avLst/>
+          </a:prstGeom>
+          <a:noFill/>
+          <a:ln w="19050"/>
+        </p:spPr>
+        <p:style>
+          <a:lnRef idx="2">
+            <a:schemeClr val="accent1"/>
+          </a:lnRef>
+          <a:fillRef idx="1">
+            <a:schemeClr val="lt1"/>
+          </a:fillRef>
+          <a:effectRef idx="0">
+            <a:schemeClr val="accent1"/>
+          </a:effectRef>
+          <a:fontRef idx="minor">
+            <a:schemeClr val="dk1"/>
+          </a:fontRef>
+        </p:style>
+        <p:txBody>
+          <a:bodyPr rtlCol="0" anchor="ctr"/>
+          <a:lstStyle/>
+          <a:p>
+            <a:pPr algn="ctr"/>
+            <a:endParaRPr lang="en-US"/>
+          </a:p>
+        </p:txBody>
+      </p:sp>
+      <p:cxnSp>
+        <p:nvCxnSpPr>
+          <p:cNvPr id="20" name="Straight Connector 19">
+            <a:extLst>
+              <a:ext uri="{FF2B5EF4-FFF2-40B4-BE49-F238E27FC236}">
+                <a16:creationId xmlns:a16="http://schemas.microsoft.com/office/drawing/2014/main" id="{0B674AA3-3B26-4FF5-8F60-908C88E19291}"/>
+              </a:ext>
+            </a:extLst>
+          </p:cNvPr>
+          <p:cNvCxnSpPr>
+            <a:cxnSpLocks/>
+          </p:cNvCxnSpPr>
+          <p:nvPr/>
+        </p:nvCxnSpPr>
+        <p:spPr>
+          <a:xfrm>
+            <a:off x="4613630" y="2356379"/>
+            <a:ext cx="2438400" cy="213704"/>
+          </a:xfrm>
+          <a:prstGeom prst="line">
+            <a:avLst/>
+          </a:prstGeom>
+          <a:ln>
+            <a:prstDash val="dashDot"/>
+          </a:ln>
+        </p:spPr>
+        <p:style>
+          <a:lnRef idx="1">
+            <a:schemeClr val="accent1"/>
+          </a:lnRef>
+          <a:fillRef idx="0">
+            <a:schemeClr val="accent1"/>
+          </a:fillRef>
+          <a:effectRef idx="0">
+            <a:schemeClr val="accent1"/>
+          </a:effectRef>
+          <a:fontRef idx="minor">
+            <a:schemeClr val="tx1"/>
+          </a:fontRef>
+        </p:style>
+      </p:cxnSp>
+      <p:cxnSp>
+        <p:nvCxnSpPr>
+          <p:cNvPr id="21" name="Straight Connector 20">
+            <a:extLst>
+              <a:ext uri="{FF2B5EF4-FFF2-40B4-BE49-F238E27FC236}">
+                <a16:creationId xmlns:a16="http://schemas.microsoft.com/office/drawing/2014/main" id="{9DE12910-AD75-465D-6280-58F04AFAEEAE}"/>
+              </a:ext>
+            </a:extLst>
+          </p:cNvPr>
+          <p:cNvCxnSpPr/>
+          <p:nvPr/>
+        </p:nvCxnSpPr>
+        <p:spPr>
+          <a:xfrm>
+            <a:off x="4613630" y="2559380"/>
+            <a:ext cx="2438400" cy="0"/>
+          </a:xfrm>
+          <a:prstGeom prst="line">
+            <a:avLst/>
+          </a:prstGeom>
+          <a:ln>
+            <a:prstDash val="dashDot"/>
+          </a:ln>
+        </p:spPr>
+        <p:style>
+          <a:lnRef idx="1">
+            <a:schemeClr val="accent1"/>
+          </a:lnRef>
+          <a:fillRef idx="0">
+            <a:schemeClr val="accent1"/>
+          </a:fillRef>
+          <a:effectRef idx="0">
+            <a:schemeClr val="accent1"/>
+          </a:effectRef>
+          <a:fontRef idx="minor">
+            <a:schemeClr val="tx1"/>
+          </a:fontRef>
+        </p:style>
+      </p:cxnSp>
+      <p:sp>
+        <p:nvSpPr>
+          <p:cNvPr id="22" name="Right Brace 21">
+            <a:extLst>
+              <a:ext uri="{FF2B5EF4-FFF2-40B4-BE49-F238E27FC236}">
+                <a16:creationId xmlns:a16="http://schemas.microsoft.com/office/drawing/2014/main" id="{475EEEC7-0D8E-1151-9A50-09000DF517FF}"/>
+              </a:ext>
+            </a:extLst>
+          </p:cNvPr>
+          <p:cNvSpPr/>
+          <p:nvPr/>
+        </p:nvSpPr>
+        <p:spPr>
+          <a:xfrm>
+            <a:off x="7825143" y="1903377"/>
+            <a:ext cx="676241" cy="2057842"/>
+          </a:xfrm>
+          <a:prstGeom prst="rightBrace">
+            <a:avLst/>
+          </a:prstGeom>
+          <a:ln w="12700"/>
+        </p:spPr>
+        <p:style>
+          <a:lnRef idx="1">
+            <a:schemeClr val="accent1"/>
+          </a:lnRef>
+          <a:fillRef idx="0">
+            <a:schemeClr val="accent1"/>
+          </a:fillRef>
+          <a:effectRef idx="0">
+            <a:schemeClr val="accent1"/>
+          </a:effectRef>
+          <a:fontRef idx="minor">
+            <a:schemeClr val="tx1"/>
+          </a:fontRef>
+        </p:style>
+        <p:txBody>
+          <a:bodyPr rtlCol="0" anchor="ctr"/>
+          <a:lstStyle/>
+          <a:p>
+            <a:pPr algn="ctr"/>
+            <a:endParaRPr lang="en-US"/>
+          </a:p>
+        </p:txBody>
+      </p:sp>
+      <p:sp>
+        <p:nvSpPr>
+          <p:cNvPr id="23" name="TextBox 22">
+            <a:extLst>
+              <a:ext uri="{FF2B5EF4-FFF2-40B4-BE49-F238E27FC236}">
+                <a16:creationId xmlns:a16="http://schemas.microsoft.com/office/drawing/2014/main" id="{1436574E-5AB8-1842-66D8-378E1FDA3908}"/>
+              </a:ext>
+            </a:extLst>
+          </p:cNvPr>
+          <p:cNvSpPr txBox="1"/>
+          <p:nvPr/>
+        </p:nvSpPr>
+        <p:spPr>
+          <a:xfrm>
+            <a:off x="8458296" y="2609076"/>
+            <a:ext cx="975808" cy="646331"/>
+          </a:xfrm>
+          <a:prstGeom prst="rect">
+            <a:avLst/>
+          </a:prstGeom>
+          <a:noFill/>
+        </p:spPr>
+        <p:txBody>
+          <a:bodyPr wrap="square" rtlCol="0">
+            <a:spAutoFit/>
+          </a:bodyPr>
+          <a:lstStyle/>
+          <a:p>
+            <a:r>
+              <a:rPr lang="el-GR" dirty="0">
+                <a:latin typeface="Cambria Math" panose="02040503050406030204" pitchFamily="18" charset="0"/>
+                <a:ea typeface="Cambria Math" panose="02040503050406030204" pitchFamily="18" charset="0"/>
+              </a:rPr>
+              <a:t>μ</a:t>
+            </a:r>
+            <a:r>
+              <a:rPr lang="en-US" dirty="0">
+                <a:latin typeface="Cambria Math" panose="02040503050406030204" pitchFamily="18" charset="0"/>
+                <a:ea typeface="Cambria Math" panose="02040503050406030204" pitchFamily="18" charset="0"/>
+              </a:rPr>
+              <a:t> ≈</a:t>
+            </a:r>
+            <a:r>
+              <a:rPr lang="en-US" dirty="0"/>
+              <a:t> 0</a:t>
+            </a:r>
+            <a:r>
+              <a:rPr lang="en-US" dirty="0">
+                <a:latin typeface="Cambria Math" panose="02040503050406030204" pitchFamily="18" charset="0"/>
+                <a:ea typeface="Cambria Math" panose="02040503050406030204" pitchFamily="18" charset="0"/>
+              </a:rPr>
+              <a:t> </a:t>
+            </a:r>
+          </a:p>
+          <a:p>
+            <a:r>
+              <a:rPr lang="el-GR" dirty="0">
+                <a:latin typeface="Cambria Math" panose="02040503050406030204" pitchFamily="18" charset="0"/>
+                <a:ea typeface="Cambria Math" panose="02040503050406030204" pitchFamily="18" charset="0"/>
+              </a:rPr>
+              <a:t>σ</a:t>
+            </a:r>
+            <a:r>
+              <a:rPr lang="en-US" dirty="0">
+                <a:latin typeface="Cambria Math" panose="02040503050406030204" pitchFamily="18" charset="0"/>
+                <a:ea typeface="Cambria Math" panose="02040503050406030204" pitchFamily="18" charset="0"/>
+              </a:rPr>
+              <a:t> ≈ 1</a:t>
+            </a:r>
+            <a:endParaRPr lang="en-US" dirty="0"/>
+          </a:p>
+        </p:txBody>
+      </p:sp>
+      <p:sp>
+        <p:nvSpPr>
+          <p:cNvPr id="28" name="Rectangle 27">
+            <a:extLst>
+              <a:ext uri="{FF2B5EF4-FFF2-40B4-BE49-F238E27FC236}">
+                <a16:creationId xmlns:a16="http://schemas.microsoft.com/office/drawing/2014/main" id="{C1389292-1700-ED68-4AD8-97F4A3BE9D11}"/>
+              </a:ext>
+            </a:extLst>
+          </p:cNvPr>
+          <p:cNvSpPr/>
+          <p:nvPr/>
+        </p:nvSpPr>
+        <p:spPr>
+          <a:xfrm>
+            <a:off x="9510304" y="2193276"/>
+            <a:ext cx="1415143" cy="1280890"/>
+          </a:xfrm>
+          <a:prstGeom prst="rect">
+            <a:avLst/>
+          </a:prstGeom>
+        </p:spPr>
+        <p:style>
+          <a:lnRef idx="2">
+            <a:schemeClr val="accent4">
+              <a:shade val="50000"/>
+            </a:schemeClr>
+          </a:lnRef>
+          <a:fillRef idx="1">
+            <a:schemeClr val="accent4"/>
+          </a:fillRef>
+          <a:effectRef idx="0">
+            <a:schemeClr val="accent4"/>
+          </a:effectRef>
+          <a:fontRef idx="minor">
+            <a:schemeClr val="lt1"/>
+          </a:fontRef>
+        </p:style>
+        <p:txBody>
+          <a:bodyPr rtlCol="0" anchor="ctr"/>
+          <a:lstStyle/>
+          <a:p>
+            <a:pPr algn="ctr"/>
+            <a:endParaRPr lang="en-US"/>
+          </a:p>
+        </p:txBody>
+      </p:sp>
+      <p:sp>
+        <p:nvSpPr>
+          <p:cNvPr id="29" name="Rectangle 28">
+            <a:extLst>
+              <a:ext uri="{FF2B5EF4-FFF2-40B4-BE49-F238E27FC236}">
+                <a16:creationId xmlns:a16="http://schemas.microsoft.com/office/drawing/2014/main" id="{F95307CF-C44D-AA3A-ACC3-90149936B303}"/>
+              </a:ext>
+            </a:extLst>
+          </p:cNvPr>
+          <p:cNvSpPr/>
+          <p:nvPr/>
+        </p:nvSpPr>
+        <p:spPr>
+          <a:xfrm>
+            <a:off x="9662704" y="2345676"/>
+            <a:ext cx="1415143" cy="1280890"/>
+          </a:xfrm>
+          <a:prstGeom prst="rect">
+            <a:avLst/>
+          </a:prstGeom>
+        </p:spPr>
+        <p:style>
+          <a:lnRef idx="2">
+            <a:schemeClr val="accent4">
+              <a:shade val="50000"/>
+            </a:schemeClr>
+          </a:lnRef>
+          <a:fillRef idx="1">
+            <a:schemeClr val="accent4"/>
+          </a:fillRef>
+          <a:effectRef idx="0">
+            <a:schemeClr val="accent4"/>
+          </a:effectRef>
+          <a:fontRef idx="minor">
+            <a:schemeClr val="lt1"/>
+          </a:fontRef>
+        </p:style>
+        <p:txBody>
+          <a:bodyPr rtlCol="0" anchor="ctr"/>
+          <a:lstStyle/>
+          <a:p>
+            <a:pPr algn="ctr"/>
+            <a:endParaRPr lang="en-US" dirty="0"/>
+          </a:p>
+        </p:txBody>
+      </p:sp>
+      <p:cxnSp>
+        <p:nvCxnSpPr>
+          <p:cNvPr id="34" name="Straight Arrow Connector 33">
+            <a:extLst>
+              <a:ext uri="{FF2B5EF4-FFF2-40B4-BE49-F238E27FC236}">
+                <a16:creationId xmlns:a16="http://schemas.microsoft.com/office/drawing/2014/main" id="{C6D90942-32C6-FF60-D263-8646EC77BAA0}"/>
+              </a:ext>
+            </a:extLst>
+          </p:cNvPr>
+          <p:cNvCxnSpPr>
+            <a:cxnSpLocks/>
+          </p:cNvCxnSpPr>
+          <p:nvPr/>
+        </p:nvCxnSpPr>
+        <p:spPr>
+          <a:xfrm>
+            <a:off x="1632613" y="4604658"/>
+            <a:ext cx="0" cy="446313"/>
+          </a:xfrm>
+          <a:prstGeom prst="straightConnector1">
+            <a:avLst/>
+          </a:prstGeom>
+          <a:ln w="12700">
+            <a:tailEnd type="triangle"/>
+          </a:ln>
+        </p:spPr>
+        <p:style>
+          <a:lnRef idx="1">
+            <a:schemeClr val="accent1"/>
+          </a:lnRef>
+          <a:fillRef idx="0">
+            <a:schemeClr val="accent1"/>
+          </a:fillRef>
+          <a:effectRef idx="0">
+            <a:schemeClr val="accent1"/>
+          </a:effectRef>
+          <a:fontRef idx="minor">
+            <a:schemeClr val="tx1"/>
+          </a:fontRef>
+        </p:style>
+      </p:cxnSp>
+      <p:cxnSp>
+        <p:nvCxnSpPr>
+          <p:cNvPr id="39" name="Straight Connector 38">
+            <a:extLst>
+              <a:ext uri="{FF2B5EF4-FFF2-40B4-BE49-F238E27FC236}">
+                <a16:creationId xmlns:a16="http://schemas.microsoft.com/office/drawing/2014/main" id="{F341EB98-5326-9A4B-D921-F2B8768297FE}"/>
+              </a:ext>
+            </a:extLst>
+          </p:cNvPr>
+          <p:cNvCxnSpPr>
+            <a:cxnSpLocks/>
+          </p:cNvCxnSpPr>
+          <p:nvPr/>
+        </p:nvCxnSpPr>
+        <p:spPr>
+          <a:xfrm>
+            <a:off x="1632613" y="4604658"/>
+            <a:ext cx="8686799" cy="0"/>
+          </a:xfrm>
+          <a:prstGeom prst="line">
+            <a:avLst/>
+          </a:prstGeom>
+          <a:ln w="12700"/>
+        </p:spPr>
+        <p:style>
+          <a:lnRef idx="1">
+            <a:schemeClr val="accent1"/>
+          </a:lnRef>
+          <a:fillRef idx="0">
+            <a:schemeClr val="accent1"/>
+          </a:fillRef>
+          <a:effectRef idx="0">
+            <a:schemeClr val="accent1"/>
+          </a:effectRef>
+          <a:fontRef idx="minor">
+            <a:schemeClr val="tx1"/>
+          </a:fontRef>
+        </p:style>
+      </p:cxnSp>
+      <p:cxnSp>
+        <p:nvCxnSpPr>
+          <p:cNvPr id="41" name="Straight Connector 40">
+            <a:extLst>
+              <a:ext uri="{FF2B5EF4-FFF2-40B4-BE49-F238E27FC236}">
+                <a16:creationId xmlns:a16="http://schemas.microsoft.com/office/drawing/2014/main" id="{60FE29FB-1F53-6EE7-9086-E7B88662C6B9}"/>
+              </a:ext>
+            </a:extLst>
+          </p:cNvPr>
+          <p:cNvCxnSpPr>
+            <a:cxnSpLocks/>
+          </p:cNvCxnSpPr>
+          <p:nvPr/>
+        </p:nvCxnSpPr>
+        <p:spPr>
+          <a:xfrm>
+            <a:off x="10319412" y="3730979"/>
+            <a:ext cx="0" cy="873679"/>
+          </a:xfrm>
+          <a:prstGeom prst="line">
+            <a:avLst/>
+          </a:prstGeom>
+          <a:ln w="12700"/>
+        </p:spPr>
+        <p:style>
+          <a:lnRef idx="1">
+            <a:schemeClr val="accent1"/>
+          </a:lnRef>
+          <a:fillRef idx="0">
+            <a:schemeClr val="accent1"/>
+          </a:fillRef>
+          <a:effectRef idx="0">
+            <a:schemeClr val="accent1"/>
+          </a:effectRef>
+          <a:fontRef idx="minor">
+            <a:schemeClr val="tx1"/>
+          </a:fontRef>
+        </p:style>
+      </p:cxnSp>
+      <p:sp>
+        <p:nvSpPr>
+          <p:cNvPr id="55" name="Arc 54">
+            <a:extLst>
+              <a:ext uri="{FF2B5EF4-FFF2-40B4-BE49-F238E27FC236}">
+                <a16:creationId xmlns:a16="http://schemas.microsoft.com/office/drawing/2014/main" id="{CE56F26C-2D98-BA35-61B6-89E40FBF2494}"/>
+              </a:ext>
+            </a:extLst>
+          </p:cNvPr>
+          <p:cNvSpPr/>
+          <p:nvPr/>
+        </p:nvSpPr>
+        <p:spPr>
+          <a:xfrm>
+            <a:off x="4256313" y="1027504"/>
+            <a:ext cx="6063099" cy="1803222"/>
+          </a:xfrm>
+          <a:prstGeom prst="arc">
+            <a:avLst>
+              <a:gd name="adj1" fmla="val 11006031"/>
+              <a:gd name="adj2" fmla="val 32181"/>
+            </a:avLst>
+          </a:prstGeom>
+        </p:spPr>
+        <p:style>
+          <a:lnRef idx="1">
+            <a:schemeClr val="accent1"/>
+          </a:lnRef>
+          <a:fillRef idx="0">
+            <a:schemeClr val="accent1"/>
+          </a:fillRef>
+          <a:effectRef idx="0">
+            <a:schemeClr val="accent1"/>
+          </a:effectRef>
+          <a:fontRef idx="minor">
+            <a:schemeClr val="tx1"/>
+          </a:fontRef>
+        </p:style>
+        <p:txBody>
+          <a:bodyPr rtlCol="0" anchor="ctr"/>
+          <a:lstStyle/>
+          <a:p>
+            <a:pPr algn="ctr"/>
+            <a:endParaRPr lang="en-US"/>
+          </a:p>
+        </p:txBody>
+      </p:sp>
+      <p:cxnSp>
+        <p:nvCxnSpPr>
+          <p:cNvPr id="64" name="Straight Arrow Connector 63">
+            <a:extLst>
+              <a:ext uri="{FF2B5EF4-FFF2-40B4-BE49-F238E27FC236}">
+                <a16:creationId xmlns:a16="http://schemas.microsoft.com/office/drawing/2014/main" id="{421FDBF0-F91C-B6EB-EC54-B2EA8342CEA3}"/>
+              </a:ext>
+            </a:extLst>
+          </p:cNvPr>
+          <p:cNvCxnSpPr>
+            <a:stCxn id="55" idx="0"/>
+          </p:cNvCxnSpPr>
+          <p:nvPr/>
+        </p:nvCxnSpPr>
+        <p:spPr>
+          <a:xfrm flipH="1">
+            <a:off x="4256313" y="1750803"/>
+            <a:ext cx="59878" cy="152574"/>
+          </a:xfrm>
+          <a:prstGeom prst="straightConnector1">
+            <a:avLst/>
+          </a:prstGeom>
+          <a:ln>
+            <a:tailEnd type="triangle"/>
+          </a:ln>
+        </p:spPr>
+        <p:style>
+          <a:lnRef idx="1">
+            <a:schemeClr val="accent1"/>
+          </a:lnRef>
+          <a:fillRef idx="0">
+            <a:schemeClr val="accent1"/>
+          </a:fillRef>
+          <a:effectRef idx="0">
+            <a:schemeClr val="accent1"/>
+          </a:effectRef>
+          <a:fontRef idx="minor">
+            <a:schemeClr val="tx1"/>
+          </a:fontRef>
+        </p:style>
+      </p:cxnSp>
+      <p:sp>
+        <p:nvSpPr>
+          <p:cNvPr id="66" name="TextBox 65">
+            <a:extLst>
+              <a:ext uri="{FF2B5EF4-FFF2-40B4-BE49-F238E27FC236}">
+                <a16:creationId xmlns:a16="http://schemas.microsoft.com/office/drawing/2014/main" id="{B7FF9E2A-92F2-0272-A442-A5CC1E128D56}"/>
+              </a:ext>
+            </a:extLst>
+          </p:cNvPr>
+          <p:cNvSpPr txBox="1"/>
+          <p:nvPr/>
+        </p:nvSpPr>
+        <p:spPr>
+          <a:xfrm>
+            <a:off x="7639483" y="722351"/>
+            <a:ext cx="598355" cy="369332"/>
+          </a:xfrm>
+          <a:prstGeom prst="rect">
+            <a:avLst/>
+          </a:prstGeom>
+          <a:noFill/>
+        </p:spPr>
+        <p:txBody>
+          <a:bodyPr wrap="square" rtlCol="0">
+            <a:spAutoFit/>
+          </a:bodyPr>
+          <a:lstStyle/>
+          <a:p>
+            <a:r>
+              <a:rPr lang="en-US" dirty="0"/>
+              <a:t>x4</a:t>
+            </a:r>
+          </a:p>
+        </p:txBody>
+      </p:sp>
+      <p:sp>
+        <p:nvSpPr>
+          <p:cNvPr id="67" name="Rectangle 66">
+            <a:extLst>
+              <a:ext uri="{FF2B5EF4-FFF2-40B4-BE49-F238E27FC236}">
+                <a16:creationId xmlns:a16="http://schemas.microsoft.com/office/drawing/2014/main" id="{D32D75A4-505E-5046-19DD-E3CEBBC1DB11}"/>
+              </a:ext>
+            </a:extLst>
+          </p:cNvPr>
+          <p:cNvSpPr/>
+          <p:nvPr/>
+        </p:nvSpPr>
+        <p:spPr>
+          <a:xfrm>
+            <a:off x="10064088" y="2828287"/>
+            <a:ext cx="228600" cy="213704"/>
+          </a:xfrm>
+          <a:prstGeom prst="rect">
+            <a:avLst/>
+          </a:prstGeom>
+          <a:noFill/>
+          <a:ln w="19050"/>
+        </p:spPr>
+        <p:style>
+          <a:lnRef idx="2">
+            <a:schemeClr val="accent1"/>
+          </a:lnRef>
+          <a:fillRef idx="1">
+            <a:schemeClr val="lt1"/>
+          </a:fillRef>
+          <a:effectRef idx="0">
+            <a:schemeClr val="accent1"/>
+          </a:effectRef>
+          <a:fontRef idx="minor">
+            <a:schemeClr val="dk1"/>
+          </a:fontRef>
+        </p:style>
+        <p:txBody>
+          <a:bodyPr rtlCol="0" anchor="ctr"/>
+          <a:lstStyle/>
+          <a:p>
+            <a:pPr algn="ctr"/>
+            <a:endParaRPr lang="en-US"/>
+          </a:p>
+        </p:txBody>
+      </p:sp>
+      <p:cxnSp>
+        <p:nvCxnSpPr>
+          <p:cNvPr id="68" name="Straight Connector 67">
+            <a:extLst>
+              <a:ext uri="{FF2B5EF4-FFF2-40B4-BE49-F238E27FC236}">
+                <a16:creationId xmlns:a16="http://schemas.microsoft.com/office/drawing/2014/main" id="{27F626A9-760F-CA9B-3A10-ADCAA8E40569}"/>
+              </a:ext>
+            </a:extLst>
+          </p:cNvPr>
+          <p:cNvCxnSpPr>
+            <a:cxnSpLocks/>
+            <a:endCxn id="55" idx="2"/>
+          </p:cNvCxnSpPr>
+          <p:nvPr/>
+        </p:nvCxnSpPr>
+        <p:spPr>
+          <a:xfrm flipV="1">
+            <a:off x="10285331" y="1957480"/>
+            <a:ext cx="32580" cy="889073"/>
+          </a:xfrm>
+          <a:prstGeom prst="line">
+            <a:avLst/>
+          </a:prstGeom>
+          <a:ln>
+            <a:prstDash val="dashDot"/>
+          </a:ln>
+        </p:spPr>
+        <p:style>
+          <a:lnRef idx="1">
+            <a:schemeClr val="accent1"/>
+          </a:lnRef>
+          <a:fillRef idx="0">
+            <a:schemeClr val="accent1"/>
+          </a:fillRef>
+          <a:effectRef idx="0">
+            <a:schemeClr val="accent1"/>
+          </a:effectRef>
+          <a:fontRef idx="minor">
+            <a:schemeClr val="tx1"/>
+          </a:fontRef>
+        </p:style>
+      </p:cxnSp>
+      <p:cxnSp>
+        <p:nvCxnSpPr>
+          <p:cNvPr id="76" name="Straight Connector 75">
+            <a:extLst>
+              <a:ext uri="{FF2B5EF4-FFF2-40B4-BE49-F238E27FC236}">
+                <a16:creationId xmlns:a16="http://schemas.microsoft.com/office/drawing/2014/main" id="{6AB903AC-16DB-3C83-AE97-3B074182A527}"/>
+              </a:ext>
+            </a:extLst>
+          </p:cNvPr>
+          <p:cNvCxnSpPr>
+            <a:cxnSpLocks/>
+          </p:cNvCxnSpPr>
+          <p:nvPr/>
+        </p:nvCxnSpPr>
+        <p:spPr>
+          <a:xfrm flipV="1">
+            <a:off x="10067239" y="2005595"/>
+            <a:ext cx="244622" cy="807409"/>
+          </a:xfrm>
+          <a:prstGeom prst="line">
+            <a:avLst/>
+          </a:prstGeom>
+          <a:ln>
+            <a:prstDash val="dashDot"/>
+          </a:ln>
+        </p:spPr>
+        <p:style>
+          <a:lnRef idx="1">
+            <a:schemeClr val="accent1"/>
+          </a:lnRef>
+          <a:fillRef idx="0">
+            <a:schemeClr val="accent1"/>
+          </a:fillRef>
+          <a:effectRef idx="0">
+            <a:schemeClr val="accent1"/>
+          </a:effectRef>
+          <a:fontRef idx="minor">
+            <a:schemeClr val="tx1"/>
+          </a:fontRef>
+        </p:style>
+      </p:cxnSp>
+      <p:sp>
+        <p:nvSpPr>
+          <p:cNvPr id="80" name="TextBox 79">
+            <a:extLst>
+              <a:ext uri="{FF2B5EF4-FFF2-40B4-BE49-F238E27FC236}">
+                <a16:creationId xmlns:a16="http://schemas.microsoft.com/office/drawing/2014/main" id="{BD92EAB6-2C58-BC47-A88E-24C4C582280B}"/>
+              </a:ext>
+            </a:extLst>
+          </p:cNvPr>
+          <p:cNvSpPr txBox="1"/>
+          <p:nvPr/>
+        </p:nvSpPr>
+        <p:spPr>
+          <a:xfrm>
+            <a:off x="1311579" y="4047485"/>
+            <a:ext cx="755335" cy="369332"/>
+          </a:xfrm>
+          <a:prstGeom prst="rect">
+            <a:avLst/>
+          </a:prstGeom>
+          <a:noFill/>
+        </p:spPr>
+        <p:txBody>
+          <a:bodyPr wrap="none" rtlCol="0">
+            <a:spAutoFit/>
+          </a:bodyPr>
+          <a:lstStyle/>
+          <a:p>
+            <a:r>
+              <a:rPr lang="en-US" dirty="0"/>
+              <a:t>Input</a:t>
+            </a:r>
+          </a:p>
+        </p:txBody>
+      </p:sp>
+      <p:sp>
+        <p:nvSpPr>
+          <p:cNvPr id="81" name="TextBox 80">
+            <a:extLst>
+              <a:ext uri="{FF2B5EF4-FFF2-40B4-BE49-F238E27FC236}">
+                <a16:creationId xmlns:a16="http://schemas.microsoft.com/office/drawing/2014/main" id="{5EEDA3F1-A4DF-98C6-0083-9821893F8016}"/>
+              </a:ext>
+            </a:extLst>
+          </p:cNvPr>
+          <p:cNvSpPr txBox="1"/>
+          <p:nvPr/>
+        </p:nvSpPr>
+        <p:spPr>
+          <a:xfrm>
+            <a:off x="3617602" y="4047485"/>
+            <a:ext cx="1547218" cy="369332"/>
+          </a:xfrm>
+          <a:prstGeom prst="rect">
+            <a:avLst/>
+          </a:prstGeom>
+          <a:noFill/>
+        </p:spPr>
+        <p:txBody>
+          <a:bodyPr wrap="none" rtlCol="0">
+            <a:spAutoFit/>
+          </a:bodyPr>
+          <a:lstStyle/>
+          <a:p>
+            <a:r>
+              <a:rPr lang="en-US" dirty="0"/>
+              <a:t>Convolution</a:t>
+            </a:r>
+          </a:p>
+        </p:txBody>
+      </p:sp>
+      <p:sp>
+        <p:nvSpPr>
+          <p:cNvPr id="82" name="TextBox 81">
+            <a:extLst>
+              <a:ext uri="{FF2B5EF4-FFF2-40B4-BE49-F238E27FC236}">
+                <a16:creationId xmlns:a16="http://schemas.microsoft.com/office/drawing/2014/main" id="{28C5FAD1-7DD9-AF3E-8825-FC3BFE7BBACA}"/>
+              </a:ext>
+            </a:extLst>
+          </p:cNvPr>
+          <p:cNvSpPr txBox="1"/>
+          <p:nvPr/>
+        </p:nvSpPr>
+        <p:spPr>
+          <a:xfrm>
+            <a:off x="6276047" y="4047485"/>
+            <a:ext cx="1011815" cy="369332"/>
+          </a:xfrm>
+          <a:prstGeom prst="rect">
+            <a:avLst/>
+          </a:prstGeom>
+          <a:noFill/>
+        </p:spPr>
+        <p:txBody>
+          <a:bodyPr wrap="none" rtlCol="0">
+            <a:spAutoFit/>
+          </a:bodyPr>
+          <a:lstStyle/>
+          <a:p>
+            <a:r>
+              <a:rPr lang="en-US" dirty="0"/>
+              <a:t>Pooling</a:t>
+            </a:r>
+          </a:p>
+        </p:txBody>
+      </p:sp>
+      <p:sp>
+        <p:nvSpPr>
+          <p:cNvPr id="83" name="TextBox 82">
+            <a:extLst>
+              <a:ext uri="{FF2B5EF4-FFF2-40B4-BE49-F238E27FC236}">
+                <a16:creationId xmlns:a16="http://schemas.microsoft.com/office/drawing/2014/main" id="{EA92F256-E1A0-7B21-1FAE-368A032E0AF0}"/>
+              </a:ext>
+            </a:extLst>
+          </p:cNvPr>
+          <p:cNvSpPr txBox="1"/>
+          <p:nvPr/>
+        </p:nvSpPr>
+        <p:spPr>
+          <a:xfrm>
+            <a:off x="7592131" y="4047485"/>
+            <a:ext cx="2436886" cy="369332"/>
+          </a:xfrm>
+          <a:prstGeom prst="rect">
+            <a:avLst/>
+          </a:prstGeom>
+          <a:noFill/>
+        </p:spPr>
+        <p:txBody>
+          <a:bodyPr wrap="none" rtlCol="0">
+            <a:spAutoFit/>
+          </a:bodyPr>
+          <a:lstStyle/>
+          <a:p>
+            <a:r>
+              <a:rPr lang="en-US" dirty="0"/>
+              <a:t>Batch Normalization</a:t>
+            </a:r>
+          </a:p>
+        </p:txBody>
+      </p:sp>
+      <p:sp>
+        <p:nvSpPr>
+          <p:cNvPr id="84" name="TextBox 83">
+            <a:extLst>
+              <a:ext uri="{FF2B5EF4-FFF2-40B4-BE49-F238E27FC236}">
+                <a16:creationId xmlns:a16="http://schemas.microsoft.com/office/drawing/2014/main" id="{EE5335D7-6752-FA14-B162-96758AE6D06F}"/>
+              </a:ext>
+            </a:extLst>
+          </p:cNvPr>
+          <p:cNvSpPr txBox="1"/>
+          <p:nvPr/>
+        </p:nvSpPr>
+        <p:spPr>
+          <a:xfrm>
+            <a:off x="10339879" y="4047484"/>
+            <a:ext cx="1925527" cy="369332"/>
+          </a:xfrm>
+          <a:prstGeom prst="rect">
+            <a:avLst/>
+          </a:prstGeom>
+          <a:noFill/>
+        </p:spPr>
+        <p:txBody>
+          <a:bodyPr wrap="none" rtlCol="0">
+            <a:spAutoFit/>
+          </a:bodyPr>
+          <a:lstStyle/>
+          <a:p>
+            <a:r>
+              <a:rPr lang="en-US" dirty="0"/>
+              <a:t>Spatial Dropout</a:t>
+            </a:r>
+          </a:p>
+        </p:txBody>
+      </p:sp>
+      <p:sp>
+        <p:nvSpPr>
+          <p:cNvPr id="85" name="Rectangle 84">
+            <a:extLst>
+              <a:ext uri="{FF2B5EF4-FFF2-40B4-BE49-F238E27FC236}">
+                <a16:creationId xmlns:a16="http://schemas.microsoft.com/office/drawing/2014/main" id="{DA616EC3-C4F8-BB84-6595-0D118159613B}"/>
+              </a:ext>
+            </a:extLst>
+          </p:cNvPr>
+          <p:cNvSpPr/>
+          <p:nvPr/>
+        </p:nvSpPr>
+        <p:spPr>
+          <a:xfrm>
+            <a:off x="1485901" y="5094514"/>
+            <a:ext cx="337456" cy="332194"/>
+          </a:xfrm>
+          <a:prstGeom prst="rect">
+            <a:avLst/>
+          </a:prstGeom>
+        </p:spPr>
+        <p:style>
+          <a:lnRef idx="2">
+            <a:schemeClr val="accent5">
+              <a:shade val="50000"/>
+            </a:schemeClr>
+          </a:lnRef>
+          <a:fillRef idx="1">
+            <a:schemeClr val="accent5"/>
+          </a:fillRef>
+          <a:effectRef idx="0">
+            <a:schemeClr val="accent5"/>
+          </a:effectRef>
+          <a:fontRef idx="minor">
+            <a:schemeClr val="lt1"/>
+          </a:fontRef>
+        </p:style>
+        <p:txBody>
+          <a:bodyPr rtlCol="0" anchor="ctr"/>
+          <a:lstStyle/>
+          <a:p>
+            <a:pPr algn="ctr"/>
+            <a:endParaRPr lang="en-US"/>
+          </a:p>
+        </p:txBody>
+      </p:sp>
+      <p:sp>
+        <p:nvSpPr>
+          <p:cNvPr id="86" name="Rectangle 85">
+            <a:extLst>
+              <a:ext uri="{FF2B5EF4-FFF2-40B4-BE49-F238E27FC236}">
+                <a16:creationId xmlns:a16="http://schemas.microsoft.com/office/drawing/2014/main" id="{EA889A90-300C-B715-90BE-D2C8315A5ADA}"/>
+              </a:ext>
+            </a:extLst>
+          </p:cNvPr>
+          <p:cNvSpPr/>
+          <p:nvPr/>
+        </p:nvSpPr>
+        <p:spPr>
+          <a:xfrm>
+            <a:off x="1485901" y="5510801"/>
+            <a:ext cx="337456" cy="332194"/>
+          </a:xfrm>
+          <a:prstGeom prst="rect">
+            <a:avLst/>
+          </a:prstGeom>
+        </p:spPr>
+        <p:style>
+          <a:lnRef idx="2">
+            <a:schemeClr val="accent5">
+              <a:shade val="50000"/>
+            </a:schemeClr>
+          </a:lnRef>
+          <a:fillRef idx="1">
+            <a:schemeClr val="accent5"/>
+          </a:fillRef>
+          <a:effectRef idx="0">
+            <a:schemeClr val="accent5"/>
+          </a:effectRef>
+          <a:fontRef idx="minor">
+            <a:schemeClr val="lt1"/>
+          </a:fontRef>
+        </p:style>
+        <p:txBody>
+          <a:bodyPr rtlCol="0" anchor="ctr"/>
+          <a:lstStyle/>
+          <a:p>
+            <a:pPr algn="ctr"/>
+            <a:endParaRPr lang="en-US"/>
+          </a:p>
+        </p:txBody>
+      </p:sp>
+      <p:sp>
+        <p:nvSpPr>
+          <p:cNvPr id="87" name="Rectangle 86">
+            <a:extLst>
+              <a:ext uri="{FF2B5EF4-FFF2-40B4-BE49-F238E27FC236}">
+                <a16:creationId xmlns:a16="http://schemas.microsoft.com/office/drawing/2014/main" id="{F26D0F22-6591-9EF4-F813-74C54F9E01CB}"/>
+              </a:ext>
+            </a:extLst>
+          </p:cNvPr>
+          <p:cNvSpPr/>
+          <p:nvPr/>
+        </p:nvSpPr>
+        <p:spPr>
+          <a:xfrm>
+            <a:off x="1485901" y="5908506"/>
+            <a:ext cx="337456" cy="332194"/>
+          </a:xfrm>
+          <a:prstGeom prst="rect">
+            <a:avLst/>
+          </a:prstGeom>
+        </p:spPr>
+        <p:style>
+          <a:lnRef idx="2">
+            <a:schemeClr val="accent5">
+              <a:shade val="50000"/>
+            </a:schemeClr>
+          </a:lnRef>
+          <a:fillRef idx="1">
+            <a:schemeClr val="accent5"/>
+          </a:fillRef>
+          <a:effectRef idx="0">
+            <a:schemeClr val="accent5"/>
+          </a:effectRef>
+          <a:fontRef idx="minor">
+            <a:schemeClr val="lt1"/>
+          </a:fontRef>
+        </p:style>
+        <p:txBody>
+          <a:bodyPr rtlCol="0" anchor="ctr"/>
+          <a:lstStyle/>
+          <a:p>
+            <a:pPr algn="ctr"/>
+            <a:endParaRPr lang="en-US"/>
+          </a:p>
+        </p:txBody>
+      </p:sp>
+      <p:sp>
+        <p:nvSpPr>
+          <p:cNvPr id="88" name="Rectangle 87">
+            <a:extLst>
+              <a:ext uri="{FF2B5EF4-FFF2-40B4-BE49-F238E27FC236}">
+                <a16:creationId xmlns:a16="http://schemas.microsoft.com/office/drawing/2014/main" id="{B6E33AEB-DFA8-2D7B-1781-5D4937EA5077}"/>
+              </a:ext>
+            </a:extLst>
+          </p:cNvPr>
+          <p:cNvSpPr/>
+          <p:nvPr/>
+        </p:nvSpPr>
+        <p:spPr>
+          <a:xfrm>
+            <a:off x="1485901" y="6306211"/>
+            <a:ext cx="337456" cy="332194"/>
+          </a:xfrm>
+          <a:prstGeom prst="rect">
+            <a:avLst/>
+          </a:prstGeom>
+        </p:spPr>
+        <p:style>
+          <a:lnRef idx="2">
+            <a:schemeClr val="accent5">
+              <a:shade val="50000"/>
+            </a:schemeClr>
+          </a:lnRef>
+          <a:fillRef idx="1">
+            <a:schemeClr val="accent5"/>
+          </a:fillRef>
+          <a:effectRef idx="0">
+            <a:schemeClr val="accent5"/>
+          </a:effectRef>
+          <a:fontRef idx="minor">
+            <a:schemeClr val="lt1"/>
+          </a:fontRef>
+        </p:style>
+        <p:txBody>
+          <a:bodyPr rtlCol="0" anchor="ctr"/>
+          <a:lstStyle/>
+          <a:p>
+            <a:pPr algn="ctr"/>
+            <a:endParaRPr lang="en-US"/>
+          </a:p>
+        </p:txBody>
+      </p:sp>
+      <p:sp>
+        <p:nvSpPr>
+          <p:cNvPr id="90" name="TextBox 89">
+            <a:extLst>
+              <a:ext uri="{FF2B5EF4-FFF2-40B4-BE49-F238E27FC236}">
+                <a16:creationId xmlns:a16="http://schemas.microsoft.com/office/drawing/2014/main" id="{24CA0D79-31E7-3C33-B2C9-9CE0698E627C}"/>
+              </a:ext>
+            </a:extLst>
+          </p:cNvPr>
+          <p:cNvSpPr txBox="1"/>
+          <p:nvPr/>
+        </p:nvSpPr>
+        <p:spPr>
+          <a:xfrm>
+            <a:off x="648912" y="4781105"/>
+            <a:ext cx="949299" cy="369332"/>
+          </a:xfrm>
+          <a:prstGeom prst="rect">
+            <a:avLst/>
+          </a:prstGeom>
+          <a:noFill/>
+        </p:spPr>
+        <p:txBody>
+          <a:bodyPr wrap="none" rtlCol="0">
+            <a:spAutoFit/>
+          </a:bodyPr>
+          <a:lstStyle/>
+          <a:p>
+            <a:r>
+              <a:rPr lang="en-US" dirty="0"/>
+              <a:t>Flatten</a:t>
+            </a:r>
+          </a:p>
+        </p:txBody>
+      </p:sp>
+      <p:sp>
+        <p:nvSpPr>
+          <p:cNvPr id="94" name="Oval 93">
+            <a:extLst>
+              <a:ext uri="{FF2B5EF4-FFF2-40B4-BE49-F238E27FC236}">
+                <a16:creationId xmlns:a16="http://schemas.microsoft.com/office/drawing/2014/main" id="{6BACB26B-472B-2305-3C54-C9C0F188361D}"/>
+              </a:ext>
+            </a:extLst>
+          </p:cNvPr>
+          <p:cNvSpPr/>
+          <p:nvPr/>
+        </p:nvSpPr>
+        <p:spPr>
+          <a:xfrm>
+            <a:off x="3093650" y="4736831"/>
+            <a:ext cx="337456" cy="332192"/>
+          </a:xfrm>
+          <a:prstGeom prst="ellipse">
+            <a:avLst/>
+          </a:prstGeom>
+        </p:spPr>
+        <p:style>
+          <a:lnRef idx="2">
+            <a:schemeClr val="accent6">
+              <a:shade val="50000"/>
+            </a:schemeClr>
+          </a:lnRef>
+          <a:fillRef idx="1">
+            <a:schemeClr val="accent6"/>
+          </a:fillRef>
+          <a:effectRef idx="0">
+            <a:schemeClr val="accent6"/>
+          </a:effectRef>
+          <a:fontRef idx="minor">
+            <a:schemeClr val="lt1"/>
+          </a:fontRef>
+        </p:style>
+        <p:txBody>
+          <a:bodyPr rtlCol="0" anchor="ctr"/>
+          <a:lstStyle/>
+          <a:p>
+            <a:pPr algn="ctr"/>
+            <a:endParaRPr lang="en-US"/>
+          </a:p>
+        </p:txBody>
+      </p:sp>
+      <p:sp>
+        <p:nvSpPr>
+          <p:cNvPr id="95" name="Oval 94">
+            <a:extLst>
+              <a:ext uri="{FF2B5EF4-FFF2-40B4-BE49-F238E27FC236}">
+                <a16:creationId xmlns:a16="http://schemas.microsoft.com/office/drawing/2014/main" id="{3EA4FA86-E05F-1BD9-27E1-5702CD865C32}"/>
+              </a:ext>
+            </a:extLst>
+          </p:cNvPr>
+          <p:cNvSpPr/>
+          <p:nvPr/>
+        </p:nvSpPr>
+        <p:spPr>
+          <a:xfrm>
+            <a:off x="3093650" y="5242289"/>
+            <a:ext cx="337456" cy="332192"/>
+          </a:xfrm>
+          <a:prstGeom prst="ellipse">
+            <a:avLst/>
+          </a:prstGeom>
+        </p:spPr>
+        <p:style>
+          <a:lnRef idx="2">
+            <a:schemeClr val="accent6">
+              <a:shade val="50000"/>
+            </a:schemeClr>
+          </a:lnRef>
+          <a:fillRef idx="1">
+            <a:schemeClr val="accent6"/>
+          </a:fillRef>
+          <a:effectRef idx="0">
+            <a:schemeClr val="accent6"/>
+          </a:effectRef>
+          <a:fontRef idx="minor">
+            <a:schemeClr val="lt1"/>
+          </a:fontRef>
+        </p:style>
+        <p:txBody>
+          <a:bodyPr rtlCol="0" anchor="ctr"/>
+          <a:lstStyle/>
+          <a:p>
+            <a:pPr algn="ctr"/>
+            <a:endParaRPr lang="en-US"/>
+          </a:p>
+        </p:txBody>
+      </p:sp>
+      <p:sp>
+        <p:nvSpPr>
+          <p:cNvPr id="96" name="Oval 95">
+            <a:extLst>
+              <a:ext uri="{FF2B5EF4-FFF2-40B4-BE49-F238E27FC236}">
+                <a16:creationId xmlns:a16="http://schemas.microsoft.com/office/drawing/2014/main" id="{AF40F364-A174-1AF1-29E4-49EED229121C}"/>
+              </a:ext>
+            </a:extLst>
+          </p:cNvPr>
+          <p:cNvSpPr/>
+          <p:nvPr/>
+        </p:nvSpPr>
+        <p:spPr>
+          <a:xfrm>
+            <a:off x="3093650" y="5806688"/>
+            <a:ext cx="337456" cy="332192"/>
+          </a:xfrm>
+          <a:prstGeom prst="ellipse">
+            <a:avLst/>
+          </a:prstGeom>
+        </p:spPr>
+        <p:style>
+          <a:lnRef idx="2">
+            <a:schemeClr val="accent6">
+              <a:shade val="50000"/>
+            </a:schemeClr>
+          </a:lnRef>
+          <a:fillRef idx="1">
+            <a:schemeClr val="accent6"/>
+          </a:fillRef>
+          <a:effectRef idx="0">
+            <a:schemeClr val="accent6"/>
+          </a:effectRef>
+          <a:fontRef idx="minor">
+            <a:schemeClr val="lt1"/>
+          </a:fontRef>
+        </p:style>
+        <p:txBody>
+          <a:bodyPr rtlCol="0" anchor="ctr"/>
+          <a:lstStyle/>
+          <a:p>
+            <a:pPr algn="ctr"/>
+            <a:endParaRPr lang="en-US"/>
+          </a:p>
+        </p:txBody>
+      </p:sp>
+      <p:sp>
+        <p:nvSpPr>
+          <p:cNvPr id="97" name="Oval 96">
+            <a:extLst>
+              <a:ext uri="{FF2B5EF4-FFF2-40B4-BE49-F238E27FC236}">
+                <a16:creationId xmlns:a16="http://schemas.microsoft.com/office/drawing/2014/main" id="{359ED189-1A4F-2746-6AA9-C35AC995D168}"/>
+              </a:ext>
+            </a:extLst>
+          </p:cNvPr>
+          <p:cNvSpPr/>
+          <p:nvPr/>
+        </p:nvSpPr>
+        <p:spPr>
+          <a:xfrm>
+            <a:off x="3093650" y="6371088"/>
+            <a:ext cx="337456" cy="332192"/>
+          </a:xfrm>
+          <a:prstGeom prst="ellipse">
+            <a:avLst/>
+          </a:prstGeom>
+        </p:spPr>
+        <p:style>
+          <a:lnRef idx="2">
+            <a:schemeClr val="accent6">
+              <a:shade val="50000"/>
+            </a:schemeClr>
+          </a:lnRef>
+          <a:fillRef idx="1">
+            <a:schemeClr val="accent6"/>
+          </a:fillRef>
+          <a:effectRef idx="0">
+            <a:schemeClr val="accent6"/>
+          </a:effectRef>
+          <a:fontRef idx="minor">
+            <a:schemeClr val="lt1"/>
+          </a:fontRef>
+        </p:style>
+        <p:txBody>
+          <a:bodyPr rtlCol="0" anchor="ctr"/>
+          <a:lstStyle/>
+          <a:p>
+            <a:pPr algn="ctr"/>
+            <a:endParaRPr lang="en-US"/>
+          </a:p>
+        </p:txBody>
+      </p:sp>
+      <p:cxnSp>
+        <p:nvCxnSpPr>
+          <p:cNvPr id="101" name="Straight Connector 100">
+            <a:extLst>
+              <a:ext uri="{FF2B5EF4-FFF2-40B4-BE49-F238E27FC236}">
+                <a16:creationId xmlns:a16="http://schemas.microsoft.com/office/drawing/2014/main" id="{64BE90F3-267B-1D2D-34D8-B1884616702D}"/>
+              </a:ext>
+            </a:extLst>
+          </p:cNvPr>
+          <p:cNvCxnSpPr>
+            <a:stCxn id="85" idx="3"/>
+            <a:endCxn id="94" idx="2"/>
+          </p:cNvCxnSpPr>
+          <p:nvPr/>
+        </p:nvCxnSpPr>
+        <p:spPr>
+          <a:xfrm flipV="1">
+            <a:off x="1823357" y="4902927"/>
+            <a:ext cx="1270293" cy="357684"/>
+          </a:xfrm>
+          <a:prstGeom prst="line">
+            <a:avLst/>
+          </a:prstGeom>
+        </p:spPr>
+        <p:style>
+          <a:lnRef idx="1">
+            <a:schemeClr val="accent6"/>
+          </a:lnRef>
+          <a:fillRef idx="0">
+            <a:schemeClr val="accent6"/>
+          </a:fillRef>
+          <a:effectRef idx="0">
+            <a:schemeClr val="accent6"/>
+          </a:effectRef>
+          <a:fontRef idx="minor">
+            <a:schemeClr val="tx1"/>
+          </a:fontRef>
+        </p:style>
+      </p:cxnSp>
+      <p:cxnSp>
+        <p:nvCxnSpPr>
+          <p:cNvPr id="103" name="Straight Connector 102">
+            <a:extLst>
+              <a:ext uri="{FF2B5EF4-FFF2-40B4-BE49-F238E27FC236}">
+                <a16:creationId xmlns:a16="http://schemas.microsoft.com/office/drawing/2014/main" id="{7417D8D0-D6B1-5032-6CF9-0D07F1D8188A}"/>
+              </a:ext>
+            </a:extLst>
+          </p:cNvPr>
+          <p:cNvCxnSpPr>
+            <a:stCxn id="86" idx="3"/>
+            <a:endCxn id="95" idx="2"/>
+          </p:cNvCxnSpPr>
+          <p:nvPr/>
+        </p:nvCxnSpPr>
+        <p:spPr>
+          <a:xfrm flipV="1">
+            <a:off x="1823357" y="5408385"/>
+            <a:ext cx="1270293" cy="268513"/>
+          </a:xfrm>
+          <a:prstGeom prst="line">
+            <a:avLst/>
+          </a:prstGeom>
+        </p:spPr>
+        <p:style>
+          <a:lnRef idx="1">
+            <a:schemeClr val="accent6"/>
+          </a:lnRef>
+          <a:fillRef idx="0">
+            <a:schemeClr val="accent6"/>
+          </a:fillRef>
+          <a:effectRef idx="0">
+            <a:schemeClr val="accent6"/>
+          </a:effectRef>
+          <a:fontRef idx="minor">
+            <a:schemeClr val="tx1"/>
+          </a:fontRef>
+        </p:style>
+      </p:cxnSp>
+      <p:cxnSp>
+        <p:nvCxnSpPr>
+          <p:cNvPr id="105" name="Straight Connector 104">
+            <a:extLst>
+              <a:ext uri="{FF2B5EF4-FFF2-40B4-BE49-F238E27FC236}">
+                <a16:creationId xmlns:a16="http://schemas.microsoft.com/office/drawing/2014/main" id="{B34DD411-83C7-077E-0865-6A67A73B7F9D}"/>
+              </a:ext>
+            </a:extLst>
+          </p:cNvPr>
+          <p:cNvCxnSpPr>
+            <a:stCxn id="87" idx="3"/>
+            <a:endCxn id="96" idx="2"/>
+          </p:cNvCxnSpPr>
+          <p:nvPr/>
+        </p:nvCxnSpPr>
+        <p:spPr>
+          <a:xfrm flipV="1">
+            <a:off x="1823357" y="5972784"/>
+            <a:ext cx="1270293" cy="101819"/>
+          </a:xfrm>
+          <a:prstGeom prst="line">
+            <a:avLst/>
+          </a:prstGeom>
+        </p:spPr>
+        <p:style>
+          <a:lnRef idx="1">
+            <a:schemeClr val="accent6"/>
+          </a:lnRef>
+          <a:fillRef idx="0">
+            <a:schemeClr val="accent6"/>
+          </a:fillRef>
+          <a:effectRef idx="0">
+            <a:schemeClr val="accent6"/>
+          </a:effectRef>
+          <a:fontRef idx="minor">
+            <a:schemeClr val="tx1"/>
+          </a:fontRef>
+        </p:style>
+      </p:cxnSp>
+      <p:cxnSp>
+        <p:nvCxnSpPr>
+          <p:cNvPr id="107" name="Straight Connector 106">
+            <a:extLst>
+              <a:ext uri="{FF2B5EF4-FFF2-40B4-BE49-F238E27FC236}">
+                <a16:creationId xmlns:a16="http://schemas.microsoft.com/office/drawing/2014/main" id="{5E8911D1-F6DF-5A8E-A7E2-1AACF13CFE5E}"/>
+              </a:ext>
+            </a:extLst>
+          </p:cNvPr>
+          <p:cNvCxnSpPr>
+            <a:stCxn id="88" idx="3"/>
+            <a:endCxn id="97" idx="2"/>
+          </p:cNvCxnSpPr>
+          <p:nvPr/>
+        </p:nvCxnSpPr>
+        <p:spPr>
+          <a:xfrm>
+            <a:off x="1823357" y="6472308"/>
+            <a:ext cx="1270293" cy="64876"/>
+          </a:xfrm>
+          <a:prstGeom prst="line">
+            <a:avLst/>
+          </a:prstGeom>
+        </p:spPr>
+        <p:style>
+          <a:lnRef idx="1">
+            <a:schemeClr val="accent6"/>
+          </a:lnRef>
+          <a:fillRef idx="0">
+            <a:schemeClr val="accent6"/>
+          </a:fillRef>
+          <a:effectRef idx="0">
+            <a:schemeClr val="accent6"/>
+          </a:effectRef>
+          <a:fontRef idx="minor">
+            <a:schemeClr val="tx1"/>
+          </a:fontRef>
+        </p:style>
+      </p:cxnSp>
+      <p:sp>
+        <p:nvSpPr>
+          <p:cNvPr id="108" name="TextBox 107">
+            <a:extLst>
+              <a:ext uri="{FF2B5EF4-FFF2-40B4-BE49-F238E27FC236}">
+                <a16:creationId xmlns:a16="http://schemas.microsoft.com/office/drawing/2014/main" id="{02DB37EE-0CEC-7F30-3326-49D18DB00527}"/>
+              </a:ext>
+            </a:extLst>
+          </p:cNvPr>
+          <p:cNvSpPr txBox="1"/>
+          <p:nvPr/>
+        </p:nvSpPr>
+        <p:spPr>
+          <a:xfrm>
+            <a:off x="3421644" y="4781105"/>
+            <a:ext cx="2271269" cy="369332"/>
+          </a:xfrm>
+          <a:prstGeom prst="rect">
+            <a:avLst/>
+          </a:prstGeom>
+          <a:noFill/>
+        </p:spPr>
+        <p:txBody>
+          <a:bodyPr wrap="square" rtlCol="0">
+            <a:spAutoFit/>
+          </a:bodyPr>
+          <a:lstStyle/>
+          <a:p>
+            <a:r>
+              <a:rPr lang="en-US" dirty="0"/>
+              <a:t>Dense (</a:t>
+            </a:r>
+            <a:r>
+              <a:rPr lang="en-US" dirty="0" err="1"/>
+              <a:t>ReLu</a:t>
+            </a:r>
+            <a:r>
+              <a:rPr lang="en-US" dirty="0"/>
+              <a:t>)</a:t>
+            </a:r>
+          </a:p>
+        </p:txBody>
+      </p:sp>
+      <p:sp>
+        <p:nvSpPr>
+          <p:cNvPr id="109" name="Oval 108">
+            <a:extLst>
+              <a:ext uri="{FF2B5EF4-FFF2-40B4-BE49-F238E27FC236}">
+                <a16:creationId xmlns:a16="http://schemas.microsoft.com/office/drawing/2014/main" id="{A5757C70-BDCB-B86F-4B81-7C85646CAD21}"/>
+              </a:ext>
+            </a:extLst>
+          </p:cNvPr>
+          <p:cNvSpPr/>
+          <p:nvPr/>
+        </p:nvSpPr>
+        <p:spPr>
+          <a:xfrm>
+            <a:off x="3939891" y="5328959"/>
+            <a:ext cx="337456" cy="332192"/>
+          </a:xfrm>
+          <a:prstGeom prst="ellipse">
+            <a:avLst/>
+          </a:prstGeom>
+        </p:spPr>
+        <p:style>
+          <a:lnRef idx="2">
+            <a:schemeClr val="accent6">
+              <a:shade val="50000"/>
+            </a:schemeClr>
+          </a:lnRef>
+          <a:fillRef idx="1">
+            <a:schemeClr val="accent6"/>
+          </a:fillRef>
+          <a:effectRef idx="0">
+            <a:schemeClr val="accent6"/>
+          </a:effectRef>
+          <a:fontRef idx="minor">
+            <a:schemeClr val="lt1"/>
+          </a:fontRef>
+        </p:style>
+        <p:txBody>
+          <a:bodyPr rtlCol="0" anchor="ctr"/>
+          <a:lstStyle/>
+          <a:p>
+            <a:pPr algn="ctr"/>
+            <a:endParaRPr lang="en-US"/>
+          </a:p>
+        </p:txBody>
+      </p:sp>
+      <p:sp>
+        <p:nvSpPr>
+          <p:cNvPr id="110" name="Oval 109">
+            <a:extLst>
+              <a:ext uri="{FF2B5EF4-FFF2-40B4-BE49-F238E27FC236}">
+                <a16:creationId xmlns:a16="http://schemas.microsoft.com/office/drawing/2014/main" id="{1601E641-ADB0-5CEA-853E-2705697A4F9B}"/>
+              </a:ext>
+            </a:extLst>
+          </p:cNvPr>
+          <p:cNvSpPr/>
+          <p:nvPr/>
+        </p:nvSpPr>
+        <p:spPr>
+          <a:xfrm>
+            <a:off x="3939891" y="5756736"/>
+            <a:ext cx="337456" cy="332192"/>
+          </a:xfrm>
+          <a:prstGeom prst="ellipse">
+            <a:avLst/>
+          </a:prstGeom>
+        </p:spPr>
+        <p:style>
+          <a:lnRef idx="2">
+            <a:schemeClr val="accent6">
+              <a:shade val="50000"/>
+            </a:schemeClr>
+          </a:lnRef>
+          <a:fillRef idx="1">
+            <a:schemeClr val="accent6"/>
+          </a:fillRef>
+          <a:effectRef idx="0">
+            <a:schemeClr val="accent6"/>
+          </a:effectRef>
+          <a:fontRef idx="minor">
+            <a:schemeClr val="lt1"/>
+          </a:fontRef>
+        </p:style>
+        <p:txBody>
+          <a:bodyPr rtlCol="0" anchor="ctr"/>
+          <a:lstStyle/>
+          <a:p>
+            <a:pPr algn="ctr"/>
+            <a:endParaRPr lang="en-US"/>
+          </a:p>
+        </p:txBody>
+      </p:sp>
+      <p:cxnSp>
+        <p:nvCxnSpPr>
+          <p:cNvPr id="111" name="Straight Connector 110">
+            <a:extLst>
+              <a:ext uri="{FF2B5EF4-FFF2-40B4-BE49-F238E27FC236}">
+                <a16:creationId xmlns:a16="http://schemas.microsoft.com/office/drawing/2014/main" id="{13F6B8B1-77E8-7EC3-6254-05E32EED68B7}"/>
+              </a:ext>
+            </a:extLst>
+          </p:cNvPr>
+          <p:cNvCxnSpPr>
+            <a:cxnSpLocks/>
+            <a:stCxn id="95" idx="6"/>
+            <a:endCxn id="109" idx="2"/>
+          </p:cNvCxnSpPr>
+          <p:nvPr/>
+        </p:nvCxnSpPr>
+        <p:spPr>
+          <a:xfrm>
+            <a:off x="3431106" y="5408385"/>
+            <a:ext cx="508785" cy="86670"/>
+          </a:xfrm>
+          <a:prstGeom prst="line">
+            <a:avLst/>
+          </a:prstGeom>
+        </p:spPr>
+        <p:style>
+          <a:lnRef idx="1">
+            <a:schemeClr val="accent6"/>
+          </a:lnRef>
+          <a:fillRef idx="0">
+            <a:schemeClr val="accent6"/>
+          </a:fillRef>
+          <a:effectRef idx="0">
+            <a:schemeClr val="accent6"/>
+          </a:effectRef>
+          <a:fontRef idx="minor">
+            <a:schemeClr val="tx1"/>
+          </a:fontRef>
+        </p:style>
+      </p:cxnSp>
+      <p:cxnSp>
+        <p:nvCxnSpPr>
+          <p:cNvPr id="112" name="Straight Connector 111">
+            <a:extLst>
+              <a:ext uri="{FF2B5EF4-FFF2-40B4-BE49-F238E27FC236}">
+                <a16:creationId xmlns:a16="http://schemas.microsoft.com/office/drawing/2014/main" id="{B751A528-72CE-7D30-3239-A8E349F4698D}"/>
+              </a:ext>
+            </a:extLst>
+          </p:cNvPr>
+          <p:cNvCxnSpPr>
+            <a:cxnSpLocks/>
+            <a:stCxn id="96" idx="6"/>
+            <a:endCxn id="110" idx="2"/>
+          </p:cNvCxnSpPr>
+          <p:nvPr/>
+        </p:nvCxnSpPr>
+        <p:spPr>
+          <a:xfrm flipV="1">
+            <a:off x="3431106" y="5922832"/>
+            <a:ext cx="508785" cy="49952"/>
+          </a:xfrm>
+          <a:prstGeom prst="line">
+            <a:avLst/>
+          </a:prstGeom>
+        </p:spPr>
+        <p:style>
+          <a:lnRef idx="1">
+            <a:schemeClr val="accent6"/>
+          </a:lnRef>
+          <a:fillRef idx="0">
+            <a:schemeClr val="accent6"/>
+          </a:fillRef>
+          <a:effectRef idx="0">
+            <a:schemeClr val="accent6"/>
+          </a:effectRef>
+          <a:fontRef idx="minor">
+            <a:schemeClr val="tx1"/>
+          </a:fontRef>
+        </p:style>
+      </p:cxnSp>
+      <p:sp>
+        <p:nvSpPr>
+          <p:cNvPr id="118" name="Right Brace 117">
+            <a:extLst>
+              <a:ext uri="{FF2B5EF4-FFF2-40B4-BE49-F238E27FC236}">
+                <a16:creationId xmlns:a16="http://schemas.microsoft.com/office/drawing/2014/main" id="{3AA6D81D-87AD-F175-100C-E6D31B4FBD07}"/>
+              </a:ext>
+            </a:extLst>
+          </p:cNvPr>
+          <p:cNvSpPr/>
+          <p:nvPr/>
+        </p:nvSpPr>
+        <p:spPr>
+          <a:xfrm>
+            <a:off x="4992964" y="4697946"/>
+            <a:ext cx="676241" cy="2057842"/>
+          </a:xfrm>
+          <a:prstGeom prst="rightBrace">
+            <a:avLst/>
+          </a:prstGeom>
+          <a:ln w="12700"/>
+        </p:spPr>
+        <p:style>
+          <a:lnRef idx="1">
+            <a:schemeClr val="accent1"/>
+          </a:lnRef>
+          <a:fillRef idx="0">
+            <a:schemeClr val="accent1"/>
+          </a:fillRef>
+          <a:effectRef idx="0">
+            <a:schemeClr val="accent1"/>
+          </a:effectRef>
+          <a:fontRef idx="minor">
+            <a:schemeClr val="tx1"/>
+          </a:fontRef>
+        </p:style>
+        <p:txBody>
+          <a:bodyPr rtlCol="0" anchor="ctr"/>
+          <a:lstStyle/>
+          <a:p>
+            <a:pPr algn="ctr"/>
+            <a:endParaRPr lang="en-US"/>
+          </a:p>
+        </p:txBody>
+      </p:sp>
+      <p:sp>
+        <p:nvSpPr>
+          <p:cNvPr id="119" name="TextBox 118">
+            <a:extLst>
+              <a:ext uri="{FF2B5EF4-FFF2-40B4-BE49-F238E27FC236}">
+                <a16:creationId xmlns:a16="http://schemas.microsoft.com/office/drawing/2014/main" id="{E5D5DC63-AE89-F431-33BA-427099D6A5EF}"/>
+              </a:ext>
+            </a:extLst>
+          </p:cNvPr>
+          <p:cNvSpPr txBox="1"/>
+          <p:nvPr/>
+        </p:nvSpPr>
+        <p:spPr>
+          <a:xfrm>
+            <a:off x="5643921" y="5359726"/>
+            <a:ext cx="907800" cy="646331"/>
+          </a:xfrm>
+          <a:prstGeom prst="rect">
+            <a:avLst/>
+          </a:prstGeom>
+          <a:noFill/>
+        </p:spPr>
+        <p:txBody>
+          <a:bodyPr wrap="square" rtlCol="0">
+            <a:spAutoFit/>
+          </a:bodyPr>
+          <a:lstStyle/>
+          <a:p>
+            <a:r>
+              <a:rPr lang="el-GR" dirty="0">
+                <a:latin typeface="Cambria Math" panose="02040503050406030204" pitchFamily="18" charset="0"/>
+                <a:ea typeface="Cambria Math" panose="02040503050406030204" pitchFamily="18" charset="0"/>
+              </a:rPr>
+              <a:t>μ</a:t>
+            </a:r>
+            <a:r>
+              <a:rPr lang="en-US" dirty="0">
+                <a:latin typeface="Cambria Math" panose="02040503050406030204" pitchFamily="18" charset="0"/>
+                <a:ea typeface="Cambria Math" panose="02040503050406030204" pitchFamily="18" charset="0"/>
+              </a:rPr>
+              <a:t> ≈</a:t>
+            </a:r>
+            <a:r>
+              <a:rPr lang="en-US" dirty="0"/>
+              <a:t> 0</a:t>
+            </a:r>
+            <a:r>
+              <a:rPr lang="en-US" dirty="0">
+                <a:latin typeface="Cambria Math" panose="02040503050406030204" pitchFamily="18" charset="0"/>
+                <a:ea typeface="Cambria Math" panose="02040503050406030204" pitchFamily="18" charset="0"/>
+              </a:rPr>
+              <a:t> </a:t>
+            </a:r>
+          </a:p>
+          <a:p>
+            <a:r>
+              <a:rPr lang="el-GR" dirty="0">
+                <a:latin typeface="Cambria Math" panose="02040503050406030204" pitchFamily="18" charset="0"/>
+                <a:ea typeface="Cambria Math" panose="02040503050406030204" pitchFamily="18" charset="0"/>
+              </a:rPr>
+              <a:t>σ</a:t>
+            </a:r>
+            <a:r>
+              <a:rPr lang="en-US" dirty="0">
+                <a:latin typeface="Cambria Math" panose="02040503050406030204" pitchFamily="18" charset="0"/>
+                <a:ea typeface="Cambria Math" panose="02040503050406030204" pitchFamily="18" charset="0"/>
+              </a:rPr>
+              <a:t> ≈ 1</a:t>
+            </a:r>
+            <a:endParaRPr lang="en-US" dirty="0"/>
+          </a:p>
+        </p:txBody>
+      </p:sp>
+      <p:sp>
+        <p:nvSpPr>
+          <p:cNvPr id="120" name="TextBox 119">
+            <a:extLst>
+              <a:ext uri="{FF2B5EF4-FFF2-40B4-BE49-F238E27FC236}">
+                <a16:creationId xmlns:a16="http://schemas.microsoft.com/office/drawing/2014/main" id="{E1788731-E9CA-EE61-87AC-B9977079B334}"/>
+              </a:ext>
+            </a:extLst>
+          </p:cNvPr>
+          <p:cNvSpPr txBox="1"/>
+          <p:nvPr/>
+        </p:nvSpPr>
+        <p:spPr>
+          <a:xfrm>
+            <a:off x="5683827" y="4786075"/>
+            <a:ext cx="2436886" cy="369332"/>
+          </a:xfrm>
+          <a:prstGeom prst="rect">
+            <a:avLst/>
+          </a:prstGeom>
+          <a:noFill/>
+        </p:spPr>
+        <p:txBody>
+          <a:bodyPr wrap="none" rtlCol="0">
+            <a:spAutoFit/>
+          </a:bodyPr>
+          <a:lstStyle/>
+          <a:p>
+            <a:r>
+              <a:rPr lang="en-US" dirty="0"/>
+              <a:t>Batch Normalization</a:t>
+            </a:r>
+          </a:p>
+        </p:txBody>
+      </p:sp>
+      <p:cxnSp>
+        <p:nvCxnSpPr>
+          <p:cNvPr id="121" name="Straight Connector 120">
+            <a:extLst>
+              <a:ext uri="{FF2B5EF4-FFF2-40B4-BE49-F238E27FC236}">
+                <a16:creationId xmlns:a16="http://schemas.microsoft.com/office/drawing/2014/main" id="{7EE805E9-F12B-1AE9-8D3C-84DD7A490860}"/>
+              </a:ext>
+            </a:extLst>
+          </p:cNvPr>
+          <p:cNvCxnSpPr>
+            <a:cxnSpLocks/>
+            <a:stCxn id="95" idx="5"/>
+            <a:endCxn id="110" idx="2"/>
+          </p:cNvCxnSpPr>
+          <p:nvPr/>
+        </p:nvCxnSpPr>
+        <p:spPr>
+          <a:xfrm>
+            <a:off x="3381687" y="5525833"/>
+            <a:ext cx="558204" cy="396999"/>
+          </a:xfrm>
+          <a:prstGeom prst="line">
+            <a:avLst/>
+          </a:prstGeom>
+        </p:spPr>
+        <p:style>
+          <a:lnRef idx="1">
+            <a:schemeClr val="accent6"/>
+          </a:lnRef>
+          <a:fillRef idx="0">
+            <a:schemeClr val="accent6"/>
+          </a:fillRef>
+          <a:effectRef idx="0">
+            <a:schemeClr val="accent6"/>
+          </a:effectRef>
+          <a:fontRef idx="minor">
+            <a:schemeClr val="tx1"/>
+          </a:fontRef>
+        </p:style>
+      </p:cxnSp>
+      <p:cxnSp>
+        <p:nvCxnSpPr>
+          <p:cNvPr id="122" name="Straight Connector 121">
+            <a:extLst>
+              <a:ext uri="{FF2B5EF4-FFF2-40B4-BE49-F238E27FC236}">
+                <a16:creationId xmlns:a16="http://schemas.microsoft.com/office/drawing/2014/main" id="{0B03B4B8-F908-5276-4963-6233B847B8E2}"/>
+              </a:ext>
+            </a:extLst>
+          </p:cNvPr>
+          <p:cNvCxnSpPr>
+            <a:cxnSpLocks/>
+            <a:stCxn id="96" idx="5"/>
+            <a:endCxn id="109" idx="3"/>
+          </p:cNvCxnSpPr>
+          <p:nvPr/>
+        </p:nvCxnSpPr>
+        <p:spPr>
+          <a:xfrm flipV="1">
+            <a:off x="3381687" y="5612503"/>
+            <a:ext cx="607623" cy="477729"/>
+          </a:xfrm>
+          <a:prstGeom prst="line">
+            <a:avLst/>
+          </a:prstGeom>
+        </p:spPr>
+        <p:style>
+          <a:lnRef idx="1">
+            <a:schemeClr val="accent6"/>
+          </a:lnRef>
+          <a:fillRef idx="0">
+            <a:schemeClr val="accent6"/>
+          </a:fillRef>
+          <a:effectRef idx="0">
+            <a:schemeClr val="accent6"/>
+          </a:effectRef>
+          <a:fontRef idx="minor">
+            <a:schemeClr val="tx1"/>
+          </a:fontRef>
+        </p:style>
+      </p:cxnSp>
+      <p:cxnSp>
+        <p:nvCxnSpPr>
+          <p:cNvPr id="123" name="Straight Connector 122">
+            <a:extLst>
+              <a:ext uri="{FF2B5EF4-FFF2-40B4-BE49-F238E27FC236}">
+                <a16:creationId xmlns:a16="http://schemas.microsoft.com/office/drawing/2014/main" id="{1BD3A0B4-2551-06EA-E885-5605A63D6DAF}"/>
+              </a:ext>
+            </a:extLst>
+          </p:cNvPr>
+          <p:cNvCxnSpPr>
+            <a:cxnSpLocks/>
+            <a:stCxn id="94" idx="5"/>
+            <a:endCxn id="109" idx="1"/>
+          </p:cNvCxnSpPr>
+          <p:nvPr/>
+        </p:nvCxnSpPr>
+        <p:spPr>
+          <a:xfrm>
+            <a:off x="3381687" y="5020375"/>
+            <a:ext cx="607623" cy="357232"/>
+          </a:xfrm>
+          <a:prstGeom prst="line">
+            <a:avLst/>
+          </a:prstGeom>
+        </p:spPr>
+        <p:style>
+          <a:lnRef idx="1">
+            <a:schemeClr val="accent6"/>
+          </a:lnRef>
+          <a:fillRef idx="0">
+            <a:schemeClr val="accent6"/>
+          </a:fillRef>
+          <a:effectRef idx="0">
+            <a:schemeClr val="accent6"/>
+          </a:effectRef>
+          <a:fontRef idx="minor">
+            <a:schemeClr val="tx1"/>
+          </a:fontRef>
+        </p:style>
+      </p:cxnSp>
+      <p:cxnSp>
+        <p:nvCxnSpPr>
+          <p:cNvPr id="130" name="Straight Connector 129">
+            <a:extLst>
+              <a:ext uri="{FF2B5EF4-FFF2-40B4-BE49-F238E27FC236}">
+                <a16:creationId xmlns:a16="http://schemas.microsoft.com/office/drawing/2014/main" id="{63682EC0-DEF3-7A1C-7A3F-8FB9F82BA715}"/>
+              </a:ext>
+            </a:extLst>
+          </p:cNvPr>
+          <p:cNvCxnSpPr>
+            <a:cxnSpLocks/>
+            <a:stCxn id="97" idx="5"/>
+          </p:cNvCxnSpPr>
+          <p:nvPr/>
+        </p:nvCxnSpPr>
+        <p:spPr>
+          <a:xfrm flipV="1">
+            <a:off x="3381687" y="5647455"/>
+            <a:ext cx="710604" cy="1007177"/>
+          </a:xfrm>
+          <a:prstGeom prst="line">
+            <a:avLst/>
+          </a:prstGeom>
+        </p:spPr>
+        <p:style>
+          <a:lnRef idx="1">
+            <a:schemeClr val="accent6"/>
+          </a:lnRef>
+          <a:fillRef idx="0">
+            <a:schemeClr val="accent6"/>
+          </a:fillRef>
+          <a:effectRef idx="0">
+            <a:schemeClr val="accent6"/>
+          </a:effectRef>
+          <a:fontRef idx="minor">
+            <a:schemeClr val="tx1"/>
+          </a:fontRef>
+        </p:style>
+      </p:cxnSp>
+      <p:cxnSp>
+        <p:nvCxnSpPr>
+          <p:cNvPr id="133" name="Straight Connector 132">
+            <a:extLst>
+              <a:ext uri="{FF2B5EF4-FFF2-40B4-BE49-F238E27FC236}">
+                <a16:creationId xmlns:a16="http://schemas.microsoft.com/office/drawing/2014/main" id="{FB7C3C8B-B5BF-7E6A-7CBF-E04625EDEFFA}"/>
+              </a:ext>
+            </a:extLst>
+          </p:cNvPr>
+          <p:cNvCxnSpPr>
+            <a:cxnSpLocks/>
+            <a:stCxn id="97" idx="6"/>
+            <a:endCxn id="110" idx="3"/>
+          </p:cNvCxnSpPr>
+          <p:nvPr/>
+        </p:nvCxnSpPr>
+        <p:spPr>
+          <a:xfrm flipV="1">
+            <a:off x="3431106" y="6040280"/>
+            <a:ext cx="558204" cy="496904"/>
+          </a:xfrm>
+          <a:prstGeom prst="line">
+            <a:avLst/>
+          </a:prstGeom>
+        </p:spPr>
+        <p:style>
+          <a:lnRef idx="1">
+            <a:schemeClr val="accent6"/>
+          </a:lnRef>
+          <a:fillRef idx="0">
+            <a:schemeClr val="accent6"/>
+          </a:fillRef>
+          <a:effectRef idx="0">
+            <a:schemeClr val="accent6"/>
+          </a:effectRef>
+          <a:fontRef idx="minor">
+            <a:schemeClr val="tx1"/>
+          </a:fontRef>
+        </p:style>
+      </p:cxnSp>
+      <p:cxnSp>
+        <p:nvCxnSpPr>
+          <p:cNvPr id="136" name="Straight Connector 135">
+            <a:extLst>
+              <a:ext uri="{FF2B5EF4-FFF2-40B4-BE49-F238E27FC236}">
+                <a16:creationId xmlns:a16="http://schemas.microsoft.com/office/drawing/2014/main" id="{FCCEDC96-7FE7-F04B-5D3A-A00AAA225A7A}"/>
+              </a:ext>
+            </a:extLst>
+          </p:cNvPr>
+          <p:cNvCxnSpPr>
+            <a:cxnSpLocks/>
+            <a:stCxn id="94" idx="6"/>
+            <a:endCxn id="110" idx="1"/>
+          </p:cNvCxnSpPr>
+          <p:nvPr/>
+        </p:nvCxnSpPr>
+        <p:spPr>
+          <a:xfrm>
+            <a:off x="3431106" y="4902927"/>
+            <a:ext cx="558204" cy="902457"/>
+          </a:xfrm>
+          <a:prstGeom prst="line">
+            <a:avLst/>
+          </a:prstGeom>
+        </p:spPr>
+        <p:style>
+          <a:lnRef idx="1">
+            <a:schemeClr val="accent6"/>
+          </a:lnRef>
+          <a:fillRef idx="0">
+            <a:schemeClr val="accent6"/>
+          </a:fillRef>
+          <a:effectRef idx="0">
+            <a:schemeClr val="accent6"/>
+          </a:effectRef>
+          <a:fontRef idx="minor">
+            <a:schemeClr val="tx1"/>
+          </a:fontRef>
+        </p:style>
+      </p:cxnSp>
+      <p:cxnSp>
+        <p:nvCxnSpPr>
+          <p:cNvPr id="143" name="Straight Arrow Connector 142">
+            <a:extLst>
+              <a:ext uri="{FF2B5EF4-FFF2-40B4-BE49-F238E27FC236}">
+                <a16:creationId xmlns:a16="http://schemas.microsoft.com/office/drawing/2014/main" id="{97675179-B572-EFA4-F92D-2DEE747F6B30}"/>
+              </a:ext>
+            </a:extLst>
+          </p:cNvPr>
+          <p:cNvCxnSpPr>
+            <a:cxnSpLocks/>
+            <a:stCxn id="119" idx="3"/>
+          </p:cNvCxnSpPr>
+          <p:nvPr/>
+        </p:nvCxnSpPr>
+        <p:spPr>
+          <a:xfrm>
+            <a:off x="6551721" y="5682892"/>
+            <a:ext cx="2058879" cy="0"/>
+          </a:xfrm>
+          <a:prstGeom prst="straightConnector1">
+            <a:avLst/>
+          </a:prstGeom>
+          <a:ln>
+            <a:tailEnd type="triangle"/>
+          </a:ln>
+        </p:spPr>
+        <p:style>
+          <a:lnRef idx="1">
+            <a:schemeClr val="accent1"/>
+          </a:lnRef>
+          <a:fillRef idx="0">
+            <a:schemeClr val="accent1"/>
+          </a:fillRef>
+          <a:effectRef idx="0">
+            <a:schemeClr val="accent1"/>
+          </a:effectRef>
+          <a:fontRef idx="minor">
+            <a:schemeClr val="tx1"/>
+          </a:fontRef>
+        </p:style>
+      </p:cxnSp>
+      <p:sp>
+        <p:nvSpPr>
+          <p:cNvPr id="145" name="TextBox 144">
+            <a:extLst>
+              <a:ext uri="{FF2B5EF4-FFF2-40B4-BE49-F238E27FC236}">
+                <a16:creationId xmlns:a16="http://schemas.microsoft.com/office/drawing/2014/main" id="{EA5E1C44-750F-86BF-0B6E-857684BDF443}"/>
+              </a:ext>
+            </a:extLst>
+          </p:cNvPr>
+          <p:cNvSpPr txBox="1"/>
+          <p:nvPr/>
+        </p:nvSpPr>
+        <p:spPr>
+          <a:xfrm>
+            <a:off x="9390811" y="4793531"/>
+            <a:ext cx="1575154" cy="369332"/>
+          </a:xfrm>
+          <a:prstGeom prst="rect">
+            <a:avLst/>
+          </a:prstGeom>
+          <a:noFill/>
+        </p:spPr>
+        <p:txBody>
+          <a:bodyPr wrap="square" rtlCol="0">
+            <a:spAutoFit/>
+          </a:bodyPr>
+          <a:lstStyle/>
+          <a:p>
+            <a:r>
+              <a:rPr lang="en-US" dirty="0"/>
+              <a:t>Output</a:t>
+            </a:r>
+          </a:p>
+        </p:txBody>
+      </p:sp>
+      <p:sp>
+        <p:nvSpPr>
+          <p:cNvPr id="146" name="Rectangle: Rounded Corners 145">
+            <a:extLst>
+              <a:ext uri="{FF2B5EF4-FFF2-40B4-BE49-F238E27FC236}">
+                <a16:creationId xmlns:a16="http://schemas.microsoft.com/office/drawing/2014/main" id="{CD5E5D30-7A2B-C0B9-10C9-CC967A691D7B}"/>
+              </a:ext>
+            </a:extLst>
+          </p:cNvPr>
+          <p:cNvSpPr/>
+          <p:nvPr/>
+        </p:nvSpPr>
+        <p:spPr>
+          <a:xfrm>
+            <a:off x="8887530" y="5373497"/>
+            <a:ext cx="2190317" cy="646330"/>
+          </a:xfrm>
+          <a:prstGeom prst="roundRect">
+            <a:avLst/>
+          </a:prstGeom>
+        </p:spPr>
+        <p:style>
+          <a:lnRef idx="2">
+            <a:schemeClr val="dk1">
+              <a:shade val="50000"/>
+            </a:schemeClr>
+          </a:lnRef>
+          <a:fillRef idx="1">
+            <a:schemeClr val="dk1"/>
+          </a:fillRef>
+          <a:effectRef idx="0">
+            <a:schemeClr val="dk1"/>
+          </a:effectRef>
+          <a:fontRef idx="minor">
+            <a:schemeClr val="lt1"/>
+          </a:fontRef>
+        </p:style>
+        <p:txBody>
+          <a:bodyPr rtlCol="0" anchor="ctr"/>
+          <a:lstStyle/>
+          <a:p>
+            <a:pPr algn="ctr"/>
+            <a:r>
+              <a:rPr lang="en-US" dirty="0"/>
+              <a:t>American Robin</a:t>
+            </a:r>
           </a:p>
         </p:txBody>
       </p:sp>
